--- a/lesson2/Session2.pptx
+++ b/lesson2/Session2.pptx
@@ -19,23 +19,34 @@
     <p:sldId id="264" r:id="rId15"/>
     <p:sldId id="265" r:id="rId16"/>
     <p:sldId id="266" r:id="rId17"/>
+    <p:sldId id="267" r:id="rId18"/>
+    <p:sldId id="268" r:id="rId19"/>
+    <p:sldId id="269" r:id="rId20"/>
+    <p:sldId id="270" r:id="rId21"/>
   </p:sldIdLst>
   <p:sldSz cy="5143500" cx="9144000"/>
   <p:notesSz cx="6858000" cy="9144000"/>
   <p:embeddedFontLst>
     <p:embeddedFont>
-      <p:font typeface="Nunito"/>
-      <p:regular r:id="rId18"/>
-      <p:bold r:id="rId19"/>
-      <p:italic r:id="rId20"/>
-      <p:boldItalic r:id="rId21"/>
-    </p:embeddedFont>
-    <p:embeddedFont>
-      <p:font typeface="Roboto Mono"/>
+      <p:font typeface="Roboto"/>
       <p:regular r:id="rId22"/>
       <p:bold r:id="rId23"/>
       <p:italic r:id="rId24"/>
       <p:boldItalic r:id="rId25"/>
+    </p:embeddedFont>
+    <p:embeddedFont>
+      <p:font typeface="Nunito"/>
+      <p:regular r:id="rId26"/>
+      <p:bold r:id="rId27"/>
+      <p:italic r:id="rId28"/>
+      <p:boldItalic r:id="rId29"/>
+    </p:embeddedFont>
+    <p:embeddedFont>
+      <p:font typeface="Roboto Mono"/>
+      <p:regular r:id="rId30"/>
+      <p:bold r:id="rId31"/>
+      <p:italic r:id="rId32"/>
+      <p:boldItalic r:id="rId33"/>
     </p:embeddedFont>
   </p:embeddedFontLst>
   <p:defaultTextStyle>
@@ -731,106 +742,7 @@
       </p:grpSpPr>
       <p:sp>
         <p:nvSpPr>
-          <p:cNvPr id="51" name="Google Shape;51;p:notes"/>
-          <p:cNvSpPr/>
-          <p:nvPr>
-            <p:ph idx="2" type="sldImg"/>
-          </p:nvPr>
-        </p:nvSpPr>
-        <p:spPr>
-          <a:xfrm>
-            <a:off x="381300" y="685800"/>
-            <a:ext cx="6096075" cy="3429000"/>
-          </a:xfrm>
-          <a:custGeom>
-            <a:rect b="b" l="l" r="r" t="t"/>
-            <a:pathLst>
-              <a:path extrusionOk="0" h="120000" w="120000">
-                <a:moveTo>
-                  <a:pt x="0" y="0"/>
-                </a:moveTo>
-                <a:lnTo>
-                  <a:pt x="120000" y="0"/>
-                </a:lnTo>
-                <a:lnTo>
-                  <a:pt x="120000" y="120000"/>
-                </a:lnTo>
-                <a:lnTo>
-                  <a:pt x="0" y="120000"/>
-                </a:lnTo>
-                <a:close/>
-              </a:path>
-            </a:pathLst>
-          </a:custGeom>
-        </p:spPr>
-      </p:sp>
-      <p:sp>
-        <p:nvSpPr>
-          <p:cNvPr id="52" name="Google Shape;52;p:notes"/>
-          <p:cNvSpPr txBox="1"/>
-          <p:nvPr>
-            <p:ph idx="1" type="body"/>
-          </p:nvPr>
-        </p:nvSpPr>
-        <p:spPr>
-          <a:xfrm>
-            <a:off x="685800" y="4343400"/>
-            <a:ext cx="5486400" cy="4114800"/>
-          </a:xfrm>
-          <a:prstGeom prst="rect">
-            <a:avLst/>
-          </a:prstGeom>
-        </p:spPr>
-        <p:txBody>
-          <a:bodyPr anchorCtr="0" anchor="t" bIns="91425" lIns="91425" spcFirstLastPara="1" rIns="91425" wrap="square" tIns="91425">
-            <a:noAutofit/>
-          </a:bodyPr>
-          <a:lstStyle/>
-          <a:p>
-            <a:pPr indent="0" lvl="0" marL="0" rtl="0" algn="l">
-              <a:spcBef>
-                <a:spcPts val="0"/>
-              </a:spcBef>
-              <a:spcAft>
-                <a:spcPts val="0"/>
-              </a:spcAft>
-              <a:buNone/>
-            </a:pPr>
-            <a:r>
-              <a:t/>
-            </a:r>
-            <a:endParaRPr/>
-          </a:p>
-        </p:txBody>
-      </p:sp>
-    </p:spTree>
-  </p:cSld>
-  <p:clrMapOvr>
-    <a:masterClrMapping/>
-  </p:clrMapOvr>
-</p:notes>
-</file>
-
-<file path=ppt/notesSlides/notesSlide10.xml><?xml version="1.0" encoding="utf-8"?>
-<p:notes xmlns:a="http://schemas.openxmlformats.org/drawingml/2006/main" xmlns:r="http://schemas.openxmlformats.org/officeDocument/2006/relationships" xmlns:mc="http://schemas.openxmlformats.org/markup-compatibility/2006" xmlns:mv="urn:schemas-microsoft-com:mac:vml" xmlns:p="http://schemas.openxmlformats.org/presentationml/2006/main" xmlns:c="http://schemas.openxmlformats.org/drawingml/2006/chart" xmlns:dgm="http://schemas.openxmlformats.org/drawingml/2006/diagram" xmlns:o="urn:schemas-microsoft-com:office:office" xmlns:v="urn:schemas-microsoft-com:vml" xmlns:pvml="urn:schemas-microsoft-com:office:powerpoint" xmlns:com="http://schemas.openxmlformats.org/drawingml/2006/compatibility" xmlns:p14="http://schemas.microsoft.com/office/powerpoint/2010/main" xmlns:p15="http://schemas.microsoft.com/office/powerpoint/2012/main" xmlns:ahyp="http://schemas.microsoft.com/office/drawing/2018/hyperlinkcolor" showMasterPhAnim="0" showMasterSp="0">
-  <p:cSld>
-    <p:spTree>
-      <p:nvGrpSpPr>
-        <p:cNvPr id="106" name="Shape 106"/>
-        <p:cNvGrpSpPr/>
-        <p:nvPr/>
-      </p:nvGrpSpPr>
-      <p:grpSpPr>
-        <a:xfrm>
-          <a:off x="0" y="0"/>
-          <a:ext cx="0" cy="0"/>
-          <a:chOff x="0" y="0"/>
-          <a:chExt cx="0" cy="0"/>
-        </a:xfrm>
-      </p:grpSpPr>
-      <p:sp>
-        <p:nvSpPr>
-          <p:cNvPr id="107" name="Google Shape;107;g3b8ae9ccc97_0_0:notes"/>
+          <p:cNvPr id="51" name="Google Shape;51;g3bc561d1388_1_6:notes"/>
           <p:cNvSpPr/>
           <p:nvPr>
             <p:ph idx="2" type="sldImg"/>
@@ -865,7 +777,106 @@
       </p:sp>
       <p:sp>
         <p:nvSpPr>
-          <p:cNvPr id="108" name="Google Shape;108;g3b8ae9ccc97_0_0:notes"/>
+          <p:cNvPr id="52" name="Google Shape;52;g3bc561d1388_1_6:notes"/>
+          <p:cNvSpPr txBox="1"/>
+          <p:nvPr>
+            <p:ph idx="1" type="body"/>
+          </p:nvPr>
+        </p:nvSpPr>
+        <p:spPr>
+          <a:xfrm>
+            <a:off x="685800" y="4343400"/>
+            <a:ext cx="5486400" cy="4114800"/>
+          </a:xfrm>
+          <a:prstGeom prst="rect">
+            <a:avLst/>
+          </a:prstGeom>
+        </p:spPr>
+        <p:txBody>
+          <a:bodyPr anchorCtr="0" anchor="t" bIns="91425" lIns="91425" spcFirstLastPara="1" rIns="91425" wrap="square" tIns="91425">
+            <a:noAutofit/>
+          </a:bodyPr>
+          <a:lstStyle/>
+          <a:p>
+            <a:pPr indent="0" lvl="0" marL="0" rtl="0" algn="l">
+              <a:spcBef>
+                <a:spcPts val="0"/>
+              </a:spcBef>
+              <a:spcAft>
+                <a:spcPts val="0"/>
+              </a:spcAft>
+              <a:buNone/>
+            </a:pPr>
+            <a:r>
+              <a:t/>
+            </a:r>
+            <a:endParaRPr/>
+          </a:p>
+        </p:txBody>
+      </p:sp>
+    </p:spTree>
+  </p:cSld>
+  <p:clrMapOvr>
+    <a:masterClrMapping/>
+  </p:clrMapOvr>
+</p:notes>
+</file>
+
+<file path=ppt/notesSlides/notesSlide10.xml><?xml version="1.0" encoding="utf-8"?>
+<p:notes xmlns:a="http://schemas.openxmlformats.org/drawingml/2006/main" xmlns:r="http://schemas.openxmlformats.org/officeDocument/2006/relationships" xmlns:mc="http://schemas.openxmlformats.org/markup-compatibility/2006" xmlns:mv="urn:schemas-microsoft-com:mac:vml" xmlns:p="http://schemas.openxmlformats.org/presentationml/2006/main" xmlns:c="http://schemas.openxmlformats.org/drawingml/2006/chart" xmlns:dgm="http://schemas.openxmlformats.org/drawingml/2006/diagram" xmlns:o="urn:schemas-microsoft-com:office:office" xmlns:v="urn:schemas-microsoft-com:vml" xmlns:pvml="urn:schemas-microsoft-com:office:powerpoint" xmlns:com="http://schemas.openxmlformats.org/drawingml/2006/compatibility" xmlns:p14="http://schemas.microsoft.com/office/powerpoint/2010/main" xmlns:p15="http://schemas.microsoft.com/office/powerpoint/2012/main" xmlns:ahyp="http://schemas.microsoft.com/office/drawing/2018/hyperlinkcolor" showMasterPhAnim="0" showMasterSp="0">
+  <p:cSld>
+    <p:spTree>
+      <p:nvGrpSpPr>
+        <p:cNvPr id="105" name="Shape 105"/>
+        <p:cNvGrpSpPr/>
+        <p:nvPr/>
+      </p:nvGrpSpPr>
+      <p:grpSpPr>
+        <a:xfrm>
+          <a:off x="0" y="0"/>
+          <a:ext cx="0" cy="0"/>
+          <a:chOff x="0" y="0"/>
+          <a:chExt cx="0" cy="0"/>
+        </a:xfrm>
+      </p:grpSpPr>
+      <p:sp>
+        <p:nvSpPr>
+          <p:cNvPr id="106" name="Google Shape;106;g3b8ae9ccc97_0_44:notes"/>
+          <p:cNvSpPr/>
+          <p:nvPr>
+            <p:ph idx="2" type="sldImg"/>
+          </p:nvPr>
+        </p:nvSpPr>
+        <p:spPr>
+          <a:xfrm>
+            <a:off x="381300" y="685800"/>
+            <a:ext cx="6096000" cy="3429000"/>
+          </a:xfrm>
+          <a:custGeom>
+            <a:rect b="b" l="l" r="r" t="t"/>
+            <a:pathLst>
+              <a:path extrusionOk="0" h="120000" w="120000">
+                <a:moveTo>
+                  <a:pt x="0" y="0"/>
+                </a:moveTo>
+                <a:lnTo>
+                  <a:pt x="120000" y="0"/>
+                </a:lnTo>
+                <a:lnTo>
+                  <a:pt x="120000" y="120000"/>
+                </a:lnTo>
+                <a:lnTo>
+                  <a:pt x="0" y="120000"/>
+                </a:lnTo>
+                <a:close/>
+              </a:path>
+            </a:pathLst>
+          </a:custGeom>
+        </p:spPr>
+      </p:sp>
+      <p:sp>
+        <p:nvSpPr>
+          <p:cNvPr id="107" name="Google Shape;107;g3b8ae9ccc97_0_44:notes"/>
           <p:cNvSpPr txBox="1"/>
           <p:nvPr>
             <p:ph idx="1" type="body"/>
@@ -929,7 +940,7 @@
       </p:grpSpPr>
       <p:sp>
         <p:nvSpPr>
-          <p:cNvPr id="113" name="Google Shape;113;g3b8ae9ccc97_0_8:notes"/>
+          <p:cNvPr id="113" name="Google Shape;113;g3b9def6faeb_0_0:notes"/>
           <p:cNvSpPr/>
           <p:nvPr>
             <p:ph idx="2" type="sldImg"/>
@@ -964,7 +975,403 @@
       </p:sp>
       <p:sp>
         <p:nvSpPr>
-          <p:cNvPr id="114" name="Google Shape;114;g3b8ae9ccc97_0_8:notes"/>
+          <p:cNvPr id="114" name="Google Shape;114;g3b9def6faeb_0_0:notes"/>
+          <p:cNvSpPr txBox="1"/>
+          <p:nvPr>
+            <p:ph idx="1" type="body"/>
+          </p:nvPr>
+        </p:nvSpPr>
+        <p:spPr>
+          <a:xfrm>
+            <a:off x="685800" y="4343400"/>
+            <a:ext cx="5486400" cy="4114800"/>
+          </a:xfrm>
+          <a:prstGeom prst="rect">
+            <a:avLst/>
+          </a:prstGeom>
+        </p:spPr>
+        <p:txBody>
+          <a:bodyPr anchorCtr="0" anchor="t" bIns="91425" lIns="91425" spcFirstLastPara="1" rIns="91425" wrap="square" tIns="91425">
+            <a:noAutofit/>
+          </a:bodyPr>
+          <a:lstStyle/>
+          <a:p>
+            <a:pPr indent="0" lvl="0" marL="0" rtl="0" algn="l">
+              <a:spcBef>
+                <a:spcPts val="0"/>
+              </a:spcBef>
+              <a:spcAft>
+                <a:spcPts val="0"/>
+              </a:spcAft>
+              <a:buNone/>
+            </a:pPr>
+            <a:r>
+              <a:t/>
+            </a:r>
+            <a:endParaRPr/>
+          </a:p>
+        </p:txBody>
+      </p:sp>
+    </p:spTree>
+  </p:cSld>
+  <p:clrMapOvr>
+    <a:masterClrMapping/>
+  </p:clrMapOvr>
+</p:notes>
+</file>
+
+<file path=ppt/notesSlides/notesSlide12.xml><?xml version="1.0" encoding="utf-8"?>
+<p:notes xmlns:a="http://schemas.openxmlformats.org/drawingml/2006/main" xmlns:r="http://schemas.openxmlformats.org/officeDocument/2006/relationships" xmlns:mc="http://schemas.openxmlformats.org/markup-compatibility/2006" xmlns:mv="urn:schemas-microsoft-com:mac:vml" xmlns:p="http://schemas.openxmlformats.org/presentationml/2006/main" xmlns:c="http://schemas.openxmlformats.org/drawingml/2006/chart" xmlns:dgm="http://schemas.openxmlformats.org/drawingml/2006/diagram" xmlns:o="urn:schemas-microsoft-com:office:office" xmlns:v="urn:schemas-microsoft-com:vml" xmlns:pvml="urn:schemas-microsoft-com:office:powerpoint" xmlns:com="http://schemas.openxmlformats.org/drawingml/2006/compatibility" xmlns:p14="http://schemas.microsoft.com/office/powerpoint/2010/main" xmlns:p15="http://schemas.microsoft.com/office/powerpoint/2012/main" xmlns:ahyp="http://schemas.microsoft.com/office/drawing/2018/hyperlinkcolor" showMasterPhAnim="0" showMasterSp="0">
+  <p:cSld>
+    <p:spTree>
+      <p:nvGrpSpPr>
+        <p:cNvPr id="118" name="Shape 118"/>
+        <p:cNvGrpSpPr/>
+        <p:nvPr/>
+      </p:nvGrpSpPr>
+      <p:grpSpPr>
+        <a:xfrm>
+          <a:off x="0" y="0"/>
+          <a:ext cx="0" cy="0"/>
+          <a:chOff x="0" y="0"/>
+          <a:chExt cx="0" cy="0"/>
+        </a:xfrm>
+      </p:grpSpPr>
+      <p:sp>
+        <p:nvSpPr>
+          <p:cNvPr id="119" name="Google Shape;119;g3b8ae9ccc97_0_18:notes"/>
+          <p:cNvSpPr/>
+          <p:nvPr>
+            <p:ph idx="2" type="sldImg"/>
+          </p:nvPr>
+        </p:nvSpPr>
+        <p:spPr>
+          <a:xfrm>
+            <a:off x="381300" y="685800"/>
+            <a:ext cx="6096000" cy="3429000"/>
+          </a:xfrm>
+          <a:custGeom>
+            <a:rect b="b" l="l" r="r" t="t"/>
+            <a:pathLst>
+              <a:path extrusionOk="0" h="120000" w="120000">
+                <a:moveTo>
+                  <a:pt x="0" y="0"/>
+                </a:moveTo>
+                <a:lnTo>
+                  <a:pt x="120000" y="0"/>
+                </a:lnTo>
+                <a:lnTo>
+                  <a:pt x="120000" y="120000"/>
+                </a:lnTo>
+                <a:lnTo>
+                  <a:pt x="0" y="120000"/>
+                </a:lnTo>
+                <a:close/>
+              </a:path>
+            </a:pathLst>
+          </a:custGeom>
+        </p:spPr>
+      </p:sp>
+      <p:sp>
+        <p:nvSpPr>
+          <p:cNvPr id="120" name="Google Shape;120;g3b8ae9ccc97_0_18:notes"/>
+          <p:cNvSpPr txBox="1"/>
+          <p:nvPr>
+            <p:ph idx="1" type="body"/>
+          </p:nvPr>
+        </p:nvSpPr>
+        <p:spPr>
+          <a:xfrm>
+            <a:off x="685800" y="4343400"/>
+            <a:ext cx="5486400" cy="4114800"/>
+          </a:xfrm>
+          <a:prstGeom prst="rect">
+            <a:avLst/>
+          </a:prstGeom>
+        </p:spPr>
+        <p:txBody>
+          <a:bodyPr anchorCtr="0" anchor="t" bIns="91425" lIns="91425" spcFirstLastPara="1" rIns="91425" wrap="square" tIns="91425">
+            <a:noAutofit/>
+          </a:bodyPr>
+          <a:lstStyle/>
+          <a:p>
+            <a:pPr indent="0" lvl="0" marL="0" rtl="0" algn="l">
+              <a:spcBef>
+                <a:spcPts val="0"/>
+              </a:spcBef>
+              <a:spcAft>
+                <a:spcPts val="0"/>
+              </a:spcAft>
+              <a:buNone/>
+            </a:pPr>
+            <a:r>
+              <a:t/>
+            </a:r>
+            <a:endParaRPr/>
+          </a:p>
+        </p:txBody>
+      </p:sp>
+    </p:spTree>
+  </p:cSld>
+  <p:clrMapOvr>
+    <a:masterClrMapping/>
+  </p:clrMapOvr>
+</p:notes>
+</file>
+
+<file path=ppt/notesSlides/notesSlide13.xml><?xml version="1.0" encoding="utf-8"?>
+<p:notes xmlns:a="http://schemas.openxmlformats.org/drawingml/2006/main" xmlns:r="http://schemas.openxmlformats.org/officeDocument/2006/relationships" xmlns:mc="http://schemas.openxmlformats.org/markup-compatibility/2006" xmlns:mv="urn:schemas-microsoft-com:mac:vml" xmlns:p="http://schemas.openxmlformats.org/presentationml/2006/main" xmlns:c="http://schemas.openxmlformats.org/drawingml/2006/chart" xmlns:dgm="http://schemas.openxmlformats.org/drawingml/2006/diagram" xmlns:o="urn:schemas-microsoft-com:office:office" xmlns:v="urn:schemas-microsoft-com:vml" xmlns:pvml="urn:schemas-microsoft-com:office:powerpoint" xmlns:com="http://schemas.openxmlformats.org/drawingml/2006/compatibility" xmlns:p14="http://schemas.microsoft.com/office/powerpoint/2010/main" xmlns:p15="http://schemas.microsoft.com/office/powerpoint/2012/main" xmlns:ahyp="http://schemas.microsoft.com/office/drawing/2018/hyperlinkcolor" showMasterPhAnim="0" showMasterSp="0">
+  <p:cSld>
+    <p:spTree>
+      <p:nvGrpSpPr>
+        <p:cNvPr id="124" name="Shape 124"/>
+        <p:cNvGrpSpPr/>
+        <p:nvPr/>
+      </p:nvGrpSpPr>
+      <p:grpSpPr>
+        <a:xfrm>
+          <a:off x="0" y="0"/>
+          <a:ext cx="0" cy="0"/>
+          <a:chOff x="0" y="0"/>
+          <a:chExt cx="0" cy="0"/>
+        </a:xfrm>
+      </p:grpSpPr>
+      <p:sp>
+        <p:nvSpPr>
+          <p:cNvPr id="125" name="Google Shape;125;g3b85965834c_0_0:notes"/>
+          <p:cNvSpPr/>
+          <p:nvPr>
+            <p:ph idx="2" type="sldImg"/>
+          </p:nvPr>
+        </p:nvSpPr>
+        <p:spPr>
+          <a:xfrm>
+            <a:off x="381300" y="685800"/>
+            <a:ext cx="6096000" cy="3429000"/>
+          </a:xfrm>
+          <a:custGeom>
+            <a:rect b="b" l="l" r="r" t="t"/>
+            <a:pathLst>
+              <a:path extrusionOk="0" h="120000" w="120000">
+                <a:moveTo>
+                  <a:pt x="0" y="0"/>
+                </a:moveTo>
+                <a:lnTo>
+                  <a:pt x="120000" y="0"/>
+                </a:lnTo>
+                <a:lnTo>
+                  <a:pt x="120000" y="120000"/>
+                </a:lnTo>
+                <a:lnTo>
+                  <a:pt x="0" y="120000"/>
+                </a:lnTo>
+                <a:close/>
+              </a:path>
+            </a:pathLst>
+          </a:custGeom>
+        </p:spPr>
+      </p:sp>
+      <p:sp>
+        <p:nvSpPr>
+          <p:cNvPr id="126" name="Google Shape;126;g3b85965834c_0_0:notes"/>
+          <p:cNvSpPr txBox="1"/>
+          <p:nvPr>
+            <p:ph idx="1" type="body"/>
+          </p:nvPr>
+        </p:nvSpPr>
+        <p:spPr>
+          <a:xfrm>
+            <a:off x="685800" y="4343400"/>
+            <a:ext cx="5486400" cy="4114800"/>
+          </a:xfrm>
+          <a:prstGeom prst="rect">
+            <a:avLst/>
+          </a:prstGeom>
+        </p:spPr>
+        <p:txBody>
+          <a:bodyPr anchorCtr="0" anchor="t" bIns="91425" lIns="91425" spcFirstLastPara="1" rIns="91425" wrap="square" tIns="91425">
+            <a:noAutofit/>
+          </a:bodyPr>
+          <a:lstStyle/>
+          <a:p>
+            <a:pPr indent="0" lvl="0" marL="0" rtl="0" algn="l">
+              <a:spcBef>
+                <a:spcPts val="0"/>
+              </a:spcBef>
+              <a:spcAft>
+                <a:spcPts val="0"/>
+              </a:spcAft>
+              <a:buNone/>
+            </a:pPr>
+            <a:r>
+              <a:t/>
+            </a:r>
+            <a:endParaRPr/>
+          </a:p>
+        </p:txBody>
+      </p:sp>
+    </p:spTree>
+  </p:cSld>
+  <p:clrMapOvr>
+    <a:masterClrMapping/>
+  </p:clrMapOvr>
+</p:notes>
+</file>
+
+<file path=ppt/notesSlides/notesSlide14.xml><?xml version="1.0" encoding="utf-8"?>
+<p:notes xmlns:a="http://schemas.openxmlformats.org/drawingml/2006/main" xmlns:r="http://schemas.openxmlformats.org/officeDocument/2006/relationships" xmlns:mc="http://schemas.openxmlformats.org/markup-compatibility/2006" xmlns:mv="urn:schemas-microsoft-com:mac:vml" xmlns:p="http://schemas.openxmlformats.org/presentationml/2006/main" xmlns:c="http://schemas.openxmlformats.org/drawingml/2006/chart" xmlns:dgm="http://schemas.openxmlformats.org/drawingml/2006/diagram" xmlns:o="urn:schemas-microsoft-com:office:office" xmlns:v="urn:schemas-microsoft-com:vml" xmlns:pvml="urn:schemas-microsoft-com:office:powerpoint" xmlns:com="http://schemas.openxmlformats.org/drawingml/2006/compatibility" xmlns:p14="http://schemas.microsoft.com/office/powerpoint/2010/main" xmlns:p15="http://schemas.microsoft.com/office/powerpoint/2012/main" xmlns:ahyp="http://schemas.microsoft.com/office/drawing/2018/hyperlinkcolor" showMasterPhAnim="0" showMasterSp="0">
+  <p:cSld>
+    <p:spTree>
+      <p:nvGrpSpPr>
+        <p:cNvPr id="130" name="Shape 130"/>
+        <p:cNvGrpSpPr/>
+        <p:nvPr/>
+      </p:nvGrpSpPr>
+      <p:grpSpPr>
+        <a:xfrm>
+          <a:off x="0" y="0"/>
+          <a:ext cx="0" cy="0"/>
+          <a:chOff x="0" y="0"/>
+          <a:chExt cx="0" cy="0"/>
+        </a:xfrm>
+      </p:grpSpPr>
+      <p:sp>
+        <p:nvSpPr>
+          <p:cNvPr id="131" name="Google Shape;131;g3b8ae9ccc97_0_0:notes"/>
+          <p:cNvSpPr/>
+          <p:nvPr>
+            <p:ph idx="2" type="sldImg"/>
+          </p:nvPr>
+        </p:nvSpPr>
+        <p:spPr>
+          <a:xfrm>
+            <a:off x="381300" y="685800"/>
+            <a:ext cx="6096000" cy="3429000"/>
+          </a:xfrm>
+          <a:custGeom>
+            <a:rect b="b" l="l" r="r" t="t"/>
+            <a:pathLst>
+              <a:path extrusionOk="0" h="120000" w="120000">
+                <a:moveTo>
+                  <a:pt x="0" y="0"/>
+                </a:moveTo>
+                <a:lnTo>
+                  <a:pt x="120000" y="0"/>
+                </a:lnTo>
+                <a:lnTo>
+                  <a:pt x="120000" y="120000"/>
+                </a:lnTo>
+                <a:lnTo>
+                  <a:pt x="0" y="120000"/>
+                </a:lnTo>
+                <a:close/>
+              </a:path>
+            </a:pathLst>
+          </a:custGeom>
+        </p:spPr>
+      </p:sp>
+      <p:sp>
+        <p:nvSpPr>
+          <p:cNvPr id="132" name="Google Shape;132;g3b8ae9ccc97_0_0:notes"/>
+          <p:cNvSpPr txBox="1"/>
+          <p:nvPr>
+            <p:ph idx="1" type="body"/>
+          </p:nvPr>
+        </p:nvSpPr>
+        <p:spPr>
+          <a:xfrm>
+            <a:off x="685800" y="4343400"/>
+            <a:ext cx="5486400" cy="4114800"/>
+          </a:xfrm>
+          <a:prstGeom prst="rect">
+            <a:avLst/>
+          </a:prstGeom>
+        </p:spPr>
+        <p:txBody>
+          <a:bodyPr anchorCtr="0" anchor="t" bIns="91425" lIns="91425" spcFirstLastPara="1" rIns="91425" wrap="square" tIns="91425">
+            <a:noAutofit/>
+          </a:bodyPr>
+          <a:lstStyle/>
+          <a:p>
+            <a:pPr indent="0" lvl="0" marL="0" rtl="0" algn="l">
+              <a:spcBef>
+                <a:spcPts val="0"/>
+              </a:spcBef>
+              <a:spcAft>
+                <a:spcPts val="0"/>
+              </a:spcAft>
+              <a:buNone/>
+            </a:pPr>
+            <a:r>
+              <a:t/>
+            </a:r>
+            <a:endParaRPr/>
+          </a:p>
+        </p:txBody>
+      </p:sp>
+    </p:spTree>
+  </p:cSld>
+  <p:clrMapOvr>
+    <a:masterClrMapping/>
+  </p:clrMapOvr>
+</p:notes>
+</file>
+
+<file path=ppt/notesSlides/notesSlide15.xml><?xml version="1.0" encoding="utf-8"?>
+<p:notes xmlns:a="http://schemas.openxmlformats.org/drawingml/2006/main" xmlns:r="http://schemas.openxmlformats.org/officeDocument/2006/relationships" xmlns:mc="http://schemas.openxmlformats.org/markup-compatibility/2006" xmlns:mv="urn:schemas-microsoft-com:mac:vml" xmlns:p="http://schemas.openxmlformats.org/presentationml/2006/main" xmlns:c="http://schemas.openxmlformats.org/drawingml/2006/chart" xmlns:dgm="http://schemas.openxmlformats.org/drawingml/2006/diagram" xmlns:o="urn:schemas-microsoft-com:office:office" xmlns:v="urn:schemas-microsoft-com:vml" xmlns:pvml="urn:schemas-microsoft-com:office:powerpoint" xmlns:com="http://schemas.openxmlformats.org/drawingml/2006/compatibility" xmlns:p14="http://schemas.microsoft.com/office/powerpoint/2010/main" xmlns:p15="http://schemas.microsoft.com/office/powerpoint/2012/main" xmlns:ahyp="http://schemas.microsoft.com/office/drawing/2018/hyperlinkcolor" showMasterPhAnim="0" showMasterSp="0">
+  <p:cSld>
+    <p:spTree>
+      <p:nvGrpSpPr>
+        <p:cNvPr id="136" name="Shape 136"/>
+        <p:cNvGrpSpPr/>
+        <p:nvPr/>
+      </p:nvGrpSpPr>
+      <p:grpSpPr>
+        <a:xfrm>
+          <a:off x="0" y="0"/>
+          <a:ext cx="0" cy="0"/>
+          <a:chOff x="0" y="0"/>
+          <a:chExt cx="0" cy="0"/>
+        </a:xfrm>
+      </p:grpSpPr>
+      <p:sp>
+        <p:nvSpPr>
+          <p:cNvPr id="137" name="Google Shape;137;g3b8ae9ccc97_0_8:notes"/>
+          <p:cNvSpPr/>
+          <p:nvPr>
+            <p:ph idx="2" type="sldImg"/>
+          </p:nvPr>
+        </p:nvSpPr>
+        <p:spPr>
+          <a:xfrm>
+            <a:off x="381300" y="685800"/>
+            <a:ext cx="6096000" cy="3429000"/>
+          </a:xfrm>
+          <a:custGeom>
+            <a:rect b="b" l="l" r="r" t="t"/>
+            <a:pathLst>
+              <a:path extrusionOk="0" h="120000" w="120000">
+                <a:moveTo>
+                  <a:pt x="0" y="0"/>
+                </a:moveTo>
+                <a:lnTo>
+                  <a:pt x="120000" y="0"/>
+                </a:lnTo>
+                <a:lnTo>
+                  <a:pt x="120000" y="120000"/>
+                </a:lnTo>
+                <a:lnTo>
+                  <a:pt x="0" y="120000"/>
+                </a:lnTo>
+                <a:close/>
+              </a:path>
+            </a:pathLst>
+          </a:custGeom>
+        </p:spPr>
+      </p:sp>
+      <p:sp>
+        <p:nvSpPr>
+          <p:cNvPr id="138" name="Google Shape;138;g3b8ae9ccc97_0_8:notes"/>
           <p:cNvSpPr txBox="1"/>
           <p:nvPr>
             <p:ph idx="1" type="body"/>
@@ -1028,7 +1435,7 @@
       </p:grpSpPr>
       <p:sp>
         <p:nvSpPr>
-          <p:cNvPr id="57" name="Google Shape;57;g3b91bbe028e_0_8:notes"/>
+          <p:cNvPr id="57" name="Google Shape;57;g3bc561d1388_1_0:notes"/>
           <p:cNvSpPr/>
           <p:nvPr>
             <p:ph idx="2" type="sldImg"/>
@@ -1063,7 +1470,7 @@
       </p:sp>
       <p:sp>
         <p:nvSpPr>
-          <p:cNvPr id="58" name="Google Shape;58;g3b91bbe028e_0_8:notes"/>
+          <p:cNvPr id="58" name="Google Shape;58;g3bc561d1388_1_0:notes"/>
           <p:cNvSpPr txBox="1"/>
           <p:nvPr>
             <p:ph idx="1" type="body"/>
@@ -1127,7 +1534,7 @@
       </p:grpSpPr>
       <p:sp>
         <p:nvSpPr>
-          <p:cNvPr id="63" name="Google Shape;63;g3b8ae9ccc97_0_29:notes"/>
+          <p:cNvPr id="63" name="Google Shape;63;g3bc561d1388_1_11:notes"/>
           <p:cNvSpPr/>
           <p:nvPr>
             <p:ph idx="2" type="sldImg"/>
@@ -1162,7 +1569,7 @@
       </p:sp>
       <p:sp>
         <p:nvSpPr>
-          <p:cNvPr id="64" name="Google Shape;64;g3b8ae9ccc97_0_29:notes"/>
+          <p:cNvPr id="64" name="Google Shape;64;g3bc561d1388_1_11:notes"/>
           <p:cNvSpPr txBox="1"/>
           <p:nvPr>
             <p:ph idx="1" type="body"/>
@@ -1226,7 +1633,106 @@
       </p:grpSpPr>
       <p:sp>
         <p:nvSpPr>
-          <p:cNvPr id="69" name="Google Shape;69;g3b8ae9ccc97_0_38:notes"/>
+          <p:cNvPr id="69" name="Google Shape;69;p:notes"/>
+          <p:cNvSpPr/>
+          <p:nvPr>
+            <p:ph idx="2" type="sldImg"/>
+          </p:nvPr>
+        </p:nvSpPr>
+        <p:spPr>
+          <a:xfrm>
+            <a:off x="381300" y="685800"/>
+            <a:ext cx="6096075" cy="3429000"/>
+          </a:xfrm>
+          <a:custGeom>
+            <a:rect b="b" l="l" r="r" t="t"/>
+            <a:pathLst>
+              <a:path extrusionOk="0" h="120000" w="120000">
+                <a:moveTo>
+                  <a:pt x="0" y="0"/>
+                </a:moveTo>
+                <a:lnTo>
+                  <a:pt x="120000" y="0"/>
+                </a:lnTo>
+                <a:lnTo>
+                  <a:pt x="120000" y="120000"/>
+                </a:lnTo>
+                <a:lnTo>
+                  <a:pt x="0" y="120000"/>
+                </a:lnTo>
+                <a:close/>
+              </a:path>
+            </a:pathLst>
+          </a:custGeom>
+        </p:spPr>
+      </p:sp>
+      <p:sp>
+        <p:nvSpPr>
+          <p:cNvPr id="70" name="Google Shape;70;p:notes"/>
+          <p:cNvSpPr txBox="1"/>
+          <p:nvPr>
+            <p:ph idx="1" type="body"/>
+          </p:nvPr>
+        </p:nvSpPr>
+        <p:spPr>
+          <a:xfrm>
+            <a:off x="685800" y="4343400"/>
+            <a:ext cx="5486400" cy="4114800"/>
+          </a:xfrm>
+          <a:prstGeom prst="rect">
+            <a:avLst/>
+          </a:prstGeom>
+        </p:spPr>
+        <p:txBody>
+          <a:bodyPr anchorCtr="0" anchor="t" bIns="91425" lIns="91425" spcFirstLastPara="1" rIns="91425" wrap="square" tIns="91425">
+            <a:noAutofit/>
+          </a:bodyPr>
+          <a:lstStyle/>
+          <a:p>
+            <a:pPr indent="0" lvl="0" marL="0" rtl="0" algn="l">
+              <a:spcBef>
+                <a:spcPts val="0"/>
+              </a:spcBef>
+              <a:spcAft>
+                <a:spcPts val="0"/>
+              </a:spcAft>
+              <a:buNone/>
+            </a:pPr>
+            <a:r>
+              <a:t/>
+            </a:r>
+            <a:endParaRPr/>
+          </a:p>
+        </p:txBody>
+      </p:sp>
+    </p:spTree>
+  </p:cSld>
+  <p:clrMapOvr>
+    <a:masterClrMapping/>
+  </p:clrMapOvr>
+</p:notes>
+</file>
+
+<file path=ppt/notesSlides/notesSlide5.xml><?xml version="1.0" encoding="utf-8"?>
+<p:notes xmlns:a="http://schemas.openxmlformats.org/drawingml/2006/main" xmlns:r="http://schemas.openxmlformats.org/officeDocument/2006/relationships" xmlns:mc="http://schemas.openxmlformats.org/markup-compatibility/2006" xmlns:mv="urn:schemas-microsoft-com:mac:vml" xmlns:p="http://schemas.openxmlformats.org/presentationml/2006/main" xmlns:c="http://schemas.openxmlformats.org/drawingml/2006/chart" xmlns:dgm="http://schemas.openxmlformats.org/drawingml/2006/diagram" xmlns:o="urn:schemas-microsoft-com:office:office" xmlns:v="urn:schemas-microsoft-com:vml" xmlns:pvml="urn:schemas-microsoft-com:office:powerpoint" xmlns:com="http://schemas.openxmlformats.org/drawingml/2006/compatibility" xmlns:p14="http://schemas.microsoft.com/office/powerpoint/2010/main" xmlns:p15="http://schemas.microsoft.com/office/powerpoint/2012/main" xmlns:ahyp="http://schemas.microsoft.com/office/drawing/2018/hyperlinkcolor" showMasterPhAnim="0" showMasterSp="0">
+  <p:cSld>
+    <p:spTree>
+      <p:nvGrpSpPr>
+        <p:cNvPr id="74" name="Shape 74"/>
+        <p:cNvGrpSpPr/>
+        <p:nvPr/>
+      </p:nvGrpSpPr>
+      <p:grpSpPr>
+        <a:xfrm>
+          <a:off x="0" y="0"/>
+          <a:ext cx="0" cy="0"/>
+          <a:chOff x="0" y="0"/>
+          <a:chExt cx="0" cy="0"/>
+        </a:xfrm>
+      </p:grpSpPr>
+      <p:sp>
+        <p:nvSpPr>
+          <p:cNvPr id="75" name="Google Shape;75;g3b91bbe028e_0_8:notes"/>
           <p:cNvSpPr/>
           <p:nvPr>
             <p:ph idx="2" type="sldImg"/>
@@ -1261,7 +1767,7 @@
       </p:sp>
       <p:sp>
         <p:nvSpPr>
-          <p:cNvPr id="70" name="Google Shape;70;g3b8ae9ccc97_0_38:notes"/>
+          <p:cNvPr id="76" name="Google Shape;76;g3b91bbe028e_0_8:notes"/>
           <p:cNvSpPr txBox="1"/>
           <p:nvPr>
             <p:ph idx="1" type="body"/>
@@ -1306,12 +1812,12 @@
 </p:notes>
 </file>
 
-<file path=ppt/notesSlides/notesSlide5.xml><?xml version="1.0" encoding="utf-8"?>
+<file path=ppt/notesSlides/notesSlide6.xml><?xml version="1.0" encoding="utf-8"?>
 <p:notes xmlns:a="http://schemas.openxmlformats.org/drawingml/2006/main" xmlns:r="http://schemas.openxmlformats.org/officeDocument/2006/relationships" xmlns:mc="http://schemas.openxmlformats.org/markup-compatibility/2006" xmlns:mv="urn:schemas-microsoft-com:mac:vml" xmlns:p="http://schemas.openxmlformats.org/presentationml/2006/main" xmlns:c="http://schemas.openxmlformats.org/drawingml/2006/chart" xmlns:dgm="http://schemas.openxmlformats.org/drawingml/2006/diagram" xmlns:o="urn:schemas-microsoft-com:office:office" xmlns:v="urn:schemas-microsoft-com:vml" xmlns:pvml="urn:schemas-microsoft-com:office:powerpoint" xmlns:com="http://schemas.openxmlformats.org/drawingml/2006/compatibility" xmlns:p14="http://schemas.microsoft.com/office/powerpoint/2010/main" xmlns:p15="http://schemas.microsoft.com/office/powerpoint/2012/main" xmlns:ahyp="http://schemas.microsoft.com/office/drawing/2018/hyperlinkcolor" showMasterPhAnim="0" showMasterSp="0">
   <p:cSld>
     <p:spTree>
       <p:nvGrpSpPr>
-        <p:cNvPr id="75" name="Shape 75"/>
+        <p:cNvPr id="80" name="Shape 80"/>
         <p:cNvGrpSpPr/>
         <p:nvPr/>
       </p:nvGrpSpPr>
@@ -1325,7 +1831,7 @@
       </p:grpSpPr>
       <p:sp>
         <p:nvSpPr>
-          <p:cNvPr id="76" name="Google Shape;76;g3b8ae9ccc97_0_44:notes"/>
+          <p:cNvPr id="81" name="Google Shape;81;g3b9def6faeb_0_7:notes"/>
           <p:cNvSpPr/>
           <p:nvPr>
             <p:ph idx="2" type="sldImg"/>
@@ -1360,7 +1866,7 @@
       </p:sp>
       <p:sp>
         <p:nvSpPr>
-          <p:cNvPr id="77" name="Google Shape;77;g3b8ae9ccc97_0_44:notes"/>
+          <p:cNvPr id="82" name="Google Shape;82;g3b9def6faeb_0_7:notes"/>
           <p:cNvSpPr txBox="1"/>
           <p:nvPr>
             <p:ph idx="1" type="body"/>
@@ -1405,12 +1911,12 @@
 </p:notes>
 </file>
 
-<file path=ppt/notesSlides/notesSlide6.xml><?xml version="1.0" encoding="utf-8"?>
+<file path=ppt/notesSlides/notesSlide7.xml><?xml version="1.0" encoding="utf-8"?>
 <p:notes xmlns:a="http://schemas.openxmlformats.org/drawingml/2006/main" xmlns:r="http://schemas.openxmlformats.org/officeDocument/2006/relationships" xmlns:mc="http://schemas.openxmlformats.org/markup-compatibility/2006" xmlns:mv="urn:schemas-microsoft-com:mac:vml" xmlns:p="http://schemas.openxmlformats.org/presentationml/2006/main" xmlns:c="http://schemas.openxmlformats.org/drawingml/2006/chart" xmlns:dgm="http://schemas.openxmlformats.org/drawingml/2006/diagram" xmlns:o="urn:schemas-microsoft-com:office:office" xmlns:v="urn:schemas-microsoft-com:vml" xmlns:pvml="urn:schemas-microsoft-com:office:powerpoint" xmlns:com="http://schemas.openxmlformats.org/drawingml/2006/compatibility" xmlns:p14="http://schemas.microsoft.com/office/powerpoint/2010/main" xmlns:p15="http://schemas.microsoft.com/office/powerpoint/2012/main" xmlns:ahyp="http://schemas.microsoft.com/office/drawing/2018/hyperlinkcolor" showMasterPhAnim="0" showMasterSp="0">
   <p:cSld>
     <p:spTree>
       <p:nvGrpSpPr>
-        <p:cNvPr id="82" name="Shape 82"/>
+        <p:cNvPr id="86" name="Shape 86"/>
         <p:cNvGrpSpPr/>
         <p:nvPr/>
       </p:nvGrpSpPr>
@@ -1424,7 +1930,7 @@
       </p:grpSpPr>
       <p:sp>
         <p:nvSpPr>
-          <p:cNvPr id="83" name="Google Shape;83;g3b91bbe028e_0_15:notes"/>
+          <p:cNvPr id="87" name="Google Shape;87;g3bc561d1388_1_17:notes"/>
           <p:cNvSpPr/>
           <p:nvPr>
             <p:ph idx="2" type="sldImg"/>
@@ -1459,7 +1965,7 @@
       </p:sp>
       <p:sp>
         <p:nvSpPr>
-          <p:cNvPr id="84" name="Google Shape;84;g3b91bbe028e_0_15:notes"/>
+          <p:cNvPr id="88" name="Google Shape;88;g3bc561d1388_1_17:notes"/>
           <p:cNvSpPr txBox="1"/>
           <p:nvPr>
             <p:ph idx="1" type="body"/>
@@ -1504,12 +2010,12 @@
 </p:notes>
 </file>
 
-<file path=ppt/notesSlides/notesSlide7.xml><?xml version="1.0" encoding="utf-8"?>
+<file path=ppt/notesSlides/notesSlide8.xml><?xml version="1.0" encoding="utf-8"?>
 <p:notes xmlns:a="http://schemas.openxmlformats.org/drawingml/2006/main" xmlns:r="http://schemas.openxmlformats.org/officeDocument/2006/relationships" xmlns:mc="http://schemas.openxmlformats.org/markup-compatibility/2006" xmlns:mv="urn:schemas-microsoft-com:mac:vml" xmlns:p="http://schemas.openxmlformats.org/presentationml/2006/main" xmlns:c="http://schemas.openxmlformats.org/drawingml/2006/chart" xmlns:dgm="http://schemas.openxmlformats.org/drawingml/2006/diagram" xmlns:o="urn:schemas-microsoft-com:office:office" xmlns:v="urn:schemas-microsoft-com:vml" xmlns:pvml="urn:schemas-microsoft-com:office:powerpoint" xmlns:com="http://schemas.openxmlformats.org/drawingml/2006/compatibility" xmlns:p14="http://schemas.microsoft.com/office/powerpoint/2010/main" xmlns:p15="http://schemas.microsoft.com/office/powerpoint/2012/main" xmlns:ahyp="http://schemas.microsoft.com/office/drawing/2018/hyperlinkcolor" showMasterPhAnim="0" showMasterSp="0">
   <p:cSld>
     <p:spTree>
       <p:nvGrpSpPr>
-        <p:cNvPr id="88" name="Shape 88"/>
+        <p:cNvPr id="92" name="Shape 92"/>
         <p:cNvGrpSpPr/>
         <p:nvPr/>
       </p:nvGrpSpPr>
@@ -1523,7 +2029,7 @@
       </p:grpSpPr>
       <p:sp>
         <p:nvSpPr>
-          <p:cNvPr id="89" name="Google Shape;89;g3b91bbe028e_0_0:notes"/>
+          <p:cNvPr id="93" name="Google Shape;93;g3b8ae9ccc97_0_29:notes"/>
           <p:cNvSpPr/>
           <p:nvPr>
             <p:ph idx="2" type="sldImg"/>
@@ -1558,7 +2064,7 @@
       </p:sp>
       <p:sp>
         <p:nvSpPr>
-          <p:cNvPr id="90" name="Google Shape;90;g3b91bbe028e_0_0:notes"/>
+          <p:cNvPr id="94" name="Google Shape;94;g3b8ae9ccc97_0_29:notes"/>
           <p:cNvSpPr txBox="1"/>
           <p:nvPr>
             <p:ph idx="1" type="body"/>
@@ -1603,12 +2109,12 @@
 </p:notes>
 </file>
 
-<file path=ppt/notesSlides/notesSlide8.xml><?xml version="1.0" encoding="utf-8"?>
+<file path=ppt/notesSlides/notesSlide9.xml><?xml version="1.0" encoding="utf-8"?>
 <p:notes xmlns:a="http://schemas.openxmlformats.org/drawingml/2006/main" xmlns:r="http://schemas.openxmlformats.org/officeDocument/2006/relationships" xmlns:mc="http://schemas.openxmlformats.org/markup-compatibility/2006" xmlns:mv="urn:schemas-microsoft-com:mac:vml" xmlns:p="http://schemas.openxmlformats.org/presentationml/2006/main" xmlns:c="http://schemas.openxmlformats.org/drawingml/2006/chart" xmlns:dgm="http://schemas.openxmlformats.org/drawingml/2006/diagram" xmlns:o="urn:schemas-microsoft-com:office:office" xmlns:v="urn:schemas-microsoft-com:vml" xmlns:pvml="urn:schemas-microsoft-com:office:powerpoint" xmlns:com="http://schemas.openxmlformats.org/drawingml/2006/compatibility" xmlns:p14="http://schemas.microsoft.com/office/powerpoint/2010/main" xmlns:p15="http://schemas.microsoft.com/office/powerpoint/2012/main" xmlns:ahyp="http://schemas.microsoft.com/office/drawing/2018/hyperlinkcolor" showMasterPhAnim="0" showMasterSp="0">
   <p:cSld>
     <p:spTree>
       <p:nvGrpSpPr>
-        <p:cNvPr id="94" name="Shape 94"/>
+        <p:cNvPr id="98" name="Shape 98"/>
         <p:cNvGrpSpPr/>
         <p:nvPr/>
       </p:nvGrpSpPr>
@@ -1622,7 +2128,7 @@
       </p:grpSpPr>
       <p:sp>
         <p:nvSpPr>
-          <p:cNvPr id="95" name="Google Shape;95;g3b8ae9ccc97_0_18:notes"/>
+          <p:cNvPr id="99" name="Google Shape;99;g3b8ae9ccc97_0_38:notes"/>
           <p:cNvSpPr/>
           <p:nvPr>
             <p:ph idx="2" type="sldImg"/>
@@ -1657,106 +2163,7 @@
       </p:sp>
       <p:sp>
         <p:nvSpPr>
-          <p:cNvPr id="96" name="Google Shape;96;g3b8ae9ccc97_0_18:notes"/>
-          <p:cNvSpPr txBox="1"/>
-          <p:nvPr>
-            <p:ph idx="1" type="body"/>
-          </p:nvPr>
-        </p:nvSpPr>
-        <p:spPr>
-          <a:xfrm>
-            <a:off x="685800" y="4343400"/>
-            <a:ext cx="5486400" cy="4114800"/>
-          </a:xfrm>
-          <a:prstGeom prst="rect">
-            <a:avLst/>
-          </a:prstGeom>
-        </p:spPr>
-        <p:txBody>
-          <a:bodyPr anchorCtr="0" anchor="t" bIns="91425" lIns="91425" spcFirstLastPara="1" rIns="91425" wrap="square" tIns="91425">
-            <a:noAutofit/>
-          </a:bodyPr>
-          <a:lstStyle/>
-          <a:p>
-            <a:pPr indent="0" lvl="0" marL="0" rtl="0" algn="l">
-              <a:spcBef>
-                <a:spcPts val="0"/>
-              </a:spcBef>
-              <a:spcAft>
-                <a:spcPts val="0"/>
-              </a:spcAft>
-              <a:buNone/>
-            </a:pPr>
-            <a:r>
-              <a:t/>
-            </a:r>
-            <a:endParaRPr/>
-          </a:p>
-        </p:txBody>
-      </p:sp>
-    </p:spTree>
-  </p:cSld>
-  <p:clrMapOvr>
-    <a:masterClrMapping/>
-  </p:clrMapOvr>
-</p:notes>
-</file>
-
-<file path=ppt/notesSlides/notesSlide9.xml><?xml version="1.0" encoding="utf-8"?>
-<p:notes xmlns:a="http://schemas.openxmlformats.org/drawingml/2006/main" xmlns:r="http://schemas.openxmlformats.org/officeDocument/2006/relationships" xmlns:mc="http://schemas.openxmlformats.org/markup-compatibility/2006" xmlns:mv="urn:schemas-microsoft-com:mac:vml" xmlns:p="http://schemas.openxmlformats.org/presentationml/2006/main" xmlns:c="http://schemas.openxmlformats.org/drawingml/2006/chart" xmlns:dgm="http://schemas.openxmlformats.org/drawingml/2006/diagram" xmlns:o="urn:schemas-microsoft-com:office:office" xmlns:v="urn:schemas-microsoft-com:vml" xmlns:pvml="urn:schemas-microsoft-com:office:powerpoint" xmlns:com="http://schemas.openxmlformats.org/drawingml/2006/compatibility" xmlns:p14="http://schemas.microsoft.com/office/powerpoint/2010/main" xmlns:p15="http://schemas.microsoft.com/office/powerpoint/2012/main" xmlns:ahyp="http://schemas.microsoft.com/office/drawing/2018/hyperlinkcolor" showMasterPhAnim="0" showMasterSp="0">
-  <p:cSld>
-    <p:spTree>
-      <p:nvGrpSpPr>
-        <p:cNvPr id="100" name="Shape 100"/>
-        <p:cNvGrpSpPr/>
-        <p:nvPr/>
-      </p:nvGrpSpPr>
-      <p:grpSpPr>
-        <a:xfrm>
-          <a:off x="0" y="0"/>
-          <a:ext cx="0" cy="0"/>
-          <a:chOff x="0" y="0"/>
-          <a:chExt cx="0" cy="0"/>
-        </a:xfrm>
-      </p:grpSpPr>
-      <p:sp>
-        <p:nvSpPr>
-          <p:cNvPr id="101" name="Google Shape;101;g3b85965834c_0_0:notes"/>
-          <p:cNvSpPr/>
-          <p:nvPr>
-            <p:ph idx="2" type="sldImg"/>
-          </p:nvPr>
-        </p:nvSpPr>
-        <p:spPr>
-          <a:xfrm>
-            <a:off x="381300" y="685800"/>
-            <a:ext cx="6096000" cy="3429000"/>
-          </a:xfrm>
-          <a:custGeom>
-            <a:rect b="b" l="l" r="r" t="t"/>
-            <a:pathLst>
-              <a:path extrusionOk="0" h="120000" w="120000">
-                <a:moveTo>
-                  <a:pt x="0" y="0"/>
-                </a:moveTo>
-                <a:lnTo>
-                  <a:pt x="120000" y="0"/>
-                </a:lnTo>
-                <a:lnTo>
-                  <a:pt x="120000" y="120000"/>
-                </a:lnTo>
-                <a:lnTo>
-                  <a:pt x="0" y="120000"/>
-                </a:lnTo>
-                <a:close/>
-              </a:path>
-            </a:pathLst>
-          </a:custGeom>
-        </p:spPr>
-      </p:sp>
-      <p:sp>
-        <p:nvSpPr>
-          <p:cNvPr id="102" name="Google Shape;102;g3b85965834c_0_0:notes"/>
+          <p:cNvPr id="100" name="Google Shape;100;g3b8ae9ccc97_0_38:notes"/>
           <p:cNvSpPr txBox="1"/>
           <p:nvPr>
             <p:ph idx="1" type="body"/>
@@ -6472,25 +6879,25 @@
           <p:cNvPr id="54" name="Google Shape;54;p13"/>
           <p:cNvSpPr txBox="1"/>
           <p:nvPr>
-            <p:ph type="ctrTitle"/>
+            <p:ph type="title"/>
           </p:nvPr>
         </p:nvSpPr>
         <p:spPr>
           <a:xfrm>
-            <a:off x="311708" y="744575"/>
-            <a:ext cx="8520600" cy="2052600"/>
+            <a:off x="311700" y="445025"/>
+            <a:ext cx="8520600" cy="572700"/>
           </a:xfrm>
           <a:prstGeom prst="rect">
             <a:avLst/>
           </a:prstGeom>
         </p:spPr>
         <p:txBody>
-          <a:bodyPr anchorCtr="0" anchor="b" bIns="91425" lIns="91425" spcFirstLastPara="1" rIns="91425" wrap="square" tIns="91425">
-            <a:normAutofit/>
+          <a:bodyPr anchorCtr="0" anchor="t" bIns="91425" lIns="91425" spcFirstLastPara="1" rIns="91425" wrap="square" tIns="91425">
+            <a:normAutofit fontScale="90000"/>
           </a:bodyPr>
           <a:lstStyle/>
           <a:p>
-            <a:pPr indent="0" lvl="0" marL="0" rtl="0" algn="ctr">
+            <a:pPr indent="0" lvl="0" marL="0" rtl="0" algn="l">
               <a:spcBef>
                 <a:spcPts val="0"/>
               </a:spcBef>
@@ -6500,8 +6907,7 @@
               <a:buNone/>
             </a:pPr>
             <a:r>
-              <a:rPr lang="en"/>
-              <a:t>LangChain Basics </a:t>
+              <a:t/>
             </a:r>
             <a:endParaRPr/>
           </a:p>
@@ -6512,13 +6918,13 @@
           <p:cNvPr id="55" name="Google Shape;55;p13"/>
           <p:cNvSpPr txBox="1"/>
           <p:nvPr>
-            <p:ph idx="1" type="subTitle"/>
+            <p:ph idx="1" type="body"/>
           </p:nvPr>
         </p:nvSpPr>
         <p:spPr>
           <a:xfrm>
-            <a:off x="311700" y="2834125"/>
-            <a:ext cx="8520600" cy="792600"/>
+            <a:off x="311700" y="1152475"/>
+            <a:ext cx="8520600" cy="3416400"/>
           </a:xfrm>
           <a:prstGeom prst="rect">
             <a:avLst/>
@@ -6530,12 +6936,12 @@
           </a:bodyPr>
           <a:lstStyle/>
           <a:p>
-            <a:pPr indent="0" lvl="0" marL="0" rtl="0" algn="ctr">
-              <a:spcBef>
-                <a:spcPts val="0"/>
-              </a:spcBef>
-              <a:spcAft>
-                <a:spcPts val="0"/>
+            <a:pPr indent="0" lvl="0" marL="0" rtl="0" algn="l">
+              <a:spcBef>
+                <a:spcPts val="0"/>
+              </a:spcBef>
+              <a:spcAft>
+                <a:spcPts val="1200"/>
               </a:spcAft>
               <a:buNone/>
             </a:pPr>
@@ -6559,7 +6965,7 @@
   <p:cSld>
     <p:spTree>
       <p:nvGrpSpPr>
-        <p:cNvPr id="109" name="Shape 109"/>
+        <p:cNvPr id="108" name="Shape 108"/>
         <p:cNvGrpSpPr/>
         <p:nvPr/>
       </p:nvGrpSpPr>
@@ -6573,7 +6979,7 @@
       </p:grpSpPr>
       <p:sp>
         <p:nvSpPr>
-          <p:cNvPr id="110" name="Google Shape;110;p22"/>
+          <p:cNvPr id="109" name="Google Shape;109;p22"/>
           <p:cNvSpPr txBox="1"/>
           <p:nvPr>
             <p:ph type="title"/>
@@ -6605,7 +7011,7 @@
             </a:pPr>
             <a:r>
               <a:rPr lang="en"/>
-              <a:t>Conversation Buffer Window Memory</a:t>
+              <a:t>Sequential Chain</a:t>
             </a:r>
             <a:endParaRPr/>
           </a:p>
@@ -6613,7 +7019,7 @@
       </p:sp>
       <p:pic>
         <p:nvPicPr>
-          <p:cNvPr id="111" name="Google Shape;111;p22"/>
+          <p:cNvPr id="110" name="Google Shape;110;p22"/>
           <p:cNvPicPr preferRelativeResize="0"/>
           <p:nvPr/>
         </p:nvPicPr>
@@ -6627,8 +7033,8 @@
         </p:blipFill>
         <p:spPr>
           <a:xfrm>
-            <a:off x="2130825" y="1135150"/>
-            <a:ext cx="4882358" cy="3820975"/>
+            <a:off x="1039800" y="1512725"/>
+            <a:ext cx="7064400" cy="3532200"/>
           </a:xfrm>
           <a:prstGeom prst="rect">
             <a:avLst/>
@@ -6639,6 +7045,59 @@
           </a:ln>
         </p:spPr>
       </p:pic>
+      <p:sp>
+        <p:nvSpPr>
+          <p:cNvPr id="111" name="Google Shape;111;p22"/>
+          <p:cNvSpPr txBox="1"/>
+          <p:nvPr/>
+        </p:nvSpPr>
+        <p:spPr>
+          <a:xfrm>
+            <a:off x="311700" y="1017725"/>
+            <a:ext cx="7646400" cy="392400"/>
+          </a:xfrm>
+          <a:prstGeom prst="rect">
+            <a:avLst/>
+          </a:prstGeom>
+          <a:noFill/>
+          <a:ln>
+            <a:noFill/>
+          </a:ln>
+        </p:spPr>
+        <p:txBody>
+          <a:bodyPr anchorCtr="0" anchor="t" bIns="91425" lIns="91425" spcFirstLastPara="1" rIns="91425" wrap="square" tIns="91425">
+            <a:spAutoFit/>
+          </a:bodyPr>
+          <a:lstStyle/>
+          <a:p>
+            <a:pPr indent="0" lvl="0" marL="0" rtl="0" algn="l">
+              <a:spcBef>
+                <a:spcPts val="0"/>
+              </a:spcBef>
+              <a:spcAft>
+                <a:spcPts val="0"/>
+              </a:spcAft>
+              <a:buNone/>
+            </a:pPr>
+            <a:r>
+              <a:rPr lang="en" sz="1350">
+                <a:solidFill>
+                  <a:srgbClr val="273239"/>
+                </a:solidFill>
+                <a:highlight>
+                  <a:srgbClr val="FFFFFF"/>
+                </a:highlight>
+                <a:latin typeface="Nunito"/>
+                <a:ea typeface="Nunito"/>
+                <a:cs typeface="Nunito"/>
+                <a:sym typeface="Nunito"/>
+              </a:rPr>
+              <a:t>complex workflows where chains might depend on several pieces of information.</a:t>
+            </a:r>
+            <a:endParaRPr/>
+          </a:p>
+        </p:txBody>
+      </p:sp>
     </p:spTree>
   </p:cSld>
   <p:clrMapOvr>
@@ -6698,6 +7157,1036 @@
             </a:pPr>
             <a:r>
               <a:rPr lang="en"/>
+              <a:t>LangChain framework Core Components</a:t>
+            </a:r>
+            <a:endParaRPr/>
+          </a:p>
+        </p:txBody>
+      </p:sp>
+      <p:sp>
+        <p:nvSpPr>
+          <p:cNvPr id="117" name="Google Shape;117;p23"/>
+          <p:cNvSpPr txBox="1"/>
+          <p:nvPr>
+            <p:ph idx="1" type="body"/>
+          </p:nvPr>
+        </p:nvSpPr>
+        <p:spPr>
+          <a:xfrm>
+            <a:off x="311700" y="1152475"/>
+            <a:ext cx="8520600" cy="3416400"/>
+          </a:xfrm>
+          <a:prstGeom prst="rect">
+            <a:avLst/>
+          </a:prstGeom>
+        </p:spPr>
+        <p:txBody>
+          <a:bodyPr anchorCtr="0" anchor="t" bIns="91425" lIns="91425" spcFirstLastPara="1" rIns="91425" wrap="square" tIns="91425">
+            <a:normAutofit lnSpcReduction="10000"/>
+          </a:bodyPr>
+          <a:lstStyle/>
+          <a:p>
+            <a:pPr indent="0" lvl="0" marL="0" rtl="0" algn="l">
+              <a:spcBef>
+                <a:spcPts val="0"/>
+              </a:spcBef>
+              <a:spcAft>
+                <a:spcPts val="0"/>
+              </a:spcAft>
+              <a:buNone/>
+            </a:pPr>
+            <a:r>
+              <a:rPr b="1" lang="en"/>
+              <a:t>Models</a:t>
+            </a:r>
+            <a:r>
+              <a:rPr lang="en"/>
+              <a:t>: Abstract how to call different model providers</a:t>
+            </a:r>
+            <a:endParaRPr/>
+          </a:p>
+          <a:p>
+            <a:pPr indent="0" lvl="0" marL="0" rtl="0" algn="l">
+              <a:spcBef>
+                <a:spcPts val="1200"/>
+              </a:spcBef>
+              <a:spcAft>
+                <a:spcPts val="0"/>
+              </a:spcAft>
+              <a:buNone/>
+            </a:pPr>
+            <a:r>
+              <a:rPr b="1" lang="en"/>
+              <a:t>Prompt Templates: </a:t>
+            </a:r>
+            <a:r>
+              <a:rPr lang="en">
+                <a:highlight>
+                  <a:srgbClr val="FFFFFF"/>
+                </a:highlight>
+              </a:rPr>
+              <a:t>Define how user inputs are formatted and structured to guide LLMs effectively</a:t>
+            </a:r>
+            <a:endParaRPr b="1"/>
+          </a:p>
+          <a:p>
+            <a:pPr indent="0" lvl="0" marL="0" rtl="0" algn="l">
+              <a:spcBef>
+                <a:spcPts val="1200"/>
+              </a:spcBef>
+              <a:spcAft>
+                <a:spcPts val="0"/>
+              </a:spcAft>
+              <a:buNone/>
+            </a:pPr>
+            <a:r>
+              <a:rPr b="1" lang="en"/>
+              <a:t>Memory : </a:t>
+            </a:r>
+            <a:r>
+              <a:rPr lang="en"/>
+              <a:t>Store the list of messages sent and received</a:t>
+            </a:r>
+            <a:endParaRPr/>
+          </a:p>
+          <a:p>
+            <a:pPr indent="0" lvl="0" marL="0" rtl="0" algn="l">
+              <a:spcBef>
+                <a:spcPts val="1200"/>
+              </a:spcBef>
+              <a:spcAft>
+                <a:spcPts val="0"/>
+              </a:spcAft>
+              <a:buNone/>
+            </a:pPr>
+            <a:r>
+              <a:rPr b="1" lang="en"/>
+              <a:t>Chains: </a:t>
+            </a:r>
+            <a:r>
+              <a:rPr lang="en"/>
+              <a:t>Sequence of calls to an LLM</a:t>
+            </a:r>
+            <a:endParaRPr/>
+          </a:p>
+          <a:p>
+            <a:pPr indent="0" lvl="0" marL="0" rtl="0" algn="l">
+              <a:spcBef>
+                <a:spcPts val="1200"/>
+              </a:spcBef>
+              <a:spcAft>
+                <a:spcPts val="0"/>
+              </a:spcAft>
+              <a:buNone/>
+            </a:pPr>
+            <a:r>
+              <a:rPr lang="en"/>
+              <a:t>Vector Databases</a:t>
+            </a:r>
+            <a:endParaRPr/>
+          </a:p>
+          <a:p>
+            <a:pPr indent="0" lvl="0" marL="0" rtl="0" algn="l">
+              <a:spcBef>
+                <a:spcPts val="1200"/>
+              </a:spcBef>
+              <a:spcAft>
+                <a:spcPts val="0"/>
+              </a:spcAft>
+              <a:buNone/>
+            </a:pPr>
+            <a:r>
+              <a:rPr lang="en"/>
+              <a:t>Agents</a:t>
+            </a:r>
+            <a:endParaRPr/>
+          </a:p>
+          <a:p>
+            <a:pPr indent="0" lvl="0" marL="0" rtl="0" algn="l">
+              <a:spcBef>
+                <a:spcPts val="1200"/>
+              </a:spcBef>
+              <a:spcAft>
+                <a:spcPts val="1200"/>
+              </a:spcAft>
+              <a:buNone/>
+            </a:pPr>
+            <a:r>
+              <a:t/>
+            </a:r>
+            <a:endParaRPr/>
+          </a:p>
+        </p:txBody>
+      </p:sp>
+    </p:spTree>
+  </p:cSld>
+  <p:clrMapOvr>
+    <a:masterClrMapping/>
+  </p:clrMapOvr>
+</p:sld>
+</file>
+
+<file path=ppt/slides/slide12.xml><?xml version="1.0" encoding="utf-8"?>
+<p:sld xmlns:a="http://schemas.openxmlformats.org/drawingml/2006/main" xmlns:r="http://schemas.openxmlformats.org/officeDocument/2006/relationships" xmlns:mc="http://schemas.openxmlformats.org/markup-compatibility/2006" xmlns:mv="urn:schemas-microsoft-com:mac:vml" xmlns:p="http://schemas.openxmlformats.org/presentationml/2006/main" xmlns:c="http://schemas.openxmlformats.org/drawingml/2006/chart" xmlns:dgm="http://schemas.openxmlformats.org/drawingml/2006/diagram" xmlns:o="urn:schemas-microsoft-com:office:office" xmlns:v="urn:schemas-microsoft-com:vml" xmlns:pvml="urn:schemas-microsoft-com:office:powerpoint" xmlns:com="http://schemas.openxmlformats.org/drawingml/2006/compatibility" xmlns:p14="http://schemas.microsoft.com/office/powerpoint/2010/main" xmlns:p15="http://schemas.microsoft.com/office/powerpoint/2012/main" xmlns:ahyp="http://schemas.microsoft.com/office/drawing/2018/hyperlinkcolor">
+  <p:cSld>
+    <p:spTree>
+      <p:nvGrpSpPr>
+        <p:cNvPr id="121" name="Shape 121"/>
+        <p:cNvGrpSpPr/>
+        <p:nvPr/>
+      </p:nvGrpSpPr>
+      <p:grpSpPr>
+        <a:xfrm>
+          <a:off x="0" y="0"/>
+          <a:ext cx="0" cy="0"/>
+          <a:chOff x="0" y="0"/>
+          <a:chExt cx="0" cy="0"/>
+        </a:xfrm>
+      </p:grpSpPr>
+      <p:sp>
+        <p:nvSpPr>
+          <p:cNvPr id="122" name="Google Shape;122;p24"/>
+          <p:cNvSpPr txBox="1"/>
+          <p:nvPr>
+            <p:ph type="title"/>
+          </p:nvPr>
+        </p:nvSpPr>
+        <p:spPr>
+          <a:xfrm>
+            <a:off x="311700" y="445025"/>
+            <a:ext cx="8520600" cy="572700"/>
+          </a:xfrm>
+          <a:prstGeom prst="rect">
+            <a:avLst/>
+          </a:prstGeom>
+        </p:spPr>
+        <p:txBody>
+          <a:bodyPr anchorCtr="0" anchor="t" bIns="91425" lIns="91425" spcFirstLastPara="1" rIns="91425" wrap="square" tIns="91425">
+            <a:normAutofit fontScale="90000"/>
+          </a:bodyPr>
+          <a:lstStyle/>
+          <a:p>
+            <a:pPr indent="0" lvl="0" marL="0" rtl="0" algn="l">
+              <a:spcBef>
+                <a:spcPts val="0"/>
+              </a:spcBef>
+              <a:spcAft>
+                <a:spcPts val="0"/>
+              </a:spcAft>
+              <a:buNone/>
+            </a:pPr>
+            <a:r>
+              <a:rPr lang="en"/>
+              <a:t>ChatOpenAI</a:t>
+            </a:r>
+            <a:endParaRPr/>
+          </a:p>
+        </p:txBody>
+      </p:sp>
+      <p:sp>
+        <p:nvSpPr>
+          <p:cNvPr id="123" name="Google Shape;123;p24"/>
+          <p:cNvSpPr txBox="1"/>
+          <p:nvPr>
+            <p:ph idx="1" type="body"/>
+          </p:nvPr>
+        </p:nvSpPr>
+        <p:spPr>
+          <a:xfrm>
+            <a:off x="311700" y="1152475"/>
+            <a:ext cx="8520600" cy="3416400"/>
+          </a:xfrm>
+          <a:prstGeom prst="rect">
+            <a:avLst/>
+          </a:prstGeom>
+        </p:spPr>
+        <p:txBody>
+          <a:bodyPr anchorCtr="0" anchor="t" bIns="91425" lIns="91425" spcFirstLastPara="1" rIns="91425" wrap="square" tIns="91425">
+            <a:normAutofit/>
+          </a:bodyPr>
+          <a:lstStyle/>
+          <a:p>
+            <a:pPr indent="0" lvl="0" marL="0" rtl="0" algn="l">
+              <a:lnSpc>
+                <a:spcPct val="150000"/>
+              </a:lnSpc>
+              <a:spcBef>
+                <a:spcPts val="1400"/>
+              </a:spcBef>
+              <a:spcAft>
+                <a:spcPts val="0"/>
+              </a:spcAft>
+              <a:buNone/>
+            </a:pPr>
+            <a:r>
+              <a:rPr lang="en" sz="1500">
+                <a:solidFill>
+                  <a:srgbClr val="242424"/>
+                </a:solidFill>
+                <a:highlight>
+                  <a:srgbClr val="FFFFFF"/>
+                </a:highlight>
+                <a:latin typeface="Georgia"/>
+                <a:ea typeface="Georgia"/>
+                <a:cs typeface="Georgia"/>
+                <a:sym typeface="Georgia"/>
+              </a:rPr>
+              <a:t>ChatOpenAI is the primary class used for chatting with OpenAI models.  </a:t>
+            </a:r>
+            <a:endParaRPr sz="1500">
+              <a:solidFill>
+                <a:srgbClr val="242424"/>
+              </a:solidFill>
+              <a:highlight>
+                <a:srgbClr val="FFFFFF"/>
+              </a:highlight>
+              <a:latin typeface="Georgia"/>
+              <a:ea typeface="Georgia"/>
+              <a:cs typeface="Georgia"/>
+              <a:sym typeface="Georgia"/>
+            </a:endParaRPr>
+          </a:p>
+          <a:p>
+            <a:pPr indent="0" lvl="0" marL="0" rtl="0" algn="l">
+              <a:lnSpc>
+                <a:spcPct val="150000"/>
+              </a:lnSpc>
+              <a:spcBef>
+                <a:spcPts val="1400"/>
+              </a:spcBef>
+              <a:spcAft>
+                <a:spcPts val="0"/>
+              </a:spcAft>
+              <a:buNone/>
+            </a:pPr>
+            <a:r>
+              <a:rPr lang="en" sz="1500">
+                <a:solidFill>
+                  <a:srgbClr val="242424"/>
+                </a:solidFill>
+                <a:highlight>
+                  <a:srgbClr val="FFFFFF"/>
+                </a:highlight>
+                <a:latin typeface="Georgia"/>
+                <a:ea typeface="Georgia"/>
+                <a:cs typeface="Georgia"/>
+                <a:sym typeface="Georgia"/>
+              </a:rPr>
+              <a:t>LangChain’s interface for interacting with OpenAI’s API.</a:t>
+            </a:r>
+            <a:endParaRPr sz="1500">
+              <a:solidFill>
+                <a:srgbClr val="242424"/>
+              </a:solidFill>
+              <a:highlight>
+                <a:srgbClr val="FFFFFF"/>
+              </a:highlight>
+              <a:latin typeface="Georgia"/>
+              <a:ea typeface="Georgia"/>
+              <a:cs typeface="Georgia"/>
+              <a:sym typeface="Georgia"/>
+            </a:endParaRPr>
+          </a:p>
+          <a:p>
+            <a:pPr indent="0" lvl="0" marL="0" rtl="0" algn="l">
+              <a:lnSpc>
+                <a:spcPct val="150000"/>
+              </a:lnSpc>
+              <a:spcBef>
+                <a:spcPts val="1400"/>
+              </a:spcBef>
+              <a:spcAft>
+                <a:spcPts val="0"/>
+              </a:spcAft>
+              <a:buClr>
+                <a:schemeClr val="dk1"/>
+              </a:buClr>
+              <a:buSzPts val="1100"/>
+              <a:buFont typeface="Arial"/>
+              <a:buNone/>
+            </a:pPr>
+            <a:r>
+              <a:rPr lang="en" sz="1500">
+                <a:solidFill>
+                  <a:srgbClr val="242424"/>
+                </a:solidFill>
+                <a:highlight>
+                  <a:srgbClr val="FFFFFF"/>
+                </a:highlight>
+                <a:latin typeface="Georgia"/>
+                <a:ea typeface="Georgia"/>
+                <a:cs typeface="Georgia"/>
+                <a:sym typeface="Georgia"/>
+              </a:rPr>
+              <a:t>A subclass of </a:t>
+            </a:r>
+            <a:r>
+              <a:rPr i="1" lang="en" sz="1500">
+                <a:solidFill>
+                  <a:srgbClr val="242424"/>
+                </a:solidFill>
+                <a:highlight>
+                  <a:srgbClr val="FFFFFF"/>
+                </a:highlight>
+                <a:latin typeface="Georgia"/>
+                <a:ea typeface="Georgia"/>
+                <a:cs typeface="Georgia"/>
+                <a:sym typeface="Georgia"/>
+              </a:rPr>
+              <a:t>BaseChatModel, </a:t>
+            </a:r>
+            <a:r>
+              <a:rPr lang="en" sz="1500">
+                <a:solidFill>
+                  <a:srgbClr val="242424"/>
+                </a:solidFill>
+                <a:highlight>
+                  <a:srgbClr val="FFFFFF"/>
+                </a:highlight>
+                <a:latin typeface="Georgia"/>
+                <a:ea typeface="Georgia"/>
+                <a:cs typeface="Georgia"/>
+                <a:sym typeface="Georgia"/>
+              </a:rPr>
+              <a:t>which is a generic class that implements subclasses for individual API services</a:t>
+            </a:r>
+            <a:endParaRPr sz="1500">
+              <a:solidFill>
+                <a:srgbClr val="242424"/>
+              </a:solidFill>
+              <a:highlight>
+                <a:srgbClr val="FFFFFF"/>
+              </a:highlight>
+              <a:latin typeface="Georgia"/>
+              <a:ea typeface="Georgia"/>
+              <a:cs typeface="Georgia"/>
+              <a:sym typeface="Georgia"/>
+            </a:endParaRPr>
+          </a:p>
+          <a:p>
+            <a:pPr indent="0" lvl="0" marL="0" rtl="0" algn="l">
+              <a:spcBef>
+                <a:spcPts val="0"/>
+              </a:spcBef>
+              <a:spcAft>
+                <a:spcPts val="1200"/>
+              </a:spcAft>
+              <a:buNone/>
+            </a:pPr>
+            <a:r>
+              <a:t/>
+            </a:r>
+            <a:endParaRPr/>
+          </a:p>
+        </p:txBody>
+      </p:sp>
+    </p:spTree>
+  </p:cSld>
+  <p:clrMapOvr>
+    <a:masterClrMapping/>
+  </p:clrMapOvr>
+</p:sld>
+</file>
+
+<file path=ppt/slides/slide13.xml><?xml version="1.0" encoding="utf-8"?>
+<p:sld xmlns:a="http://schemas.openxmlformats.org/drawingml/2006/main" xmlns:r="http://schemas.openxmlformats.org/officeDocument/2006/relationships" xmlns:mc="http://schemas.openxmlformats.org/markup-compatibility/2006" xmlns:mv="urn:schemas-microsoft-com:mac:vml" xmlns:p="http://schemas.openxmlformats.org/presentationml/2006/main" xmlns:c="http://schemas.openxmlformats.org/drawingml/2006/chart" xmlns:dgm="http://schemas.openxmlformats.org/drawingml/2006/diagram" xmlns:o="urn:schemas-microsoft-com:office:office" xmlns:v="urn:schemas-microsoft-com:vml" xmlns:pvml="urn:schemas-microsoft-com:office:powerpoint" xmlns:com="http://schemas.openxmlformats.org/drawingml/2006/compatibility" xmlns:p14="http://schemas.microsoft.com/office/powerpoint/2010/main" xmlns:p15="http://schemas.microsoft.com/office/powerpoint/2012/main" xmlns:ahyp="http://schemas.microsoft.com/office/drawing/2018/hyperlinkcolor">
+  <p:cSld>
+    <p:spTree>
+      <p:nvGrpSpPr>
+        <p:cNvPr id="127" name="Shape 127"/>
+        <p:cNvGrpSpPr/>
+        <p:nvPr/>
+      </p:nvGrpSpPr>
+      <p:grpSpPr>
+        <a:xfrm>
+          <a:off x="0" y="0"/>
+          <a:ext cx="0" cy="0"/>
+          <a:chOff x="0" y="0"/>
+          <a:chExt cx="0" cy="0"/>
+        </a:xfrm>
+      </p:grpSpPr>
+      <p:sp>
+        <p:nvSpPr>
+          <p:cNvPr id="128" name="Google Shape;128;p25"/>
+          <p:cNvSpPr txBox="1"/>
+          <p:nvPr>
+            <p:ph type="title"/>
+          </p:nvPr>
+        </p:nvSpPr>
+        <p:spPr>
+          <a:xfrm>
+            <a:off x="311700" y="445025"/>
+            <a:ext cx="8520600" cy="572700"/>
+          </a:xfrm>
+          <a:prstGeom prst="rect">
+            <a:avLst/>
+          </a:prstGeom>
+        </p:spPr>
+        <p:txBody>
+          <a:bodyPr anchorCtr="0" anchor="t" bIns="91425" lIns="91425" spcFirstLastPara="1" rIns="91425" wrap="square" tIns="91425">
+            <a:normAutofit fontScale="90000"/>
+          </a:bodyPr>
+          <a:lstStyle/>
+          <a:p>
+            <a:pPr indent="0" lvl="0" marL="0" rtl="0" algn="l">
+              <a:spcBef>
+                <a:spcPts val="0"/>
+              </a:spcBef>
+              <a:spcAft>
+                <a:spcPts val="0"/>
+              </a:spcAft>
+              <a:buNone/>
+            </a:pPr>
+            <a:r>
+              <a:rPr lang="en"/>
+              <a:t>Langchain Memory classes</a:t>
+            </a:r>
+            <a:endParaRPr/>
+          </a:p>
+        </p:txBody>
+      </p:sp>
+      <p:sp>
+        <p:nvSpPr>
+          <p:cNvPr id="129" name="Google Shape;129;p25"/>
+          <p:cNvSpPr txBox="1"/>
+          <p:nvPr>
+            <p:ph idx="1" type="body"/>
+          </p:nvPr>
+        </p:nvSpPr>
+        <p:spPr>
+          <a:xfrm>
+            <a:off x="311700" y="1152475"/>
+            <a:ext cx="8520600" cy="3416400"/>
+          </a:xfrm>
+          <a:prstGeom prst="rect">
+            <a:avLst/>
+          </a:prstGeom>
+        </p:spPr>
+        <p:txBody>
+          <a:bodyPr anchorCtr="0" anchor="t" bIns="91425" lIns="91425" spcFirstLastPara="1" rIns="91425" wrap="square" tIns="91425">
+            <a:normAutofit lnSpcReduction="20000"/>
+          </a:bodyPr>
+          <a:lstStyle/>
+          <a:p>
+            <a:pPr indent="0" lvl="0" marL="0" rtl="0" algn="l">
+              <a:spcBef>
+                <a:spcPts val="0"/>
+              </a:spcBef>
+              <a:spcAft>
+                <a:spcPts val="0"/>
+              </a:spcAft>
+              <a:buClr>
+                <a:schemeClr val="dk1"/>
+              </a:buClr>
+              <a:buSzPts val="1100"/>
+              <a:buFont typeface="Arial"/>
+              <a:buNone/>
+            </a:pPr>
+            <a:r>
+              <a:rPr b="1" lang="en" sz="1100">
+                <a:solidFill>
+                  <a:schemeClr val="dk1"/>
+                </a:solidFill>
+              </a:rPr>
+              <a:t>Automatic history management</a:t>
+            </a:r>
+            <a:endParaRPr b="1" sz="1100">
+              <a:solidFill>
+                <a:schemeClr val="dk1"/>
+              </a:solidFill>
+            </a:endParaRPr>
+          </a:p>
+          <a:p>
+            <a:pPr indent="-298450" lvl="0" marL="457200" rtl="0" algn="l">
+              <a:spcBef>
+                <a:spcPts val="1200"/>
+              </a:spcBef>
+              <a:spcAft>
+                <a:spcPts val="0"/>
+              </a:spcAft>
+              <a:buClr>
+                <a:schemeClr val="dk1"/>
+              </a:buClr>
+              <a:buSzPts val="1100"/>
+              <a:buChar char="●"/>
+            </a:pPr>
+            <a:r>
+              <a:rPr lang="en" sz="1100">
+                <a:solidFill>
+                  <a:srgbClr val="188038"/>
+                </a:solidFill>
+                <a:latin typeface="Roboto Mono"/>
+                <a:ea typeface="Roboto Mono"/>
+                <a:cs typeface="Roboto Mono"/>
+                <a:sym typeface="Roboto Mono"/>
+              </a:rPr>
+              <a:t>ConversationBufferMemory</a:t>
+            </a:r>
+            <a:r>
+              <a:rPr lang="en" sz="1100">
+                <a:solidFill>
+                  <a:schemeClr val="dk1"/>
+                </a:solidFill>
+              </a:rPr>
+              <a:t>: keeps the full chat history.</a:t>
+            </a:r>
+            <a:endParaRPr sz="1100">
+              <a:solidFill>
+                <a:schemeClr val="dk1"/>
+              </a:solidFill>
+            </a:endParaRPr>
+          </a:p>
+          <a:p>
+            <a:pPr indent="-298450" lvl="0" marL="457200" rtl="0" algn="l">
+              <a:spcBef>
+                <a:spcPts val="0"/>
+              </a:spcBef>
+              <a:spcAft>
+                <a:spcPts val="0"/>
+              </a:spcAft>
+              <a:buClr>
+                <a:schemeClr val="dk1"/>
+              </a:buClr>
+              <a:buSzPts val="1100"/>
+              <a:buChar char="●"/>
+            </a:pPr>
+            <a:r>
+              <a:rPr lang="en" sz="1100">
+                <a:solidFill>
+                  <a:srgbClr val="188038"/>
+                </a:solidFill>
+                <a:latin typeface="Roboto Mono"/>
+                <a:ea typeface="Roboto Mono"/>
+                <a:cs typeface="Roboto Mono"/>
+                <a:sym typeface="Roboto Mono"/>
+              </a:rPr>
+              <a:t>ConversationBufferWindowMemory</a:t>
+            </a:r>
+            <a:r>
+              <a:rPr lang="en" sz="1100">
+                <a:solidFill>
+                  <a:schemeClr val="dk1"/>
+                </a:solidFill>
+              </a:rPr>
+              <a:t>: keeps only the last </a:t>
+            </a:r>
+            <a:r>
+              <a:rPr i="1" lang="en" sz="1100">
+                <a:solidFill>
+                  <a:schemeClr val="dk1"/>
+                </a:solidFill>
+              </a:rPr>
+              <a:t>N</a:t>
+            </a:r>
+            <a:r>
+              <a:rPr lang="en" sz="1100">
+                <a:solidFill>
+                  <a:schemeClr val="dk1"/>
+                </a:solidFill>
+              </a:rPr>
+              <a:t> turns (avoids token bloat).</a:t>
+            </a:r>
+            <a:endParaRPr sz="1100">
+              <a:solidFill>
+                <a:schemeClr val="dk1"/>
+              </a:solidFill>
+            </a:endParaRPr>
+          </a:p>
+          <a:p>
+            <a:pPr indent="-298450" lvl="0" marL="457200" rtl="0" algn="l">
+              <a:spcBef>
+                <a:spcPts val="0"/>
+              </a:spcBef>
+              <a:spcAft>
+                <a:spcPts val="0"/>
+              </a:spcAft>
+              <a:buClr>
+                <a:schemeClr val="dk1"/>
+              </a:buClr>
+              <a:buSzPts val="1100"/>
+              <a:buChar char="●"/>
+            </a:pPr>
+            <a:r>
+              <a:rPr lang="en" sz="1100">
+                <a:solidFill>
+                  <a:srgbClr val="188038"/>
+                </a:solidFill>
+                <a:latin typeface="Roboto Mono"/>
+                <a:ea typeface="Roboto Mono"/>
+                <a:cs typeface="Roboto Mono"/>
+                <a:sym typeface="Roboto Mono"/>
+              </a:rPr>
+              <a:t>ConversationSummaryMemory</a:t>
+            </a:r>
+            <a:r>
+              <a:rPr lang="en" sz="1100">
+                <a:solidFill>
+                  <a:schemeClr val="dk1"/>
+                </a:solidFill>
+              </a:rPr>
+              <a:t>: summarizes older turns into a compact form.</a:t>
+            </a:r>
+            <a:endParaRPr sz="1100">
+              <a:solidFill>
+                <a:schemeClr val="dk1"/>
+              </a:solidFill>
+            </a:endParaRPr>
+          </a:p>
+          <a:p>
+            <a:pPr indent="0" lvl="0" marL="0" rtl="0" algn="l">
+              <a:spcBef>
+                <a:spcPts val="1200"/>
+              </a:spcBef>
+              <a:spcAft>
+                <a:spcPts val="0"/>
+              </a:spcAft>
+              <a:buClr>
+                <a:schemeClr val="dk1"/>
+              </a:buClr>
+              <a:buSzPts val="1100"/>
+              <a:buFont typeface="Arial"/>
+              <a:buNone/>
+            </a:pPr>
+            <a:r>
+              <a:rPr b="1" lang="en" sz="1100">
+                <a:solidFill>
+                  <a:schemeClr val="dk1"/>
+                </a:solidFill>
+              </a:rPr>
+              <a:t>Plug-and-play with chains</a:t>
+            </a:r>
+            <a:endParaRPr b="1" sz="1100">
+              <a:solidFill>
+                <a:schemeClr val="dk1"/>
+              </a:solidFill>
+            </a:endParaRPr>
+          </a:p>
+          <a:p>
+            <a:pPr indent="-298450" lvl="0" marL="457200" rtl="0" algn="l">
+              <a:spcBef>
+                <a:spcPts val="1200"/>
+              </a:spcBef>
+              <a:spcAft>
+                <a:spcPts val="0"/>
+              </a:spcAft>
+              <a:buClr>
+                <a:schemeClr val="dk1"/>
+              </a:buClr>
+              <a:buSzPts val="1100"/>
+              <a:buChar char="●"/>
+            </a:pPr>
+            <a:r>
+              <a:rPr lang="en" sz="1100">
+                <a:solidFill>
+                  <a:schemeClr val="dk1"/>
+                </a:solidFill>
+              </a:rPr>
+              <a:t>Memory integrates seamlessly with </a:t>
+            </a:r>
+            <a:r>
+              <a:rPr lang="en" sz="1100">
+                <a:solidFill>
+                  <a:srgbClr val="188038"/>
+                </a:solidFill>
+                <a:latin typeface="Roboto Mono"/>
+                <a:ea typeface="Roboto Mono"/>
+                <a:cs typeface="Roboto Mono"/>
+                <a:sym typeface="Roboto Mono"/>
+              </a:rPr>
+              <a:t>ConversationChain</a:t>
+            </a:r>
+            <a:r>
+              <a:rPr lang="en" sz="1100">
+                <a:solidFill>
+                  <a:schemeClr val="dk1"/>
+                </a:solidFill>
+              </a:rPr>
+              <a:t> or custom chains.</a:t>
+            </a:r>
+            <a:endParaRPr sz="1100">
+              <a:solidFill>
+                <a:schemeClr val="dk1"/>
+              </a:solidFill>
+            </a:endParaRPr>
+          </a:p>
+          <a:p>
+            <a:pPr indent="-298450" lvl="0" marL="457200" rtl="0" algn="l">
+              <a:spcBef>
+                <a:spcPts val="0"/>
+              </a:spcBef>
+              <a:spcAft>
+                <a:spcPts val="0"/>
+              </a:spcAft>
+              <a:buClr>
+                <a:schemeClr val="dk1"/>
+              </a:buClr>
+              <a:buSzPts val="1100"/>
+              <a:buChar char="●"/>
+            </a:pPr>
+            <a:r>
+              <a:rPr lang="en" sz="1100">
+                <a:solidFill>
+                  <a:schemeClr val="dk1"/>
+                </a:solidFill>
+              </a:rPr>
+              <a:t>You don’t have to manually stitch messages into prompts — LangChain does it.</a:t>
+            </a:r>
+            <a:endParaRPr sz="1100">
+              <a:solidFill>
+                <a:schemeClr val="dk1"/>
+              </a:solidFill>
+            </a:endParaRPr>
+          </a:p>
+          <a:p>
+            <a:pPr indent="0" lvl="0" marL="0" rtl="0" algn="l">
+              <a:spcBef>
+                <a:spcPts val="1200"/>
+              </a:spcBef>
+              <a:spcAft>
+                <a:spcPts val="0"/>
+              </a:spcAft>
+              <a:buClr>
+                <a:schemeClr val="dk1"/>
+              </a:buClr>
+              <a:buSzPts val="1100"/>
+              <a:buFont typeface="Arial"/>
+              <a:buNone/>
+            </a:pPr>
+            <a:r>
+              <a:rPr b="1" lang="en" sz="1100">
+                <a:solidFill>
+                  <a:schemeClr val="dk1"/>
+                </a:solidFill>
+              </a:rPr>
+              <a:t>Consistency across models</a:t>
+            </a:r>
+            <a:endParaRPr b="1" sz="1100">
+              <a:solidFill>
+                <a:schemeClr val="dk1"/>
+              </a:solidFill>
+            </a:endParaRPr>
+          </a:p>
+          <a:p>
+            <a:pPr indent="-298450" lvl="0" marL="457200" rtl="0" algn="l">
+              <a:spcBef>
+                <a:spcPts val="1200"/>
+              </a:spcBef>
+              <a:spcAft>
+                <a:spcPts val="0"/>
+              </a:spcAft>
+              <a:buClr>
+                <a:schemeClr val="dk1"/>
+              </a:buClr>
+              <a:buSzPts val="1100"/>
+              <a:buChar char="●"/>
+            </a:pPr>
+            <a:r>
+              <a:rPr lang="en" sz="1100">
+                <a:solidFill>
+                  <a:schemeClr val="dk1"/>
+                </a:solidFill>
+              </a:rPr>
+              <a:t>Whether you use OpenAI, Anthropic, Hugging Face, or Ollama, the memory classes abstract away the differences in message formats.</a:t>
+            </a:r>
+            <a:endParaRPr sz="1100">
+              <a:solidFill>
+                <a:schemeClr val="dk1"/>
+              </a:solidFill>
+            </a:endParaRPr>
+          </a:p>
+          <a:p>
+            <a:pPr indent="0" lvl="0" marL="0" rtl="0" algn="l">
+              <a:spcBef>
+                <a:spcPts val="1200"/>
+              </a:spcBef>
+              <a:spcAft>
+                <a:spcPts val="0"/>
+              </a:spcAft>
+              <a:buClr>
+                <a:schemeClr val="dk1"/>
+              </a:buClr>
+              <a:buSzPts val="1100"/>
+              <a:buFont typeface="Arial"/>
+              <a:buNone/>
+            </a:pPr>
+            <a:r>
+              <a:t/>
+            </a:r>
+            <a:endParaRPr b="1" sz="1100">
+              <a:solidFill>
+                <a:schemeClr val="dk1"/>
+              </a:solidFill>
+            </a:endParaRPr>
+          </a:p>
+          <a:p>
+            <a:pPr indent="0" lvl="0" marL="0" rtl="0" algn="l">
+              <a:spcBef>
+                <a:spcPts val="1200"/>
+              </a:spcBef>
+              <a:spcAft>
+                <a:spcPts val="1200"/>
+              </a:spcAft>
+              <a:buNone/>
+            </a:pPr>
+            <a:r>
+              <a:t/>
+            </a:r>
+            <a:endParaRPr/>
+          </a:p>
+        </p:txBody>
+      </p:sp>
+    </p:spTree>
+  </p:cSld>
+  <p:clrMapOvr>
+    <a:masterClrMapping/>
+  </p:clrMapOvr>
+</p:sld>
+</file>
+
+<file path=ppt/slides/slide14.xml><?xml version="1.0" encoding="utf-8"?>
+<p:sld xmlns:a="http://schemas.openxmlformats.org/drawingml/2006/main" xmlns:r="http://schemas.openxmlformats.org/officeDocument/2006/relationships" xmlns:mc="http://schemas.openxmlformats.org/markup-compatibility/2006" xmlns:mv="urn:schemas-microsoft-com:mac:vml" xmlns:p="http://schemas.openxmlformats.org/presentationml/2006/main" xmlns:c="http://schemas.openxmlformats.org/drawingml/2006/chart" xmlns:dgm="http://schemas.openxmlformats.org/drawingml/2006/diagram" xmlns:o="urn:schemas-microsoft-com:office:office" xmlns:v="urn:schemas-microsoft-com:vml" xmlns:pvml="urn:schemas-microsoft-com:office:powerpoint" xmlns:com="http://schemas.openxmlformats.org/drawingml/2006/compatibility" xmlns:p14="http://schemas.microsoft.com/office/powerpoint/2010/main" xmlns:p15="http://schemas.microsoft.com/office/powerpoint/2012/main" xmlns:ahyp="http://schemas.microsoft.com/office/drawing/2018/hyperlinkcolor">
+  <p:cSld>
+    <p:spTree>
+      <p:nvGrpSpPr>
+        <p:cNvPr id="133" name="Shape 133"/>
+        <p:cNvGrpSpPr/>
+        <p:nvPr/>
+      </p:nvGrpSpPr>
+      <p:grpSpPr>
+        <a:xfrm>
+          <a:off x="0" y="0"/>
+          <a:ext cx="0" cy="0"/>
+          <a:chOff x="0" y="0"/>
+          <a:chExt cx="0" cy="0"/>
+        </a:xfrm>
+      </p:grpSpPr>
+      <p:sp>
+        <p:nvSpPr>
+          <p:cNvPr id="134" name="Google Shape;134;p26"/>
+          <p:cNvSpPr txBox="1"/>
+          <p:nvPr>
+            <p:ph type="title"/>
+          </p:nvPr>
+        </p:nvSpPr>
+        <p:spPr>
+          <a:xfrm>
+            <a:off x="311700" y="445025"/>
+            <a:ext cx="8520600" cy="572700"/>
+          </a:xfrm>
+          <a:prstGeom prst="rect">
+            <a:avLst/>
+          </a:prstGeom>
+        </p:spPr>
+        <p:txBody>
+          <a:bodyPr anchorCtr="0" anchor="t" bIns="91425" lIns="91425" spcFirstLastPara="1" rIns="91425" wrap="square" tIns="91425">
+            <a:normAutofit fontScale="90000"/>
+          </a:bodyPr>
+          <a:lstStyle/>
+          <a:p>
+            <a:pPr indent="0" lvl="0" marL="0" rtl="0" algn="l">
+              <a:spcBef>
+                <a:spcPts val="0"/>
+              </a:spcBef>
+              <a:spcAft>
+                <a:spcPts val="0"/>
+              </a:spcAft>
+              <a:buNone/>
+            </a:pPr>
+            <a:r>
+              <a:rPr lang="en"/>
+              <a:t>Conversation Buffer Window Memory</a:t>
+            </a:r>
+            <a:endParaRPr/>
+          </a:p>
+        </p:txBody>
+      </p:sp>
+      <p:pic>
+        <p:nvPicPr>
+          <p:cNvPr id="135" name="Google Shape;135;p26"/>
+          <p:cNvPicPr preferRelativeResize="0"/>
+          <p:nvPr/>
+        </p:nvPicPr>
+        <p:blipFill>
+          <a:blip r:embed="rId3">
+            <a:alphaModFix/>
+          </a:blip>
+          <a:stretch>
+            <a:fillRect/>
+          </a:stretch>
+        </p:blipFill>
+        <p:spPr>
+          <a:xfrm>
+            <a:off x="2130825" y="1135150"/>
+            <a:ext cx="4882358" cy="3820975"/>
+          </a:xfrm>
+          <a:prstGeom prst="rect">
+            <a:avLst/>
+          </a:prstGeom>
+          <a:noFill/>
+          <a:ln>
+            <a:noFill/>
+          </a:ln>
+        </p:spPr>
+      </p:pic>
+    </p:spTree>
+  </p:cSld>
+  <p:clrMapOvr>
+    <a:masterClrMapping/>
+  </p:clrMapOvr>
+</p:sld>
+</file>
+
+<file path=ppt/slides/slide15.xml><?xml version="1.0" encoding="utf-8"?>
+<p:sld xmlns:a="http://schemas.openxmlformats.org/drawingml/2006/main" xmlns:r="http://schemas.openxmlformats.org/officeDocument/2006/relationships" xmlns:mc="http://schemas.openxmlformats.org/markup-compatibility/2006" xmlns:mv="urn:schemas-microsoft-com:mac:vml" xmlns:p="http://schemas.openxmlformats.org/presentationml/2006/main" xmlns:c="http://schemas.openxmlformats.org/drawingml/2006/chart" xmlns:dgm="http://schemas.openxmlformats.org/drawingml/2006/diagram" xmlns:o="urn:schemas-microsoft-com:office:office" xmlns:v="urn:schemas-microsoft-com:vml" xmlns:pvml="urn:schemas-microsoft-com:office:powerpoint" xmlns:com="http://schemas.openxmlformats.org/drawingml/2006/compatibility" xmlns:p14="http://schemas.microsoft.com/office/powerpoint/2010/main" xmlns:p15="http://schemas.microsoft.com/office/powerpoint/2012/main" xmlns:ahyp="http://schemas.microsoft.com/office/drawing/2018/hyperlinkcolor">
+  <p:cSld>
+    <p:spTree>
+      <p:nvGrpSpPr>
+        <p:cNvPr id="139" name="Shape 139"/>
+        <p:cNvGrpSpPr/>
+        <p:nvPr/>
+      </p:nvGrpSpPr>
+      <p:grpSpPr>
+        <a:xfrm>
+          <a:off x="0" y="0"/>
+          <a:ext cx="0" cy="0"/>
+          <a:chOff x="0" y="0"/>
+          <a:chExt cx="0" cy="0"/>
+        </a:xfrm>
+      </p:grpSpPr>
+      <p:sp>
+        <p:nvSpPr>
+          <p:cNvPr id="140" name="Google Shape;140;p27"/>
+          <p:cNvSpPr txBox="1"/>
+          <p:nvPr>
+            <p:ph type="title"/>
+          </p:nvPr>
+        </p:nvSpPr>
+        <p:spPr>
+          <a:xfrm>
+            <a:off x="311700" y="445025"/>
+            <a:ext cx="8520600" cy="572700"/>
+          </a:xfrm>
+          <a:prstGeom prst="rect">
+            <a:avLst/>
+          </a:prstGeom>
+        </p:spPr>
+        <p:txBody>
+          <a:bodyPr anchorCtr="0" anchor="t" bIns="91425" lIns="91425" spcFirstLastPara="1" rIns="91425" wrap="square" tIns="91425">
+            <a:normAutofit fontScale="90000"/>
+          </a:bodyPr>
+          <a:lstStyle/>
+          <a:p>
+            <a:pPr indent="0" lvl="0" marL="0" rtl="0" algn="l">
+              <a:spcBef>
+                <a:spcPts val="0"/>
+              </a:spcBef>
+              <a:spcAft>
+                <a:spcPts val="0"/>
+              </a:spcAft>
+              <a:buNone/>
+            </a:pPr>
+            <a:r>
+              <a:rPr lang="en"/>
               <a:t>Types of Memory</a:t>
             </a:r>
             <a:endParaRPr/>
@@ -6706,7 +8195,7 @@
       </p:sp>
       <p:graphicFrame>
         <p:nvGraphicFramePr>
-          <p:cNvPr id="117" name="Google Shape;117;p23"/>
+          <p:cNvPr id="141" name="Google Shape;141;p27"/>
           <p:cNvGraphicFramePr/>
           <p:nvPr/>
         </p:nvGraphicFramePr>
@@ -6721,7 +8210,7 @@
                 <a:solidFill>
                   <a:srgbClr val="FFFFFF"/>
                 </a:solidFill>
-                <a:tableStyleId>{3FC3DD99-B9FF-435D-8126-5A59F796BE9F}</a:tableStyleId>
+                <a:tableStyleId>{F7B997B4-9BF3-47C5-ADE1-C7EDE530CDC0}</a:tableStyleId>
               </a:tblPr>
               <a:tblGrid>
                 <a:gridCol w="1040000"/>
@@ -7344,7 +8833,6 @@
                       <a:headEnd len="sm" w="sm" type="none"/>
                       <a:tailEnd len="sm" w="sm" type="none"/>
                     </a:lnB>
-                    <a:noFill/>
                   </a:tcPr>
                 </a:tc>
                 <a:tc>
@@ -7430,7 +8918,6 @@
                       <a:headEnd len="sm" w="sm" type="none"/>
                       <a:tailEnd len="sm" w="sm" type="none"/>
                     </a:lnB>
-                    <a:noFill/>
                   </a:tcPr>
                 </a:tc>
                 <a:tc>
@@ -7516,7 +9003,6 @@
                       <a:headEnd len="sm" w="sm" type="none"/>
                       <a:tailEnd len="sm" w="sm" type="none"/>
                     </a:lnB>
-                    <a:noFill/>
                   </a:tcPr>
                 </a:tc>
                 <a:tc>
@@ -7602,7 +9088,6 @@
                       <a:headEnd len="sm" w="sm" type="none"/>
                       <a:tailEnd len="sm" w="sm" type="none"/>
                     </a:lnB>
-                    <a:noFill/>
                   </a:tcPr>
                 </a:tc>
               </a:tr>
@@ -7778,7 +9263,6 @@
                       <a:headEnd len="sm" w="sm" type="none"/>
                       <a:tailEnd len="sm" w="sm" type="none"/>
                     </a:lnB>
-                    <a:noFill/>
                   </a:tcPr>
                 </a:tc>
                 <a:tc>
@@ -7864,7 +9348,6 @@
                       <a:headEnd len="sm" w="sm" type="none"/>
                       <a:tailEnd len="sm" w="sm" type="none"/>
                     </a:lnB>
-                    <a:noFill/>
                   </a:tcPr>
                 </a:tc>
                 <a:tc>
@@ -7950,7 +9433,6 @@
                       <a:headEnd len="sm" w="sm" type="none"/>
                       <a:tailEnd len="sm" w="sm" type="none"/>
                     </a:lnB>
-                    <a:noFill/>
                   </a:tcPr>
                 </a:tc>
                 <a:tc>
@@ -8036,7 +9518,6 @@
                       <a:headEnd len="sm" w="sm" type="none"/>
                       <a:tailEnd len="sm" w="sm" type="none"/>
                     </a:lnB>
-                    <a:noFill/>
                   </a:tcPr>
                 </a:tc>
               </a:tr>
@@ -8212,7 +9693,6 @@
                       <a:headEnd len="sm" w="sm" type="none"/>
                       <a:tailEnd len="sm" w="sm" type="none"/>
                     </a:lnB>
-                    <a:noFill/>
                   </a:tcPr>
                 </a:tc>
                 <a:tc>
@@ -8298,7 +9778,6 @@
                       <a:headEnd len="sm" w="sm" type="none"/>
                       <a:tailEnd len="sm" w="sm" type="none"/>
                     </a:lnB>
-                    <a:noFill/>
                   </a:tcPr>
                 </a:tc>
                 <a:tc>
@@ -8384,7 +9863,6 @@
                       <a:headEnd len="sm" w="sm" type="none"/>
                       <a:tailEnd len="sm" w="sm" type="none"/>
                     </a:lnB>
-                    <a:noFill/>
                   </a:tcPr>
                 </a:tc>
                 <a:tc>
@@ -8470,7 +9948,6 @@
                       <a:headEnd len="sm" w="sm" type="none"/>
                       <a:tailEnd len="sm" w="sm" type="none"/>
                     </a:lnB>
-                    <a:noFill/>
                   </a:tcPr>
                 </a:tc>
               </a:tr>
@@ -8533,175 +10010,49 @@
               <a:spcAft>
                 <a:spcPts val="0"/>
               </a:spcAft>
+              <a:buClr>
+                <a:schemeClr val="dk1"/>
+              </a:buClr>
+              <a:buSzPct val="39285"/>
+              <a:buFont typeface="Arial"/>
               <a:buNone/>
             </a:pPr>
             <a:r>
               <a:rPr lang="en"/>
-              <a:t>LangChain framework Core Components</a:t>
+              <a:t>The Transformer architecture</a:t>
             </a:r>
             <a:endParaRPr/>
           </a:p>
         </p:txBody>
       </p:sp>
-      <p:sp>
-        <p:nvSpPr>
+      <p:pic>
+        <p:nvPicPr>
           <p:cNvPr id="61" name="Google Shape;61;p14"/>
-          <p:cNvSpPr txBox="1"/>
-          <p:nvPr>
-            <p:ph idx="1" type="body"/>
-          </p:nvPr>
-        </p:nvSpPr>
+          <p:cNvPicPr preferRelativeResize="0"/>
+          <p:nvPr/>
+        </p:nvPicPr>
+        <p:blipFill>
+          <a:blip r:embed="rId3">
+            <a:alphaModFix/>
+          </a:blip>
+          <a:stretch>
+            <a:fillRect/>
+          </a:stretch>
+        </p:blipFill>
         <p:spPr>
           <a:xfrm>
-            <a:off x="311700" y="1152475"/>
-            <a:ext cx="8520600" cy="3416400"/>
+            <a:off x="1593400" y="1086150"/>
+            <a:ext cx="5957197" cy="3820975"/>
           </a:xfrm>
           <a:prstGeom prst="rect">
             <a:avLst/>
           </a:prstGeom>
+          <a:noFill/>
+          <a:ln>
+            <a:noFill/>
+          </a:ln>
         </p:spPr>
-        <p:txBody>
-          <a:bodyPr anchorCtr="0" anchor="t" bIns="91425" lIns="91425" spcFirstLastPara="1" rIns="91425" wrap="square" tIns="91425">
-            <a:normAutofit lnSpcReduction="10000"/>
-          </a:bodyPr>
-          <a:lstStyle/>
-          <a:p>
-            <a:pPr indent="0" lvl="0" marL="0" rtl="0" algn="l">
-              <a:spcBef>
-                <a:spcPts val="0"/>
-              </a:spcBef>
-              <a:spcAft>
-                <a:spcPts val="0"/>
-              </a:spcAft>
-              <a:buNone/>
-            </a:pPr>
-            <a:r>
-              <a:rPr b="1" lang="en"/>
-              <a:t>Models</a:t>
-            </a:r>
-            <a:r>
-              <a:rPr lang="en"/>
-              <a:t>: Abstract how to call different model providers</a:t>
-            </a:r>
-            <a:endParaRPr/>
-          </a:p>
-          <a:p>
-            <a:pPr indent="0" lvl="0" marL="0" rtl="0" algn="l">
-              <a:spcBef>
-                <a:spcPts val="1200"/>
-              </a:spcBef>
-              <a:spcAft>
-                <a:spcPts val="0"/>
-              </a:spcAft>
-              <a:buNone/>
-            </a:pPr>
-            <a:r>
-              <a:rPr b="1" lang="en"/>
-              <a:t>Prompt Templates: </a:t>
-            </a:r>
-            <a:r>
-              <a:rPr lang="en">
-                <a:highlight>
-                  <a:srgbClr val="FFFFFF"/>
-                </a:highlight>
-              </a:rPr>
-              <a:t>Define how user inputs are formatted and structured to guide LLMs effectively</a:t>
-            </a:r>
-            <a:endParaRPr b="1"/>
-          </a:p>
-          <a:p>
-            <a:pPr indent="0" lvl="0" marL="0" rtl="0" algn="l">
-              <a:spcBef>
-                <a:spcPts val="1200"/>
-              </a:spcBef>
-              <a:spcAft>
-                <a:spcPts val="0"/>
-              </a:spcAft>
-              <a:buNone/>
-            </a:pPr>
-            <a:r>
-              <a:rPr b="1" lang="en"/>
-              <a:t>Memory : </a:t>
-            </a:r>
-            <a:r>
-              <a:rPr lang="en"/>
-              <a:t>Store the list of messages sent and received</a:t>
-            </a:r>
-            <a:endParaRPr/>
-          </a:p>
-          <a:p>
-            <a:pPr indent="0" lvl="0" marL="0" rtl="0" algn="l">
-              <a:spcBef>
-                <a:spcPts val="1200"/>
-              </a:spcBef>
-              <a:spcAft>
-                <a:spcPts val="0"/>
-              </a:spcAft>
-              <a:buNone/>
-            </a:pPr>
-            <a:r>
-              <a:rPr b="1" lang="en"/>
-              <a:t>Chains: </a:t>
-            </a:r>
-            <a:r>
-              <a:rPr lang="en"/>
-              <a:t>Sequence </a:t>
-            </a:r>
-            <a:r>
-              <a:rPr lang="en"/>
-              <a:t>of calls to an LLM</a:t>
-            </a:r>
-            <a:endParaRPr/>
-          </a:p>
-          <a:p>
-            <a:pPr indent="0" lvl="0" marL="0" rtl="0" algn="l">
-              <a:spcBef>
-                <a:spcPts val="1200"/>
-              </a:spcBef>
-              <a:spcAft>
-                <a:spcPts val="0"/>
-              </a:spcAft>
-              <a:buNone/>
-            </a:pPr>
-            <a:r>
-              <a:rPr lang="en"/>
-              <a:t>Vector Databases</a:t>
-            </a:r>
-            <a:endParaRPr/>
-          </a:p>
-          <a:p>
-            <a:pPr indent="0" lvl="0" marL="0" rtl="0" algn="l">
-              <a:spcBef>
-                <a:spcPts val="1200"/>
-              </a:spcBef>
-              <a:spcAft>
-                <a:spcPts val="0"/>
-              </a:spcAft>
-              <a:buNone/>
-            </a:pPr>
-            <a:r>
-              <a:rPr lang="en"/>
-              <a:t>Agents</a:t>
-            </a:r>
-            <a:endParaRPr/>
-          </a:p>
-          <a:p>
-            <a:pPr indent="0" lvl="0" marL="0" rtl="0" algn="l">
-              <a:spcBef>
-                <a:spcPts val="1200"/>
-              </a:spcBef>
-              <a:spcAft>
-                <a:spcPts val="1200"/>
-              </a:spcAft>
-              <a:buNone/>
-            </a:pPr>
-            <a:r>
-              <a:t/>
-            </a:r>
-            <a:endParaRPr/>
-          </a:p>
-        </p:txBody>
-      </p:sp>
+      </p:pic>
     </p:spTree>
   </p:cSld>
   <p:clrMapOvr>
@@ -8761,7 +10112,100 @@
             </a:pPr>
             <a:r>
               <a:rPr lang="en"/>
-              <a:t>Why use Langchain ?</a:t>
+              <a:t>The Transformer architecture</a:t>
+            </a:r>
+            <a:endParaRPr/>
+          </a:p>
+        </p:txBody>
+      </p:sp>
+      <p:pic>
+        <p:nvPicPr>
+          <p:cNvPr id="67" name="Google Shape;67;p15"/>
+          <p:cNvPicPr preferRelativeResize="0"/>
+          <p:nvPr/>
+        </p:nvPicPr>
+        <p:blipFill>
+          <a:blip r:embed="rId3">
+            <a:alphaModFix/>
+          </a:blip>
+          <a:stretch>
+            <a:fillRect/>
+          </a:stretch>
+        </p:blipFill>
+        <p:spPr>
+          <a:xfrm>
+            <a:off x="1524900" y="1142125"/>
+            <a:ext cx="6094212" cy="3820974"/>
+          </a:xfrm>
+          <a:prstGeom prst="rect">
+            <a:avLst/>
+          </a:prstGeom>
+          <a:noFill/>
+          <a:ln>
+            <a:noFill/>
+          </a:ln>
+        </p:spPr>
+      </p:pic>
+    </p:spTree>
+  </p:cSld>
+  <p:clrMapOvr>
+    <a:masterClrMapping/>
+  </p:clrMapOvr>
+</p:sld>
+</file>
+
+<file path=ppt/slides/slide4.xml><?xml version="1.0" encoding="utf-8"?>
+<p:sld xmlns:a="http://schemas.openxmlformats.org/drawingml/2006/main" xmlns:r="http://schemas.openxmlformats.org/officeDocument/2006/relationships" xmlns:mc="http://schemas.openxmlformats.org/markup-compatibility/2006" xmlns:mv="urn:schemas-microsoft-com:mac:vml" xmlns:p="http://schemas.openxmlformats.org/presentationml/2006/main" xmlns:c="http://schemas.openxmlformats.org/drawingml/2006/chart" xmlns:dgm="http://schemas.openxmlformats.org/drawingml/2006/diagram" xmlns:o="urn:schemas-microsoft-com:office:office" xmlns:v="urn:schemas-microsoft-com:vml" xmlns:pvml="urn:schemas-microsoft-com:office:powerpoint" xmlns:com="http://schemas.openxmlformats.org/drawingml/2006/compatibility" xmlns:p14="http://schemas.microsoft.com/office/powerpoint/2010/main" xmlns:p15="http://schemas.microsoft.com/office/powerpoint/2012/main" xmlns:ahyp="http://schemas.microsoft.com/office/drawing/2018/hyperlinkcolor">
+  <p:cSld>
+    <p:spTree>
+      <p:nvGrpSpPr>
+        <p:cNvPr id="71" name="Shape 71"/>
+        <p:cNvGrpSpPr/>
+        <p:nvPr/>
+      </p:nvGrpSpPr>
+      <p:grpSpPr>
+        <a:xfrm>
+          <a:off x="0" y="0"/>
+          <a:ext cx="0" cy="0"/>
+          <a:chOff x="0" y="0"/>
+          <a:chExt cx="0" cy="0"/>
+        </a:xfrm>
+      </p:grpSpPr>
+      <p:sp>
+        <p:nvSpPr>
+          <p:cNvPr id="72" name="Google Shape;72;p16"/>
+          <p:cNvSpPr txBox="1"/>
+          <p:nvPr>
+            <p:ph type="ctrTitle"/>
+          </p:nvPr>
+        </p:nvSpPr>
+        <p:spPr>
+          <a:xfrm>
+            <a:off x="311708" y="744575"/>
+            <a:ext cx="8520600" cy="2052600"/>
+          </a:xfrm>
+          <a:prstGeom prst="rect">
+            <a:avLst/>
+          </a:prstGeom>
+        </p:spPr>
+        <p:txBody>
+          <a:bodyPr anchorCtr="0" anchor="b" bIns="91425" lIns="91425" spcFirstLastPara="1" rIns="91425" wrap="square" tIns="91425">
+            <a:normAutofit/>
+          </a:bodyPr>
+          <a:lstStyle/>
+          <a:p>
+            <a:pPr indent="0" lvl="0" marL="0" rtl="0" algn="ctr">
+              <a:spcBef>
+                <a:spcPts val="0"/>
+              </a:spcBef>
+              <a:spcAft>
+                <a:spcPts val="0"/>
+              </a:spcAft>
+              <a:buNone/>
+            </a:pPr>
+            <a:r>
+              <a:rPr lang="en"/>
+              <a:t>LLM Inference: Ollama and LangChain Basics </a:t>
             </a:r>
             <a:endParaRPr/>
           </a:p>
@@ -8769,7 +10213,1009 @@
       </p:sp>
       <p:sp>
         <p:nvSpPr>
-          <p:cNvPr id="67" name="Google Shape;67;p15"/>
+          <p:cNvPr id="73" name="Google Shape;73;p16"/>
+          <p:cNvSpPr txBox="1"/>
+          <p:nvPr>
+            <p:ph idx="1" type="subTitle"/>
+          </p:nvPr>
+        </p:nvSpPr>
+        <p:spPr>
+          <a:xfrm>
+            <a:off x="311700" y="2834125"/>
+            <a:ext cx="8520600" cy="792600"/>
+          </a:xfrm>
+          <a:prstGeom prst="rect">
+            <a:avLst/>
+          </a:prstGeom>
+        </p:spPr>
+        <p:txBody>
+          <a:bodyPr anchorCtr="0" anchor="t" bIns="91425" lIns="91425" spcFirstLastPara="1" rIns="91425" wrap="square" tIns="91425">
+            <a:normAutofit/>
+          </a:bodyPr>
+          <a:lstStyle/>
+          <a:p>
+            <a:pPr indent="0" lvl="0" marL="0" rtl="0" algn="ctr">
+              <a:spcBef>
+                <a:spcPts val="0"/>
+              </a:spcBef>
+              <a:spcAft>
+                <a:spcPts val="0"/>
+              </a:spcAft>
+              <a:buNone/>
+            </a:pPr>
+            <a:r>
+              <a:t/>
+            </a:r>
+            <a:endParaRPr/>
+          </a:p>
+        </p:txBody>
+      </p:sp>
+    </p:spTree>
+  </p:cSld>
+  <p:clrMapOvr>
+    <a:masterClrMapping/>
+  </p:clrMapOvr>
+</p:sld>
+</file>
+
+<file path=ppt/slides/slide5.xml><?xml version="1.0" encoding="utf-8"?>
+<p:sld xmlns:a="http://schemas.openxmlformats.org/drawingml/2006/main" xmlns:r="http://schemas.openxmlformats.org/officeDocument/2006/relationships" xmlns:mc="http://schemas.openxmlformats.org/markup-compatibility/2006" xmlns:mv="urn:schemas-microsoft-com:mac:vml" xmlns:p="http://schemas.openxmlformats.org/presentationml/2006/main" xmlns:c="http://schemas.openxmlformats.org/drawingml/2006/chart" xmlns:dgm="http://schemas.openxmlformats.org/drawingml/2006/diagram" xmlns:o="urn:schemas-microsoft-com:office:office" xmlns:v="urn:schemas-microsoft-com:vml" xmlns:pvml="urn:schemas-microsoft-com:office:powerpoint" xmlns:com="http://schemas.openxmlformats.org/drawingml/2006/compatibility" xmlns:p14="http://schemas.microsoft.com/office/powerpoint/2010/main" xmlns:p15="http://schemas.microsoft.com/office/powerpoint/2012/main" xmlns:ahyp="http://schemas.microsoft.com/office/drawing/2018/hyperlinkcolor">
+  <p:cSld>
+    <p:spTree>
+      <p:nvGrpSpPr>
+        <p:cNvPr id="77" name="Shape 77"/>
+        <p:cNvGrpSpPr/>
+        <p:nvPr/>
+      </p:nvGrpSpPr>
+      <p:grpSpPr>
+        <a:xfrm>
+          <a:off x="0" y="0"/>
+          <a:ext cx="0" cy="0"/>
+          <a:chOff x="0" y="0"/>
+          <a:chExt cx="0" cy="0"/>
+        </a:xfrm>
+      </p:grpSpPr>
+      <p:sp>
+        <p:nvSpPr>
+          <p:cNvPr id="78" name="Google Shape;78;p17"/>
+          <p:cNvSpPr txBox="1"/>
+          <p:nvPr>
+            <p:ph type="title"/>
+          </p:nvPr>
+        </p:nvSpPr>
+        <p:spPr>
+          <a:xfrm>
+            <a:off x="311700" y="445025"/>
+            <a:ext cx="8520600" cy="572700"/>
+          </a:xfrm>
+          <a:prstGeom prst="rect">
+            <a:avLst/>
+          </a:prstGeom>
+        </p:spPr>
+        <p:txBody>
+          <a:bodyPr anchorCtr="0" anchor="t" bIns="91425" lIns="91425" spcFirstLastPara="1" rIns="91425" wrap="square" tIns="91425">
+            <a:normAutofit fontScale="90000"/>
+          </a:bodyPr>
+          <a:lstStyle/>
+          <a:p>
+            <a:pPr indent="0" lvl="0" marL="0" rtl="0" algn="l">
+              <a:spcBef>
+                <a:spcPts val="0"/>
+              </a:spcBef>
+              <a:spcAft>
+                <a:spcPts val="0"/>
+              </a:spcAft>
+              <a:buNone/>
+            </a:pPr>
+            <a:r>
+              <a:rPr lang="en"/>
+              <a:t>Options for Local Inference</a:t>
+            </a:r>
+            <a:endParaRPr/>
+          </a:p>
+        </p:txBody>
+      </p:sp>
+      <p:sp>
+        <p:nvSpPr>
+          <p:cNvPr id="79" name="Google Shape;79;p17"/>
+          <p:cNvSpPr txBox="1"/>
+          <p:nvPr>
+            <p:ph idx="1" type="body"/>
+          </p:nvPr>
+        </p:nvSpPr>
+        <p:spPr>
+          <a:xfrm>
+            <a:off x="311700" y="1152475"/>
+            <a:ext cx="8520600" cy="3416400"/>
+          </a:xfrm>
+          <a:prstGeom prst="rect">
+            <a:avLst/>
+          </a:prstGeom>
+        </p:spPr>
+        <p:txBody>
+          <a:bodyPr anchorCtr="0" anchor="t" bIns="91425" lIns="91425" spcFirstLastPara="1" rIns="91425" wrap="square" tIns="91425">
+            <a:normAutofit/>
+          </a:bodyPr>
+          <a:lstStyle/>
+          <a:p>
+            <a:pPr indent="0" lvl="0" marL="0" rtl="0" algn="l">
+              <a:spcBef>
+                <a:spcPts val="0"/>
+              </a:spcBef>
+              <a:spcAft>
+                <a:spcPts val="0"/>
+              </a:spcAft>
+              <a:buNone/>
+            </a:pPr>
+            <a:r>
+              <a:rPr lang="en">
+                <a:solidFill>
+                  <a:schemeClr val="dk1"/>
+                </a:solidFill>
+                <a:highlight>
+                  <a:srgbClr val="FFFFFF"/>
+                </a:highlight>
+              </a:rPr>
+              <a:t>Ollama: mainly for individual prototyping</a:t>
+            </a:r>
+            <a:endParaRPr>
+              <a:solidFill>
+                <a:schemeClr val="dk1"/>
+              </a:solidFill>
+              <a:highlight>
+                <a:srgbClr val="FFFFFF"/>
+              </a:highlight>
+            </a:endParaRPr>
+          </a:p>
+          <a:p>
+            <a:pPr indent="0" lvl="0" marL="0" rtl="0" algn="l">
+              <a:spcBef>
+                <a:spcPts val="1200"/>
+              </a:spcBef>
+              <a:spcAft>
+                <a:spcPts val="0"/>
+              </a:spcAft>
+              <a:buNone/>
+            </a:pPr>
+            <a:r>
+              <a:rPr lang="en">
+                <a:solidFill>
+                  <a:schemeClr val="dk1"/>
+                </a:solidFill>
+                <a:highlight>
+                  <a:srgbClr val="FFFFFF"/>
+                </a:highlight>
+              </a:rPr>
+              <a:t>vLLM: Better concurrency and performance</a:t>
+            </a:r>
+            <a:endParaRPr>
+              <a:solidFill>
+                <a:schemeClr val="dk1"/>
+              </a:solidFill>
+              <a:highlight>
+                <a:srgbClr val="FFFFFF"/>
+              </a:highlight>
+            </a:endParaRPr>
+          </a:p>
+          <a:p>
+            <a:pPr indent="0" lvl="0" marL="0" rtl="0" algn="l">
+              <a:spcBef>
+                <a:spcPts val="1200"/>
+              </a:spcBef>
+              <a:spcAft>
+                <a:spcPts val="0"/>
+              </a:spcAft>
+              <a:buNone/>
+            </a:pPr>
+            <a:r>
+              <a:rPr lang="en">
+                <a:solidFill>
+                  <a:schemeClr val="dk1"/>
+                </a:solidFill>
+                <a:highlight>
+                  <a:srgbClr val="FFFFFF"/>
+                </a:highlight>
+              </a:rPr>
+              <a:t>LocalAI: Supports audio, vision models as well</a:t>
+            </a:r>
+            <a:endParaRPr>
+              <a:solidFill>
+                <a:schemeClr val="dk1"/>
+              </a:solidFill>
+              <a:highlight>
+                <a:srgbClr val="FFFFFF"/>
+              </a:highlight>
+            </a:endParaRPr>
+          </a:p>
+          <a:p>
+            <a:pPr indent="0" lvl="0" marL="0" rtl="0" algn="l">
+              <a:spcBef>
+                <a:spcPts val="1200"/>
+              </a:spcBef>
+              <a:spcAft>
+                <a:spcPts val="1200"/>
+              </a:spcAft>
+              <a:buNone/>
+            </a:pPr>
+            <a:r>
+              <a:t/>
+            </a:r>
+            <a:endParaRPr>
+              <a:solidFill>
+                <a:schemeClr val="dk1"/>
+              </a:solidFill>
+              <a:highlight>
+                <a:srgbClr val="FFFFFF"/>
+              </a:highlight>
+            </a:endParaRPr>
+          </a:p>
+        </p:txBody>
+      </p:sp>
+    </p:spTree>
+  </p:cSld>
+  <p:clrMapOvr>
+    <a:masterClrMapping/>
+  </p:clrMapOvr>
+</p:sld>
+</file>
+
+<file path=ppt/slides/slide6.xml><?xml version="1.0" encoding="utf-8"?>
+<p:sld xmlns:a="http://schemas.openxmlformats.org/drawingml/2006/main" xmlns:r="http://schemas.openxmlformats.org/officeDocument/2006/relationships" xmlns:mc="http://schemas.openxmlformats.org/markup-compatibility/2006" xmlns:mv="urn:schemas-microsoft-com:mac:vml" xmlns:p="http://schemas.openxmlformats.org/presentationml/2006/main" xmlns:c="http://schemas.openxmlformats.org/drawingml/2006/chart" xmlns:dgm="http://schemas.openxmlformats.org/drawingml/2006/diagram" xmlns:o="urn:schemas-microsoft-com:office:office" xmlns:v="urn:schemas-microsoft-com:vml" xmlns:pvml="urn:schemas-microsoft-com:office:powerpoint" xmlns:com="http://schemas.openxmlformats.org/drawingml/2006/compatibility" xmlns:p14="http://schemas.microsoft.com/office/powerpoint/2010/main" xmlns:p15="http://schemas.microsoft.com/office/powerpoint/2012/main" xmlns:ahyp="http://schemas.microsoft.com/office/drawing/2018/hyperlinkcolor">
+  <p:cSld>
+    <p:spTree>
+      <p:nvGrpSpPr>
+        <p:cNvPr id="83" name="Shape 83"/>
+        <p:cNvGrpSpPr/>
+        <p:nvPr/>
+      </p:nvGrpSpPr>
+      <p:grpSpPr>
+        <a:xfrm>
+          <a:off x="0" y="0"/>
+          <a:ext cx="0" cy="0"/>
+          <a:chOff x="0" y="0"/>
+          <a:chExt cx="0" cy="0"/>
+        </a:xfrm>
+      </p:grpSpPr>
+      <p:sp>
+        <p:nvSpPr>
+          <p:cNvPr id="84" name="Google Shape;84;p18"/>
+          <p:cNvSpPr txBox="1"/>
+          <p:nvPr>
+            <p:ph type="title"/>
+          </p:nvPr>
+        </p:nvSpPr>
+        <p:spPr>
+          <a:xfrm>
+            <a:off x="311700" y="445025"/>
+            <a:ext cx="8520600" cy="572700"/>
+          </a:xfrm>
+          <a:prstGeom prst="rect">
+            <a:avLst/>
+          </a:prstGeom>
+        </p:spPr>
+        <p:txBody>
+          <a:bodyPr anchorCtr="0" anchor="t" bIns="91425" lIns="91425" spcFirstLastPara="1" rIns="91425" wrap="square" tIns="91425">
+            <a:normAutofit fontScale="90000"/>
+          </a:bodyPr>
+          <a:lstStyle/>
+          <a:p>
+            <a:pPr indent="0" lvl="0" marL="0" rtl="0" algn="l">
+              <a:spcBef>
+                <a:spcPts val="0"/>
+              </a:spcBef>
+              <a:spcAft>
+                <a:spcPts val="0"/>
+              </a:spcAft>
+              <a:buNone/>
+            </a:pPr>
+            <a:r>
+              <a:rPr lang="en"/>
+              <a:t>Various Model Formats</a:t>
+            </a:r>
+            <a:endParaRPr/>
+          </a:p>
+        </p:txBody>
+      </p:sp>
+      <p:sp>
+        <p:nvSpPr>
+          <p:cNvPr id="85" name="Google Shape;85;p18"/>
+          <p:cNvSpPr txBox="1"/>
+          <p:nvPr>
+            <p:ph idx="1" type="body"/>
+          </p:nvPr>
+        </p:nvSpPr>
+        <p:spPr>
+          <a:xfrm>
+            <a:off x="311700" y="1152475"/>
+            <a:ext cx="8520600" cy="3416400"/>
+          </a:xfrm>
+          <a:prstGeom prst="rect">
+            <a:avLst/>
+          </a:prstGeom>
+        </p:spPr>
+        <p:txBody>
+          <a:bodyPr anchorCtr="0" anchor="t" bIns="91425" lIns="91425" spcFirstLastPara="1" rIns="91425" wrap="square" tIns="91425">
+            <a:normAutofit/>
+          </a:bodyPr>
+          <a:lstStyle/>
+          <a:p>
+            <a:pPr indent="0" lvl="0" marL="0" rtl="0" algn="l">
+              <a:spcBef>
+                <a:spcPts val="0"/>
+              </a:spcBef>
+              <a:spcAft>
+                <a:spcPts val="0"/>
+              </a:spcAft>
+              <a:buNone/>
+            </a:pPr>
+            <a:r>
+              <a:rPr lang="en">
+                <a:solidFill>
+                  <a:schemeClr val="dk1"/>
+                </a:solidFill>
+                <a:highlight>
+                  <a:srgbClr val="FFFFFF"/>
+                </a:highlight>
+              </a:rPr>
+              <a:t>GGUF: Initially developed for the </a:t>
+            </a:r>
+            <a:r>
+              <a:rPr lang="en" u="sng">
+                <a:solidFill>
+                  <a:schemeClr val="hlink"/>
+                </a:solidFill>
+                <a:highlight>
+                  <a:srgbClr val="FFFFFF"/>
+                </a:highlight>
+                <a:hlinkClick r:id="rId3"/>
+              </a:rPr>
+              <a:t>llama.cpp</a:t>
+            </a:r>
+            <a:r>
+              <a:rPr lang="en">
+                <a:solidFill>
+                  <a:schemeClr val="dk1"/>
+                </a:solidFill>
+                <a:highlight>
+                  <a:srgbClr val="FFFFFF"/>
+                </a:highlight>
+              </a:rPr>
+              <a:t> project.  GGUF is primarily used for language models. Offers flexible quantization</a:t>
+            </a:r>
+            <a:endParaRPr>
+              <a:solidFill>
+                <a:schemeClr val="dk1"/>
+              </a:solidFill>
+              <a:highlight>
+                <a:srgbClr val="FFFFFF"/>
+              </a:highlight>
+            </a:endParaRPr>
+          </a:p>
+          <a:p>
+            <a:pPr indent="0" lvl="0" marL="0" rtl="0" algn="l">
+              <a:spcBef>
+                <a:spcPts val="1200"/>
+              </a:spcBef>
+              <a:spcAft>
+                <a:spcPts val="0"/>
+              </a:spcAft>
+              <a:buNone/>
+            </a:pPr>
+            <a:r>
+              <a:rPr lang="en">
+                <a:solidFill>
+                  <a:schemeClr val="dk1"/>
+                </a:solidFill>
+                <a:highlight>
+                  <a:srgbClr val="FFFFFF"/>
+                </a:highlight>
+              </a:rPr>
+              <a:t>Pytorch : .pt/.pth</a:t>
+            </a:r>
+            <a:endParaRPr>
+              <a:solidFill>
+                <a:schemeClr val="dk1"/>
+              </a:solidFill>
+              <a:highlight>
+                <a:srgbClr val="FFFFFF"/>
+              </a:highlight>
+            </a:endParaRPr>
+          </a:p>
+          <a:p>
+            <a:pPr indent="0" lvl="0" marL="0" rtl="0" algn="l">
+              <a:spcBef>
+                <a:spcPts val="1200"/>
+              </a:spcBef>
+              <a:spcAft>
+                <a:spcPts val="0"/>
+              </a:spcAft>
+              <a:buNone/>
+            </a:pPr>
+            <a:r>
+              <a:rPr lang="en">
+                <a:solidFill>
+                  <a:schemeClr val="dk1"/>
+                </a:solidFill>
+                <a:highlight>
+                  <a:srgbClr val="FFFFFF"/>
+                </a:highlight>
+              </a:rPr>
+              <a:t>Safetensors: HuggingFace format that overcomes security limitations with python serialization.JSON parser required to read metadata</a:t>
+            </a:r>
+            <a:endParaRPr>
+              <a:solidFill>
+                <a:schemeClr val="dk1"/>
+              </a:solidFill>
+              <a:highlight>
+                <a:srgbClr val="FFFFFF"/>
+              </a:highlight>
+            </a:endParaRPr>
+          </a:p>
+          <a:p>
+            <a:pPr indent="0" lvl="0" marL="0" rtl="0" algn="l">
+              <a:spcBef>
+                <a:spcPts val="1200"/>
+              </a:spcBef>
+              <a:spcAft>
+                <a:spcPts val="1200"/>
+              </a:spcAft>
+              <a:buNone/>
+            </a:pPr>
+            <a:r>
+              <a:rPr lang="en">
+                <a:solidFill>
+                  <a:schemeClr val="dk1"/>
+                </a:solidFill>
+                <a:highlight>
+                  <a:srgbClr val="FFFFFF"/>
+                </a:highlight>
+              </a:rPr>
+              <a:t>ONNX: </a:t>
+            </a:r>
+            <a:r>
+              <a:rPr lang="en">
+                <a:solidFill>
+                  <a:schemeClr val="dk1"/>
+                </a:solidFill>
+                <a:highlight>
+                  <a:srgbClr val="FFFFFF"/>
+                </a:highlight>
+              </a:rPr>
+              <a:t>Open Neural Network Exchange (ONNX) , vendor neutral </a:t>
+            </a:r>
+            <a:endParaRPr>
+              <a:solidFill>
+                <a:schemeClr val="dk1"/>
+              </a:solidFill>
+              <a:highlight>
+                <a:srgbClr val="FFFFFF"/>
+              </a:highlight>
+            </a:endParaRPr>
+          </a:p>
+        </p:txBody>
+      </p:sp>
+    </p:spTree>
+  </p:cSld>
+  <p:clrMapOvr>
+    <a:masterClrMapping/>
+  </p:clrMapOvr>
+</p:sld>
+</file>
+
+<file path=ppt/slides/slide7.xml><?xml version="1.0" encoding="utf-8"?>
+<p:sld xmlns:a="http://schemas.openxmlformats.org/drawingml/2006/main" xmlns:r="http://schemas.openxmlformats.org/officeDocument/2006/relationships" xmlns:mc="http://schemas.openxmlformats.org/markup-compatibility/2006" xmlns:mv="urn:schemas-microsoft-com:mac:vml" xmlns:p="http://schemas.openxmlformats.org/presentationml/2006/main" xmlns:c="http://schemas.openxmlformats.org/drawingml/2006/chart" xmlns:dgm="http://schemas.openxmlformats.org/drawingml/2006/diagram" xmlns:o="urn:schemas-microsoft-com:office:office" xmlns:v="urn:schemas-microsoft-com:vml" xmlns:pvml="urn:schemas-microsoft-com:office:powerpoint" xmlns:com="http://schemas.openxmlformats.org/drawingml/2006/compatibility" xmlns:p14="http://schemas.microsoft.com/office/powerpoint/2010/main" xmlns:p15="http://schemas.microsoft.com/office/powerpoint/2012/main" xmlns:ahyp="http://schemas.microsoft.com/office/drawing/2018/hyperlinkcolor">
+  <p:cSld>
+    <p:spTree>
+      <p:nvGrpSpPr>
+        <p:cNvPr id="89" name="Shape 89"/>
+        <p:cNvGrpSpPr/>
+        <p:nvPr/>
+      </p:nvGrpSpPr>
+      <p:grpSpPr>
+        <a:xfrm>
+          <a:off x="0" y="0"/>
+          <a:ext cx="0" cy="0"/>
+          <a:chOff x="0" y="0"/>
+          <a:chExt cx="0" cy="0"/>
+        </a:xfrm>
+      </p:grpSpPr>
+      <p:sp>
+        <p:nvSpPr>
+          <p:cNvPr id="90" name="Google Shape;90;p19"/>
+          <p:cNvSpPr txBox="1"/>
+          <p:nvPr>
+            <p:ph type="title"/>
+          </p:nvPr>
+        </p:nvSpPr>
+        <p:spPr>
+          <a:xfrm>
+            <a:off x="311700" y="445025"/>
+            <a:ext cx="8520600" cy="572700"/>
+          </a:xfrm>
+          <a:prstGeom prst="rect">
+            <a:avLst/>
+          </a:prstGeom>
+        </p:spPr>
+        <p:txBody>
+          <a:bodyPr anchorCtr="0" anchor="t" bIns="91425" lIns="91425" spcFirstLastPara="1" rIns="91425" wrap="square" tIns="91425">
+            <a:normAutofit fontScale="90000"/>
+          </a:bodyPr>
+          <a:lstStyle/>
+          <a:p>
+            <a:pPr indent="0" lvl="0" marL="0" rtl="0" algn="l">
+              <a:spcBef>
+                <a:spcPts val="0"/>
+              </a:spcBef>
+              <a:spcAft>
+                <a:spcPts val="0"/>
+              </a:spcAft>
+              <a:buNone/>
+            </a:pPr>
+            <a:r>
+              <a:rPr lang="en"/>
+              <a:t>Tokens</a:t>
+            </a:r>
+            <a:endParaRPr/>
+          </a:p>
+        </p:txBody>
+      </p:sp>
+      <p:sp>
+        <p:nvSpPr>
+          <p:cNvPr id="91" name="Google Shape;91;p19"/>
+          <p:cNvSpPr txBox="1"/>
+          <p:nvPr>
+            <p:ph idx="1" type="body"/>
+          </p:nvPr>
+        </p:nvSpPr>
+        <p:spPr>
+          <a:xfrm>
+            <a:off x="311700" y="1152475"/>
+            <a:ext cx="8520600" cy="3416400"/>
+          </a:xfrm>
+          <a:prstGeom prst="rect">
+            <a:avLst/>
+          </a:prstGeom>
+        </p:spPr>
+        <p:txBody>
+          <a:bodyPr anchorCtr="0" anchor="t" bIns="91425" lIns="91425" spcFirstLastPara="1" rIns="91425" wrap="square" tIns="91425">
+            <a:normAutofit/>
+          </a:bodyPr>
+          <a:lstStyle/>
+          <a:p>
+            <a:pPr indent="0" lvl="0" marL="0" rtl="0" algn="l">
+              <a:lnSpc>
+                <a:spcPct val="150000"/>
+              </a:lnSpc>
+              <a:spcBef>
+                <a:spcPts val="0"/>
+              </a:spcBef>
+              <a:spcAft>
+                <a:spcPts val="0"/>
+              </a:spcAft>
+              <a:buClr>
+                <a:schemeClr val="dk1"/>
+              </a:buClr>
+              <a:buSzPts val="1100"/>
+              <a:buFont typeface="Arial"/>
+              <a:buNone/>
+            </a:pPr>
+            <a:r>
+              <a:rPr lang="en" sz="1200">
+                <a:solidFill>
+                  <a:srgbClr val="0D0D0D"/>
+                </a:solidFill>
+                <a:highlight>
+                  <a:srgbClr val="FFFFFF"/>
+                </a:highlight>
+                <a:latin typeface="Roboto"/>
+                <a:ea typeface="Roboto"/>
+                <a:cs typeface="Roboto"/>
+                <a:sym typeface="Roboto"/>
+              </a:rPr>
+              <a:t>Tokens are the building blocks of text that models process. They can be as short as a single character or as long as a full word, depending on the language and context. Spaces, punctuation, and partial words all contribute to token counts. This is how the API internally segments your text before generating a response.</a:t>
+            </a:r>
+            <a:endParaRPr sz="1200">
+              <a:solidFill>
+                <a:srgbClr val="0D0D0D"/>
+              </a:solidFill>
+              <a:highlight>
+                <a:srgbClr val="FFFFFF"/>
+              </a:highlight>
+              <a:latin typeface="Roboto"/>
+              <a:ea typeface="Roboto"/>
+              <a:cs typeface="Roboto"/>
+              <a:sym typeface="Roboto"/>
+            </a:endParaRPr>
+          </a:p>
+          <a:p>
+            <a:pPr indent="0" lvl="0" marL="0" rtl="0" algn="l">
+              <a:lnSpc>
+                <a:spcPct val="150000"/>
+              </a:lnSpc>
+              <a:spcBef>
+                <a:spcPts val="0"/>
+              </a:spcBef>
+              <a:spcAft>
+                <a:spcPts val="0"/>
+              </a:spcAft>
+              <a:buClr>
+                <a:schemeClr val="dk1"/>
+              </a:buClr>
+              <a:buSzPts val="1100"/>
+              <a:buFont typeface="Arial"/>
+              <a:buNone/>
+            </a:pPr>
+            <a:r>
+              <a:rPr lang="en" sz="1200">
+                <a:solidFill>
+                  <a:srgbClr val="0D0D0D"/>
+                </a:solidFill>
+                <a:highlight>
+                  <a:srgbClr val="FFFFFF"/>
+                </a:highlight>
+                <a:latin typeface="Roboto"/>
+                <a:ea typeface="Roboto"/>
+                <a:cs typeface="Roboto"/>
+                <a:sym typeface="Roboto"/>
+              </a:rPr>
+              <a:t>Helpful rules of thumb for English:</a:t>
+            </a:r>
+            <a:endParaRPr sz="1200">
+              <a:solidFill>
+                <a:srgbClr val="0D0D0D"/>
+              </a:solidFill>
+              <a:highlight>
+                <a:srgbClr val="FFFFFF"/>
+              </a:highlight>
+              <a:latin typeface="Roboto"/>
+              <a:ea typeface="Roboto"/>
+              <a:cs typeface="Roboto"/>
+              <a:sym typeface="Roboto"/>
+            </a:endParaRPr>
+          </a:p>
+          <a:p>
+            <a:pPr indent="-304800" lvl="0" marL="457200" rtl="0" algn="l">
+              <a:spcBef>
+                <a:spcPts val="1500"/>
+              </a:spcBef>
+              <a:spcAft>
+                <a:spcPts val="0"/>
+              </a:spcAft>
+              <a:buClr>
+                <a:srgbClr val="0D0D0D"/>
+              </a:buClr>
+              <a:buSzPts val="1200"/>
+              <a:buFont typeface="Roboto"/>
+              <a:buChar char="●"/>
+            </a:pPr>
+            <a:r>
+              <a:rPr lang="en" sz="1200">
+                <a:solidFill>
+                  <a:srgbClr val="0D0D0D"/>
+                </a:solidFill>
+                <a:highlight>
+                  <a:srgbClr val="FFFFFF"/>
+                </a:highlight>
+                <a:latin typeface="Roboto"/>
+                <a:ea typeface="Roboto"/>
+                <a:cs typeface="Roboto"/>
+                <a:sym typeface="Roboto"/>
+              </a:rPr>
+              <a:t>1 token ≈ 4 characters</a:t>
+            </a:r>
+            <a:endParaRPr sz="1200">
+              <a:solidFill>
+                <a:srgbClr val="0D0D0D"/>
+              </a:solidFill>
+              <a:highlight>
+                <a:srgbClr val="FFFFFF"/>
+              </a:highlight>
+              <a:latin typeface="Roboto"/>
+              <a:ea typeface="Roboto"/>
+              <a:cs typeface="Roboto"/>
+              <a:sym typeface="Roboto"/>
+            </a:endParaRPr>
+          </a:p>
+          <a:p>
+            <a:pPr indent="-304800" lvl="0" marL="457200" rtl="0" algn="l">
+              <a:spcBef>
+                <a:spcPts val="0"/>
+              </a:spcBef>
+              <a:spcAft>
+                <a:spcPts val="0"/>
+              </a:spcAft>
+              <a:buClr>
+                <a:srgbClr val="0D0D0D"/>
+              </a:buClr>
+              <a:buSzPts val="1200"/>
+              <a:buFont typeface="Roboto"/>
+              <a:buChar char="●"/>
+            </a:pPr>
+            <a:r>
+              <a:rPr lang="en" sz="1200">
+                <a:solidFill>
+                  <a:srgbClr val="0D0D0D"/>
+                </a:solidFill>
+                <a:highlight>
+                  <a:srgbClr val="FFFFFF"/>
+                </a:highlight>
+                <a:latin typeface="Roboto"/>
+                <a:ea typeface="Roboto"/>
+                <a:cs typeface="Roboto"/>
+                <a:sym typeface="Roboto"/>
+              </a:rPr>
+              <a:t>1 token ≈ ¾ of a word</a:t>
+            </a:r>
+            <a:endParaRPr sz="1200">
+              <a:solidFill>
+                <a:srgbClr val="0D0D0D"/>
+              </a:solidFill>
+              <a:highlight>
+                <a:srgbClr val="FFFFFF"/>
+              </a:highlight>
+              <a:latin typeface="Roboto"/>
+              <a:ea typeface="Roboto"/>
+              <a:cs typeface="Roboto"/>
+              <a:sym typeface="Roboto"/>
+            </a:endParaRPr>
+          </a:p>
+          <a:p>
+            <a:pPr indent="-304800" lvl="0" marL="457200" rtl="0" algn="l">
+              <a:spcBef>
+                <a:spcPts val="0"/>
+              </a:spcBef>
+              <a:spcAft>
+                <a:spcPts val="0"/>
+              </a:spcAft>
+              <a:buClr>
+                <a:srgbClr val="0D0D0D"/>
+              </a:buClr>
+              <a:buSzPts val="1200"/>
+              <a:buFont typeface="Roboto"/>
+              <a:buChar char="●"/>
+            </a:pPr>
+            <a:r>
+              <a:rPr lang="en" sz="1200">
+                <a:solidFill>
+                  <a:srgbClr val="0D0D0D"/>
+                </a:solidFill>
+                <a:highlight>
+                  <a:srgbClr val="FFFFFF"/>
+                </a:highlight>
+                <a:latin typeface="Roboto"/>
+                <a:ea typeface="Roboto"/>
+                <a:cs typeface="Roboto"/>
+                <a:sym typeface="Roboto"/>
+              </a:rPr>
+              <a:t>100 tokens ≈ 75 words</a:t>
+            </a:r>
+            <a:endParaRPr sz="1200">
+              <a:solidFill>
+                <a:srgbClr val="0D0D0D"/>
+              </a:solidFill>
+              <a:highlight>
+                <a:srgbClr val="FFFFFF"/>
+              </a:highlight>
+              <a:latin typeface="Roboto"/>
+              <a:ea typeface="Roboto"/>
+              <a:cs typeface="Roboto"/>
+              <a:sym typeface="Roboto"/>
+            </a:endParaRPr>
+          </a:p>
+          <a:p>
+            <a:pPr indent="-304800" lvl="0" marL="457200" rtl="0" algn="l">
+              <a:spcBef>
+                <a:spcPts val="0"/>
+              </a:spcBef>
+              <a:spcAft>
+                <a:spcPts val="0"/>
+              </a:spcAft>
+              <a:buClr>
+                <a:srgbClr val="0D0D0D"/>
+              </a:buClr>
+              <a:buSzPts val="1200"/>
+              <a:buFont typeface="Roboto"/>
+              <a:buChar char="●"/>
+            </a:pPr>
+            <a:r>
+              <a:rPr lang="en" sz="1200">
+                <a:solidFill>
+                  <a:srgbClr val="0D0D0D"/>
+                </a:solidFill>
+                <a:highlight>
+                  <a:srgbClr val="FFFFFF"/>
+                </a:highlight>
+                <a:latin typeface="Roboto"/>
+                <a:ea typeface="Roboto"/>
+                <a:cs typeface="Roboto"/>
+                <a:sym typeface="Roboto"/>
+              </a:rPr>
+              <a:t>1–2 sentences ≈ 30 tokens</a:t>
+            </a:r>
+            <a:endParaRPr sz="1200">
+              <a:solidFill>
+                <a:srgbClr val="0D0D0D"/>
+              </a:solidFill>
+              <a:highlight>
+                <a:srgbClr val="FFFFFF"/>
+              </a:highlight>
+              <a:latin typeface="Roboto"/>
+              <a:ea typeface="Roboto"/>
+              <a:cs typeface="Roboto"/>
+              <a:sym typeface="Roboto"/>
+            </a:endParaRPr>
+          </a:p>
+          <a:p>
+            <a:pPr indent="-304800" lvl="0" marL="457200" rtl="0" algn="l">
+              <a:spcBef>
+                <a:spcPts val="0"/>
+              </a:spcBef>
+              <a:spcAft>
+                <a:spcPts val="0"/>
+              </a:spcAft>
+              <a:buClr>
+                <a:srgbClr val="0D0D0D"/>
+              </a:buClr>
+              <a:buSzPts val="1200"/>
+              <a:buFont typeface="Roboto"/>
+              <a:buChar char="●"/>
+            </a:pPr>
+            <a:r>
+              <a:rPr lang="en" sz="1200">
+                <a:solidFill>
+                  <a:srgbClr val="0D0D0D"/>
+                </a:solidFill>
+                <a:highlight>
+                  <a:srgbClr val="FFFFFF"/>
+                </a:highlight>
+                <a:latin typeface="Roboto"/>
+                <a:ea typeface="Roboto"/>
+                <a:cs typeface="Roboto"/>
+                <a:sym typeface="Roboto"/>
+              </a:rPr>
+              <a:t>1 paragraph ≈ 100 tokens</a:t>
+            </a:r>
+            <a:endParaRPr sz="1200">
+              <a:solidFill>
+                <a:srgbClr val="0D0D0D"/>
+              </a:solidFill>
+              <a:highlight>
+                <a:srgbClr val="FFFFFF"/>
+              </a:highlight>
+              <a:latin typeface="Roboto"/>
+              <a:ea typeface="Roboto"/>
+              <a:cs typeface="Roboto"/>
+              <a:sym typeface="Roboto"/>
+            </a:endParaRPr>
+          </a:p>
+          <a:p>
+            <a:pPr indent="-304800" lvl="0" marL="457200" rtl="0" algn="l">
+              <a:spcBef>
+                <a:spcPts val="0"/>
+              </a:spcBef>
+              <a:spcAft>
+                <a:spcPts val="0"/>
+              </a:spcAft>
+              <a:buClr>
+                <a:srgbClr val="0D0D0D"/>
+              </a:buClr>
+              <a:buSzPts val="1200"/>
+              <a:buFont typeface="Roboto"/>
+              <a:buChar char="●"/>
+            </a:pPr>
+            <a:r>
+              <a:rPr lang="en" sz="1200">
+                <a:solidFill>
+                  <a:srgbClr val="0D0D0D"/>
+                </a:solidFill>
+                <a:highlight>
+                  <a:srgbClr val="FFFFFF"/>
+                </a:highlight>
+                <a:latin typeface="Roboto"/>
+                <a:ea typeface="Roboto"/>
+                <a:cs typeface="Roboto"/>
+                <a:sym typeface="Roboto"/>
+              </a:rPr>
+              <a:t>~1,500 words ≈ 2,048 tokens</a:t>
+            </a:r>
+            <a:endParaRPr sz="1200">
+              <a:solidFill>
+                <a:srgbClr val="0D0D0D"/>
+              </a:solidFill>
+              <a:highlight>
+                <a:srgbClr val="FFFFFF"/>
+              </a:highlight>
+              <a:latin typeface="Roboto"/>
+              <a:ea typeface="Roboto"/>
+              <a:cs typeface="Roboto"/>
+              <a:sym typeface="Roboto"/>
+            </a:endParaRPr>
+          </a:p>
+          <a:p>
+            <a:pPr indent="0" lvl="0" marL="0" rtl="0" algn="l">
+              <a:spcBef>
+                <a:spcPts val="1500"/>
+              </a:spcBef>
+              <a:spcAft>
+                <a:spcPts val="1200"/>
+              </a:spcAft>
+              <a:buNone/>
+            </a:pPr>
+            <a:r>
+              <a:t/>
+            </a:r>
+            <a:endParaRPr/>
+          </a:p>
+        </p:txBody>
+      </p:sp>
+    </p:spTree>
+  </p:cSld>
+  <p:clrMapOvr>
+    <a:masterClrMapping/>
+  </p:clrMapOvr>
+</p:sld>
+</file>
+
+<file path=ppt/slides/slide8.xml><?xml version="1.0" encoding="utf-8"?>
+<p:sld xmlns:a="http://schemas.openxmlformats.org/drawingml/2006/main" xmlns:r="http://schemas.openxmlformats.org/officeDocument/2006/relationships" xmlns:mc="http://schemas.openxmlformats.org/markup-compatibility/2006" xmlns:mv="urn:schemas-microsoft-com:mac:vml" xmlns:p="http://schemas.openxmlformats.org/presentationml/2006/main" xmlns:c="http://schemas.openxmlformats.org/drawingml/2006/chart" xmlns:dgm="http://schemas.openxmlformats.org/drawingml/2006/diagram" xmlns:o="urn:schemas-microsoft-com:office:office" xmlns:v="urn:schemas-microsoft-com:vml" xmlns:pvml="urn:schemas-microsoft-com:office:powerpoint" xmlns:com="http://schemas.openxmlformats.org/drawingml/2006/compatibility" xmlns:p14="http://schemas.microsoft.com/office/powerpoint/2010/main" xmlns:p15="http://schemas.microsoft.com/office/powerpoint/2012/main" xmlns:ahyp="http://schemas.microsoft.com/office/drawing/2018/hyperlinkcolor">
+  <p:cSld>
+    <p:spTree>
+      <p:nvGrpSpPr>
+        <p:cNvPr id="95" name="Shape 95"/>
+        <p:cNvGrpSpPr/>
+        <p:nvPr/>
+      </p:nvGrpSpPr>
+      <p:grpSpPr>
+        <a:xfrm>
+          <a:off x="0" y="0"/>
+          <a:ext cx="0" cy="0"/>
+          <a:chOff x="0" y="0"/>
+          <a:chExt cx="0" cy="0"/>
+        </a:xfrm>
+      </p:grpSpPr>
+      <p:sp>
+        <p:nvSpPr>
+          <p:cNvPr id="96" name="Google Shape;96;p20"/>
+          <p:cNvSpPr txBox="1"/>
+          <p:nvPr>
+            <p:ph type="title"/>
+          </p:nvPr>
+        </p:nvSpPr>
+        <p:spPr>
+          <a:xfrm>
+            <a:off x="311700" y="445025"/>
+            <a:ext cx="8520600" cy="572700"/>
+          </a:xfrm>
+          <a:prstGeom prst="rect">
+            <a:avLst/>
+          </a:prstGeom>
+        </p:spPr>
+        <p:txBody>
+          <a:bodyPr anchorCtr="0" anchor="t" bIns="91425" lIns="91425" spcFirstLastPara="1" rIns="91425" wrap="square" tIns="91425">
+            <a:normAutofit fontScale="90000"/>
+          </a:bodyPr>
+          <a:lstStyle/>
+          <a:p>
+            <a:pPr indent="0" lvl="0" marL="0" rtl="0" algn="l">
+              <a:spcBef>
+                <a:spcPts val="0"/>
+              </a:spcBef>
+              <a:spcAft>
+                <a:spcPts val="0"/>
+              </a:spcAft>
+              <a:buNone/>
+            </a:pPr>
+            <a:r>
+              <a:rPr lang="en"/>
+              <a:t>The need for LLM orchestration Frameworks</a:t>
+            </a:r>
+            <a:endParaRPr/>
+          </a:p>
+        </p:txBody>
+      </p:sp>
+      <p:sp>
+        <p:nvSpPr>
+          <p:cNvPr id="97" name="Google Shape;97;p20"/>
           <p:cNvSpPr txBox="1"/>
           <p:nvPr>
             <p:ph idx="1" type="body"/>
@@ -8927,12 +11373,12 @@
 </p:sld>
 </file>
 
-<file path=ppt/slides/slide4.xml><?xml version="1.0" encoding="utf-8"?>
+<file path=ppt/slides/slide9.xml><?xml version="1.0" encoding="utf-8"?>
 <p:sld xmlns:a="http://schemas.openxmlformats.org/drawingml/2006/main" xmlns:r="http://schemas.openxmlformats.org/officeDocument/2006/relationships" xmlns:mc="http://schemas.openxmlformats.org/markup-compatibility/2006" xmlns:mv="urn:schemas-microsoft-com:mac:vml" xmlns:p="http://schemas.openxmlformats.org/presentationml/2006/main" xmlns:c="http://schemas.openxmlformats.org/drawingml/2006/chart" xmlns:dgm="http://schemas.openxmlformats.org/drawingml/2006/diagram" xmlns:o="urn:schemas-microsoft-com:office:office" xmlns:v="urn:schemas-microsoft-com:vml" xmlns:pvml="urn:schemas-microsoft-com:office:powerpoint" xmlns:com="http://schemas.openxmlformats.org/drawingml/2006/compatibility" xmlns:p14="http://schemas.microsoft.com/office/powerpoint/2010/main" xmlns:p15="http://schemas.microsoft.com/office/powerpoint/2012/main" xmlns:ahyp="http://schemas.microsoft.com/office/drawing/2018/hyperlinkcolor">
   <p:cSld>
     <p:spTree>
       <p:nvGrpSpPr>
-        <p:cNvPr id="71" name="Shape 71"/>
+        <p:cNvPr id="101" name="Shape 101"/>
         <p:cNvGrpSpPr/>
         <p:nvPr/>
       </p:nvGrpSpPr>
@@ -8946,7 +11392,7 @@
       </p:grpSpPr>
       <p:sp>
         <p:nvSpPr>
-          <p:cNvPr id="72" name="Google Shape;72;p16"/>
+          <p:cNvPr id="102" name="Google Shape;102;p21"/>
           <p:cNvSpPr txBox="1"/>
           <p:nvPr>
             <p:ph type="title"/>
@@ -8986,7 +11432,7 @@
       </p:sp>
       <p:pic>
         <p:nvPicPr>
-          <p:cNvPr id="73" name="Google Shape;73;p16"/>
+          <p:cNvPr id="103" name="Google Shape;103;p21"/>
           <p:cNvPicPr preferRelativeResize="0"/>
           <p:nvPr/>
         </p:nvPicPr>
@@ -9014,7 +11460,7 @@
       </p:pic>
       <p:sp>
         <p:nvSpPr>
-          <p:cNvPr id="74" name="Google Shape;74;p16"/>
+          <p:cNvPr id="104" name="Google Shape;104;p21"/>
           <p:cNvSpPr txBox="1"/>
           <p:nvPr/>
         </p:nvSpPr>
@@ -9075,1564 +11521,6 @@
                 <a:sym typeface="Nunito"/>
               </a:rPr>
               <a:t>ach chain in the sequence accepts one input and returns one output. The output of each chain is automatically fed as input to the next chain in the sequence</a:t>
-            </a:r>
-            <a:endParaRPr/>
-          </a:p>
-        </p:txBody>
-      </p:sp>
-    </p:spTree>
-  </p:cSld>
-  <p:clrMapOvr>
-    <a:masterClrMapping/>
-  </p:clrMapOvr>
-</p:sld>
-</file>
-
-<file path=ppt/slides/slide5.xml><?xml version="1.0" encoding="utf-8"?>
-<p:sld xmlns:a="http://schemas.openxmlformats.org/drawingml/2006/main" xmlns:r="http://schemas.openxmlformats.org/officeDocument/2006/relationships" xmlns:mc="http://schemas.openxmlformats.org/markup-compatibility/2006" xmlns:mv="urn:schemas-microsoft-com:mac:vml" xmlns:p="http://schemas.openxmlformats.org/presentationml/2006/main" xmlns:c="http://schemas.openxmlformats.org/drawingml/2006/chart" xmlns:dgm="http://schemas.openxmlformats.org/drawingml/2006/diagram" xmlns:o="urn:schemas-microsoft-com:office:office" xmlns:v="urn:schemas-microsoft-com:vml" xmlns:pvml="urn:schemas-microsoft-com:office:powerpoint" xmlns:com="http://schemas.openxmlformats.org/drawingml/2006/compatibility" xmlns:p14="http://schemas.microsoft.com/office/powerpoint/2010/main" xmlns:p15="http://schemas.microsoft.com/office/powerpoint/2012/main" xmlns:ahyp="http://schemas.microsoft.com/office/drawing/2018/hyperlinkcolor">
-  <p:cSld>
-    <p:spTree>
-      <p:nvGrpSpPr>
-        <p:cNvPr id="78" name="Shape 78"/>
-        <p:cNvGrpSpPr/>
-        <p:nvPr/>
-      </p:nvGrpSpPr>
-      <p:grpSpPr>
-        <a:xfrm>
-          <a:off x="0" y="0"/>
-          <a:ext cx="0" cy="0"/>
-          <a:chOff x="0" y="0"/>
-          <a:chExt cx="0" cy="0"/>
-        </a:xfrm>
-      </p:grpSpPr>
-      <p:sp>
-        <p:nvSpPr>
-          <p:cNvPr id="79" name="Google Shape;79;p17"/>
-          <p:cNvSpPr txBox="1"/>
-          <p:nvPr>
-            <p:ph type="title"/>
-          </p:nvPr>
-        </p:nvSpPr>
-        <p:spPr>
-          <a:xfrm>
-            <a:off x="311700" y="445025"/>
-            <a:ext cx="8520600" cy="572700"/>
-          </a:xfrm>
-          <a:prstGeom prst="rect">
-            <a:avLst/>
-          </a:prstGeom>
-        </p:spPr>
-        <p:txBody>
-          <a:bodyPr anchorCtr="0" anchor="t" bIns="91425" lIns="91425" spcFirstLastPara="1" rIns="91425" wrap="square" tIns="91425">
-            <a:normAutofit fontScale="90000"/>
-          </a:bodyPr>
-          <a:lstStyle/>
-          <a:p>
-            <a:pPr indent="0" lvl="0" marL="0" rtl="0" algn="l">
-              <a:spcBef>
-                <a:spcPts val="0"/>
-              </a:spcBef>
-              <a:spcAft>
-                <a:spcPts val="0"/>
-              </a:spcAft>
-              <a:buNone/>
-            </a:pPr>
-            <a:r>
-              <a:rPr lang="en"/>
-              <a:t>Sequential Chain</a:t>
-            </a:r>
-            <a:endParaRPr/>
-          </a:p>
-        </p:txBody>
-      </p:sp>
-      <p:pic>
-        <p:nvPicPr>
-          <p:cNvPr id="80" name="Google Shape;80;p17"/>
-          <p:cNvPicPr preferRelativeResize="0"/>
-          <p:nvPr/>
-        </p:nvPicPr>
-        <p:blipFill>
-          <a:blip r:embed="rId3">
-            <a:alphaModFix/>
-          </a:blip>
-          <a:stretch>
-            <a:fillRect/>
-          </a:stretch>
-        </p:blipFill>
-        <p:spPr>
-          <a:xfrm>
-            <a:off x="1039800" y="1512725"/>
-            <a:ext cx="7064400" cy="3532200"/>
-          </a:xfrm>
-          <a:prstGeom prst="rect">
-            <a:avLst/>
-          </a:prstGeom>
-          <a:noFill/>
-          <a:ln>
-            <a:noFill/>
-          </a:ln>
-        </p:spPr>
-      </p:pic>
-      <p:sp>
-        <p:nvSpPr>
-          <p:cNvPr id="81" name="Google Shape;81;p17"/>
-          <p:cNvSpPr txBox="1"/>
-          <p:nvPr/>
-        </p:nvSpPr>
-        <p:spPr>
-          <a:xfrm>
-            <a:off x="311700" y="1017725"/>
-            <a:ext cx="7646400" cy="392400"/>
-          </a:xfrm>
-          <a:prstGeom prst="rect">
-            <a:avLst/>
-          </a:prstGeom>
-          <a:noFill/>
-          <a:ln>
-            <a:noFill/>
-          </a:ln>
-        </p:spPr>
-        <p:txBody>
-          <a:bodyPr anchorCtr="0" anchor="t" bIns="91425" lIns="91425" spcFirstLastPara="1" rIns="91425" wrap="square" tIns="91425">
-            <a:spAutoFit/>
-          </a:bodyPr>
-          <a:lstStyle/>
-          <a:p>
-            <a:pPr indent="0" lvl="0" marL="0" rtl="0" algn="l">
-              <a:spcBef>
-                <a:spcPts val="0"/>
-              </a:spcBef>
-              <a:spcAft>
-                <a:spcPts val="0"/>
-              </a:spcAft>
-              <a:buNone/>
-            </a:pPr>
-            <a:r>
-              <a:rPr lang="en" sz="1350">
-                <a:solidFill>
-                  <a:srgbClr val="273239"/>
-                </a:solidFill>
-                <a:highlight>
-                  <a:srgbClr val="FFFFFF"/>
-                </a:highlight>
-                <a:latin typeface="Nunito"/>
-                <a:ea typeface="Nunito"/>
-                <a:cs typeface="Nunito"/>
-                <a:sym typeface="Nunito"/>
-              </a:rPr>
-              <a:t>complex workflows where chains might depend on several pieces of information.</a:t>
-            </a:r>
-            <a:endParaRPr/>
-          </a:p>
-        </p:txBody>
-      </p:sp>
-    </p:spTree>
-  </p:cSld>
-  <p:clrMapOvr>
-    <a:masterClrMapping/>
-  </p:clrMapOvr>
-</p:sld>
-</file>
-
-<file path=ppt/slides/slide6.xml><?xml version="1.0" encoding="utf-8"?>
-<p:sld xmlns:a="http://schemas.openxmlformats.org/drawingml/2006/main" xmlns:r="http://schemas.openxmlformats.org/officeDocument/2006/relationships" xmlns:mc="http://schemas.openxmlformats.org/markup-compatibility/2006" xmlns:mv="urn:schemas-microsoft-com:mac:vml" xmlns:p="http://schemas.openxmlformats.org/presentationml/2006/main" xmlns:c="http://schemas.openxmlformats.org/drawingml/2006/chart" xmlns:dgm="http://schemas.openxmlformats.org/drawingml/2006/diagram" xmlns:o="urn:schemas-microsoft-com:office:office" xmlns:v="urn:schemas-microsoft-com:vml" xmlns:pvml="urn:schemas-microsoft-com:office:powerpoint" xmlns:com="http://schemas.openxmlformats.org/drawingml/2006/compatibility" xmlns:p14="http://schemas.microsoft.com/office/powerpoint/2010/main" xmlns:p15="http://schemas.microsoft.com/office/powerpoint/2012/main" xmlns:ahyp="http://schemas.microsoft.com/office/drawing/2018/hyperlinkcolor">
-  <p:cSld>
-    <p:spTree>
-      <p:nvGrpSpPr>
-        <p:cNvPr id="85" name="Shape 85"/>
-        <p:cNvGrpSpPr/>
-        <p:nvPr/>
-      </p:nvGrpSpPr>
-      <p:grpSpPr>
-        <a:xfrm>
-          <a:off x="0" y="0"/>
-          <a:ext cx="0" cy="0"/>
-          <a:chOff x="0" y="0"/>
-          <a:chExt cx="0" cy="0"/>
-        </a:xfrm>
-      </p:grpSpPr>
-      <p:sp>
-        <p:nvSpPr>
-          <p:cNvPr id="86" name="Google Shape;86;p18"/>
-          <p:cNvSpPr txBox="1"/>
-          <p:nvPr>
-            <p:ph type="title"/>
-          </p:nvPr>
-        </p:nvSpPr>
-        <p:spPr>
-          <a:xfrm>
-            <a:off x="311700" y="445025"/>
-            <a:ext cx="8520600" cy="572700"/>
-          </a:xfrm>
-          <a:prstGeom prst="rect">
-            <a:avLst/>
-          </a:prstGeom>
-        </p:spPr>
-        <p:txBody>
-          <a:bodyPr anchorCtr="0" anchor="t" bIns="91425" lIns="91425" spcFirstLastPara="1" rIns="91425" wrap="square" tIns="91425">
-            <a:normAutofit fontScale="90000"/>
-          </a:bodyPr>
-          <a:lstStyle/>
-          <a:p>
-            <a:pPr indent="0" lvl="0" marL="0" rtl="0" algn="l">
-              <a:spcBef>
-                <a:spcPts val="0"/>
-              </a:spcBef>
-              <a:spcAft>
-                <a:spcPts val="0"/>
-              </a:spcAft>
-              <a:buNone/>
-            </a:pPr>
-            <a:r>
-              <a:rPr lang="en"/>
-              <a:t>LLMChain</a:t>
-            </a:r>
-            <a:endParaRPr/>
-          </a:p>
-        </p:txBody>
-      </p:sp>
-      <p:sp>
-        <p:nvSpPr>
-          <p:cNvPr id="87" name="Google Shape;87;p18"/>
-          <p:cNvSpPr txBox="1"/>
-          <p:nvPr>
-            <p:ph idx="1" type="body"/>
-          </p:nvPr>
-        </p:nvSpPr>
-        <p:spPr>
-          <a:xfrm>
-            <a:off x="311700" y="1152475"/>
-            <a:ext cx="8520600" cy="3416400"/>
-          </a:xfrm>
-          <a:prstGeom prst="rect">
-            <a:avLst/>
-          </a:prstGeom>
-        </p:spPr>
-        <p:txBody>
-          <a:bodyPr anchorCtr="0" anchor="t" bIns="91425" lIns="91425" spcFirstLastPara="1" rIns="91425" wrap="square" tIns="91425">
-            <a:noAutofit/>
-          </a:bodyPr>
-          <a:lstStyle/>
-          <a:p>
-            <a:pPr indent="0" lvl="0" marL="0" rtl="0" algn="l">
-              <a:spcBef>
-                <a:spcPts val="0"/>
-              </a:spcBef>
-              <a:spcAft>
-                <a:spcPts val="0"/>
-              </a:spcAft>
-              <a:buNone/>
-            </a:pPr>
-            <a:r>
-              <a:rPr lang="en" sz="1500">
-                <a:solidFill>
-                  <a:schemeClr val="dk1"/>
-                </a:solidFill>
-              </a:rPr>
-              <a:t>One of the core building blocks in </a:t>
-            </a:r>
-            <a:r>
-              <a:rPr b="1" lang="en" sz="1500">
-                <a:solidFill>
-                  <a:schemeClr val="dk1"/>
-                </a:solidFill>
-              </a:rPr>
-              <a:t>LangChain</a:t>
-            </a:r>
-            <a:r>
-              <a:rPr lang="en" sz="1500">
-                <a:solidFill>
-                  <a:schemeClr val="dk1"/>
-                </a:solidFill>
-              </a:rPr>
-              <a:t>. It provides a structured way to connect a </a:t>
-            </a:r>
-            <a:r>
-              <a:rPr b="1" lang="en" sz="1500">
-                <a:solidFill>
-                  <a:schemeClr val="dk1"/>
-                </a:solidFill>
-              </a:rPr>
-              <a:t>Large Language Model (LLM)</a:t>
-            </a:r>
-            <a:r>
-              <a:rPr lang="en" sz="1500">
-                <a:solidFill>
-                  <a:schemeClr val="dk1"/>
-                </a:solidFill>
-              </a:rPr>
-              <a:t> with a </a:t>
-            </a:r>
-            <a:r>
-              <a:rPr b="1" lang="en" sz="1500">
-                <a:solidFill>
-                  <a:schemeClr val="dk1"/>
-                </a:solidFill>
-              </a:rPr>
-              <a:t>prompt template</a:t>
-            </a:r>
-            <a:r>
-              <a:rPr lang="en" sz="1500">
-                <a:solidFill>
-                  <a:schemeClr val="dk1"/>
-                </a:solidFill>
-              </a:rPr>
-              <a:t> and manage the flow of inputs and outputs.</a:t>
-            </a:r>
-            <a:endParaRPr sz="1500">
-              <a:solidFill>
-                <a:schemeClr val="dk1"/>
-              </a:solidFill>
-            </a:endParaRPr>
-          </a:p>
-          <a:p>
-            <a:pPr indent="0" lvl="0" marL="0" rtl="0" algn="l">
-              <a:spcBef>
-                <a:spcPts val="1200"/>
-              </a:spcBef>
-              <a:spcAft>
-                <a:spcPts val="0"/>
-              </a:spcAft>
-              <a:buClr>
-                <a:schemeClr val="dk1"/>
-              </a:buClr>
-              <a:buSzPts val="1100"/>
-              <a:buFont typeface="Arial"/>
-              <a:buNone/>
-            </a:pPr>
-            <a:r>
-              <a:rPr b="1" lang="en" sz="1500">
-                <a:solidFill>
-                  <a:schemeClr val="dk1"/>
-                </a:solidFill>
-              </a:rPr>
-              <a:t>Wraps an LLM</a:t>
-            </a:r>
-            <a:r>
-              <a:rPr lang="en" sz="1500">
-                <a:solidFill>
-                  <a:schemeClr val="dk1"/>
-                </a:solidFill>
-              </a:rPr>
-              <a:t>: It takes an LLM instance (like OpenAI, Hugging Face, etc.) and manages how it’s called.</a:t>
-            </a:r>
-            <a:endParaRPr sz="1500">
-              <a:solidFill>
-                <a:schemeClr val="dk1"/>
-              </a:solidFill>
-            </a:endParaRPr>
-          </a:p>
-          <a:p>
-            <a:pPr indent="0" lvl="0" marL="0" rtl="0" algn="l">
-              <a:spcBef>
-                <a:spcPts val="1200"/>
-              </a:spcBef>
-              <a:spcAft>
-                <a:spcPts val="0"/>
-              </a:spcAft>
-              <a:buClr>
-                <a:schemeClr val="dk1"/>
-              </a:buClr>
-              <a:buSzPts val="1100"/>
-              <a:buFont typeface="Arial"/>
-              <a:buNone/>
-            </a:pPr>
-            <a:r>
-              <a:rPr b="1" lang="en" sz="1500">
-                <a:solidFill>
-                  <a:schemeClr val="dk1"/>
-                </a:solidFill>
-              </a:rPr>
-              <a:t>Uses a PromptTemplate</a:t>
-            </a:r>
-            <a:r>
-              <a:rPr lang="en" sz="1500">
-                <a:solidFill>
-                  <a:schemeClr val="dk1"/>
-                </a:solidFill>
-              </a:rPr>
-              <a:t>: You define a template with placeholders (e.g., </a:t>
-            </a:r>
-            <a:r>
-              <a:rPr lang="en" sz="1500">
-                <a:solidFill>
-                  <a:srgbClr val="188038"/>
-                </a:solidFill>
-              </a:rPr>
-              <a:t>"Question: {question}"</a:t>
-            </a:r>
-            <a:r>
-              <a:rPr lang="en" sz="1500">
-                <a:solidFill>
-                  <a:schemeClr val="dk1"/>
-                </a:solidFill>
-              </a:rPr>
-              <a:t>), and </a:t>
-            </a:r>
-            <a:r>
-              <a:rPr lang="en" sz="1500">
-                <a:solidFill>
-                  <a:srgbClr val="188038"/>
-                </a:solidFill>
-              </a:rPr>
-              <a:t>LLMChain</a:t>
-            </a:r>
-            <a:r>
-              <a:rPr lang="en" sz="1500">
-                <a:solidFill>
-                  <a:schemeClr val="dk1"/>
-                </a:solidFill>
-              </a:rPr>
-              <a:t> fills those in with user input.</a:t>
-            </a:r>
-            <a:endParaRPr sz="1500">
-              <a:solidFill>
-                <a:schemeClr val="dk1"/>
-              </a:solidFill>
-            </a:endParaRPr>
-          </a:p>
-          <a:p>
-            <a:pPr indent="0" lvl="0" marL="0" rtl="0" algn="l">
-              <a:spcBef>
-                <a:spcPts val="1200"/>
-              </a:spcBef>
-              <a:spcAft>
-                <a:spcPts val="0"/>
-              </a:spcAft>
-              <a:buClr>
-                <a:schemeClr val="dk1"/>
-              </a:buClr>
-              <a:buSzPts val="1100"/>
-              <a:buFont typeface="Arial"/>
-              <a:buNone/>
-            </a:pPr>
-            <a:r>
-              <a:rPr b="1" lang="en" sz="1500">
-                <a:solidFill>
-                  <a:schemeClr val="dk1"/>
-                </a:solidFill>
-              </a:rPr>
-              <a:t>Handles execution</a:t>
-            </a:r>
-            <a:r>
-              <a:rPr lang="en" sz="1500">
-                <a:solidFill>
-                  <a:schemeClr val="dk1"/>
-                </a:solidFill>
-              </a:rPr>
-              <a:t>: When you call </a:t>
-            </a:r>
-            <a:r>
-              <a:rPr lang="en" sz="1500">
-                <a:solidFill>
-                  <a:srgbClr val="188038"/>
-                </a:solidFill>
-              </a:rPr>
-              <a:t>.run()</a:t>
-            </a:r>
-            <a:r>
-              <a:rPr lang="en" sz="1500">
-                <a:solidFill>
-                  <a:schemeClr val="dk1"/>
-                </a:solidFill>
-              </a:rPr>
-              <a:t> or </a:t>
-            </a:r>
-            <a:r>
-              <a:rPr lang="en" sz="1500">
-                <a:solidFill>
-                  <a:srgbClr val="188038"/>
-                </a:solidFill>
-              </a:rPr>
-              <a:t>.predict()</a:t>
-            </a:r>
-            <a:r>
-              <a:rPr lang="en" sz="1500">
-                <a:solidFill>
-                  <a:schemeClr val="dk1"/>
-                </a:solidFill>
-              </a:rPr>
-              <a:t>, it formats the prompt, sends it to the LLM, and returns the response.</a:t>
-            </a:r>
-            <a:endParaRPr sz="1500">
-              <a:solidFill>
-                <a:schemeClr val="dk1"/>
-              </a:solidFill>
-            </a:endParaRPr>
-          </a:p>
-          <a:p>
-            <a:pPr indent="0" lvl="0" marL="0" rtl="0" algn="l">
-              <a:spcBef>
-                <a:spcPts val="1200"/>
-              </a:spcBef>
-              <a:spcAft>
-                <a:spcPts val="1200"/>
-              </a:spcAft>
-              <a:buNone/>
-            </a:pPr>
-            <a:r>
-              <a:rPr b="1" lang="en" sz="1500">
-                <a:solidFill>
-                  <a:schemeClr val="dk1"/>
-                </a:solidFill>
-              </a:rPr>
-              <a:t>Supports chaining</a:t>
-            </a:r>
-            <a:r>
-              <a:rPr lang="en" sz="1500">
-                <a:solidFill>
-                  <a:schemeClr val="dk1"/>
-                </a:solidFill>
-              </a:rPr>
-              <a:t>: You can combine multiple chains together (e.g., one chain generates SQL, another executes it, another formats the result).</a:t>
-            </a:r>
-            <a:endParaRPr sz="1500">
-              <a:solidFill>
-                <a:schemeClr val="dk1"/>
-              </a:solidFill>
-            </a:endParaRPr>
-          </a:p>
-        </p:txBody>
-      </p:sp>
-    </p:spTree>
-  </p:cSld>
-  <p:clrMapOvr>
-    <a:masterClrMapping/>
-  </p:clrMapOvr>
-</p:sld>
-</file>
-
-<file path=ppt/slides/slide7.xml><?xml version="1.0" encoding="utf-8"?>
-<p:sld xmlns:a="http://schemas.openxmlformats.org/drawingml/2006/main" xmlns:r="http://schemas.openxmlformats.org/officeDocument/2006/relationships" xmlns:mc="http://schemas.openxmlformats.org/markup-compatibility/2006" xmlns:mv="urn:schemas-microsoft-com:mac:vml" xmlns:p="http://schemas.openxmlformats.org/presentationml/2006/main" xmlns:c="http://schemas.openxmlformats.org/drawingml/2006/chart" xmlns:dgm="http://schemas.openxmlformats.org/drawingml/2006/diagram" xmlns:o="urn:schemas-microsoft-com:office:office" xmlns:v="urn:schemas-microsoft-com:vml" xmlns:pvml="urn:schemas-microsoft-com:office:powerpoint" xmlns:com="http://schemas.openxmlformats.org/drawingml/2006/compatibility" xmlns:p14="http://schemas.microsoft.com/office/powerpoint/2010/main" xmlns:p15="http://schemas.microsoft.com/office/powerpoint/2012/main" xmlns:ahyp="http://schemas.microsoft.com/office/drawing/2018/hyperlinkcolor">
-  <p:cSld>
-    <p:spTree>
-      <p:nvGrpSpPr>
-        <p:cNvPr id="91" name="Shape 91"/>
-        <p:cNvGrpSpPr/>
-        <p:nvPr/>
-      </p:nvGrpSpPr>
-      <p:grpSpPr>
-        <a:xfrm>
-          <a:off x="0" y="0"/>
-          <a:ext cx="0" cy="0"/>
-          <a:chOff x="0" y="0"/>
-          <a:chExt cx="0" cy="0"/>
-        </a:xfrm>
-      </p:grpSpPr>
-      <p:sp>
-        <p:nvSpPr>
-          <p:cNvPr id="92" name="Google Shape;92;p19"/>
-          <p:cNvSpPr txBox="1"/>
-          <p:nvPr>
-            <p:ph type="title"/>
-          </p:nvPr>
-        </p:nvSpPr>
-        <p:spPr>
-          <a:xfrm>
-            <a:off x="311700" y="445025"/>
-            <a:ext cx="8520600" cy="572700"/>
-          </a:xfrm>
-          <a:prstGeom prst="rect">
-            <a:avLst/>
-          </a:prstGeom>
-        </p:spPr>
-        <p:txBody>
-          <a:bodyPr anchorCtr="0" anchor="t" bIns="91425" lIns="91425" spcFirstLastPara="1" rIns="91425" wrap="square" tIns="91425">
-            <a:normAutofit fontScale="90000"/>
-          </a:bodyPr>
-          <a:lstStyle/>
-          <a:p>
-            <a:pPr indent="0" lvl="0" marL="0" rtl="0" algn="l">
-              <a:spcBef>
-                <a:spcPts val="0"/>
-              </a:spcBef>
-              <a:spcAft>
-                <a:spcPts val="0"/>
-              </a:spcAft>
-              <a:buNone/>
-            </a:pPr>
-            <a:r>
-              <a:rPr lang="en"/>
-              <a:t>Example</a:t>
-            </a:r>
-            <a:endParaRPr/>
-          </a:p>
-        </p:txBody>
-      </p:sp>
-      <p:sp>
-        <p:nvSpPr>
-          <p:cNvPr id="93" name="Google Shape;93;p19"/>
-          <p:cNvSpPr txBox="1"/>
-          <p:nvPr/>
-        </p:nvSpPr>
-        <p:spPr>
-          <a:xfrm>
-            <a:off x="311700" y="1196625"/>
-            <a:ext cx="8520600" cy="3417000"/>
-          </a:xfrm>
-          <a:prstGeom prst="rect">
-            <a:avLst/>
-          </a:prstGeom>
-          <a:noFill/>
-          <a:ln>
-            <a:noFill/>
-          </a:ln>
-        </p:spPr>
-        <p:txBody>
-          <a:bodyPr anchorCtr="0" anchor="t" bIns="91425" lIns="91425" spcFirstLastPara="1" rIns="91425" wrap="square" tIns="91425">
-            <a:spAutoFit/>
-          </a:bodyPr>
-          <a:lstStyle/>
-          <a:p>
-            <a:pPr indent="0" lvl="0" marL="0" rtl="0" algn="l">
-              <a:spcBef>
-                <a:spcPts val="0"/>
-              </a:spcBef>
-              <a:spcAft>
-                <a:spcPts val="0"/>
-              </a:spcAft>
-              <a:buNone/>
-            </a:pPr>
-            <a:r>
-              <a:rPr lang="en"/>
-              <a:t>from langchain import PromptTemplate, LLMChain</a:t>
-            </a:r>
-            <a:endParaRPr/>
-          </a:p>
-          <a:p>
-            <a:pPr indent="0" lvl="0" marL="0" rtl="0" algn="l">
-              <a:spcBef>
-                <a:spcPts val="0"/>
-              </a:spcBef>
-              <a:spcAft>
-                <a:spcPts val="0"/>
-              </a:spcAft>
-              <a:buNone/>
-            </a:pPr>
-            <a:r>
-              <a:rPr lang="en"/>
-              <a:t>from langchain.llms import OpenAI</a:t>
-            </a:r>
-            <a:endParaRPr/>
-          </a:p>
-          <a:p>
-            <a:pPr indent="0" lvl="0" marL="0" rtl="0" algn="l">
-              <a:spcBef>
-                <a:spcPts val="0"/>
-              </a:spcBef>
-              <a:spcAft>
-                <a:spcPts val="0"/>
-              </a:spcAft>
-              <a:buNone/>
-            </a:pPr>
-            <a:r>
-              <a:t/>
-            </a:r>
-            <a:endParaRPr/>
-          </a:p>
-          <a:p>
-            <a:pPr indent="0" lvl="0" marL="0" rtl="0" algn="l">
-              <a:spcBef>
-                <a:spcPts val="0"/>
-              </a:spcBef>
-              <a:spcAft>
-                <a:spcPts val="0"/>
-              </a:spcAft>
-              <a:buNone/>
-            </a:pPr>
-            <a:r>
-              <a:rPr lang="en"/>
-              <a:t>llm = OpenAI(temperature=0)</a:t>
-            </a:r>
-            <a:endParaRPr/>
-          </a:p>
-          <a:p>
-            <a:pPr indent="0" lvl="0" marL="0" rtl="0" algn="l">
-              <a:spcBef>
-                <a:spcPts val="0"/>
-              </a:spcBef>
-              <a:spcAft>
-                <a:spcPts val="0"/>
-              </a:spcAft>
-              <a:buNone/>
-            </a:pPr>
-            <a:r>
-              <a:rPr lang="en"/>
-              <a:t>prompt = PromptTemplate(</a:t>
-            </a:r>
-            <a:endParaRPr/>
-          </a:p>
-          <a:p>
-            <a:pPr indent="0" lvl="0" marL="0" rtl="0" algn="l">
-              <a:spcBef>
-                <a:spcPts val="0"/>
-              </a:spcBef>
-              <a:spcAft>
-                <a:spcPts val="0"/>
-              </a:spcAft>
-              <a:buNone/>
-            </a:pPr>
-            <a:r>
-              <a:rPr lang="en"/>
-              <a:t>    input_variables=["product", "audience"],</a:t>
-            </a:r>
-            <a:endParaRPr/>
-          </a:p>
-          <a:p>
-            <a:pPr indent="0" lvl="0" marL="0" rtl="0" algn="l">
-              <a:spcBef>
-                <a:spcPts val="0"/>
-              </a:spcBef>
-              <a:spcAft>
-                <a:spcPts val="0"/>
-              </a:spcAft>
-              <a:buNone/>
-            </a:pPr>
-            <a:r>
-              <a:rPr lang="en"/>
-              <a:t>    template="Suggest a catchy name for a {product} company targeting {audience}."</a:t>
-            </a:r>
-            <a:endParaRPr/>
-          </a:p>
-          <a:p>
-            <a:pPr indent="0" lvl="0" marL="0" rtl="0" algn="l">
-              <a:spcBef>
-                <a:spcPts val="0"/>
-              </a:spcBef>
-              <a:spcAft>
-                <a:spcPts val="0"/>
-              </a:spcAft>
-              <a:buNone/>
-            </a:pPr>
-            <a:r>
-              <a:rPr lang="en"/>
-              <a:t>)</a:t>
-            </a:r>
-            <a:endParaRPr/>
-          </a:p>
-          <a:p>
-            <a:pPr indent="0" lvl="0" marL="0" rtl="0" algn="l">
-              <a:spcBef>
-                <a:spcPts val="0"/>
-              </a:spcBef>
-              <a:spcAft>
-                <a:spcPts val="0"/>
-              </a:spcAft>
-              <a:buNone/>
-            </a:pPr>
-            <a:r>
-              <a:t/>
-            </a:r>
-            <a:endParaRPr/>
-          </a:p>
-          <a:p>
-            <a:pPr indent="0" lvl="0" marL="0" rtl="0" algn="l">
-              <a:spcBef>
-                <a:spcPts val="0"/>
-              </a:spcBef>
-              <a:spcAft>
-                <a:spcPts val="0"/>
-              </a:spcAft>
-              <a:buNone/>
-            </a:pPr>
-            <a:r>
-              <a:rPr lang="en"/>
-              <a:t>chain = LLMChain(llm=llm, prompt=prompt)</a:t>
-            </a:r>
-            <a:endParaRPr/>
-          </a:p>
-          <a:p>
-            <a:pPr indent="0" lvl="0" marL="0" rtl="0" algn="l">
-              <a:spcBef>
-                <a:spcPts val="0"/>
-              </a:spcBef>
-              <a:spcAft>
-                <a:spcPts val="0"/>
-              </a:spcAft>
-              <a:buNone/>
-            </a:pPr>
-            <a:r>
-              <a:t/>
-            </a:r>
-            <a:endParaRPr/>
-          </a:p>
-          <a:p>
-            <a:pPr indent="0" lvl="0" marL="0" rtl="0" algn="l">
-              <a:spcBef>
-                <a:spcPts val="0"/>
-              </a:spcBef>
-              <a:spcAft>
-                <a:spcPts val="0"/>
-              </a:spcAft>
-              <a:buNone/>
-            </a:pPr>
-            <a:r>
-              <a:rPr lang="en"/>
-              <a:t># Multiple arguments passed as keywords</a:t>
-            </a:r>
-            <a:endParaRPr/>
-          </a:p>
-          <a:p>
-            <a:pPr indent="0" lvl="0" marL="0" rtl="0" algn="l">
-              <a:spcBef>
-                <a:spcPts val="0"/>
-              </a:spcBef>
-              <a:spcAft>
-                <a:spcPts val="0"/>
-              </a:spcAft>
-              <a:buNone/>
-            </a:pPr>
-            <a:r>
-              <a:rPr lang="en"/>
-              <a:t>result = chain.run(product="socks", audience="teenagers")</a:t>
-            </a:r>
-            <a:endParaRPr/>
-          </a:p>
-          <a:p>
-            <a:pPr indent="0" lvl="0" marL="0" rtl="0" algn="l">
-              <a:spcBef>
-                <a:spcPts val="0"/>
-              </a:spcBef>
-              <a:spcAft>
-                <a:spcPts val="0"/>
-              </a:spcAft>
-              <a:buNone/>
-            </a:pPr>
-            <a:r>
-              <a:rPr lang="en"/>
-              <a:t>print(result)</a:t>
-            </a:r>
-            <a:endParaRPr/>
-          </a:p>
-          <a:p>
-            <a:pPr indent="0" lvl="0" marL="0" rtl="0" algn="l">
-              <a:spcBef>
-                <a:spcPts val="0"/>
-              </a:spcBef>
-              <a:spcAft>
-                <a:spcPts val="0"/>
-              </a:spcAft>
-              <a:buNone/>
-            </a:pPr>
-            <a:r>
-              <a:t/>
-            </a:r>
-            <a:endParaRPr/>
-          </a:p>
-        </p:txBody>
-      </p:sp>
-    </p:spTree>
-  </p:cSld>
-  <p:clrMapOvr>
-    <a:masterClrMapping/>
-  </p:clrMapOvr>
-</p:sld>
-</file>
-
-<file path=ppt/slides/slide8.xml><?xml version="1.0" encoding="utf-8"?>
-<p:sld xmlns:a="http://schemas.openxmlformats.org/drawingml/2006/main" xmlns:r="http://schemas.openxmlformats.org/officeDocument/2006/relationships" xmlns:mc="http://schemas.openxmlformats.org/markup-compatibility/2006" xmlns:mv="urn:schemas-microsoft-com:mac:vml" xmlns:p="http://schemas.openxmlformats.org/presentationml/2006/main" xmlns:c="http://schemas.openxmlformats.org/drawingml/2006/chart" xmlns:dgm="http://schemas.openxmlformats.org/drawingml/2006/diagram" xmlns:o="urn:schemas-microsoft-com:office:office" xmlns:v="urn:schemas-microsoft-com:vml" xmlns:pvml="urn:schemas-microsoft-com:office:powerpoint" xmlns:com="http://schemas.openxmlformats.org/drawingml/2006/compatibility" xmlns:p14="http://schemas.microsoft.com/office/powerpoint/2010/main" xmlns:p15="http://schemas.microsoft.com/office/powerpoint/2012/main" xmlns:ahyp="http://schemas.microsoft.com/office/drawing/2018/hyperlinkcolor">
-  <p:cSld>
-    <p:spTree>
-      <p:nvGrpSpPr>
-        <p:cNvPr id="97" name="Shape 97"/>
-        <p:cNvGrpSpPr/>
-        <p:nvPr/>
-      </p:nvGrpSpPr>
-      <p:grpSpPr>
-        <a:xfrm>
-          <a:off x="0" y="0"/>
-          <a:ext cx="0" cy="0"/>
-          <a:chOff x="0" y="0"/>
-          <a:chExt cx="0" cy="0"/>
-        </a:xfrm>
-      </p:grpSpPr>
-      <p:sp>
-        <p:nvSpPr>
-          <p:cNvPr id="98" name="Google Shape;98;p20"/>
-          <p:cNvSpPr txBox="1"/>
-          <p:nvPr>
-            <p:ph type="title"/>
-          </p:nvPr>
-        </p:nvSpPr>
-        <p:spPr>
-          <a:xfrm>
-            <a:off x="311700" y="445025"/>
-            <a:ext cx="8520600" cy="572700"/>
-          </a:xfrm>
-          <a:prstGeom prst="rect">
-            <a:avLst/>
-          </a:prstGeom>
-        </p:spPr>
-        <p:txBody>
-          <a:bodyPr anchorCtr="0" anchor="t" bIns="91425" lIns="91425" spcFirstLastPara="1" rIns="91425" wrap="square" tIns="91425">
-            <a:normAutofit fontScale="90000"/>
-          </a:bodyPr>
-          <a:lstStyle/>
-          <a:p>
-            <a:pPr indent="0" lvl="0" marL="0" rtl="0" algn="l">
-              <a:spcBef>
-                <a:spcPts val="0"/>
-              </a:spcBef>
-              <a:spcAft>
-                <a:spcPts val="0"/>
-              </a:spcAft>
-              <a:buNone/>
-            </a:pPr>
-            <a:r>
-              <a:rPr lang="en"/>
-              <a:t>ChatOpenAI</a:t>
-            </a:r>
-            <a:endParaRPr/>
-          </a:p>
-        </p:txBody>
-      </p:sp>
-      <p:sp>
-        <p:nvSpPr>
-          <p:cNvPr id="99" name="Google Shape;99;p20"/>
-          <p:cNvSpPr txBox="1"/>
-          <p:nvPr>
-            <p:ph idx="1" type="body"/>
-          </p:nvPr>
-        </p:nvSpPr>
-        <p:spPr>
-          <a:xfrm>
-            <a:off x="311700" y="1152475"/>
-            <a:ext cx="8520600" cy="3416400"/>
-          </a:xfrm>
-          <a:prstGeom prst="rect">
-            <a:avLst/>
-          </a:prstGeom>
-        </p:spPr>
-        <p:txBody>
-          <a:bodyPr anchorCtr="0" anchor="t" bIns="91425" lIns="91425" spcFirstLastPara="1" rIns="91425" wrap="square" tIns="91425">
-            <a:normAutofit/>
-          </a:bodyPr>
-          <a:lstStyle/>
-          <a:p>
-            <a:pPr indent="0" lvl="0" marL="0" rtl="0" algn="l">
-              <a:lnSpc>
-                <a:spcPct val="150000"/>
-              </a:lnSpc>
-              <a:spcBef>
-                <a:spcPts val="1400"/>
-              </a:spcBef>
-              <a:spcAft>
-                <a:spcPts val="0"/>
-              </a:spcAft>
-              <a:buNone/>
-            </a:pPr>
-            <a:r>
-              <a:rPr lang="en" sz="1500">
-                <a:solidFill>
-                  <a:srgbClr val="242424"/>
-                </a:solidFill>
-                <a:highlight>
-                  <a:srgbClr val="FFFFFF"/>
-                </a:highlight>
-                <a:latin typeface="Georgia"/>
-                <a:ea typeface="Georgia"/>
-                <a:cs typeface="Georgia"/>
-                <a:sym typeface="Georgia"/>
-              </a:rPr>
-              <a:t>ChatOpenAI is the primary class used for chatting with OpenAI models.  </a:t>
-            </a:r>
-            <a:endParaRPr sz="1500">
-              <a:solidFill>
-                <a:srgbClr val="242424"/>
-              </a:solidFill>
-              <a:highlight>
-                <a:srgbClr val="FFFFFF"/>
-              </a:highlight>
-              <a:latin typeface="Georgia"/>
-              <a:ea typeface="Georgia"/>
-              <a:cs typeface="Georgia"/>
-              <a:sym typeface="Georgia"/>
-            </a:endParaRPr>
-          </a:p>
-          <a:p>
-            <a:pPr indent="0" lvl="0" marL="0" rtl="0" algn="l">
-              <a:lnSpc>
-                <a:spcPct val="150000"/>
-              </a:lnSpc>
-              <a:spcBef>
-                <a:spcPts val="1400"/>
-              </a:spcBef>
-              <a:spcAft>
-                <a:spcPts val="0"/>
-              </a:spcAft>
-              <a:buNone/>
-            </a:pPr>
-            <a:r>
-              <a:rPr lang="en" sz="1500">
-                <a:solidFill>
-                  <a:srgbClr val="242424"/>
-                </a:solidFill>
-                <a:highlight>
-                  <a:srgbClr val="FFFFFF"/>
-                </a:highlight>
-                <a:latin typeface="Georgia"/>
-                <a:ea typeface="Georgia"/>
-                <a:cs typeface="Georgia"/>
-                <a:sym typeface="Georgia"/>
-              </a:rPr>
-              <a:t>LangChain’s interface for interacting with OpenAI’s API.</a:t>
-            </a:r>
-            <a:endParaRPr sz="1500">
-              <a:solidFill>
-                <a:srgbClr val="242424"/>
-              </a:solidFill>
-              <a:highlight>
-                <a:srgbClr val="FFFFFF"/>
-              </a:highlight>
-              <a:latin typeface="Georgia"/>
-              <a:ea typeface="Georgia"/>
-              <a:cs typeface="Georgia"/>
-              <a:sym typeface="Georgia"/>
-            </a:endParaRPr>
-          </a:p>
-          <a:p>
-            <a:pPr indent="0" lvl="0" marL="0" rtl="0" algn="l">
-              <a:lnSpc>
-                <a:spcPct val="150000"/>
-              </a:lnSpc>
-              <a:spcBef>
-                <a:spcPts val="1400"/>
-              </a:spcBef>
-              <a:spcAft>
-                <a:spcPts val="0"/>
-              </a:spcAft>
-              <a:buClr>
-                <a:schemeClr val="dk1"/>
-              </a:buClr>
-              <a:buSzPts val="1100"/>
-              <a:buFont typeface="Arial"/>
-              <a:buNone/>
-            </a:pPr>
-            <a:r>
-              <a:rPr lang="en" sz="1500">
-                <a:solidFill>
-                  <a:srgbClr val="242424"/>
-                </a:solidFill>
-                <a:highlight>
-                  <a:srgbClr val="FFFFFF"/>
-                </a:highlight>
-                <a:latin typeface="Georgia"/>
-                <a:ea typeface="Georgia"/>
-                <a:cs typeface="Georgia"/>
-                <a:sym typeface="Georgia"/>
-              </a:rPr>
-              <a:t>A subclass of </a:t>
-            </a:r>
-            <a:r>
-              <a:rPr i="1" lang="en" sz="1500">
-                <a:solidFill>
-                  <a:srgbClr val="242424"/>
-                </a:solidFill>
-                <a:highlight>
-                  <a:srgbClr val="FFFFFF"/>
-                </a:highlight>
-                <a:latin typeface="Georgia"/>
-                <a:ea typeface="Georgia"/>
-                <a:cs typeface="Georgia"/>
-                <a:sym typeface="Georgia"/>
-              </a:rPr>
-              <a:t>BaseChatModel, </a:t>
-            </a:r>
-            <a:r>
-              <a:rPr lang="en" sz="1500">
-                <a:solidFill>
-                  <a:srgbClr val="242424"/>
-                </a:solidFill>
-                <a:highlight>
-                  <a:srgbClr val="FFFFFF"/>
-                </a:highlight>
-                <a:latin typeface="Georgia"/>
-                <a:ea typeface="Georgia"/>
-                <a:cs typeface="Georgia"/>
-                <a:sym typeface="Georgia"/>
-              </a:rPr>
-              <a:t>which is a generic class that implements subclasses for individual API services</a:t>
-            </a:r>
-            <a:endParaRPr sz="1500">
-              <a:solidFill>
-                <a:srgbClr val="242424"/>
-              </a:solidFill>
-              <a:highlight>
-                <a:srgbClr val="FFFFFF"/>
-              </a:highlight>
-              <a:latin typeface="Georgia"/>
-              <a:ea typeface="Georgia"/>
-              <a:cs typeface="Georgia"/>
-              <a:sym typeface="Georgia"/>
-            </a:endParaRPr>
-          </a:p>
-          <a:p>
-            <a:pPr indent="0" lvl="0" marL="0" rtl="0" algn="l">
-              <a:spcBef>
-                <a:spcPts val="0"/>
-              </a:spcBef>
-              <a:spcAft>
-                <a:spcPts val="1200"/>
-              </a:spcAft>
-              <a:buNone/>
-            </a:pPr>
-            <a:r>
-              <a:t/>
-            </a:r>
-            <a:endParaRPr/>
-          </a:p>
-        </p:txBody>
-      </p:sp>
-    </p:spTree>
-  </p:cSld>
-  <p:clrMapOvr>
-    <a:masterClrMapping/>
-  </p:clrMapOvr>
-</p:sld>
-</file>
-
-<file path=ppt/slides/slide9.xml><?xml version="1.0" encoding="utf-8"?>
-<p:sld xmlns:a="http://schemas.openxmlformats.org/drawingml/2006/main" xmlns:r="http://schemas.openxmlformats.org/officeDocument/2006/relationships" xmlns:mc="http://schemas.openxmlformats.org/markup-compatibility/2006" xmlns:mv="urn:schemas-microsoft-com:mac:vml" xmlns:p="http://schemas.openxmlformats.org/presentationml/2006/main" xmlns:c="http://schemas.openxmlformats.org/drawingml/2006/chart" xmlns:dgm="http://schemas.openxmlformats.org/drawingml/2006/diagram" xmlns:o="urn:schemas-microsoft-com:office:office" xmlns:v="urn:schemas-microsoft-com:vml" xmlns:pvml="urn:schemas-microsoft-com:office:powerpoint" xmlns:com="http://schemas.openxmlformats.org/drawingml/2006/compatibility" xmlns:p14="http://schemas.microsoft.com/office/powerpoint/2010/main" xmlns:p15="http://schemas.microsoft.com/office/powerpoint/2012/main" xmlns:ahyp="http://schemas.microsoft.com/office/drawing/2018/hyperlinkcolor">
-  <p:cSld>
-    <p:spTree>
-      <p:nvGrpSpPr>
-        <p:cNvPr id="103" name="Shape 103"/>
-        <p:cNvGrpSpPr/>
-        <p:nvPr/>
-      </p:nvGrpSpPr>
-      <p:grpSpPr>
-        <a:xfrm>
-          <a:off x="0" y="0"/>
-          <a:ext cx="0" cy="0"/>
-          <a:chOff x="0" y="0"/>
-          <a:chExt cx="0" cy="0"/>
-        </a:xfrm>
-      </p:grpSpPr>
-      <p:sp>
-        <p:nvSpPr>
-          <p:cNvPr id="104" name="Google Shape;104;p21"/>
-          <p:cNvSpPr txBox="1"/>
-          <p:nvPr>
-            <p:ph type="title"/>
-          </p:nvPr>
-        </p:nvSpPr>
-        <p:spPr>
-          <a:xfrm>
-            <a:off x="311700" y="445025"/>
-            <a:ext cx="8520600" cy="572700"/>
-          </a:xfrm>
-          <a:prstGeom prst="rect">
-            <a:avLst/>
-          </a:prstGeom>
-        </p:spPr>
-        <p:txBody>
-          <a:bodyPr anchorCtr="0" anchor="t" bIns="91425" lIns="91425" spcFirstLastPara="1" rIns="91425" wrap="square" tIns="91425">
-            <a:normAutofit fontScale="90000"/>
-          </a:bodyPr>
-          <a:lstStyle/>
-          <a:p>
-            <a:pPr indent="0" lvl="0" marL="0" rtl="0" algn="l">
-              <a:spcBef>
-                <a:spcPts val="0"/>
-              </a:spcBef>
-              <a:spcAft>
-                <a:spcPts val="0"/>
-              </a:spcAft>
-              <a:buNone/>
-            </a:pPr>
-            <a:r>
-              <a:rPr lang="en"/>
-              <a:t>Langchain Memory classes</a:t>
-            </a:r>
-            <a:endParaRPr/>
-          </a:p>
-        </p:txBody>
-      </p:sp>
-      <p:sp>
-        <p:nvSpPr>
-          <p:cNvPr id="105" name="Google Shape;105;p21"/>
-          <p:cNvSpPr txBox="1"/>
-          <p:nvPr>
-            <p:ph idx="1" type="body"/>
-          </p:nvPr>
-        </p:nvSpPr>
-        <p:spPr>
-          <a:xfrm>
-            <a:off x="311700" y="1152475"/>
-            <a:ext cx="8520600" cy="3416400"/>
-          </a:xfrm>
-          <a:prstGeom prst="rect">
-            <a:avLst/>
-          </a:prstGeom>
-        </p:spPr>
-        <p:txBody>
-          <a:bodyPr anchorCtr="0" anchor="t" bIns="91425" lIns="91425" spcFirstLastPara="1" rIns="91425" wrap="square" tIns="91425">
-            <a:normAutofit lnSpcReduction="20000"/>
-          </a:bodyPr>
-          <a:lstStyle/>
-          <a:p>
-            <a:pPr indent="0" lvl="0" marL="0" rtl="0" algn="l">
-              <a:spcBef>
-                <a:spcPts val="0"/>
-              </a:spcBef>
-              <a:spcAft>
-                <a:spcPts val="0"/>
-              </a:spcAft>
-              <a:buClr>
-                <a:schemeClr val="dk1"/>
-              </a:buClr>
-              <a:buSzPts val="1100"/>
-              <a:buFont typeface="Arial"/>
-              <a:buNone/>
-            </a:pPr>
-            <a:r>
-              <a:rPr b="1" lang="en" sz="1100">
-                <a:solidFill>
-                  <a:schemeClr val="dk1"/>
-                </a:solidFill>
-              </a:rPr>
-              <a:t>Automatic history management</a:t>
-            </a:r>
-            <a:endParaRPr b="1" sz="1100">
-              <a:solidFill>
-                <a:schemeClr val="dk1"/>
-              </a:solidFill>
-            </a:endParaRPr>
-          </a:p>
-          <a:p>
-            <a:pPr indent="-298450" lvl="0" marL="457200" rtl="0" algn="l">
-              <a:spcBef>
-                <a:spcPts val="1200"/>
-              </a:spcBef>
-              <a:spcAft>
-                <a:spcPts val="0"/>
-              </a:spcAft>
-              <a:buClr>
-                <a:schemeClr val="dk1"/>
-              </a:buClr>
-              <a:buSzPts val="1100"/>
-              <a:buChar char="●"/>
-            </a:pPr>
-            <a:r>
-              <a:rPr lang="en" sz="1100">
-                <a:solidFill>
-                  <a:srgbClr val="188038"/>
-                </a:solidFill>
-                <a:latin typeface="Roboto Mono"/>
-                <a:ea typeface="Roboto Mono"/>
-                <a:cs typeface="Roboto Mono"/>
-                <a:sym typeface="Roboto Mono"/>
-              </a:rPr>
-              <a:t>ConversationBufferMemory</a:t>
-            </a:r>
-            <a:r>
-              <a:rPr lang="en" sz="1100">
-                <a:solidFill>
-                  <a:schemeClr val="dk1"/>
-                </a:solidFill>
-              </a:rPr>
-              <a:t>: keeps the full chat history.</a:t>
-            </a:r>
-            <a:endParaRPr sz="1100">
-              <a:solidFill>
-                <a:schemeClr val="dk1"/>
-              </a:solidFill>
-            </a:endParaRPr>
-          </a:p>
-          <a:p>
-            <a:pPr indent="-298450" lvl="0" marL="457200" rtl="0" algn="l">
-              <a:spcBef>
-                <a:spcPts val="0"/>
-              </a:spcBef>
-              <a:spcAft>
-                <a:spcPts val="0"/>
-              </a:spcAft>
-              <a:buClr>
-                <a:schemeClr val="dk1"/>
-              </a:buClr>
-              <a:buSzPts val="1100"/>
-              <a:buChar char="●"/>
-            </a:pPr>
-            <a:r>
-              <a:rPr lang="en" sz="1100">
-                <a:solidFill>
-                  <a:srgbClr val="188038"/>
-                </a:solidFill>
-                <a:latin typeface="Roboto Mono"/>
-                <a:ea typeface="Roboto Mono"/>
-                <a:cs typeface="Roboto Mono"/>
-                <a:sym typeface="Roboto Mono"/>
-              </a:rPr>
-              <a:t>ConversationBufferWindowMemory</a:t>
-            </a:r>
-            <a:r>
-              <a:rPr lang="en" sz="1100">
-                <a:solidFill>
-                  <a:schemeClr val="dk1"/>
-                </a:solidFill>
-              </a:rPr>
-              <a:t>: keeps only the last </a:t>
-            </a:r>
-            <a:r>
-              <a:rPr i="1" lang="en" sz="1100">
-                <a:solidFill>
-                  <a:schemeClr val="dk1"/>
-                </a:solidFill>
-              </a:rPr>
-              <a:t>N</a:t>
-            </a:r>
-            <a:r>
-              <a:rPr lang="en" sz="1100">
-                <a:solidFill>
-                  <a:schemeClr val="dk1"/>
-                </a:solidFill>
-              </a:rPr>
-              <a:t> turns (avoids token bloat).</a:t>
-            </a:r>
-            <a:endParaRPr sz="1100">
-              <a:solidFill>
-                <a:schemeClr val="dk1"/>
-              </a:solidFill>
-            </a:endParaRPr>
-          </a:p>
-          <a:p>
-            <a:pPr indent="-298450" lvl="0" marL="457200" rtl="0" algn="l">
-              <a:spcBef>
-                <a:spcPts val="0"/>
-              </a:spcBef>
-              <a:spcAft>
-                <a:spcPts val="0"/>
-              </a:spcAft>
-              <a:buClr>
-                <a:schemeClr val="dk1"/>
-              </a:buClr>
-              <a:buSzPts val="1100"/>
-              <a:buChar char="●"/>
-            </a:pPr>
-            <a:r>
-              <a:rPr lang="en" sz="1100">
-                <a:solidFill>
-                  <a:srgbClr val="188038"/>
-                </a:solidFill>
-                <a:latin typeface="Roboto Mono"/>
-                <a:ea typeface="Roboto Mono"/>
-                <a:cs typeface="Roboto Mono"/>
-                <a:sym typeface="Roboto Mono"/>
-              </a:rPr>
-              <a:t>ConversationSummaryMemory</a:t>
-            </a:r>
-            <a:r>
-              <a:rPr lang="en" sz="1100">
-                <a:solidFill>
-                  <a:schemeClr val="dk1"/>
-                </a:solidFill>
-              </a:rPr>
-              <a:t>: summarizes older turns into a compact form.</a:t>
-            </a:r>
-            <a:endParaRPr sz="1100">
-              <a:solidFill>
-                <a:schemeClr val="dk1"/>
-              </a:solidFill>
-            </a:endParaRPr>
-          </a:p>
-          <a:p>
-            <a:pPr indent="0" lvl="0" marL="0" rtl="0" algn="l">
-              <a:spcBef>
-                <a:spcPts val="1200"/>
-              </a:spcBef>
-              <a:spcAft>
-                <a:spcPts val="0"/>
-              </a:spcAft>
-              <a:buClr>
-                <a:schemeClr val="dk1"/>
-              </a:buClr>
-              <a:buSzPts val="1100"/>
-              <a:buFont typeface="Arial"/>
-              <a:buNone/>
-            </a:pPr>
-            <a:r>
-              <a:rPr b="1" lang="en" sz="1100">
-                <a:solidFill>
-                  <a:schemeClr val="dk1"/>
-                </a:solidFill>
-              </a:rPr>
-              <a:t>Plug-and-play with chains</a:t>
-            </a:r>
-            <a:endParaRPr b="1" sz="1100">
-              <a:solidFill>
-                <a:schemeClr val="dk1"/>
-              </a:solidFill>
-            </a:endParaRPr>
-          </a:p>
-          <a:p>
-            <a:pPr indent="-298450" lvl="0" marL="457200" rtl="0" algn="l">
-              <a:spcBef>
-                <a:spcPts val="1200"/>
-              </a:spcBef>
-              <a:spcAft>
-                <a:spcPts val="0"/>
-              </a:spcAft>
-              <a:buClr>
-                <a:schemeClr val="dk1"/>
-              </a:buClr>
-              <a:buSzPts val="1100"/>
-              <a:buChar char="●"/>
-            </a:pPr>
-            <a:r>
-              <a:rPr lang="en" sz="1100">
-                <a:solidFill>
-                  <a:schemeClr val="dk1"/>
-                </a:solidFill>
-              </a:rPr>
-              <a:t>Memory integrates seamlessly with </a:t>
-            </a:r>
-            <a:r>
-              <a:rPr lang="en" sz="1100">
-                <a:solidFill>
-                  <a:srgbClr val="188038"/>
-                </a:solidFill>
-                <a:latin typeface="Roboto Mono"/>
-                <a:ea typeface="Roboto Mono"/>
-                <a:cs typeface="Roboto Mono"/>
-                <a:sym typeface="Roboto Mono"/>
-              </a:rPr>
-              <a:t>ConversationChain</a:t>
-            </a:r>
-            <a:r>
-              <a:rPr lang="en" sz="1100">
-                <a:solidFill>
-                  <a:schemeClr val="dk1"/>
-                </a:solidFill>
-              </a:rPr>
-              <a:t> or custom chains.</a:t>
-            </a:r>
-            <a:endParaRPr sz="1100">
-              <a:solidFill>
-                <a:schemeClr val="dk1"/>
-              </a:solidFill>
-            </a:endParaRPr>
-          </a:p>
-          <a:p>
-            <a:pPr indent="-298450" lvl="0" marL="457200" rtl="0" algn="l">
-              <a:spcBef>
-                <a:spcPts val="0"/>
-              </a:spcBef>
-              <a:spcAft>
-                <a:spcPts val="0"/>
-              </a:spcAft>
-              <a:buClr>
-                <a:schemeClr val="dk1"/>
-              </a:buClr>
-              <a:buSzPts val="1100"/>
-              <a:buChar char="●"/>
-            </a:pPr>
-            <a:r>
-              <a:rPr lang="en" sz="1100">
-                <a:solidFill>
-                  <a:schemeClr val="dk1"/>
-                </a:solidFill>
-              </a:rPr>
-              <a:t>You don’t have to manually stitch messages into prompts — LangChain does it.</a:t>
-            </a:r>
-            <a:endParaRPr sz="1100">
-              <a:solidFill>
-                <a:schemeClr val="dk1"/>
-              </a:solidFill>
-            </a:endParaRPr>
-          </a:p>
-          <a:p>
-            <a:pPr indent="0" lvl="0" marL="0" rtl="0" algn="l">
-              <a:spcBef>
-                <a:spcPts val="1200"/>
-              </a:spcBef>
-              <a:spcAft>
-                <a:spcPts val="0"/>
-              </a:spcAft>
-              <a:buClr>
-                <a:schemeClr val="dk1"/>
-              </a:buClr>
-              <a:buSzPts val="1100"/>
-              <a:buFont typeface="Arial"/>
-              <a:buNone/>
-            </a:pPr>
-            <a:r>
-              <a:rPr b="1" lang="en" sz="1100">
-                <a:solidFill>
-                  <a:schemeClr val="dk1"/>
-                </a:solidFill>
-              </a:rPr>
-              <a:t>Consistency across models</a:t>
-            </a:r>
-            <a:endParaRPr b="1" sz="1100">
-              <a:solidFill>
-                <a:schemeClr val="dk1"/>
-              </a:solidFill>
-            </a:endParaRPr>
-          </a:p>
-          <a:p>
-            <a:pPr indent="-298450" lvl="0" marL="457200" rtl="0" algn="l">
-              <a:spcBef>
-                <a:spcPts val="1200"/>
-              </a:spcBef>
-              <a:spcAft>
-                <a:spcPts val="0"/>
-              </a:spcAft>
-              <a:buClr>
-                <a:schemeClr val="dk1"/>
-              </a:buClr>
-              <a:buSzPts val="1100"/>
-              <a:buChar char="●"/>
-            </a:pPr>
-            <a:r>
-              <a:rPr lang="en" sz="1100">
-                <a:solidFill>
-                  <a:schemeClr val="dk1"/>
-                </a:solidFill>
-              </a:rPr>
-              <a:t>Whether you use OpenAI, Anthropic, Hugging Face, or Ollama, the memory classes abstract away the differences in message formats.</a:t>
-            </a:r>
-            <a:endParaRPr sz="1100">
-              <a:solidFill>
-                <a:schemeClr val="dk1"/>
-              </a:solidFill>
-            </a:endParaRPr>
-          </a:p>
-          <a:p>
-            <a:pPr indent="0" lvl="0" marL="0" rtl="0" algn="l">
-              <a:spcBef>
-                <a:spcPts val="1200"/>
-              </a:spcBef>
-              <a:spcAft>
-                <a:spcPts val="0"/>
-              </a:spcAft>
-              <a:buClr>
-                <a:schemeClr val="dk1"/>
-              </a:buClr>
-              <a:buSzPts val="1100"/>
-              <a:buFont typeface="Arial"/>
-              <a:buNone/>
-            </a:pPr>
-            <a:r>
-              <a:t/>
-            </a:r>
-            <a:endParaRPr b="1" sz="1100">
-              <a:solidFill>
-                <a:schemeClr val="dk1"/>
-              </a:solidFill>
-            </a:endParaRPr>
-          </a:p>
-          <a:p>
-            <a:pPr indent="0" lvl="0" marL="0" rtl="0" algn="l">
-              <a:spcBef>
-                <a:spcPts val="1200"/>
-              </a:spcBef>
-              <a:spcAft>
-                <a:spcPts val="1200"/>
-              </a:spcAft>
-              <a:buNone/>
-            </a:pPr>
-            <a:r>
-              <a:t/>
             </a:r>
             <a:endParaRPr/>
           </a:p>

--- a/lesson2/Session2.pptx
+++ b/lesson2/Session2.pptx
@@ -2,7 +2,7 @@
 <file path=ppt/presentation.xml><?xml version="1.0" encoding="utf-8"?>
 <p:presentation xmlns:a="http://schemas.openxmlformats.org/drawingml/2006/main" xmlns:r="http://schemas.openxmlformats.org/officeDocument/2006/relationships" xmlns:mc="http://schemas.openxmlformats.org/markup-compatibility/2006" xmlns:mv="urn:schemas-microsoft-com:mac:vml" xmlns:p="http://schemas.openxmlformats.org/presentationml/2006/main" xmlns:c="http://schemas.openxmlformats.org/drawingml/2006/chart" xmlns:dgm="http://schemas.openxmlformats.org/drawingml/2006/diagram" xmlns:o="urn:schemas-microsoft-com:office:office" xmlns:v="urn:schemas-microsoft-com:vml" xmlns:pvml="urn:schemas-microsoft-com:office:powerpoint" xmlns:com="http://schemas.openxmlformats.org/drawingml/2006/compatibility" xmlns:p14="http://schemas.microsoft.com/office/powerpoint/2010/main" xmlns:p15="http://schemas.microsoft.com/office/powerpoint/2012/main" xmlns:ahyp="http://schemas.microsoft.com/office/drawing/2018/hyperlinkcolor" autoCompressPictures="0" embedTrueTypeFonts="1" strictFirstAndLastChars="0" saveSubsetFonts="1">
   <p:sldMasterIdLst>
-    <p:sldMasterId id="2147483648" r:id="rId5"/>
+    <p:sldMasterId id="2147483659" r:id="rId5"/>
   </p:sldMasterIdLst>
   <p:notesMasterIdLst>
     <p:notesMasterId r:id="rId6"/>
@@ -23,25 +23,30 @@
     <p:sldId id="268" r:id="rId19"/>
     <p:sldId id="269" r:id="rId20"/>
     <p:sldId id="270" r:id="rId21"/>
-    <p:sldId id="271" r:id="rId22"/>
-    <p:sldId id="272" r:id="rId23"/>
   </p:sldIdLst>
   <p:sldSz cy="5143500" cx="9144000"/>
   <p:notesSz cx="6858000" cy="9144000"/>
   <p:embeddedFontLst>
     <p:embeddedFont>
+      <p:font typeface="Roboto"/>
+      <p:regular r:id="rId22"/>
+      <p:bold r:id="rId23"/>
+      <p:italic r:id="rId24"/>
+      <p:boldItalic r:id="rId25"/>
+    </p:embeddedFont>
+    <p:embeddedFont>
       <p:font typeface="Nunito"/>
-      <p:regular r:id="rId24"/>
-      <p:bold r:id="rId25"/>
-      <p:italic r:id="rId26"/>
-      <p:boldItalic r:id="rId27"/>
+      <p:regular r:id="rId26"/>
+      <p:bold r:id="rId27"/>
+      <p:italic r:id="rId28"/>
+      <p:boldItalic r:id="rId29"/>
     </p:embeddedFont>
     <p:embeddedFont>
       <p:font typeface="Roboto Mono"/>
-      <p:regular r:id="rId28"/>
-      <p:bold r:id="rId29"/>
-      <p:italic r:id="rId30"/>
-      <p:boldItalic r:id="rId31"/>
+      <p:regular r:id="rId30"/>
+      <p:bold r:id="rId31"/>
+      <p:italic r:id="rId32"/>
+      <p:boldItalic r:id="rId33"/>
     </p:embeddedFont>
   </p:embeddedFontLst>
   <p:defaultTextStyle>
@@ -288,9 +293,6 @@
         </p15:guide>
       </p15:sldGuideLst>
     </p:ext>
-    <p:ext uri="GoogleSlidesCustomDataVersion2">
-      <go:slidesCustomData xmlns:go="http://customooxmlschemas.google.com/" r:id="rId32" roundtripDataSignature="AMtx7mh2ArKc76CoZtAS7XUlwfxycnTCRw=="/>
-    </p:ext>
   </p:extLst>
 </p:presentation>
 </file>
@@ -383,239 +385,104 @@
             <a:noAutofit/>
           </a:bodyPr>
           <a:lstStyle>
-            <a:lvl1pPr indent="-298450" lvl="0" marL="457200" marR="0" rtl="0" algn="l">
-              <a:lnSpc>
-                <a:spcPct val="100000"/>
-              </a:lnSpc>
-              <a:spcBef>
-                <a:spcPts val="0"/>
-              </a:spcBef>
-              <a:spcAft>
-                <a:spcPts val="0"/>
-              </a:spcAft>
-              <a:buClr>
-                <a:srgbClr val="000000"/>
-              </a:buClr>
+            <a:lvl1pPr indent="-298450" lvl="0" marL="457200">
+              <a:spcBef>
+                <a:spcPts val="0"/>
+              </a:spcBef>
+              <a:spcAft>
+                <a:spcPts val="0"/>
+              </a:spcAft>
               <a:buSzPts val="1100"/>
-              <a:buFont typeface="Arial"/>
               <a:buChar char="●"/>
-              <a:defRPr b="0" i="0" sz="1100" u="none" cap="none" strike="noStrike">
-                <a:solidFill>
-                  <a:srgbClr val="000000"/>
-                </a:solidFill>
-                <a:latin typeface="Arial"/>
-                <a:ea typeface="Arial"/>
-                <a:cs typeface="Arial"/>
-                <a:sym typeface="Arial"/>
-              </a:defRPr>
+              <a:defRPr sz="1100"/>
             </a:lvl1pPr>
-            <a:lvl2pPr indent="-298450" lvl="1" marL="914400" marR="0" rtl="0" algn="l">
-              <a:lnSpc>
-                <a:spcPct val="100000"/>
-              </a:lnSpc>
-              <a:spcBef>
-                <a:spcPts val="0"/>
-              </a:spcBef>
-              <a:spcAft>
-                <a:spcPts val="0"/>
-              </a:spcAft>
-              <a:buClr>
-                <a:srgbClr val="000000"/>
-              </a:buClr>
+            <a:lvl2pPr indent="-298450" lvl="1" marL="914400">
+              <a:spcBef>
+                <a:spcPts val="0"/>
+              </a:spcBef>
+              <a:spcAft>
+                <a:spcPts val="0"/>
+              </a:spcAft>
               <a:buSzPts val="1100"/>
-              <a:buFont typeface="Arial"/>
               <a:buChar char="○"/>
-              <a:defRPr b="0" i="0" sz="1100" u="none" cap="none" strike="noStrike">
-                <a:solidFill>
-                  <a:srgbClr val="000000"/>
-                </a:solidFill>
-                <a:latin typeface="Arial"/>
-                <a:ea typeface="Arial"/>
-                <a:cs typeface="Arial"/>
-                <a:sym typeface="Arial"/>
-              </a:defRPr>
+              <a:defRPr sz="1100"/>
             </a:lvl2pPr>
-            <a:lvl3pPr indent="-298450" lvl="2" marL="1371600" marR="0" rtl="0" algn="l">
-              <a:lnSpc>
-                <a:spcPct val="100000"/>
-              </a:lnSpc>
-              <a:spcBef>
-                <a:spcPts val="0"/>
-              </a:spcBef>
-              <a:spcAft>
-                <a:spcPts val="0"/>
-              </a:spcAft>
-              <a:buClr>
-                <a:srgbClr val="000000"/>
-              </a:buClr>
+            <a:lvl3pPr indent="-298450" lvl="2" marL="1371600">
+              <a:spcBef>
+                <a:spcPts val="0"/>
+              </a:spcBef>
+              <a:spcAft>
+                <a:spcPts val="0"/>
+              </a:spcAft>
               <a:buSzPts val="1100"/>
-              <a:buFont typeface="Arial"/>
               <a:buChar char="■"/>
-              <a:defRPr b="0" i="0" sz="1100" u="none" cap="none" strike="noStrike">
-                <a:solidFill>
-                  <a:srgbClr val="000000"/>
-                </a:solidFill>
-                <a:latin typeface="Arial"/>
-                <a:ea typeface="Arial"/>
-                <a:cs typeface="Arial"/>
-                <a:sym typeface="Arial"/>
-              </a:defRPr>
+              <a:defRPr sz="1100"/>
             </a:lvl3pPr>
-            <a:lvl4pPr indent="-298450" lvl="3" marL="1828800" marR="0" rtl="0" algn="l">
-              <a:lnSpc>
-                <a:spcPct val="100000"/>
-              </a:lnSpc>
-              <a:spcBef>
-                <a:spcPts val="0"/>
-              </a:spcBef>
-              <a:spcAft>
-                <a:spcPts val="0"/>
-              </a:spcAft>
-              <a:buClr>
-                <a:srgbClr val="000000"/>
-              </a:buClr>
+            <a:lvl4pPr indent="-298450" lvl="3" marL="1828800">
+              <a:spcBef>
+                <a:spcPts val="0"/>
+              </a:spcBef>
+              <a:spcAft>
+                <a:spcPts val="0"/>
+              </a:spcAft>
               <a:buSzPts val="1100"/>
-              <a:buFont typeface="Arial"/>
               <a:buChar char="●"/>
-              <a:defRPr b="0" i="0" sz="1100" u="none" cap="none" strike="noStrike">
-                <a:solidFill>
-                  <a:srgbClr val="000000"/>
-                </a:solidFill>
-                <a:latin typeface="Arial"/>
-                <a:ea typeface="Arial"/>
-                <a:cs typeface="Arial"/>
-                <a:sym typeface="Arial"/>
-              </a:defRPr>
+              <a:defRPr sz="1100"/>
             </a:lvl4pPr>
-            <a:lvl5pPr indent="-298450" lvl="4" marL="2286000" marR="0" rtl="0" algn="l">
-              <a:lnSpc>
-                <a:spcPct val="100000"/>
-              </a:lnSpc>
-              <a:spcBef>
-                <a:spcPts val="0"/>
-              </a:spcBef>
-              <a:spcAft>
-                <a:spcPts val="0"/>
-              </a:spcAft>
-              <a:buClr>
-                <a:srgbClr val="000000"/>
-              </a:buClr>
+            <a:lvl5pPr indent="-298450" lvl="4" marL="2286000">
+              <a:spcBef>
+                <a:spcPts val="0"/>
+              </a:spcBef>
+              <a:spcAft>
+                <a:spcPts val="0"/>
+              </a:spcAft>
               <a:buSzPts val="1100"/>
-              <a:buFont typeface="Arial"/>
               <a:buChar char="○"/>
-              <a:defRPr b="0" i="0" sz="1100" u="none" cap="none" strike="noStrike">
-                <a:solidFill>
-                  <a:srgbClr val="000000"/>
-                </a:solidFill>
-                <a:latin typeface="Arial"/>
-                <a:ea typeface="Arial"/>
-                <a:cs typeface="Arial"/>
-                <a:sym typeface="Arial"/>
-              </a:defRPr>
+              <a:defRPr sz="1100"/>
             </a:lvl5pPr>
-            <a:lvl6pPr indent="-298450" lvl="5" marL="2743200" marR="0" rtl="0" algn="l">
-              <a:lnSpc>
-                <a:spcPct val="100000"/>
-              </a:lnSpc>
-              <a:spcBef>
-                <a:spcPts val="0"/>
-              </a:spcBef>
-              <a:spcAft>
-                <a:spcPts val="0"/>
-              </a:spcAft>
-              <a:buClr>
-                <a:srgbClr val="000000"/>
-              </a:buClr>
+            <a:lvl6pPr indent="-298450" lvl="5" marL="2743200">
+              <a:spcBef>
+                <a:spcPts val="0"/>
+              </a:spcBef>
+              <a:spcAft>
+                <a:spcPts val="0"/>
+              </a:spcAft>
               <a:buSzPts val="1100"/>
-              <a:buFont typeface="Arial"/>
               <a:buChar char="■"/>
-              <a:defRPr b="0" i="0" sz="1100" u="none" cap="none" strike="noStrike">
-                <a:solidFill>
-                  <a:srgbClr val="000000"/>
-                </a:solidFill>
-                <a:latin typeface="Arial"/>
-                <a:ea typeface="Arial"/>
-                <a:cs typeface="Arial"/>
-                <a:sym typeface="Arial"/>
-              </a:defRPr>
+              <a:defRPr sz="1100"/>
             </a:lvl6pPr>
-            <a:lvl7pPr indent="-298450" lvl="6" marL="3200400" marR="0" rtl="0" algn="l">
-              <a:lnSpc>
-                <a:spcPct val="100000"/>
-              </a:lnSpc>
-              <a:spcBef>
-                <a:spcPts val="0"/>
-              </a:spcBef>
-              <a:spcAft>
-                <a:spcPts val="0"/>
-              </a:spcAft>
-              <a:buClr>
-                <a:srgbClr val="000000"/>
-              </a:buClr>
+            <a:lvl7pPr indent="-298450" lvl="6" marL="3200400">
+              <a:spcBef>
+                <a:spcPts val="0"/>
+              </a:spcBef>
+              <a:spcAft>
+                <a:spcPts val="0"/>
+              </a:spcAft>
               <a:buSzPts val="1100"/>
-              <a:buFont typeface="Arial"/>
               <a:buChar char="●"/>
-              <a:defRPr b="0" i="0" sz="1100" u="none" cap="none" strike="noStrike">
-                <a:solidFill>
-                  <a:srgbClr val="000000"/>
-                </a:solidFill>
-                <a:latin typeface="Arial"/>
-                <a:ea typeface="Arial"/>
-                <a:cs typeface="Arial"/>
-                <a:sym typeface="Arial"/>
-              </a:defRPr>
+              <a:defRPr sz="1100"/>
             </a:lvl7pPr>
-            <a:lvl8pPr indent="-298450" lvl="7" marL="3657600" marR="0" rtl="0" algn="l">
-              <a:lnSpc>
-                <a:spcPct val="100000"/>
-              </a:lnSpc>
-              <a:spcBef>
-                <a:spcPts val="0"/>
-              </a:spcBef>
-              <a:spcAft>
-                <a:spcPts val="0"/>
-              </a:spcAft>
-              <a:buClr>
-                <a:srgbClr val="000000"/>
-              </a:buClr>
+            <a:lvl8pPr indent="-298450" lvl="7" marL="3657600">
+              <a:spcBef>
+                <a:spcPts val="0"/>
+              </a:spcBef>
+              <a:spcAft>
+                <a:spcPts val="0"/>
+              </a:spcAft>
               <a:buSzPts val="1100"/>
-              <a:buFont typeface="Arial"/>
               <a:buChar char="○"/>
-              <a:defRPr b="0" i="0" sz="1100" u="none" cap="none" strike="noStrike">
-                <a:solidFill>
-                  <a:srgbClr val="000000"/>
-                </a:solidFill>
-                <a:latin typeface="Arial"/>
-                <a:ea typeface="Arial"/>
-                <a:cs typeface="Arial"/>
-                <a:sym typeface="Arial"/>
-              </a:defRPr>
+              <a:defRPr sz="1100"/>
             </a:lvl8pPr>
-            <a:lvl9pPr indent="-298450" lvl="8" marL="4114800" marR="0" rtl="0" algn="l">
-              <a:lnSpc>
-                <a:spcPct val="100000"/>
-              </a:lnSpc>
-              <a:spcBef>
-                <a:spcPts val="0"/>
-              </a:spcBef>
-              <a:spcAft>
-                <a:spcPts val="0"/>
-              </a:spcAft>
-              <a:buClr>
-                <a:srgbClr val="000000"/>
-              </a:buClr>
+            <a:lvl9pPr indent="-298450" lvl="8" marL="4114800">
+              <a:spcBef>
+                <a:spcPts val="0"/>
+              </a:spcBef>
+              <a:spcAft>
+                <a:spcPts val="0"/>
+              </a:spcAft>
               <a:buSzPts val="1100"/>
-              <a:buFont typeface="Arial"/>
               <a:buChar char="■"/>
-              <a:defRPr b="0" i="0" sz="1100" u="none" cap="none" strike="noStrike">
-                <a:solidFill>
-                  <a:srgbClr val="000000"/>
-                </a:solidFill>
-                <a:latin typeface="Arial"/>
-                <a:ea typeface="Arial"/>
-                <a:cs typeface="Arial"/>
-                <a:sym typeface="Arial"/>
-              </a:defRPr>
+              <a:defRPr sz="1100"/>
             </a:lvl9pPr>
           </a:lstStyle>
           <a:p/>
@@ -875,7 +742,7 @@
       </p:grpSpPr>
       <p:sp>
         <p:nvSpPr>
-          <p:cNvPr id="51" name="Google Shape;51;p1:notes"/>
+          <p:cNvPr id="51" name="Google Shape;51;g3bc561d1388_1_6:notes"/>
           <p:cNvSpPr/>
           <p:nvPr>
             <p:ph idx="2" type="sldImg"/>
@@ -906,21 +773,11 @@
               </a:path>
             </a:pathLst>
           </a:custGeom>
-          <a:noFill/>
-          <a:ln cap="flat" cmpd="sng" w="9525">
-            <a:solidFill>
-              <a:srgbClr val="000000"/>
-            </a:solidFill>
-            <a:prstDash val="solid"/>
-            <a:round/>
-            <a:headEnd len="sm" w="sm" type="none"/>
-            <a:tailEnd len="sm" w="sm" type="none"/>
-          </a:ln>
         </p:spPr>
       </p:sp>
       <p:sp>
         <p:nvSpPr>
-          <p:cNvPr id="52" name="Google Shape;52;p1:notes"/>
+          <p:cNvPr id="52" name="Google Shape;52;g3bc561d1388_1_6:notes"/>
           <p:cNvSpPr txBox="1"/>
           <p:nvPr>
             <p:ph idx="1" type="body"/>
@@ -934,10 +791,6 @@
           <a:prstGeom prst="rect">
             <a:avLst/>
           </a:prstGeom>
-          <a:noFill/>
-          <a:ln>
-            <a:noFill/>
-          </a:ln>
         </p:spPr>
         <p:txBody>
           <a:bodyPr anchorCtr="0" anchor="t" bIns="91425" lIns="91425" spcFirstLastPara="1" rIns="91425" wrap="square" tIns="91425">
@@ -946,16 +799,12 @@
           <a:lstStyle/>
           <a:p>
             <a:pPr indent="0" lvl="0" marL="0" rtl="0" algn="l">
-              <a:lnSpc>
-                <a:spcPct val="100000"/>
-              </a:lnSpc>
-              <a:spcBef>
-                <a:spcPts val="0"/>
-              </a:spcBef>
-              <a:spcAft>
-                <a:spcPts val="0"/>
-              </a:spcAft>
-              <a:buSzPts val="1100"/>
+              <a:spcBef>
+                <a:spcPts val="0"/>
+              </a:spcBef>
+              <a:spcAft>
+                <a:spcPts val="0"/>
+              </a:spcAft>
               <a:buNone/>
             </a:pPr>
             <a:r>
@@ -978,7 +827,7 @@
   <p:cSld>
     <p:spTree>
       <p:nvGrpSpPr>
-        <p:cNvPr id="103" name="Shape 103"/>
+        <p:cNvPr id="105" name="Shape 105"/>
         <p:cNvGrpSpPr/>
         <p:nvPr/>
       </p:nvGrpSpPr>
@@ -992,7 +841,7 @@
       </p:grpSpPr>
       <p:sp>
         <p:nvSpPr>
-          <p:cNvPr id="104" name="Google Shape;104;p9:notes"/>
+          <p:cNvPr id="106" name="Google Shape;106;g3b8ae9ccc97_0_44:notes"/>
           <p:cNvSpPr/>
           <p:nvPr>
             <p:ph idx="2" type="sldImg"/>
@@ -1023,21 +872,11 @@
               </a:path>
             </a:pathLst>
           </a:custGeom>
-          <a:noFill/>
-          <a:ln cap="flat" cmpd="sng" w="9525">
-            <a:solidFill>
-              <a:srgbClr val="000000"/>
-            </a:solidFill>
-            <a:prstDash val="solid"/>
-            <a:round/>
-            <a:headEnd len="sm" w="sm" type="none"/>
-            <a:tailEnd len="sm" w="sm" type="none"/>
-          </a:ln>
         </p:spPr>
       </p:sp>
       <p:sp>
         <p:nvSpPr>
-          <p:cNvPr id="105" name="Google Shape;105;p9:notes"/>
+          <p:cNvPr id="107" name="Google Shape;107;g3b8ae9ccc97_0_44:notes"/>
           <p:cNvSpPr txBox="1"/>
           <p:nvPr>
             <p:ph idx="1" type="body"/>
@@ -1051,10 +890,6 @@
           <a:prstGeom prst="rect">
             <a:avLst/>
           </a:prstGeom>
-          <a:noFill/>
-          <a:ln>
-            <a:noFill/>
-          </a:ln>
         </p:spPr>
         <p:txBody>
           <a:bodyPr anchorCtr="0" anchor="t" bIns="91425" lIns="91425" spcFirstLastPara="1" rIns="91425" wrap="square" tIns="91425">
@@ -1063,16 +898,12 @@
           <a:lstStyle/>
           <a:p>
             <a:pPr indent="0" lvl="0" marL="0" rtl="0" algn="l">
-              <a:lnSpc>
-                <a:spcPct val="100000"/>
-              </a:lnSpc>
-              <a:spcBef>
-                <a:spcPts val="0"/>
-              </a:spcBef>
-              <a:spcAft>
-                <a:spcPts val="0"/>
-              </a:spcAft>
-              <a:buSzPts val="1100"/>
+              <a:spcBef>
+                <a:spcPts val="0"/>
+              </a:spcBef>
+              <a:spcAft>
+                <a:spcPts val="0"/>
+              </a:spcAft>
               <a:buNone/>
             </a:pPr>
             <a:r>
@@ -1095,7 +926,7 @@
   <p:cSld>
     <p:spTree>
       <p:nvGrpSpPr>
-        <p:cNvPr id="110" name="Shape 110"/>
+        <p:cNvPr id="112" name="Shape 112"/>
         <p:cNvGrpSpPr/>
         <p:nvPr/>
       </p:nvGrpSpPr>
@@ -1109,7 +940,7 @@
       </p:grpSpPr>
       <p:sp>
         <p:nvSpPr>
-          <p:cNvPr id="111" name="Google Shape;111;p10:notes"/>
+          <p:cNvPr id="113" name="Google Shape;113;g3b9def6faeb_0_0:notes"/>
           <p:cNvSpPr/>
           <p:nvPr>
             <p:ph idx="2" type="sldImg"/>
@@ -1140,21 +971,11 @@
               </a:path>
             </a:pathLst>
           </a:custGeom>
-          <a:noFill/>
-          <a:ln cap="flat" cmpd="sng" w="9525">
-            <a:solidFill>
-              <a:srgbClr val="000000"/>
-            </a:solidFill>
-            <a:prstDash val="solid"/>
-            <a:round/>
-            <a:headEnd len="sm" w="sm" type="none"/>
-            <a:tailEnd len="sm" w="sm" type="none"/>
-          </a:ln>
         </p:spPr>
       </p:sp>
       <p:sp>
         <p:nvSpPr>
-          <p:cNvPr id="112" name="Google Shape;112;p10:notes"/>
+          <p:cNvPr id="114" name="Google Shape;114;g3b9def6faeb_0_0:notes"/>
           <p:cNvSpPr txBox="1"/>
           <p:nvPr>
             <p:ph idx="1" type="body"/>
@@ -1168,10 +989,6 @@
           <a:prstGeom prst="rect">
             <a:avLst/>
           </a:prstGeom>
-          <a:noFill/>
-          <a:ln>
-            <a:noFill/>
-          </a:ln>
         </p:spPr>
         <p:txBody>
           <a:bodyPr anchorCtr="0" anchor="t" bIns="91425" lIns="91425" spcFirstLastPara="1" rIns="91425" wrap="square" tIns="91425">
@@ -1180,16 +997,12 @@
           <a:lstStyle/>
           <a:p>
             <a:pPr indent="0" lvl="0" marL="0" rtl="0" algn="l">
-              <a:lnSpc>
-                <a:spcPct val="100000"/>
-              </a:lnSpc>
-              <a:spcBef>
-                <a:spcPts val="0"/>
-              </a:spcBef>
-              <a:spcAft>
-                <a:spcPts val="0"/>
-              </a:spcAft>
-              <a:buSzPts val="1100"/>
+              <a:spcBef>
+                <a:spcPts val="0"/>
+              </a:spcBef>
+              <a:spcAft>
+                <a:spcPts val="0"/>
+              </a:spcAft>
               <a:buNone/>
             </a:pPr>
             <a:r>
@@ -1212,7 +1025,7 @@
   <p:cSld>
     <p:spTree>
       <p:nvGrpSpPr>
-        <p:cNvPr id="117" name="Shape 117"/>
+        <p:cNvPr id="118" name="Shape 118"/>
         <p:cNvGrpSpPr/>
         <p:nvPr/>
       </p:nvGrpSpPr>
@@ -1226,7 +1039,7 @@
       </p:grpSpPr>
       <p:sp>
         <p:nvSpPr>
-          <p:cNvPr id="118" name="Google Shape;118;p11:notes"/>
+          <p:cNvPr id="119" name="Google Shape;119;g3b8ae9ccc97_0_18:notes"/>
           <p:cNvSpPr/>
           <p:nvPr>
             <p:ph idx="2" type="sldImg"/>
@@ -1257,21 +1070,11 @@
               </a:path>
             </a:pathLst>
           </a:custGeom>
-          <a:noFill/>
-          <a:ln cap="flat" cmpd="sng" w="9525">
-            <a:solidFill>
-              <a:srgbClr val="000000"/>
-            </a:solidFill>
-            <a:prstDash val="solid"/>
-            <a:round/>
-            <a:headEnd len="sm" w="sm" type="none"/>
-            <a:tailEnd len="sm" w="sm" type="none"/>
-          </a:ln>
         </p:spPr>
       </p:sp>
       <p:sp>
         <p:nvSpPr>
-          <p:cNvPr id="119" name="Google Shape;119;p11:notes"/>
+          <p:cNvPr id="120" name="Google Shape;120;g3b8ae9ccc97_0_18:notes"/>
           <p:cNvSpPr txBox="1"/>
           <p:nvPr>
             <p:ph idx="1" type="body"/>
@@ -1285,10 +1088,6 @@
           <a:prstGeom prst="rect">
             <a:avLst/>
           </a:prstGeom>
-          <a:noFill/>
-          <a:ln>
-            <a:noFill/>
-          </a:ln>
         </p:spPr>
         <p:txBody>
           <a:bodyPr anchorCtr="0" anchor="t" bIns="91425" lIns="91425" spcFirstLastPara="1" rIns="91425" wrap="square" tIns="91425">
@@ -1297,16 +1096,12 @@
           <a:lstStyle/>
           <a:p>
             <a:pPr indent="0" lvl="0" marL="0" rtl="0" algn="l">
-              <a:lnSpc>
-                <a:spcPct val="100000"/>
-              </a:lnSpc>
-              <a:spcBef>
-                <a:spcPts val="0"/>
-              </a:spcBef>
-              <a:spcAft>
-                <a:spcPts val="0"/>
-              </a:spcAft>
-              <a:buSzPts val="1100"/>
+              <a:spcBef>
+                <a:spcPts val="0"/>
+              </a:spcBef>
+              <a:spcAft>
+                <a:spcPts val="0"/>
+              </a:spcAft>
               <a:buNone/>
             </a:pPr>
             <a:r>
@@ -1329,7 +1124,7 @@
   <p:cSld>
     <p:spTree>
       <p:nvGrpSpPr>
-        <p:cNvPr id="123" name="Shape 123"/>
+        <p:cNvPr id="124" name="Shape 124"/>
         <p:cNvGrpSpPr/>
         <p:nvPr/>
       </p:nvGrpSpPr>
@@ -1343,7 +1138,7 @@
       </p:grpSpPr>
       <p:sp>
         <p:nvSpPr>
-          <p:cNvPr id="124" name="Google Shape;124;p12:notes"/>
+          <p:cNvPr id="125" name="Google Shape;125;g3b85965834c_0_0:notes"/>
           <p:cNvSpPr/>
           <p:nvPr>
             <p:ph idx="2" type="sldImg"/>
@@ -1374,21 +1169,11 @@
               </a:path>
             </a:pathLst>
           </a:custGeom>
-          <a:noFill/>
-          <a:ln cap="flat" cmpd="sng" w="9525">
-            <a:solidFill>
-              <a:srgbClr val="000000"/>
-            </a:solidFill>
-            <a:prstDash val="solid"/>
-            <a:round/>
-            <a:headEnd len="sm" w="sm" type="none"/>
-            <a:tailEnd len="sm" w="sm" type="none"/>
-          </a:ln>
         </p:spPr>
       </p:sp>
       <p:sp>
         <p:nvSpPr>
-          <p:cNvPr id="125" name="Google Shape;125;p12:notes"/>
+          <p:cNvPr id="126" name="Google Shape;126;g3b85965834c_0_0:notes"/>
           <p:cNvSpPr txBox="1"/>
           <p:nvPr>
             <p:ph idx="1" type="body"/>
@@ -1402,10 +1187,6 @@
           <a:prstGeom prst="rect">
             <a:avLst/>
           </a:prstGeom>
-          <a:noFill/>
-          <a:ln>
-            <a:noFill/>
-          </a:ln>
         </p:spPr>
         <p:txBody>
           <a:bodyPr anchorCtr="0" anchor="t" bIns="91425" lIns="91425" spcFirstLastPara="1" rIns="91425" wrap="square" tIns="91425">
@@ -1414,16 +1195,12 @@
           <a:lstStyle/>
           <a:p>
             <a:pPr indent="0" lvl="0" marL="0" rtl="0" algn="l">
-              <a:lnSpc>
-                <a:spcPct val="100000"/>
-              </a:lnSpc>
-              <a:spcBef>
-                <a:spcPts val="0"/>
-              </a:spcBef>
-              <a:spcAft>
-                <a:spcPts val="0"/>
-              </a:spcAft>
-              <a:buSzPts val="1100"/>
+              <a:spcBef>
+                <a:spcPts val="0"/>
+              </a:spcBef>
+              <a:spcAft>
+                <a:spcPts val="0"/>
+              </a:spcAft>
               <a:buNone/>
             </a:pPr>
             <a:r>
@@ -1446,7 +1223,7 @@
   <p:cSld>
     <p:spTree>
       <p:nvGrpSpPr>
-        <p:cNvPr id="129" name="Shape 129"/>
+        <p:cNvPr id="130" name="Shape 130"/>
         <p:cNvGrpSpPr/>
         <p:nvPr/>
       </p:nvGrpSpPr>
@@ -1460,7 +1237,7 @@
       </p:grpSpPr>
       <p:sp>
         <p:nvSpPr>
-          <p:cNvPr id="130" name="Google Shape;130;p13:notes"/>
+          <p:cNvPr id="131" name="Google Shape;131;g3b8ae9ccc97_0_0:notes"/>
           <p:cNvSpPr/>
           <p:nvPr>
             <p:ph idx="2" type="sldImg"/>
@@ -1491,21 +1268,11 @@
               </a:path>
             </a:pathLst>
           </a:custGeom>
-          <a:noFill/>
-          <a:ln cap="flat" cmpd="sng" w="9525">
-            <a:solidFill>
-              <a:srgbClr val="000000"/>
-            </a:solidFill>
-            <a:prstDash val="solid"/>
-            <a:round/>
-            <a:headEnd len="sm" w="sm" type="none"/>
-            <a:tailEnd len="sm" w="sm" type="none"/>
-          </a:ln>
         </p:spPr>
       </p:sp>
       <p:sp>
         <p:nvSpPr>
-          <p:cNvPr id="131" name="Google Shape;131;p13:notes"/>
+          <p:cNvPr id="132" name="Google Shape;132;g3b8ae9ccc97_0_0:notes"/>
           <p:cNvSpPr txBox="1"/>
           <p:nvPr>
             <p:ph idx="1" type="body"/>
@@ -1519,10 +1286,6 @@
           <a:prstGeom prst="rect">
             <a:avLst/>
           </a:prstGeom>
-          <a:noFill/>
-          <a:ln>
-            <a:noFill/>
-          </a:ln>
         </p:spPr>
         <p:txBody>
           <a:bodyPr anchorCtr="0" anchor="t" bIns="91425" lIns="91425" spcFirstLastPara="1" rIns="91425" wrap="square" tIns="91425">
@@ -1531,16 +1294,12 @@
           <a:lstStyle/>
           <a:p>
             <a:pPr indent="0" lvl="0" marL="0" rtl="0" algn="l">
-              <a:lnSpc>
-                <a:spcPct val="100000"/>
-              </a:lnSpc>
-              <a:spcBef>
-                <a:spcPts val="0"/>
-              </a:spcBef>
-              <a:spcAft>
-                <a:spcPts val="0"/>
-              </a:spcAft>
-              <a:buSzPts val="1100"/>
+              <a:spcBef>
+                <a:spcPts val="0"/>
+              </a:spcBef>
+              <a:spcAft>
+                <a:spcPts val="0"/>
+              </a:spcAft>
               <a:buNone/>
             </a:pPr>
             <a:r>
@@ -1563,7 +1322,7 @@
   <p:cSld>
     <p:spTree>
       <p:nvGrpSpPr>
-        <p:cNvPr id="135" name="Shape 135"/>
+        <p:cNvPr id="136" name="Shape 136"/>
         <p:cNvGrpSpPr/>
         <p:nvPr/>
       </p:nvGrpSpPr>
@@ -1577,7 +1336,7 @@
       </p:grpSpPr>
       <p:sp>
         <p:nvSpPr>
-          <p:cNvPr id="136" name="Google Shape;136;p14:notes"/>
+          <p:cNvPr id="137" name="Google Shape;137;g3b8ae9ccc97_0_8:notes"/>
           <p:cNvSpPr/>
           <p:nvPr>
             <p:ph idx="2" type="sldImg"/>
@@ -1608,21 +1367,11 @@
               </a:path>
             </a:pathLst>
           </a:custGeom>
-          <a:noFill/>
-          <a:ln cap="flat" cmpd="sng" w="9525">
-            <a:solidFill>
-              <a:srgbClr val="000000"/>
-            </a:solidFill>
-            <a:prstDash val="solid"/>
-            <a:round/>
-            <a:headEnd len="sm" w="sm" type="none"/>
-            <a:tailEnd len="sm" w="sm" type="none"/>
-          </a:ln>
         </p:spPr>
       </p:sp>
       <p:sp>
         <p:nvSpPr>
-          <p:cNvPr id="137" name="Google Shape;137;p14:notes"/>
+          <p:cNvPr id="138" name="Google Shape;138;g3b8ae9ccc97_0_8:notes"/>
           <p:cNvSpPr txBox="1"/>
           <p:nvPr>
             <p:ph idx="1" type="body"/>
@@ -1636,10 +1385,6 @@
           <a:prstGeom prst="rect">
             <a:avLst/>
           </a:prstGeom>
-          <a:noFill/>
-          <a:ln>
-            <a:noFill/>
-          </a:ln>
         </p:spPr>
         <p:txBody>
           <a:bodyPr anchorCtr="0" anchor="t" bIns="91425" lIns="91425" spcFirstLastPara="1" rIns="91425" wrap="square" tIns="91425">
@@ -1648,250 +1393,12 @@
           <a:lstStyle/>
           <a:p>
             <a:pPr indent="0" lvl="0" marL="0" rtl="0" algn="l">
-              <a:lnSpc>
-                <a:spcPct val="100000"/>
-              </a:lnSpc>
-              <a:spcBef>
-                <a:spcPts val="0"/>
-              </a:spcBef>
-              <a:spcAft>
-                <a:spcPts val="0"/>
-              </a:spcAft>
-              <a:buSzPts val="1100"/>
-              <a:buNone/>
-            </a:pPr>
-            <a:r>
-              <a:t/>
-            </a:r>
-            <a:endParaRPr/>
-          </a:p>
-        </p:txBody>
-      </p:sp>
-    </p:spTree>
-  </p:cSld>
-  <p:clrMapOvr>
-    <a:masterClrMapping/>
-  </p:clrMapOvr>
-</p:notes>
-</file>
-
-<file path=ppt/notesSlides/notesSlide16.xml><?xml version="1.0" encoding="utf-8"?>
-<p:notes xmlns:a="http://schemas.openxmlformats.org/drawingml/2006/main" xmlns:r="http://schemas.openxmlformats.org/officeDocument/2006/relationships" xmlns:mc="http://schemas.openxmlformats.org/markup-compatibility/2006" xmlns:mv="urn:schemas-microsoft-com:mac:vml" xmlns:p="http://schemas.openxmlformats.org/presentationml/2006/main" xmlns:c="http://schemas.openxmlformats.org/drawingml/2006/chart" xmlns:dgm="http://schemas.openxmlformats.org/drawingml/2006/diagram" xmlns:o="urn:schemas-microsoft-com:office:office" xmlns:v="urn:schemas-microsoft-com:vml" xmlns:pvml="urn:schemas-microsoft-com:office:powerpoint" xmlns:com="http://schemas.openxmlformats.org/drawingml/2006/compatibility" xmlns:p14="http://schemas.microsoft.com/office/powerpoint/2010/main" xmlns:p15="http://schemas.microsoft.com/office/powerpoint/2012/main" xmlns:ahyp="http://schemas.microsoft.com/office/drawing/2018/hyperlinkcolor" showMasterPhAnim="0" showMasterSp="0">
-  <p:cSld>
-    <p:spTree>
-      <p:nvGrpSpPr>
-        <p:cNvPr id="141" name="Shape 141"/>
-        <p:cNvGrpSpPr/>
-        <p:nvPr/>
-      </p:nvGrpSpPr>
-      <p:grpSpPr>
-        <a:xfrm>
-          <a:off x="0" y="0"/>
-          <a:ext cx="0" cy="0"/>
-          <a:chOff x="0" y="0"/>
-          <a:chExt cx="0" cy="0"/>
-        </a:xfrm>
-      </p:grpSpPr>
-      <p:sp>
-        <p:nvSpPr>
-          <p:cNvPr id="142" name="Google Shape;142;g3bc573f6356_0_53:notes"/>
-          <p:cNvSpPr/>
-          <p:nvPr>
-            <p:ph idx="2" type="sldImg"/>
-          </p:nvPr>
-        </p:nvSpPr>
-        <p:spPr>
-          <a:xfrm>
-            <a:off x="381300" y="685800"/>
-            <a:ext cx="6096000" cy="3429000"/>
-          </a:xfrm>
-          <a:custGeom>
-            <a:rect b="b" l="l" r="r" t="t"/>
-            <a:pathLst>
-              <a:path extrusionOk="0" h="120000" w="120000">
-                <a:moveTo>
-                  <a:pt x="0" y="0"/>
-                </a:moveTo>
-                <a:lnTo>
-                  <a:pt x="120000" y="0"/>
-                </a:lnTo>
-                <a:lnTo>
-                  <a:pt x="120000" y="120000"/>
-                </a:lnTo>
-                <a:lnTo>
-                  <a:pt x="0" y="120000"/>
-                </a:lnTo>
-                <a:close/>
-              </a:path>
-            </a:pathLst>
-          </a:custGeom>
-          <a:noFill/>
-          <a:ln cap="flat" cmpd="sng" w="9525">
-            <a:solidFill>
-              <a:srgbClr val="000000"/>
-            </a:solidFill>
-            <a:prstDash val="solid"/>
-            <a:round/>
-            <a:headEnd len="sm" w="sm" type="none"/>
-            <a:tailEnd len="sm" w="sm" type="none"/>
-          </a:ln>
-        </p:spPr>
-      </p:sp>
-      <p:sp>
-        <p:nvSpPr>
-          <p:cNvPr id="143" name="Google Shape;143;g3bc573f6356_0_53:notes"/>
-          <p:cNvSpPr txBox="1"/>
-          <p:nvPr>
-            <p:ph idx="1" type="body"/>
-          </p:nvPr>
-        </p:nvSpPr>
-        <p:spPr>
-          <a:xfrm>
-            <a:off x="685800" y="4343400"/>
-            <a:ext cx="5486400" cy="4114800"/>
-          </a:xfrm>
-          <a:prstGeom prst="rect">
-            <a:avLst/>
-          </a:prstGeom>
-          <a:noFill/>
-          <a:ln>
-            <a:noFill/>
-          </a:ln>
-        </p:spPr>
-        <p:txBody>
-          <a:bodyPr anchorCtr="0" anchor="t" bIns="91425" lIns="91425" spcFirstLastPara="1" rIns="91425" wrap="square" tIns="91425">
-            <a:noAutofit/>
-          </a:bodyPr>
-          <a:lstStyle/>
-          <a:p>
-            <a:pPr indent="0" lvl="0" marL="0" rtl="0" algn="l">
-              <a:lnSpc>
-                <a:spcPct val="100000"/>
-              </a:lnSpc>
-              <a:spcBef>
-                <a:spcPts val="0"/>
-              </a:spcBef>
-              <a:spcAft>
-                <a:spcPts val="0"/>
-              </a:spcAft>
-              <a:buSzPts val="1100"/>
-              <a:buNone/>
-            </a:pPr>
-            <a:r>
-              <a:t/>
-            </a:r>
-            <a:endParaRPr/>
-          </a:p>
-        </p:txBody>
-      </p:sp>
-    </p:spTree>
-  </p:cSld>
-  <p:clrMapOvr>
-    <a:masterClrMapping/>
-  </p:clrMapOvr>
-</p:notes>
-</file>
-
-<file path=ppt/notesSlides/notesSlide17.xml><?xml version="1.0" encoding="utf-8"?>
-<p:notes xmlns:a="http://schemas.openxmlformats.org/drawingml/2006/main" xmlns:r="http://schemas.openxmlformats.org/officeDocument/2006/relationships" xmlns:mc="http://schemas.openxmlformats.org/markup-compatibility/2006" xmlns:mv="urn:schemas-microsoft-com:mac:vml" xmlns:p="http://schemas.openxmlformats.org/presentationml/2006/main" xmlns:c="http://schemas.openxmlformats.org/drawingml/2006/chart" xmlns:dgm="http://schemas.openxmlformats.org/drawingml/2006/diagram" xmlns:o="urn:schemas-microsoft-com:office:office" xmlns:v="urn:schemas-microsoft-com:vml" xmlns:pvml="urn:schemas-microsoft-com:office:powerpoint" xmlns:com="http://schemas.openxmlformats.org/drawingml/2006/compatibility" xmlns:p14="http://schemas.microsoft.com/office/powerpoint/2010/main" xmlns:p15="http://schemas.microsoft.com/office/powerpoint/2012/main" xmlns:ahyp="http://schemas.microsoft.com/office/drawing/2018/hyperlinkcolor" showMasterPhAnim="0" showMasterSp="0">
-  <p:cSld>
-    <p:spTree>
-      <p:nvGrpSpPr>
-        <p:cNvPr id="145" name="Shape 145"/>
-        <p:cNvGrpSpPr/>
-        <p:nvPr/>
-      </p:nvGrpSpPr>
-      <p:grpSpPr>
-        <a:xfrm>
-          <a:off x="0" y="0"/>
-          <a:ext cx="0" cy="0"/>
-          <a:chOff x="0" y="0"/>
-          <a:chExt cx="0" cy="0"/>
-        </a:xfrm>
-      </p:grpSpPr>
-      <p:sp>
-        <p:nvSpPr>
-          <p:cNvPr id="146" name="Google Shape;146;p15:notes"/>
-          <p:cNvSpPr/>
-          <p:nvPr>
-            <p:ph idx="2" type="sldImg"/>
-          </p:nvPr>
-        </p:nvSpPr>
-        <p:spPr>
-          <a:xfrm>
-            <a:off x="381300" y="685800"/>
-            <a:ext cx="6096000" cy="3429000"/>
-          </a:xfrm>
-          <a:custGeom>
-            <a:rect b="b" l="l" r="r" t="t"/>
-            <a:pathLst>
-              <a:path extrusionOk="0" h="120000" w="120000">
-                <a:moveTo>
-                  <a:pt x="0" y="0"/>
-                </a:moveTo>
-                <a:lnTo>
-                  <a:pt x="120000" y="0"/>
-                </a:lnTo>
-                <a:lnTo>
-                  <a:pt x="120000" y="120000"/>
-                </a:lnTo>
-                <a:lnTo>
-                  <a:pt x="0" y="120000"/>
-                </a:lnTo>
-                <a:close/>
-              </a:path>
-            </a:pathLst>
-          </a:custGeom>
-          <a:noFill/>
-          <a:ln cap="flat" cmpd="sng" w="9525">
-            <a:solidFill>
-              <a:srgbClr val="000000"/>
-            </a:solidFill>
-            <a:prstDash val="solid"/>
-            <a:round/>
-            <a:headEnd len="sm" w="sm" type="none"/>
-            <a:tailEnd len="sm" w="sm" type="none"/>
-          </a:ln>
-        </p:spPr>
-      </p:sp>
-      <p:sp>
-        <p:nvSpPr>
-          <p:cNvPr id="147" name="Google Shape;147;p15:notes"/>
-          <p:cNvSpPr txBox="1"/>
-          <p:nvPr>
-            <p:ph idx="1" type="body"/>
-          </p:nvPr>
-        </p:nvSpPr>
-        <p:spPr>
-          <a:xfrm>
-            <a:off x="685800" y="4343400"/>
-            <a:ext cx="5486400" cy="4114800"/>
-          </a:xfrm>
-          <a:prstGeom prst="rect">
-            <a:avLst/>
-          </a:prstGeom>
-          <a:noFill/>
-          <a:ln>
-            <a:noFill/>
-          </a:ln>
-        </p:spPr>
-        <p:txBody>
-          <a:bodyPr anchorCtr="0" anchor="t" bIns="91425" lIns="91425" spcFirstLastPara="1" rIns="91425" wrap="square" tIns="91425">
-            <a:noAutofit/>
-          </a:bodyPr>
-          <a:lstStyle/>
-          <a:p>
-            <a:pPr indent="0" lvl="0" marL="0" rtl="0" algn="l">
-              <a:lnSpc>
-                <a:spcPct val="100000"/>
-              </a:lnSpc>
-              <a:spcBef>
-                <a:spcPts val="0"/>
-              </a:spcBef>
-              <a:spcAft>
-                <a:spcPts val="0"/>
-              </a:spcAft>
-              <a:buSzPts val="1100"/>
+              <a:spcBef>
+                <a:spcPts val="0"/>
+              </a:spcBef>
+              <a:spcAft>
+                <a:spcPts val="0"/>
+              </a:spcAft>
               <a:buNone/>
             </a:pPr>
             <a:r>
@@ -1928,7 +1435,7 @@
       </p:grpSpPr>
       <p:sp>
         <p:nvSpPr>
-          <p:cNvPr id="57" name="Google Shape;57;p2:notes"/>
+          <p:cNvPr id="57" name="Google Shape;57;g3bc561d1388_1_0:notes"/>
           <p:cNvSpPr/>
           <p:nvPr>
             <p:ph idx="2" type="sldImg"/>
@@ -1959,21 +1466,11 @@
               </a:path>
             </a:pathLst>
           </a:custGeom>
-          <a:noFill/>
-          <a:ln cap="flat" cmpd="sng" w="9525">
-            <a:solidFill>
-              <a:srgbClr val="000000"/>
-            </a:solidFill>
-            <a:prstDash val="solid"/>
-            <a:round/>
-            <a:headEnd len="sm" w="sm" type="none"/>
-            <a:tailEnd len="sm" w="sm" type="none"/>
-          </a:ln>
         </p:spPr>
       </p:sp>
       <p:sp>
         <p:nvSpPr>
-          <p:cNvPr id="58" name="Google Shape;58;p2:notes"/>
+          <p:cNvPr id="58" name="Google Shape;58;g3bc561d1388_1_0:notes"/>
           <p:cNvSpPr txBox="1"/>
           <p:nvPr>
             <p:ph idx="1" type="body"/>
@@ -1987,10 +1484,6 @@
           <a:prstGeom prst="rect">
             <a:avLst/>
           </a:prstGeom>
-          <a:noFill/>
-          <a:ln>
-            <a:noFill/>
-          </a:ln>
         </p:spPr>
         <p:txBody>
           <a:bodyPr anchorCtr="0" anchor="t" bIns="91425" lIns="91425" spcFirstLastPara="1" rIns="91425" wrap="square" tIns="91425">
@@ -1999,16 +1492,12 @@
           <a:lstStyle/>
           <a:p>
             <a:pPr indent="0" lvl="0" marL="0" rtl="0" algn="l">
-              <a:lnSpc>
-                <a:spcPct val="100000"/>
-              </a:lnSpc>
-              <a:spcBef>
-                <a:spcPts val="0"/>
-              </a:spcBef>
-              <a:spcAft>
-                <a:spcPts val="0"/>
-              </a:spcAft>
-              <a:buSzPts val="1100"/>
+              <a:spcBef>
+                <a:spcPts val="0"/>
+              </a:spcBef>
+              <a:spcAft>
+                <a:spcPts val="0"/>
+              </a:spcAft>
               <a:buNone/>
             </a:pPr>
             <a:r>
@@ -2045,7 +1534,7 @@
       </p:grpSpPr>
       <p:sp>
         <p:nvSpPr>
-          <p:cNvPr id="63" name="Google Shape;63;g3bc573f6356_0_45:notes"/>
+          <p:cNvPr id="63" name="Google Shape;63;g3bc561d1388_1_11:notes"/>
           <p:cNvSpPr/>
           <p:nvPr>
             <p:ph idx="2" type="sldImg"/>
@@ -2076,21 +1565,11 @@
               </a:path>
             </a:pathLst>
           </a:custGeom>
-          <a:noFill/>
-          <a:ln cap="flat" cmpd="sng" w="9525">
-            <a:solidFill>
-              <a:srgbClr val="000000"/>
-            </a:solidFill>
-            <a:prstDash val="solid"/>
-            <a:round/>
-            <a:headEnd len="sm" w="sm" type="none"/>
-            <a:tailEnd len="sm" w="sm" type="none"/>
-          </a:ln>
         </p:spPr>
       </p:sp>
       <p:sp>
         <p:nvSpPr>
-          <p:cNvPr id="64" name="Google Shape;64;g3bc573f6356_0_45:notes"/>
+          <p:cNvPr id="64" name="Google Shape;64;g3bc561d1388_1_11:notes"/>
           <p:cNvSpPr txBox="1"/>
           <p:nvPr>
             <p:ph idx="1" type="body"/>
@@ -2104,10 +1583,6 @@
           <a:prstGeom prst="rect">
             <a:avLst/>
           </a:prstGeom>
-          <a:noFill/>
-          <a:ln>
-            <a:noFill/>
-          </a:ln>
         </p:spPr>
         <p:txBody>
           <a:bodyPr anchorCtr="0" anchor="t" bIns="91425" lIns="91425" spcFirstLastPara="1" rIns="91425" wrap="square" tIns="91425">
@@ -2116,16 +1591,12 @@
           <a:lstStyle/>
           <a:p>
             <a:pPr indent="0" lvl="0" marL="0" rtl="0" algn="l">
-              <a:lnSpc>
-                <a:spcPct val="100000"/>
-              </a:lnSpc>
-              <a:spcBef>
-                <a:spcPts val="0"/>
-              </a:spcBef>
-              <a:spcAft>
-                <a:spcPts val="0"/>
-              </a:spcAft>
-              <a:buSzPts val="1100"/>
+              <a:spcBef>
+                <a:spcPts val="0"/>
+              </a:spcBef>
+              <a:spcAft>
+                <a:spcPts val="0"/>
+              </a:spcAft>
               <a:buNone/>
             </a:pPr>
             <a:r>
@@ -2162,7 +1633,7 @@
       </p:grpSpPr>
       <p:sp>
         <p:nvSpPr>
-          <p:cNvPr id="69" name="Google Shape;69;p3:notes"/>
+          <p:cNvPr id="69" name="Google Shape;69;p:notes"/>
           <p:cNvSpPr/>
           <p:nvPr>
             <p:ph idx="2" type="sldImg"/>
@@ -2171,7 +1642,7 @@
         <p:spPr>
           <a:xfrm>
             <a:off x="381300" y="685800"/>
-            <a:ext cx="6096000" cy="3429000"/>
+            <a:ext cx="6096075" cy="3429000"/>
           </a:xfrm>
           <a:custGeom>
             <a:rect b="b" l="l" r="r" t="t"/>
@@ -2193,21 +1664,11 @@
               </a:path>
             </a:pathLst>
           </a:custGeom>
-          <a:noFill/>
-          <a:ln cap="flat" cmpd="sng" w="9525">
-            <a:solidFill>
-              <a:srgbClr val="000000"/>
-            </a:solidFill>
-            <a:prstDash val="solid"/>
-            <a:round/>
-            <a:headEnd len="sm" w="sm" type="none"/>
-            <a:tailEnd len="sm" w="sm" type="none"/>
-          </a:ln>
         </p:spPr>
       </p:sp>
       <p:sp>
         <p:nvSpPr>
-          <p:cNvPr id="70" name="Google Shape;70;p3:notes"/>
+          <p:cNvPr id="70" name="Google Shape;70;p:notes"/>
           <p:cNvSpPr txBox="1"/>
           <p:nvPr>
             <p:ph idx="1" type="body"/>
@@ -2221,10 +1682,6 @@
           <a:prstGeom prst="rect">
             <a:avLst/>
           </a:prstGeom>
-          <a:noFill/>
-          <a:ln>
-            <a:noFill/>
-          </a:ln>
         </p:spPr>
         <p:txBody>
           <a:bodyPr anchorCtr="0" anchor="t" bIns="91425" lIns="91425" spcFirstLastPara="1" rIns="91425" wrap="square" tIns="91425">
@@ -2233,16 +1690,12 @@
           <a:lstStyle/>
           <a:p>
             <a:pPr indent="0" lvl="0" marL="0" rtl="0" algn="l">
-              <a:lnSpc>
-                <a:spcPct val="100000"/>
-              </a:lnSpc>
-              <a:spcBef>
-                <a:spcPts val="0"/>
-              </a:spcBef>
-              <a:spcAft>
-                <a:spcPts val="0"/>
-              </a:spcAft>
-              <a:buSzPts val="1100"/>
+              <a:spcBef>
+                <a:spcPts val="0"/>
+              </a:spcBef>
+              <a:spcAft>
+                <a:spcPts val="0"/>
+              </a:spcAft>
               <a:buNone/>
             </a:pPr>
             <a:r>
@@ -2279,124 +1732,7 @@
       </p:grpSpPr>
       <p:sp>
         <p:nvSpPr>
-          <p:cNvPr id="75" name="Google Shape;75;p4:notes"/>
-          <p:cNvSpPr/>
-          <p:nvPr>
-            <p:ph idx="2" type="sldImg"/>
-          </p:nvPr>
-        </p:nvSpPr>
-        <p:spPr>
-          <a:xfrm>
-            <a:off x="381300" y="685800"/>
-            <a:ext cx="6096075" cy="3429000"/>
-          </a:xfrm>
-          <a:custGeom>
-            <a:rect b="b" l="l" r="r" t="t"/>
-            <a:pathLst>
-              <a:path extrusionOk="0" h="120000" w="120000">
-                <a:moveTo>
-                  <a:pt x="0" y="0"/>
-                </a:moveTo>
-                <a:lnTo>
-                  <a:pt x="120000" y="0"/>
-                </a:lnTo>
-                <a:lnTo>
-                  <a:pt x="120000" y="120000"/>
-                </a:lnTo>
-                <a:lnTo>
-                  <a:pt x="0" y="120000"/>
-                </a:lnTo>
-                <a:close/>
-              </a:path>
-            </a:pathLst>
-          </a:custGeom>
-          <a:noFill/>
-          <a:ln cap="flat" cmpd="sng" w="9525">
-            <a:solidFill>
-              <a:srgbClr val="000000"/>
-            </a:solidFill>
-            <a:prstDash val="solid"/>
-            <a:round/>
-            <a:headEnd len="sm" w="sm" type="none"/>
-            <a:tailEnd len="sm" w="sm" type="none"/>
-          </a:ln>
-        </p:spPr>
-      </p:sp>
-      <p:sp>
-        <p:nvSpPr>
-          <p:cNvPr id="76" name="Google Shape;76;p4:notes"/>
-          <p:cNvSpPr txBox="1"/>
-          <p:nvPr>
-            <p:ph idx="1" type="body"/>
-          </p:nvPr>
-        </p:nvSpPr>
-        <p:spPr>
-          <a:xfrm>
-            <a:off x="685800" y="4343400"/>
-            <a:ext cx="5486400" cy="4114800"/>
-          </a:xfrm>
-          <a:prstGeom prst="rect">
-            <a:avLst/>
-          </a:prstGeom>
-          <a:noFill/>
-          <a:ln>
-            <a:noFill/>
-          </a:ln>
-        </p:spPr>
-        <p:txBody>
-          <a:bodyPr anchorCtr="0" anchor="t" bIns="91425" lIns="91425" spcFirstLastPara="1" rIns="91425" wrap="square" tIns="91425">
-            <a:noAutofit/>
-          </a:bodyPr>
-          <a:lstStyle/>
-          <a:p>
-            <a:pPr indent="0" lvl="0" marL="0" rtl="0" algn="l">
-              <a:lnSpc>
-                <a:spcPct val="100000"/>
-              </a:lnSpc>
-              <a:spcBef>
-                <a:spcPts val="0"/>
-              </a:spcBef>
-              <a:spcAft>
-                <a:spcPts val="0"/>
-              </a:spcAft>
-              <a:buSzPts val="1100"/>
-              <a:buNone/>
-            </a:pPr>
-            <a:r>
-              <a:t/>
-            </a:r>
-            <a:endParaRPr/>
-          </a:p>
-        </p:txBody>
-      </p:sp>
-    </p:spTree>
-  </p:cSld>
-  <p:clrMapOvr>
-    <a:masterClrMapping/>
-  </p:clrMapOvr>
-</p:notes>
-</file>
-
-<file path=ppt/notesSlides/notesSlide6.xml><?xml version="1.0" encoding="utf-8"?>
-<p:notes xmlns:a="http://schemas.openxmlformats.org/drawingml/2006/main" xmlns:r="http://schemas.openxmlformats.org/officeDocument/2006/relationships" xmlns:mc="http://schemas.openxmlformats.org/markup-compatibility/2006" xmlns:mv="urn:schemas-microsoft-com:mac:vml" xmlns:p="http://schemas.openxmlformats.org/presentationml/2006/main" xmlns:c="http://schemas.openxmlformats.org/drawingml/2006/chart" xmlns:dgm="http://schemas.openxmlformats.org/drawingml/2006/diagram" xmlns:o="urn:schemas-microsoft-com:office:office" xmlns:v="urn:schemas-microsoft-com:vml" xmlns:pvml="urn:schemas-microsoft-com:office:powerpoint" xmlns:com="http://schemas.openxmlformats.org/drawingml/2006/compatibility" xmlns:p14="http://schemas.microsoft.com/office/powerpoint/2010/main" xmlns:p15="http://schemas.microsoft.com/office/powerpoint/2012/main" xmlns:ahyp="http://schemas.microsoft.com/office/drawing/2018/hyperlinkcolor" showMasterPhAnim="0" showMasterSp="0">
-  <p:cSld>
-    <p:spTree>
-      <p:nvGrpSpPr>
-        <p:cNvPr id="79" name="Shape 79"/>
-        <p:cNvGrpSpPr/>
-        <p:nvPr/>
-      </p:nvGrpSpPr>
-      <p:grpSpPr>
-        <a:xfrm>
-          <a:off x="0" y="0"/>
-          <a:ext cx="0" cy="0"/>
-          <a:chOff x="0" y="0"/>
-          <a:chExt cx="0" cy="0"/>
-        </a:xfrm>
-      </p:grpSpPr>
-      <p:sp>
-        <p:nvSpPr>
-          <p:cNvPr id="80" name="Google Shape;80;p5:notes"/>
+          <p:cNvPr id="75" name="Google Shape;75;g3b91bbe028e_0_8:notes"/>
           <p:cNvSpPr/>
           <p:nvPr>
             <p:ph idx="2" type="sldImg"/>
@@ -2427,21 +1763,11 @@
               </a:path>
             </a:pathLst>
           </a:custGeom>
-          <a:noFill/>
-          <a:ln cap="flat" cmpd="sng" w="9525">
-            <a:solidFill>
-              <a:srgbClr val="000000"/>
-            </a:solidFill>
-            <a:prstDash val="solid"/>
-            <a:round/>
-            <a:headEnd len="sm" w="sm" type="none"/>
-            <a:tailEnd len="sm" w="sm" type="none"/>
-          </a:ln>
         </p:spPr>
       </p:sp>
       <p:sp>
         <p:nvSpPr>
-          <p:cNvPr id="81" name="Google Shape;81;p5:notes"/>
+          <p:cNvPr id="76" name="Google Shape;76;g3b91bbe028e_0_8:notes"/>
           <p:cNvSpPr txBox="1"/>
           <p:nvPr>
             <p:ph idx="1" type="body"/>
@@ -2455,10 +1781,6 @@
           <a:prstGeom prst="rect">
             <a:avLst/>
           </a:prstGeom>
-          <a:noFill/>
-          <a:ln>
-            <a:noFill/>
-          </a:ln>
         </p:spPr>
         <p:txBody>
           <a:bodyPr anchorCtr="0" anchor="t" bIns="91425" lIns="91425" spcFirstLastPara="1" rIns="91425" wrap="square" tIns="91425">
@@ -2467,16 +1789,12 @@
           <a:lstStyle/>
           <a:p>
             <a:pPr indent="0" lvl="0" marL="0" rtl="0" algn="l">
-              <a:lnSpc>
-                <a:spcPct val="100000"/>
-              </a:lnSpc>
-              <a:spcBef>
-                <a:spcPts val="0"/>
-              </a:spcBef>
-              <a:spcAft>
-                <a:spcPts val="0"/>
-              </a:spcAft>
-              <a:buSzPts val="1100"/>
+              <a:spcBef>
+                <a:spcPts val="0"/>
+              </a:spcBef>
+              <a:spcAft>
+                <a:spcPts val="0"/>
+              </a:spcAft>
               <a:buNone/>
             </a:pPr>
             <a:r>
@@ -2494,12 +1812,12 @@
 </p:notes>
 </file>
 
-<file path=ppt/notesSlides/notesSlide7.xml><?xml version="1.0" encoding="utf-8"?>
+<file path=ppt/notesSlides/notesSlide6.xml><?xml version="1.0" encoding="utf-8"?>
 <p:notes xmlns:a="http://schemas.openxmlformats.org/drawingml/2006/main" xmlns:r="http://schemas.openxmlformats.org/officeDocument/2006/relationships" xmlns:mc="http://schemas.openxmlformats.org/markup-compatibility/2006" xmlns:mv="urn:schemas-microsoft-com:mac:vml" xmlns:p="http://schemas.openxmlformats.org/presentationml/2006/main" xmlns:c="http://schemas.openxmlformats.org/drawingml/2006/chart" xmlns:dgm="http://schemas.openxmlformats.org/drawingml/2006/diagram" xmlns:o="urn:schemas-microsoft-com:office:office" xmlns:v="urn:schemas-microsoft-com:vml" xmlns:pvml="urn:schemas-microsoft-com:office:powerpoint" xmlns:com="http://schemas.openxmlformats.org/drawingml/2006/compatibility" xmlns:p14="http://schemas.microsoft.com/office/powerpoint/2010/main" xmlns:p15="http://schemas.microsoft.com/office/powerpoint/2012/main" xmlns:ahyp="http://schemas.microsoft.com/office/drawing/2018/hyperlinkcolor" showMasterPhAnim="0" showMasterSp="0">
   <p:cSld>
     <p:spTree>
       <p:nvGrpSpPr>
-        <p:cNvPr id="85" name="Shape 85"/>
+        <p:cNvPr id="80" name="Shape 80"/>
         <p:cNvGrpSpPr/>
         <p:nvPr/>
       </p:nvGrpSpPr>
@@ -2513,7 +1831,7 @@
       </p:grpSpPr>
       <p:sp>
         <p:nvSpPr>
-          <p:cNvPr id="86" name="Google Shape;86;p6:notes"/>
+          <p:cNvPr id="81" name="Google Shape;81;g3b9def6faeb_0_7:notes"/>
           <p:cNvSpPr/>
           <p:nvPr>
             <p:ph idx="2" type="sldImg"/>
@@ -2544,21 +1862,11 @@
               </a:path>
             </a:pathLst>
           </a:custGeom>
-          <a:noFill/>
-          <a:ln cap="flat" cmpd="sng" w="9525">
-            <a:solidFill>
-              <a:srgbClr val="000000"/>
-            </a:solidFill>
-            <a:prstDash val="solid"/>
-            <a:round/>
-            <a:headEnd len="sm" w="sm" type="none"/>
-            <a:tailEnd len="sm" w="sm" type="none"/>
-          </a:ln>
         </p:spPr>
       </p:sp>
       <p:sp>
         <p:nvSpPr>
-          <p:cNvPr id="87" name="Google Shape;87;p6:notes"/>
+          <p:cNvPr id="82" name="Google Shape;82;g3b9def6faeb_0_7:notes"/>
           <p:cNvSpPr txBox="1"/>
           <p:nvPr>
             <p:ph idx="1" type="body"/>
@@ -2572,10 +1880,6 @@
           <a:prstGeom prst="rect">
             <a:avLst/>
           </a:prstGeom>
-          <a:noFill/>
-          <a:ln>
-            <a:noFill/>
-          </a:ln>
         </p:spPr>
         <p:txBody>
           <a:bodyPr anchorCtr="0" anchor="t" bIns="91425" lIns="91425" spcFirstLastPara="1" rIns="91425" wrap="square" tIns="91425">
@@ -2584,16 +1888,12 @@
           <a:lstStyle/>
           <a:p>
             <a:pPr indent="0" lvl="0" marL="0" rtl="0" algn="l">
-              <a:lnSpc>
-                <a:spcPct val="100000"/>
-              </a:lnSpc>
-              <a:spcBef>
-                <a:spcPts val="0"/>
-              </a:spcBef>
-              <a:spcAft>
-                <a:spcPts val="0"/>
-              </a:spcAft>
-              <a:buSzPts val="1100"/>
+              <a:spcBef>
+                <a:spcPts val="0"/>
+              </a:spcBef>
+              <a:spcAft>
+                <a:spcPts val="0"/>
+              </a:spcAft>
               <a:buNone/>
             </a:pPr>
             <a:r>
@@ -2611,12 +1911,12 @@
 </p:notes>
 </file>
 
-<file path=ppt/notesSlides/notesSlide8.xml><?xml version="1.0" encoding="utf-8"?>
+<file path=ppt/notesSlides/notesSlide7.xml><?xml version="1.0" encoding="utf-8"?>
 <p:notes xmlns:a="http://schemas.openxmlformats.org/drawingml/2006/main" xmlns:r="http://schemas.openxmlformats.org/officeDocument/2006/relationships" xmlns:mc="http://schemas.openxmlformats.org/markup-compatibility/2006" xmlns:mv="urn:schemas-microsoft-com:mac:vml" xmlns:p="http://schemas.openxmlformats.org/presentationml/2006/main" xmlns:c="http://schemas.openxmlformats.org/drawingml/2006/chart" xmlns:dgm="http://schemas.openxmlformats.org/drawingml/2006/diagram" xmlns:o="urn:schemas-microsoft-com:office:office" xmlns:v="urn:schemas-microsoft-com:vml" xmlns:pvml="urn:schemas-microsoft-com:office:powerpoint" xmlns:com="http://schemas.openxmlformats.org/drawingml/2006/compatibility" xmlns:p14="http://schemas.microsoft.com/office/powerpoint/2010/main" xmlns:p15="http://schemas.microsoft.com/office/powerpoint/2012/main" xmlns:ahyp="http://schemas.microsoft.com/office/drawing/2018/hyperlinkcolor" showMasterPhAnim="0" showMasterSp="0">
   <p:cSld>
     <p:spTree>
       <p:nvGrpSpPr>
-        <p:cNvPr id="91" name="Shape 91"/>
+        <p:cNvPr id="86" name="Shape 86"/>
         <p:cNvGrpSpPr/>
         <p:nvPr/>
       </p:nvGrpSpPr>
@@ -2630,7 +1930,7 @@
       </p:grpSpPr>
       <p:sp>
         <p:nvSpPr>
-          <p:cNvPr id="92" name="Google Shape;92;p7:notes"/>
+          <p:cNvPr id="87" name="Google Shape;87;g3bc561d1388_1_17:notes"/>
           <p:cNvSpPr/>
           <p:nvPr>
             <p:ph idx="2" type="sldImg"/>
@@ -2661,21 +1961,11 @@
               </a:path>
             </a:pathLst>
           </a:custGeom>
-          <a:noFill/>
-          <a:ln cap="flat" cmpd="sng" w="9525">
-            <a:solidFill>
-              <a:srgbClr val="000000"/>
-            </a:solidFill>
-            <a:prstDash val="solid"/>
-            <a:round/>
-            <a:headEnd len="sm" w="sm" type="none"/>
-            <a:tailEnd len="sm" w="sm" type="none"/>
-          </a:ln>
         </p:spPr>
       </p:sp>
       <p:sp>
         <p:nvSpPr>
-          <p:cNvPr id="93" name="Google Shape;93;p7:notes"/>
+          <p:cNvPr id="88" name="Google Shape;88;g3bc561d1388_1_17:notes"/>
           <p:cNvSpPr txBox="1"/>
           <p:nvPr>
             <p:ph idx="1" type="body"/>
@@ -2689,10 +1979,6 @@
           <a:prstGeom prst="rect">
             <a:avLst/>
           </a:prstGeom>
-          <a:noFill/>
-          <a:ln>
-            <a:noFill/>
-          </a:ln>
         </p:spPr>
         <p:txBody>
           <a:bodyPr anchorCtr="0" anchor="t" bIns="91425" lIns="91425" spcFirstLastPara="1" rIns="91425" wrap="square" tIns="91425">
@@ -2701,16 +1987,12 @@
           <a:lstStyle/>
           <a:p>
             <a:pPr indent="0" lvl="0" marL="0" rtl="0" algn="l">
-              <a:lnSpc>
-                <a:spcPct val="100000"/>
-              </a:lnSpc>
-              <a:spcBef>
-                <a:spcPts val="0"/>
-              </a:spcBef>
-              <a:spcAft>
-                <a:spcPts val="0"/>
-              </a:spcAft>
-              <a:buSzPts val="1100"/>
+              <a:spcBef>
+                <a:spcPts val="0"/>
+              </a:spcBef>
+              <a:spcAft>
+                <a:spcPts val="0"/>
+              </a:spcAft>
               <a:buNone/>
             </a:pPr>
             <a:r>
@@ -2728,12 +2010,12 @@
 </p:notes>
 </file>
 
-<file path=ppt/notesSlides/notesSlide9.xml><?xml version="1.0" encoding="utf-8"?>
+<file path=ppt/notesSlides/notesSlide8.xml><?xml version="1.0" encoding="utf-8"?>
 <p:notes xmlns:a="http://schemas.openxmlformats.org/drawingml/2006/main" xmlns:r="http://schemas.openxmlformats.org/officeDocument/2006/relationships" xmlns:mc="http://schemas.openxmlformats.org/markup-compatibility/2006" xmlns:mv="urn:schemas-microsoft-com:mac:vml" xmlns:p="http://schemas.openxmlformats.org/presentationml/2006/main" xmlns:c="http://schemas.openxmlformats.org/drawingml/2006/chart" xmlns:dgm="http://schemas.openxmlformats.org/drawingml/2006/diagram" xmlns:o="urn:schemas-microsoft-com:office:office" xmlns:v="urn:schemas-microsoft-com:vml" xmlns:pvml="urn:schemas-microsoft-com:office:powerpoint" xmlns:com="http://schemas.openxmlformats.org/drawingml/2006/compatibility" xmlns:p14="http://schemas.microsoft.com/office/powerpoint/2010/main" xmlns:p15="http://schemas.microsoft.com/office/powerpoint/2012/main" xmlns:ahyp="http://schemas.microsoft.com/office/drawing/2018/hyperlinkcolor" showMasterPhAnim="0" showMasterSp="0">
   <p:cSld>
     <p:spTree>
       <p:nvGrpSpPr>
-        <p:cNvPr id="97" name="Shape 97"/>
+        <p:cNvPr id="92" name="Shape 92"/>
         <p:cNvGrpSpPr/>
         <p:nvPr/>
       </p:nvGrpSpPr>
@@ -2747,7 +2029,7 @@
       </p:grpSpPr>
       <p:sp>
         <p:nvSpPr>
-          <p:cNvPr id="98" name="Google Shape;98;p8:notes"/>
+          <p:cNvPr id="93" name="Google Shape;93;g3b8ae9ccc97_0_29:notes"/>
           <p:cNvSpPr/>
           <p:nvPr>
             <p:ph idx="2" type="sldImg"/>
@@ -2778,21 +2060,11 @@
               </a:path>
             </a:pathLst>
           </a:custGeom>
-          <a:noFill/>
-          <a:ln cap="flat" cmpd="sng" w="9525">
-            <a:solidFill>
-              <a:srgbClr val="000000"/>
-            </a:solidFill>
-            <a:prstDash val="solid"/>
-            <a:round/>
-            <a:headEnd len="sm" w="sm" type="none"/>
-            <a:tailEnd len="sm" w="sm" type="none"/>
-          </a:ln>
         </p:spPr>
       </p:sp>
       <p:sp>
         <p:nvSpPr>
-          <p:cNvPr id="99" name="Google Shape;99;p8:notes"/>
+          <p:cNvPr id="94" name="Google Shape;94;g3b8ae9ccc97_0_29:notes"/>
           <p:cNvSpPr txBox="1"/>
           <p:nvPr>
             <p:ph idx="1" type="body"/>
@@ -2806,10 +2078,6 @@
           <a:prstGeom prst="rect">
             <a:avLst/>
           </a:prstGeom>
-          <a:noFill/>
-          <a:ln>
-            <a:noFill/>
-          </a:ln>
         </p:spPr>
         <p:txBody>
           <a:bodyPr anchorCtr="0" anchor="t" bIns="91425" lIns="91425" spcFirstLastPara="1" rIns="91425" wrap="square" tIns="91425">
@@ -2818,16 +2086,111 @@
           <a:lstStyle/>
           <a:p>
             <a:pPr indent="0" lvl="0" marL="0" rtl="0" algn="l">
-              <a:lnSpc>
-                <a:spcPct val="100000"/>
-              </a:lnSpc>
-              <a:spcBef>
-                <a:spcPts val="0"/>
-              </a:spcBef>
-              <a:spcAft>
-                <a:spcPts val="0"/>
-              </a:spcAft>
-              <a:buSzPts val="1100"/>
+              <a:spcBef>
+                <a:spcPts val="0"/>
+              </a:spcBef>
+              <a:spcAft>
+                <a:spcPts val="0"/>
+              </a:spcAft>
+              <a:buNone/>
+            </a:pPr>
+            <a:r>
+              <a:t/>
+            </a:r>
+            <a:endParaRPr/>
+          </a:p>
+        </p:txBody>
+      </p:sp>
+    </p:spTree>
+  </p:cSld>
+  <p:clrMapOvr>
+    <a:masterClrMapping/>
+  </p:clrMapOvr>
+</p:notes>
+</file>
+
+<file path=ppt/notesSlides/notesSlide9.xml><?xml version="1.0" encoding="utf-8"?>
+<p:notes xmlns:a="http://schemas.openxmlformats.org/drawingml/2006/main" xmlns:r="http://schemas.openxmlformats.org/officeDocument/2006/relationships" xmlns:mc="http://schemas.openxmlformats.org/markup-compatibility/2006" xmlns:mv="urn:schemas-microsoft-com:mac:vml" xmlns:p="http://schemas.openxmlformats.org/presentationml/2006/main" xmlns:c="http://schemas.openxmlformats.org/drawingml/2006/chart" xmlns:dgm="http://schemas.openxmlformats.org/drawingml/2006/diagram" xmlns:o="urn:schemas-microsoft-com:office:office" xmlns:v="urn:schemas-microsoft-com:vml" xmlns:pvml="urn:schemas-microsoft-com:office:powerpoint" xmlns:com="http://schemas.openxmlformats.org/drawingml/2006/compatibility" xmlns:p14="http://schemas.microsoft.com/office/powerpoint/2010/main" xmlns:p15="http://schemas.microsoft.com/office/powerpoint/2012/main" xmlns:ahyp="http://schemas.microsoft.com/office/drawing/2018/hyperlinkcolor" showMasterPhAnim="0" showMasterSp="0">
+  <p:cSld>
+    <p:spTree>
+      <p:nvGrpSpPr>
+        <p:cNvPr id="98" name="Shape 98"/>
+        <p:cNvGrpSpPr/>
+        <p:nvPr/>
+      </p:nvGrpSpPr>
+      <p:grpSpPr>
+        <a:xfrm>
+          <a:off x="0" y="0"/>
+          <a:ext cx="0" cy="0"/>
+          <a:chOff x="0" y="0"/>
+          <a:chExt cx="0" cy="0"/>
+        </a:xfrm>
+      </p:grpSpPr>
+      <p:sp>
+        <p:nvSpPr>
+          <p:cNvPr id="99" name="Google Shape;99;g3b8ae9ccc97_0_38:notes"/>
+          <p:cNvSpPr/>
+          <p:nvPr>
+            <p:ph idx="2" type="sldImg"/>
+          </p:nvPr>
+        </p:nvSpPr>
+        <p:spPr>
+          <a:xfrm>
+            <a:off x="381300" y="685800"/>
+            <a:ext cx="6096000" cy="3429000"/>
+          </a:xfrm>
+          <a:custGeom>
+            <a:rect b="b" l="l" r="r" t="t"/>
+            <a:pathLst>
+              <a:path extrusionOk="0" h="120000" w="120000">
+                <a:moveTo>
+                  <a:pt x="0" y="0"/>
+                </a:moveTo>
+                <a:lnTo>
+                  <a:pt x="120000" y="0"/>
+                </a:lnTo>
+                <a:lnTo>
+                  <a:pt x="120000" y="120000"/>
+                </a:lnTo>
+                <a:lnTo>
+                  <a:pt x="0" y="120000"/>
+                </a:lnTo>
+                <a:close/>
+              </a:path>
+            </a:pathLst>
+          </a:custGeom>
+        </p:spPr>
+      </p:sp>
+      <p:sp>
+        <p:nvSpPr>
+          <p:cNvPr id="100" name="Google Shape;100;g3b8ae9ccc97_0_38:notes"/>
+          <p:cNvSpPr txBox="1"/>
+          <p:nvPr>
+            <p:ph idx="1" type="body"/>
+          </p:nvPr>
+        </p:nvSpPr>
+        <p:spPr>
+          <a:xfrm>
+            <a:off x="685800" y="4343400"/>
+            <a:ext cx="5486400" cy="4114800"/>
+          </a:xfrm>
+          <a:prstGeom prst="rect">
+            <a:avLst/>
+          </a:prstGeom>
+        </p:spPr>
+        <p:txBody>
+          <a:bodyPr anchorCtr="0" anchor="t" bIns="91425" lIns="91425" spcFirstLastPara="1" rIns="91425" wrap="square" tIns="91425">
+            <a:noAutofit/>
+          </a:bodyPr>
+          <a:lstStyle/>
+          <a:p>
+            <a:pPr indent="0" lvl="0" marL="0" rtl="0" algn="l">
+              <a:spcBef>
+                <a:spcPts val="0"/>
+              </a:spcBef>
+              <a:spcAft>
+                <a:spcPts val="0"/>
+              </a:spcAft>
               <a:buNone/>
             </a:pPr>
             <a:r>
@@ -2864,7 +2227,7 @@
       </p:grpSpPr>
       <p:sp>
         <p:nvSpPr>
-          <p:cNvPr id="10" name="Google Shape;10;g3bca862da2a_0_49"/>
+          <p:cNvPr id="10" name="Google Shape;10;p2"/>
           <p:cNvSpPr txBox="1"/>
           <p:nvPr>
             <p:ph type="ctrTitle"/>
@@ -2989,7 +2352,7 @@
       </p:sp>
       <p:sp>
         <p:nvSpPr>
-          <p:cNvPr id="11" name="Google Shape;11;g3bca862da2a_0_49"/>
+          <p:cNvPr id="11" name="Google Shape;11;p2"/>
           <p:cNvSpPr txBox="1"/>
           <p:nvPr>
             <p:ph idx="1" type="subTitle"/>
@@ -3141,7 +2504,7 @@
       </p:sp>
       <p:sp>
         <p:nvSpPr>
-          <p:cNvPr id="12" name="Google Shape;12;g3bca862da2a_0_49"/>
+          <p:cNvPr id="12" name="Google Shape;12;p2"/>
           <p:cNvSpPr txBox="1"/>
           <p:nvPr>
             <p:ph idx="12" type="sldNum"/>
@@ -3243,7 +2606,7 @@
       </p:grpSpPr>
       <p:sp>
         <p:nvSpPr>
-          <p:cNvPr id="45" name="Google Shape;45;g3bca862da2a_0_84"/>
+          <p:cNvPr id="45" name="Google Shape;45;p11"/>
           <p:cNvSpPr txBox="1"/>
           <p:nvPr>
             <p:ph hasCustomPrompt="1" type="title"/>
@@ -3372,7 +2735,7 @@
       </p:sp>
       <p:sp>
         <p:nvSpPr>
-          <p:cNvPr id="46" name="Google Shape;46;g3bca862da2a_0_84"/>
+          <p:cNvPr id="46" name="Google Shape;46;p11"/>
           <p:cNvSpPr txBox="1"/>
           <p:nvPr>
             <p:ph idx="1" type="body"/>
@@ -3497,7 +2860,7 @@
       </p:sp>
       <p:sp>
         <p:nvSpPr>
-          <p:cNvPr id="47" name="Google Shape;47;g3bca862da2a_0_84"/>
+          <p:cNvPr id="47" name="Google Shape;47;p11"/>
           <p:cNvSpPr txBox="1"/>
           <p:nvPr>
             <p:ph idx="12" type="sldNum"/>
@@ -3599,7 +2962,7 @@
       </p:grpSpPr>
       <p:sp>
         <p:nvSpPr>
-          <p:cNvPr id="49" name="Google Shape;49;g3bca862da2a_0_88"/>
+          <p:cNvPr id="49" name="Google Shape;49;p12"/>
           <p:cNvSpPr txBox="1"/>
           <p:nvPr>
             <p:ph idx="12" type="sldNum"/>
@@ -3701,7 +3064,7 @@
       </p:grpSpPr>
       <p:sp>
         <p:nvSpPr>
-          <p:cNvPr id="14" name="Google Shape;14;g3bca862da2a_0_53"/>
+          <p:cNvPr id="14" name="Google Shape;14;p3"/>
           <p:cNvSpPr txBox="1"/>
           <p:nvPr>
             <p:ph type="title"/>
@@ -3826,7 +3189,7 @@
       </p:sp>
       <p:sp>
         <p:nvSpPr>
-          <p:cNvPr id="15" name="Google Shape;15;g3bca862da2a_0_53"/>
+          <p:cNvPr id="15" name="Google Shape;15;p3"/>
           <p:cNvSpPr txBox="1"/>
           <p:nvPr>
             <p:ph idx="12" type="sldNum"/>
@@ -3928,7 +3291,7 @@
       </p:grpSpPr>
       <p:sp>
         <p:nvSpPr>
-          <p:cNvPr id="17" name="Google Shape;17;g3bca862da2a_0_56"/>
+          <p:cNvPr id="17" name="Google Shape;17;p4"/>
           <p:cNvSpPr txBox="1"/>
           <p:nvPr>
             <p:ph type="title"/>
@@ -4053,7 +3416,7 @@
       </p:sp>
       <p:sp>
         <p:nvSpPr>
-          <p:cNvPr id="18" name="Google Shape;18;g3bca862da2a_0_56"/>
+          <p:cNvPr id="18" name="Google Shape;18;p4"/>
           <p:cNvSpPr txBox="1"/>
           <p:nvPr>
             <p:ph idx="1" type="body"/>
@@ -4178,7 +3541,7 @@
       </p:sp>
       <p:sp>
         <p:nvSpPr>
-          <p:cNvPr id="19" name="Google Shape;19;g3bca862da2a_0_56"/>
+          <p:cNvPr id="19" name="Google Shape;19;p4"/>
           <p:cNvSpPr txBox="1"/>
           <p:nvPr>
             <p:ph idx="12" type="sldNum"/>
@@ -4280,7 +3643,7 @@
       </p:grpSpPr>
       <p:sp>
         <p:nvSpPr>
-          <p:cNvPr id="21" name="Google Shape;21;g3bca862da2a_0_60"/>
+          <p:cNvPr id="21" name="Google Shape;21;p5"/>
           <p:cNvSpPr txBox="1"/>
           <p:nvPr>
             <p:ph type="title"/>
@@ -4405,7 +3768,7 @@
       </p:sp>
       <p:sp>
         <p:nvSpPr>
-          <p:cNvPr id="22" name="Google Shape;22;g3bca862da2a_0_60"/>
+          <p:cNvPr id="22" name="Google Shape;22;p5"/>
           <p:cNvSpPr txBox="1"/>
           <p:nvPr>
             <p:ph idx="1" type="body"/>
@@ -4530,7 +3893,7 @@
       </p:sp>
       <p:sp>
         <p:nvSpPr>
-          <p:cNvPr id="23" name="Google Shape;23;g3bca862da2a_0_60"/>
+          <p:cNvPr id="23" name="Google Shape;23;p5"/>
           <p:cNvSpPr txBox="1"/>
           <p:nvPr>
             <p:ph idx="2" type="body"/>
@@ -4655,7 +4018,7 @@
       </p:sp>
       <p:sp>
         <p:nvSpPr>
-          <p:cNvPr id="24" name="Google Shape;24;g3bca862da2a_0_60"/>
+          <p:cNvPr id="24" name="Google Shape;24;p5"/>
           <p:cNvSpPr txBox="1"/>
           <p:nvPr>
             <p:ph idx="12" type="sldNum"/>
@@ -4757,7 +4120,7 @@
       </p:grpSpPr>
       <p:sp>
         <p:nvSpPr>
-          <p:cNvPr id="26" name="Google Shape;26;g3bca862da2a_0_65"/>
+          <p:cNvPr id="26" name="Google Shape;26;p6"/>
           <p:cNvSpPr txBox="1"/>
           <p:nvPr>
             <p:ph type="title"/>
@@ -4882,7 +4245,7 @@
       </p:sp>
       <p:sp>
         <p:nvSpPr>
-          <p:cNvPr id="27" name="Google Shape;27;g3bca862da2a_0_65"/>
+          <p:cNvPr id="27" name="Google Shape;27;p6"/>
           <p:cNvSpPr txBox="1"/>
           <p:nvPr>
             <p:ph idx="12" type="sldNum"/>
@@ -4984,7 +4347,7 @@
       </p:grpSpPr>
       <p:sp>
         <p:nvSpPr>
-          <p:cNvPr id="29" name="Google Shape;29;g3bca862da2a_0_68"/>
+          <p:cNvPr id="29" name="Google Shape;29;p7"/>
           <p:cNvSpPr txBox="1"/>
           <p:nvPr>
             <p:ph type="title"/>
@@ -5109,7 +4472,7 @@
       </p:sp>
       <p:sp>
         <p:nvSpPr>
-          <p:cNvPr id="30" name="Google Shape;30;g3bca862da2a_0_68"/>
+          <p:cNvPr id="30" name="Google Shape;30;p7"/>
           <p:cNvSpPr txBox="1"/>
           <p:nvPr>
             <p:ph idx="1" type="body"/>
@@ -5234,7 +4597,7 @@
       </p:sp>
       <p:sp>
         <p:nvSpPr>
-          <p:cNvPr id="31" name="Google Shape;31;g3bca862da2a_0_68"/>
+          <p:cNvPr id="31" name="Google Shape;31;p7"/>
           <p:cNvSpPr txBox="1"/>
           <p:nvPr>
             <p:ph idx="12" type="sldNum"/>
@@ -5336,7 +4699,7 @@
       </p:grpSpPr>
       <p:sp>
         <p:nvSpPr>
-          <p:cNvPr id="33" name="Google Shape;33;g3bca862da2a_0_72"/>
+          <p:cNvPr id="33" name="Google Shape;33;p8"/>
           <p:cNvSpPr txBox="1"/>
           <p:nvPr>
             <p:ph type="title"/>
@@ -5461,7 +4824,7 @@
       </p:sp>
       <p:sp>
         <p:nvSpPr>
-          <p:cNvPr id="34" name="Google Shape;34;g3bca862da2a_0_72"/>
+          <p:cNvPr id="34" name="Google Shape;34;p8"/>
           <p:cNvSpPr txBox="1"/>
           <p:nvPr>
             <p:ph idx="12" type="sldNum"/>
@@ -5563,7 +4926,7 @@
       </p:grpSpPr>
       <p:sp>
         <p:nvSpPr>
-          <p:cNvPr id="36" name="Google Shape;36;g3bca862da2a_0_75"/>
+          <p:cNvPr id="36" name="Google Shape;36;p9"/>
           <p:cNvSpPr/>
           <p:nvPr/>
         </p:nvSpPr>
@@ -5606,7 +4969,7 @@
       </p:sp>
       <p:sp>
         <p:nvSpPr>
-          <p:cNvPr id="37" name="Google Shape;37;g3bca862da2a_0_75"/>
+          <p:cNvPr id="37" name="Google Shape;37;p9"/>
           <p:cNvSpPr txBox="1"/>
           <p:nvPr>
             <p:ph type="title"/>
@@ -5731,7 +5094,7 @@
       </p:sp>
       <p:sp>
         <p:nvSpPr>
-          <p:cNvPr id="38" name="Google Shape;38;g3bca862da2a_0_75"/>
+          <p:cNvPr id="38" name="Google Shape;38;p9"/>
           <p:cNvSpPr txBox="1"/>
           <p:nvPr>
             <p:ph idx="1" type="subTitle"/>
@@ -5883,7 +5246,7 @@
       </p:sp>
       <p:sp>
         <p:nvSpPr>
-          <p:cNvPr id="39" name="Google Shape;39;g3bca862da2a_0_75"/>
+          <p:cNvPr id="39" name="Google Shape;39;p9"/>
           <p:cNvSpPr txBox="1"/>
           <p:nvPr>
             <p:ph idx="2" type="body"/>
@@ -6008,7 +5371,7 @@
       </p:sp>
       <p:sp>
         <p:nvSpPr>
-          <p:cNvPr id="40" name="Google Shape;40;g3bca862da2a_0_75"/>
+          <p:cNvPr id="40" name="Google Shape;40;p9"/>
           <p:cNvSpPr txBox="1"/>
           <p:nvPr>
             <p:ph idx="12" type="sldNum"/>
@@ -6110,7 +5473,7 @@
       </p:grpSpPr>
       <p:sp>
         <p:nvSpPr>
-          <p:cNvPr id="42" name="Google Shape;42;g3bca862da2a_0_81"/>
+          <p:cNvPr id="42" name="Google Shape;42;p10"/>
           <p:cNvSpPr txBox="1"/>
           <p:nvPr>
             <p:ph idx="1" type="body"/>
@@ -6150,7 +5513,7 @@
       </p:sp>
       <p:sp>
         <p:nvSpPr>
-          <p:cNvPr id="43" name="Google Shape;43;g3bca862da2a_0_81"/>
+          <p:cNvPr id="43" name="Google Shape;43;p10"/>
           <p:cNvSpPr txBox="1"/>
           <p:nvPr>
             <p:ph idx="12" type="sldNum"/>
@@ -6259,7 +5622,7 @@
       </p:grpSpPr>
       <p:sp>
         <p:nvSpPr>
-          <p:cNvPr id="6" name="Google Shape;6;g3bca862da2a_0_45"/>
+          <p:cNvPr id="6" name="Google Shape;6;p1"/>
           <p:cNvSpPr txBox="1"/>
           <p:nvPr>
             <p:ph type="title"/>
@@ -6451,7 +5814,7 @@
       </p:sp>
       <p:sp>
         <p:nvSpPr>
-          <p:cNvPr id="7" name="Google Shape;7;g3bca862da2a_0_45"/>
+          <p:cNvPr id="7" name="Google Shape;7;p1"/>
           <p:cNvSpPr txBox="1"/>
           <p:nvPr>
             <p:ph idx="1" type="body"/>
@@ -6670,7 +6033,7 @@
       </p:sp>
       <p:sp>
         <p:nvSpPr>
-          <p:cNvPr id="8" name="Google Shape;8;g3bca862da2a_0_45"/>
+          <p:cNvPr id="8" name="Google Shape;8;p1"/>
           <p:cNvSpPr txBox="1"/>
           <p:nvPr>
             <p:ph idx="12" type="sldNum"/>
@@ -6789,17 +6152,17 @@
   </p:cSld>
   <p:clrMap accent1="accent1" accent2="accent2" accent3="accent3" accent4="accent4" accent5="accent5" accent6="accent6" bg1="lt1" bg2="dk2" tx1="dk1" tx2="lt2" folHlink="folHlink" hlink="hlink"/>
   <p:sldLayoutIdLst>
-    <p:sldLayoutId id="2147483649" r:id="rId1"/>
-    <p:sldLayoutId id="2147483650" r:id="rId2"/>
-    <p:sldLayoutId id="2147483651" r:id="rId3"/>
-    <p:sldLayoutId id="2147483652" r:id="rId4"/>
-    <p:sldLayoutId id="2147483653" r:id="rId5"/>
-    <p:sldLayoutId id="2147483654" r:id="rId6"/>
-    <p:sldLayoutId id="2147483655" r:id="rId7"/>
-    <p:sldLayoutId id="2147483656" r:id="rId8"/>
-    <p:sldLayoutId id="2147483657" r:id="rId9"/>
-    <p:sldLayoutId id="2147483658" r:id="rId10"/>
-    <p:sldLayoutId id="2147483659" r:id="rId11"/>
+    <p:sldLayoutId id="2147483648" r:id="rId1"/>
+    <p:sldLayoutId id="2147483649" r:id="rId2"/>
+    <p:sldLayoutId id="2147483650" r:id="rId3"/>
+    <p:sldLayoutId id="2147483651" r:id="rId4"/>
+    <p:sldLayoutId id="2147483652" r:id="rId5"/>
+    <p:sldLayoutId id="2147483653" r:id="rId6"/>
+    <p:sldLayoutId id="2147483654" r:id="rId7"/>
+    <p:sldLayoutId id="2147483655" r:id="rId8"/>
+    <p:sldLayoutId id="2147483656" r:id="rId9"/>
+    <p:sldLayoutId id="2147483657" r:id="rId10"/>
+    <p:sldLayoutId id="2147483658" r:id="rId11"/>
   </p:sldLayoutIdLst>
   <p:hf dt="0" ftr="0" hdr="0" sldNum="0"/>
   <p:txStyles>
@@ -7513,24 +6876,59 @@
       </p:grpSpPr>
       <p:sp>
         <p:nvSpPr>
-          <p:cNvPr id="54" name="Google Shape;54;p1"/>
+          <p:cNvPr id="54" name="Google Shape;54;p13"/>
           <p:cNvSpPr txBox="1"/>
           <p:nvPr>
-            <p:ph type="ctrTitle"/>
+            <p:ph type="title"/>
           </p:nvPr>
         </p:nvSpPr>
         <p:spPr>
           <a:xfrm>
-            <a:off x="311708" y="744575"/>
-            <a:ext cx="8520600" cy="2052600"/>
+            <a:off x="311700" y="445025"/>
+            <a:ext cx="8520600" cy="572700"/>
           </a:xfrm>
           <a:prstGeom prst="rect">
             <a:avLst/>
           </a:prstGeom>
-          <a:noFill/>
-          <a:ln>
-            <a:noFill/>
-          </a:ln>
+        </p:spPr>
+        <p:txBody>
+          <a:bodyPr anchorCtr="0" anchor="t" bIns="91425" lIns="91425" spcFirstLastPara="1" rIns="91425" wrap="square" tIns="91425">
+            <a:normAutofit fontScale="90000"/>
+          </a:bodyPr>
+          <a:lstStyle/>
+          <a:p>
+            <a:pPr indent="0" lvl="0" marL="0" rtl="0" algn="l">
+              <a:spcBef>
+                <a:spcPts val="0"/>
+              </a:spcBef>
+              <a:spcAft>
+                <a:spcPts val="0"/>
+              </a:spcAft>
+              <a:buNone/>
+            </a:pPr>
+            <a:r>
+              <a:t/>
+            </a:r>
+            <a:endParaRPr/>
+          </a:p>
+        </p:txBody>
+      </p:sp>
+      <p:sp>
+        <p:nvSpPr>
+          <p:cNvPr id="55" name="Google Shape;55;p13"/>
+          <p:cNvSpPr txBox="1"/>
+          <p:nvPr>
+            <p:ph idx="1" type="body"/>
+          </p:nvPr>
+        </p:nvSpPr>
+        <p:spPr>
+          <a:xfrm>
+            <a:off x="311700" y="1152475"/>
+            <a:ext cx="8520600" cy="3416400"/>
+          </a:xfrm>
+          <a:prstGeom prst="rect">
+            <a:avLst/>
+          </a:prstGeom>
         </p:spPr>
         <p:txBody>
           <a:bodyPr anchorCtr="0" anchor="t" bIns="91425" lIns="91425" spcFirstLastPara="1" rIns="91425" wrap="square" tIns="91425">
@@ -7539,69 +6937,16 @@
           <a:lstStyle/>
           <a:p>
             <a:pPr indent="0" lvl="0" marL="0" rtl="0" algn="l">
-              <a:lnSpc>
-                <a:spcPct val="100000"/>
-              </a:lnSpc>
-              <a:spcBef>
-                <a:spcPts val="0"/>
-              </a:spcBef>
-              <a:spcAft>
-                <a:spcPts val="0"/>
-              </a:spcAft>
-              <a:buSzPts val="3111"/>
+              <a:spcBef>
+                <a:spcPts val="0"/>
+              </a:spcBef>
+              <a:spcAft>
+                <a:spcPts val="1200"/>
+              </a:spcAft>
               <a:buNone/>
             </a:pPr>
             <a:r>
-              <a:rPr lang="en"/>
-              <a:t>Session 2</a:t>
-            </a:r>
-            <a:endParaRPr/>
-          </a:p>
-        </p:txBody>
-      </p:sp>
-      <p:sp>
-        <p:nvSpPr>
-          <p:cNvPr id="55" name="Google Shape;55;p1"/>
-          <p:cNvSpPr txBox="1"/>
-          <p:nvPr>
-            <p:ph idx="1" type="subTitle"/>
-          </p:nvPr>
-        </p:nvSpPr>
-        <p:spPr>
-          <a:xfrm>
-            <a:off x="311700" y="2834125"/>
-            <a:ext cx="8520600" cy="792600"/>
-          </a:xfrm>
-          <a:prstGeom prst="rect">
-            <a:avLst/>
-          </a:prstGeom>
-          <a:noFill/>
-          <a:ln>
-            <a:noFill/>
-          </a:ln>
-        </p:spPr>
-        <p:txBody>
-          <a:bodyPr anchorCtr="0" anchor="t" bIns="91425" lIns="91425" spcFirstLastPara="1" rIns="91425" wrap="square" tIns="91425">
-            <a:normAutofit fontScale="92500"/>
-          </a:bodyPr>
-          <a:lstStyle/>
-          <a:p>
-            <a:pPr indent="0" lvl="0" marL="0" rtl="0" algn="l">
-              <a:lnSpc>
-                <a:spcPct val="115000"/>
-              </a:lnSpc>
-              <a:spcBef>
-                <a:spcPts val="0"/>
-              </a:spcBef>
-              <a:spcAft>
-                <a:spcPts val="1200"/>
-              </a:spcAft>
-              <a:buSzPct val="64285"/>
-              <a:buNone/>
-            </a:pPr>
-            <a:r>
-              <a:rPr lang="en"/>
-              <a:t>LLM Inference with Ollama, OpenAI &amp; Langchain basics</a:t>
+              <a:t/>
             </a:r>
             <a:endParaRPr/>
           </a:p>
@@ -7620,7 +6965,7 @@
   <p:cSld>
     <p:spTree>
       <p:nvGrpSpPr>
-        <p:cNvPr id="106" name="Shape 106"/>
+        <p:cNvPr id="108" name="Shape 108"/>
         <p:cNvGrpSpPr/>
         <p:nvPr/>
       </p:nvGrpSpPr>
@@ -7634,7 +6979,7 @@
       </p:grpSpPr>
       <p:sp>
         <p:nvSpPr>
-          <p:cNvPr id="107" name="Google Shape;107;p9"/>
+          <p:cNvPr id="109" name="Google Shape;109;p22"/>
           <p:cNvSpPr txBox="1"/>
           <p:nvPr>
             <p:ph type="title"/>
@@ -7648,219 +6993,43 @@
           <a:prstGeom prst="rect">
             <a:avLst/>
           </a:prstGeom>
-          <a:noFill/>
-          <a:ln>
-            <a:noFill/>
-          </a:ln>
         </p:spPr>
         <p:txBody>
           <a:bodyPr anchorCtr="0" anchor="t" bIns="91425" lIns="91425" spcFirstLastPara="1" rIns="91425" wrap="square" tIns="91425">
-            <a:noAutofit/>
+            <a:normAutofit fontScale="90000"/>
           </a:bodyPr>
           <a:lstStyle/>
           <a:p>
             <a:pPr indent="0" lvl="0" marL="0" rtl="0" algn="l">
-              <a:lnSpc>
-                <a:spcPct val="100000"/>
-              </a:lnSpc>
-              <a:spcBef>
-                <a:spcPts val="0"/>
-              </a:spcBef>
-              <a:spcAft>
-                <a:spcPts val="0"/>
-              </a:spcAft>
-              <a:buSzPts val="3111"/>
+              <a:spcBef>
+                <a:spcPts val="0"/>
+              </a:spcBef>
+              <a:spcAft>
+                <a:spcPts val="0"/>
+              </a:spcAft>
               <a:buNone/>
             </a:pPr>
             <a:r>
-              <a:rPr lang="en" sz="2800"/>
-              <a:t>Simple Chain</a:t>
+              <a:rPr lang="en"/>
+              <a:t>Sequential Chain</a:t>
             </a:r>
-            <a:endParaRPr sz="2800"/>
+            <a:endParaRPr/>
           </a:p>
         </p:txBody>
       </p:sp>
       <p:pic>
         <p:nvPicPr>
-          <p:cNvPr id="108" name="Google Shape;108;p9"/>
+          <p:cNvPr id="110" name="Google Shape;110;p22"/>
           <p:cNvPicPr preferRelativeResize="0"/>
           <p:nvPr/>
         </p:nvPicPr>
-        <p:blipFill rotWithShape="1">
+        <p:blipFill>
           <a:blip r:embed="rId3">
             <a:alphaModFix/>
           </a:blip>
-          <a:srcRect b="0" l="0" r="0" t="0"/>
-          <a:stretch/>
-        </p:blipFill>
-        <p:spPr>
-          <a:xfrm>
-            <a:off x="1122900" y="1618025"/>
-            <a:ext cx="6898200" cy="3449100"/>
-          </a:xfrm>
-          <a:prstGeom prst="rect">
-            <a:avLst/>
-          </a:prstGeom>
-          <a:noFill/>
-          <a:ln>
-            <a:noFill/>
-          </a:ln>
-        </p:spPr>
-      </p:pic>
-      <p:sp>
-        <p:nvSpPr>
-          <p:cNvPr id="109" name="Google Shape;109;p9"/>
-          <p:cNvSpPr txBox="1"/>
-          <p:nvPr/>
-        </p:nvSpPr>
-        <p:spPr>
-          <a:xfrm>
-            <a:off x="280800" y="1017725"/>
-            <a:ext cx="8244000" cy="600300"/>
-          </a:xfrm>
-          <a:prstGeom prst="rect">
-            <a:avLst/>
-          </a:prstGeom>
-          <a:noFill/>
-          <a:ln>
-            <a:noFill/>
-          </a:ln>
-        </p:spPr>
-        <p:txBody>
-          <a:bodyPr anchorCtr="0" anchor="t" bIns="91425" lIns="91425" spcFirstLastPara="1" rIns="91425" wrap="square" tIns="91425">
-            <a:spAutoFit/>
-          </a:bodyPr>
-          <a:lstStyle/>
-          <a:p>
-            <a:pPr indent="0" lvl="0" marL="0" marR="0" rtl="0" algn="l">
-              <a:lnSpc>
-                <a:spcPct val="100000"/>
-              </a:lnSpc>
-              <a:spcBef>
-                <a:spcPts val="0"/>
-              </a:spcBef>
-              <a:spcAft>
-                <a:spcPts val="0"/>
-              </a:spcAft>
-              <a:buClr>
-                <a:srgbClr val="000000"/>
-              </a:buClr>
-              <a:buSzPts val="1350"/>
-              <a:buFont typeface="Arial"/>
-              <a:buNone/>
-            </a:pPr>
-            <a:r>
-              <a:rPr b="0" i="0" lang="en" sz="1350" u="none" cap="none" strike="noStrike">
-                <a:solidFill>
-                  <a:srgbClr val="273239"/>
-                </a:solidFill>
-                <a:highlight>
-                  <a:srgbClr val="FFFFFF"/>
-                </a:highlight>
-                <a:latin typeface="Nunito"/>
-                <a:ea typeface="Nunito"/>
-                <a:cs typeface="Nunito"/>
-                <a:sym typeface="Nunito"/>
-              </a:rPr>
-              <a:t>Each chain in the sequence accepts one input and returns one output. The output of each chain is automatically fed as input to the next chain in the sequence</a:t>
-            </a:r>
-            <a:endParaRPr b="0" i="0" sz="1400" u="none" cap="none" strike="noStrike">
-              <a:solidFill>
-                <a:srgbClr val="000000"/>
-              </a:solidFill>
-              <a:latin typeface="Arial"/>
-              <a:ea typeface="Arial"/>
-              <a:cs typeface="Arial"/>
-              <a:sym typeface="Arial"/>
-            </a:endParaRPr>
-          </a:p>
-        </p:txBody>
-      </p:sp>
-    </p:spTree>
-  </p:cSld>
-  <p:clrMapOvr>
-    <a:masterClrMapping/>
-  </p:clrMapOvr>
-</p:sld>
-</file>
-
-<file path=ppt/slides/slide11.xml><?xml version="1.0" encoding="utf-8"?>
-<p:sld xmlns:a="http://schemas.openxmlformats.org/drawingml/2006/main" xmlns:r="http://schemas.openxmlformats.org/officeDocument/2006/relationships" xmlns:mc="http://schemas.openxmlformats.org/markup-compatibility/2006" xmlns:mv="urn:schemas-microsoft-com:mac:vml" xmlns:p="http://schemas.openxmlformats.org/presentationml/2006/main" xmlns:c="http://schemas.openxmlformats.org/drawingml/2006/chart" xmlns:dgm="http://schemas.openxmlformats.org/drawingml/2006/diagram" xmlns:o="urn:schemas-microsoft-com:office:office" xmlns:v="urn:schemas-microsoft-com:vml" xmlns:pvml="urn:schemas-microsoft-com:office:powerpoint" xmlns:com="http://schemas.openxmlformats.org/drawingml/2006/compatibility" xmlns:p14="http://schemas.microsoft.com/office/powerpoint/2010/main" xmlns:p15="http://schemas.microsoft.com/office/powerpoint/2012/main" xmlns:ahyp="http://schemas.microsoft.com/office/drawing/2018/hyperlinkcolor">
-  <p:cSld>
-    <p:spTree>
-      <p:nvGrpSpPr>
-        <p:cNvPr id="113" name="Shape 113"/>
-        <p:cNvGrpSpPr/>
-        <p:nvPr/>
-      </p:nvGrpSpPr>
-      <p:grpSpPr>
-        <a:xfrm>
-          <a:off x="0" y="0"/>
-          <a:ext cx="0" cy="0"/>
-          <a:chOff x="0" y="0"/>
-          <a:chExt cx="0" cy="0"/>
-        </a:xfrm>
-      </p:grpSpPr>
-      <p:sp>
-        <p:nvSpPr>
-          <p:cNvPr id="114" name="Google Shape;114;p10"/>
-          <p:cNvSpPr txBox="1"/>
-          <p:nvPr>
-            <p:ph type="title"/>
-          </p:nvPr>
-        </p:nvSpPr>
-        <p:spPr>
-          <a:xfrm>
-            <a:off x="311700" y="445025"/>
-            <a:ext cx="8520600" cy="572700"/>
-          </a:xfrm>
-          <a:prstGeom prst="rect">
-            <a:avLst/>
-          </a:prstGeom>
-          <a:noFill/>
-          <a:ln>
-            <a:noFill/>
-          </a:ln>
-        </p:spPr>
-        <p:txBody>
-          <a:bodyPr anchorCtr="0" anchor="t" bIns="91425" lIns="91425" spcFirstLastPara="1" rIns="91425" wrap="square" tIns="91425">
-            <a:noAutofit/>
-          </a:bodyPr>
-          <a:lstStyle/>
-          <a:p>
-            <a:pPr indent="0" lvl="0" marL="0" rtl="0" algn="l">
-              <a:lnSpc>
-                <a:spcPct val="100000"/>
-              </a:lnSpc>
-              <a:spcBef>
-                <a:spcPts val="0"/>
-              </a:spcBef>
-              <a:spcAft>
-                <a:spcPts val="0"/>
-              </a:spcAft>
-              <a:buSzPts val="3111"/>
-              <a:buNone/>
-            </a:pPr>
-            <a:r>
-              <a:rPr lang="en" sz="2800"/>
-              <a:t>Sequential Chains</a:t>
-            </a:r>
-            <a:endParaRPr sz="2800"/>
-          </a:p>
-        </p:txBody>
-      </p:sp>
-      <p:pic>
-        <p:nvPicPr>
-          <p:cNvPr id="115" name="Google Shape;115;p10"/>
-          <p:cNvPicPr preferRelativeResize="0"/>
-          <p:nvPr/>
-        </p:nvPicPr>
-        <p:blipFill rotWithShape="1">
-          <a:blip r:embed="rId3">
-            <a:alphaModFix/>
-          </a:blip>
-          <a:srcRect b="0" l="0" r="0" t="0"/>
-          <a:stretch/>
+          <a:stretch>
+            <a:fillRect/>
+          </a:stretch>
         </p:blipFill>
         <p:spPr>
           <a:xfrm>
@@ -7878,7 +7047,7 @@
       </p:pic>
       <p:sp>
         <p:nvSpPr>
-          <p:cNvPr id="116" name="Google Shape;116;p10"/>
+          <p:cNvPr id="111" name="Google Shape;111;p22"/>
           <p:cNvSpPr txBox="1"/>
           <p:nvPr/>
         </p:nvSpPr>
@@ -7901,25 +7070,17 @@
           </a:bodyPr>
           <a:lstStyle/>
           <a:p>
-            <a:pPr indent="0" lvl="0" marL="0" marR="0" rtl="0" algn="l">
-              <a:lnSpc>
-                <a:spcPct val="100000"/>
-              </a:lnSpc>
-              <a:spcBef>
-                <a:spcPts val="0"/>
-              </a:spcBef>
-              <a:spcAft>
-                <a:spcPts val="0"/>
-              </a:spcAft>
-              <a:buClr>
-                <a:srgbClr val="000000"/>
-              </a:buClr>
-              <a:buSzPts val="1350"/>
-              <a:buFont typeface="Arial"/>
+            <a:pPr indent="0" lvl="0" marL="0" rtl="0" algn="l">
+              <a:spcBef>
+                <a:spcPts val="0"/>
+              </a:spcBef>
+              <a:spcAft>
+                <a:spcPts val="0"/>
+              </a:spcAft>
               <a:buNone/>
             </a:pPr>
             <a:r>
-              <a:rPr b="0" i="0" lang="en" sz="1350" u="none" cap="none" strike="noStrike">
+              <a:rPr lang="en" sz="1350">
                 <a:solidFill>
                   <a:srgbClr val="273239"/>
                 </a:solidFill>
@@ -7933,15 +7094,7 @@
               </a:rPr>
               <a:t>complex workflows where chains might depend on several pieces of information.</a:t>
             </a:r>
-            <a:endParaRPr b="0" i="0" sz="1400" u="none" cap="none" strike="noStrike">
-              <a:solidFill>
-                <a:srgbClr val="000000"/>
-              </a:solidFill>
-              <a:latin typeface="Arial"/>
-              <a:ea typeface="Arial"/>
-              <a:cs typeface="Arial"/>
-              <a:sym typeface="Arial"/>
-            </a:endParaRPr>
+            <a:endParaRPr/>
           </a:p>
         </p:txBody>
       </p:sp>
@@ -7953,12 +7106,12 @@
 </p:sld>
 </file>
 
-<file path=ppt/slides/slide12.xml><?xml version="1.0" encoding="utf-8"?>
+<file path=ppt/slides/slide11.xml><?xml version="1.0" encoding="utf-8"?>
 <p:sld xmlns:a="http://schemas.openxmlformats.org/drawingml/2006/main" xmlns:r="http://schemas.openxmlformats.org/officeDocument/2006/relationships" xmlns:mc="http://schemas.openxmlformats.org/markup-compatibility/2006" xmlns:mv="urn:schemas-microsoft-com:mac:vml" xmlns:p="http://schemas.openxmlformats.org/presentationml/2006/main" xmlns:c="http://schemas.openxmlformats.org/drawingml/2006/chart" xmlns:dgm="http://schemas.openxmlformats.org/drawingml/2006/diagram" xmlns:o="urn:schemas-microsoft-com:office:office" xmlns:v="urn:schemas-microsoft-com:vml" xmlns:pvml="urn:schemas-microsoft-com:office:powerpoint" xmlns:com="http://schemas.openxmlformats.org/drawingml/2006/compatibility" xmlns:p14="http://schemas.microsoft.com/office/powerpoint/2010/main" xmlns:p15="http://schemas.microsoft.com/office/powerpoint/2012/main" xmlns:ahyp="http://schemas.microsoft.com/office/drawing/2018/hyperlinkcolor">
   <p:cSld>
     <p:spTree>
       <p:nvGrpSpPr>
-        <p:cNvPr id="120" name="Shape 120"/>
+        <p:cNvPr id="115" name="Shape 115"/>
         <p:cNvGrpSpPr/>
         <p:nvPr/>
       </p:nvGrpSpPr>
@@ -7972,7 +7125,7 @@
       </p:grpSpPr>
       <p:sp>
         <p:nvSpPr>
-          <p:cNvPr id="121" name="Google Shape;121;p11"/>
+          <p:cNvPr id="116" name="Google Shape;116;p23"/>
           <p:cNvSpPr txBox="1"/>
           <p:nvPr>
             <p:ph type="title"/>
@@ -7986,41 +7139,33 @@
           <a:prstGeom prst="rect">
             <a:avLst/>
           </a:prstGeom>
-          <a:noFill/>
-          <a:ln>
-            <a:noFill/>
-          </a:ln>
         </p:spPr>
         <p:txBody>
           <a:bodyPr anchorCtr="0" anchor="t" bIns="91425" lIns="91425" spcFirstLastPara="1" rIns="91425" wrap="square" tIns="91425">
-            <a:noAutofit/>
+            <a:normAutofit fontScale="90000"/>
           </a:bodyPr>
           <a:lstStyle/>
           <a:p>
             <a:pPr indent="0" lvl="0" marL="0" rtl="0" algn="l">
-              <a:lnSpc>
-                <a:spcPct val="100000"/>
-              </a:lnSpc>
-              <a:spcBef>
-                <a:spcPts val="0"/>
-              </a:spcBef>
-              <a:spcAft>
-                <a:spcPts val="0"/>
-              </a:spcAft>
-              <a:buSzPts val="3111"/>
+              <a:spcBef>
+                <a:spcPts val="0"/>
+              </a:spcBef>
+              <a:spcAft>
+                <a:spcPts val="0"/>
+              </a:spcAft>
               <a:buNone/>
             </a:pPr>
             <a:r>
-              <a:rPr lang="en" sz="2800"/>
+              <a:rPr lang="en"/>
               <a:t>LangChain framework Core Components</a:t>
             </a:r>
-            <a:endParaRPr sz="2800"/>
+            <a:endParaRPr/>
           </a:p>
         </p:txBody>
       </p:sp>
       <p:sp>
         <p:nvSpPr>
-          <p:cNvPr id="122" name="Google Shape;122;p11"/>
+          <p:cNvPr id="117" name="Google Shape;117;p23"/>
           <p:cNvSpPr txBox="1"/>
           <p:nvPr>
             <p:ph idx="1" type="body"/>
@@ -8034,10 +7179,6 @@
           <a:prstGeom prst="rect">
             <a:avLst/>
           </a:prstGeom>
-          <a:noFill/>
-          <a:ln>
-            <a:noFill/>
-          </a:ln>
         </p:spPr>
         <p:txBody>
           <a:bodyPr anchorCtr="0" anchor="t" bIns="91425" lIns="91425" spcFirstLastPara="1" rIns="91425" wrap="square" tIns="91425">
@@ -8046,16 +7187,12 @@
           <a:lstStyle/>
           <a:p>
             <a:pPr indent="0" lvl="0" marL="0" rtl="0" algn="l">
-              <a:lnSpc>
-                <a:spcPct val="115000"/>
-              </a:lnSpc>
-              <a:spcBef>
-                <a:spcPts val="0"/>
-              </a:spcBef>
-              <a:spcAft>
-                <a:spcPts val="0"/>
-              </a:spcAft>
-              <a:buSzPts val="1800"/>
+              <a:spcBef>
+                <a:spcPts val="0"/>
+              </a:spcBef>
+              <a:spcAft>
+                <a:spcPts val="0"/>
+              </a:spcAft>
               <a:buNone/>
             </a:pPr>
             <a:r>
@@ -8070,16 +7207,12 @@
           </a:p>
           <a:p>
             <a:pPr indent="0" lvl="0" marL="0" rtl="0" algn="l">
-              <a:lnSpc>
-                <a:spcPct val="115000"/>
-              </a:lnSpc>
               <a:spcBef>
                 <a:spcPts val="1200"/>
               </a:spcBef>
               <a:spcAft>
                 <a:spcPts val="0"/>
               </a:spcAft>
-              <a:buSzPts val="1800"/>
               <a:buNone/>
             </a:pPr>
             <a:r>
@@ -8098,16 +7231,12 @@
           </a:p>
           <a:p>
             <a:pPr indent="0" lvl="0" marL="0" rtl="0" algn="l">
-              <a:lnSpc>
-                <a:spcPct val="115000"/>
-              </a:lnSpc>
               <a:spcBef>
                 <a:spcPts val="1200"/>
               </a:spcBef>
               <a:spcAft>
                 <a:spcPts val="0"/>
               </a:spcAft>
-              <a:buSzPts val="1800"/>
               <a:buNone/>
             </a:pPr>
             <a:r>
@@ -8122,16 +7251,12 @@
           </a:p>
           <a:p>
             <a:pPr indent="0" lvl="0" marL="0" rtl="0" algn="l">
-              <a:lnSpc>
-                <a:spcPct val="115000"/>
-              </a:lnSpc>
               <a:spcBef>
                 <a:spcPts val="1200"/>
               </a:spcBef>
               <a:spcAft>
                 <a:spcPts val="0"/>
               </a:spcAft>
-              <a:buSzPts val="1800"/>
               <a:buNone/>
             </a:pPr>
             <a:r>
@@ -8146,16 +7271,12 @@
           </a:p>
           <a:p>
             <a:pPr indent="0" lvl="0" marL="0" rtl="0" algn="l">
-              <a:lnSpc>
-                <a:spcPct val="115000"/>
-              </a:lnSpc>
               <a:spcBef>
                 <a:spcPts val="1200"/>
               </a:spcBef>
               <a:spcAft>
                 <a:spcPts val="0"/>
               </a:spcAft>
-              <a:buSzPts val="1800"/>
               <a:buNone/>
             </a:pPr>
             <a:r>
@@ -8166,16 +7287,12 @@
           </a:p>
           <a:p>
             <a:pPr indent="0" lvl="0" marL="0" rtl="0" algn="l">
-              <a:lnSpc>
-                <a:spcPct val="115000"/>
-              </a:lnSpc>
               <a:spcBef>
                 <a:spcPts val="1200"/>
               </a:spcBef>
               <a:spcAft>
                 <a:spcPts val="0"/>
               </a:spcAft>
-              <a:buSzPts val="1800"/>
               <a:buNone/>
             </a:pPr>
             <a:r>
@@ -8186,16 +7303,12 @@
           </a:p>
           <a:p>
             <a:pPr indent="0" lvl="0" marL="0" rtl="0" algn="l">
-              <a:lnSpc>
-                <a:spcPct val="115000"/>
-              </a:lnSpc>
               <a:spcBef>
                 <a:spcPts val="1200"/>
               </a:spcBef>
               <a:spcAft>
                 <a:spcPts val="1200"/>
               </a:spcAft>
-              <a:buSzPts val="1800"/>
               <a:buNone/>
             </a:pPr>
             <a:r>
@@ -8213,12 +7326,12 @@
 </p:sld>
 </file>
 
-<file path=ppt/slides/slide13.xml><?xml version="1.0" encoding="utf-8"?>
+<file path=ppt/slides/slide12.xml><?xml version="1.0" encoding="utf-8"?>
 <p:sld xmlns:a="http://schemas.openxmlformats.org/drawingml/2006/main" xmlns:r="http://schemas.openxmlformats.org/officeDocument/2006/relationships" xmlns:mc="http://schemas.openxmlformats.org/markup-compatibility/2006" xmlns:mv="urn:schemas-microsoft-com:mac:vml" xmlns:p="http://schemas.openxmlformats.org/presentationml/2006/main" xmlns:c="http://schemas.openxmlformats.org/drawingml/2006/chart" xmlns:dgm="http://schemas.openxmlformats.org/drawingml/2006/diagram" xmlns:o="urn:schemas-microsoft-com:office:office" xmlns:v="urn:schemas-microsoft-com:vml" xmlns:pvml="urn:schemas-microsoft-com:office:powerpoint" xmlns:com="http://schemas.openxmlformats.org/drawingml/2006/compatibility" xmlns:p14="http://schemas.microsoft.com/office/powerpoint/2010/main" xmlns:p15="http://schemas.microsoft.com/office/powerpoint/2012/main" xmlns:ahyp="http://schemas.microsoft.com/office/drawing/2018/hyperlinkcolor">
   <p:cSld>
     <p:spTree>
       <p:nvGrpSpPr>
-        <p:cNvPr id="126" name="Shape 126"/>
+        <p:cNvPr id="121" name="Shape 121"/>
         <p:cNvGrpSpPr/>
         <p:nvPr/>
       </p:nvGrpSpPr>
@@ -8232,7 +7345,7 @@
       </p:grpSpPr>
       <p:sp>
         <p:nvSpPr>
-          <p:cNvPr id="127" name="Google Shape;127;p12"/>
+          <p:cNvPr id="122" name="Google Shape;122;p24"/>
           <p:cNvSpPr txBox="1"/>
           <p:nvPr>
             <p:ph type="title"/>
@@ -8246,41 +7359,33 @@
           <a:prstGeom prst="rect">
             <a:avLst/>
           </a:prstGeom>
-          <a:noFill/>
-          <a:ln>
-            <a:noFill/>
-          </a:ln>
         </p:spPr>
         <p:txBody>
           <a:bodyPr anchorCtr="0" anchor="t" bIns="91425" lIns="91425" spcFirstLastPara="1" rIns="91425" wrap="square" tIns="91425">
-            <a:noAutofit/>
+            <a:normAutofit fontScale="90000"/>
           </a:bodyPr>
           <a:lstStyle/>
           <a:p>
             <a:pPr indent="0" lvl="0" marL="0" rtl="0" algn="l">
-              <a:lnSpc>
-                <a:spcPct val="100000"/>
-              </a:lnSpc>
-              <a:spcBef>
-                <a:spcPts val="0"/>
-              </a:spcBef>
-              <a:spcAft>
-                <a:spcPts val="0"/>
-              </a:spcAft>
-              <a:buSzPts val="3111"/>
+              <a:spcBef>
+                <a:spcPts val="0"/>
+              </a:spcBef>
+              <a:spcAft>
+                <a:spcPts val="0"/>
+              </a:spcAft>
               <a:buNone/>
             </a:pPr>
             <a:r>
-              <a:rPr lang="en" sz="2800"/>
+              <a:rPr lang="en"/>
               <a:t>ChatOpenAI</a:t>
             </a:r>
-            <a:endParaRPr sz="2800"/>
+            <a:endParaRPr/>
           </a:p>
         </p:txBody>
       </p:sp>
       <p:sp>
         <p:nvSpPr>
-          <p:cNvPr id="128" name="Google Shape;128;p12"/>
+          <p:cNvPr id="123" name="Google Shape;123;p24"/>
           <p:cNvSpPr txBox="1"/>
           <p:nvPr>
             <p:ph idx="1" type="body"/>
@@ -8294,10 +7399,6 @@
           <a:prstGeom prst="rect">
             <a:avLst/>
           </a:prstGeom>
-          <a:noFill/>
-          <a:ln>
-            <a:noFill/>
-          </a:ln>
         </p:spPr>
         <p:txBody>
           <a:bodyPr anchorCtr="0" anchor="t" bIns="91425" lIns="91425" spcFirstLastPara="1" rIns="91425" wrap="square" tIns="91425">
@@ -8315,7 +7416,6 @@
               <a:spcAft>
                 <a:spcPts val="0"/>
               </a:spcAft>
-              <a:buSzPts val="1800"/>
               <a:buNone/>
             </a:pPr>
             <a:r>
@@ -8357,7 +7457,6 @@
               <a:spcAft>
                 <a:spcPts val="0"/>
               </a:spcAft>
-              <a:buSzPts val="1800"/>
               <a:buNone/>
             </a:pPr>
             <a:r>
@@ -8466,16 +7565,12 @@
           </a:p>
           <a:p>
             <a:pPr indent="0" lvl="0" marL="0" rtl="0" algn="l">
-              <a:lnSpc>
-                <a:spcPct val="115000"/>
-              </a:lnSpc>
               <a:spcBef>
                 <a:spcPts val="0"/>
               </a:spcBef>
               <a:spcAft>
                 <a:spcPts val="1200"/>
               </a:spcAft>
-              <a:buSzPts val="1800"/>
               <a:buNone/>
             </a:pPr>
             <a:r>
@@ -8493,12 +7588,12 @@
 </p:sld>
 </file>
 
-<file path=ppt/slides/slide14.xml><?xml version="1.0" encoding="utf-8"?>
+<file path=ppt/slides/slide13.xml><?xml version="1.0" encoding="utf-8"?>
 <p:sld xmlns:a="http://schemas.openxmlformats.org/drawingml/2006/main" xmlns:r="http://schemas.openxmlformats.org/officeDocument/2006/relationships" xmlns:mc="http://schemas.openxmlformats.org/markup-compatibility/2006" xmlns:mv="urn:schemas-microsoft-com:mac:vml" xmlns:p="http://schemas.openxmlformats.org/presentationml/2006/main" xmlns:c="http://schemas.openxmlformats.org/drawingml/2006/chart" xmlns:dgm="http://schemas.openxmlformats.org/drawingml/2006/diagram" xmlns:o="urn:schemas-microsoft-com:office:office" xmlns:v="urn:schemas-microsoft-com:vml" xmlns:pvml="urn:schemas-microsoft-com:office:powerpoint" xmlns:com="http://schemas.openxmlformats.org/drawingml/2006/compatibility" xmlns:p14="http://schemas.microsoft.com/office/powerpoint/2010/main" xmlns:p15="http://schemas.microsoft.com/office/powerpoint/2012/main" xmlns:ahyp="http://schemas.microsoft.com/office/drawing/2018/hyperlinkcolor">
   <p:cSld>
     <p:spTree>
       <p:nvGrpSpPr>
-        <p:cNvPr id="132" name="Shape 132"/>
+        <p:cNvPr id="127" name="Shape 127"/>
         <p:cNvGrpSpPr/>
         <p:nvPr/>
       </p:nvGrpSpPr>
@@ -8512,7 +7607,7 @@
       </p:grpSpPr>
       <p:sp>
         <p:nvSpPr>
-          <p:cNvPr id="133" name="Google Shape;133;p13"/>
+          <p:cNvPr id="128" name="Google Shape;128;p25"/>
           <p:cNvSpPr txBox="1"/>
           <p:nvPr>
             <p:ph type="title"/>
@@ -8526,41 +7621,33 @@
           <a:prstGeom prst="rect">
             <a:avLst/>
           </a:prstGeom>
-          <a:noFill/>
-          <a:ln>
-            <a:noFill/>
-          </a:ln>
         </p:spPr>
         <p:txBody>
           <a:bodyPr anchorCtr="0" anchor="t" bIns="91425" lIns="91425" spcFirstLastPara="1" rIns="91425" wrap="square" tIns="91425">
-            <a:noAutofit/>
+            <a:normAutofit fontScale="90000"/>
           </a:bodyPr>
           <a:lstStyle/>
           <a:p>
             <a:pPr indent="0" lvl="0" marL="0" rtl="0" algn="l">
-              <a:lnSpc>
-                <a:spcPct val="100000"/>
-              </a:lnSpc>
-              <a:spcBef>
-                <a:spcPts val="0"/>
-              </a:spcBef>
-              <a:spcAft>
-                <a:spcPts val="0"/>
-              </a:spcAft>
-              <a:buSzPts val="3111"/>
+              <a:spcBef>
+                <a:spcPts val="0"/>
+              </a:spcBef>
+              <a:spcAft>
+                <a:spcPts val="0"/>
+              </a:spcAft>
               <a:buNone/>
             </a:pPr>
             <a:r>
-              <a:rPr lang="en" sz="2800"/>
+              <a:rPr lang="en"/>
               <a:t>Langchain Memory classes</a:t>
             </a:r>
-            <a:endParaRPr sz="2800"/>
+            <a:endParaRPr/>
           </a:p>
         </p:txBody>
       </p:sp>
       <p:sp>
         <p:nvSpPr>
-          <p:cNvPr id="134" name="Google Shape;134;p13"/>
+          <p:cNvPr id="129" name="Google Shape;129;p25"/>
           <p:cNvSpPr txBox="1"/>
           <p:nvPr>
             <p:ph idx="1" type="body"/>
@@ -8574,10 +7661,6 @@
           <a:prstGeom prst="rect">
             <a:avLst/>
           </a:prstGeom>
-          <a:noFill/>
-          <a:ln>
-            <a:noFill/>
-          </a:ln>
         </p:spPr>
         <p:txBody>
           <a:bodyPr anchorCtr="0" anchor="t" bIns="91425" lIns="91425" spcFirstLastPara="1" rIns="91425" wrap="square" tIns="91425">
@@ -8586,9 +7669,6 @@
           <a:lstStyle/>
           <a:p>
             <a:pPr indent="0" lvl="0" marL="0" rtl="0" algn="l">
-              <a:lnSpc>
-                <a:spcPct val="115000"/>
-              </a:lnSpc>
               <a:spcBef>
                 <a:spcPts val="0"/>
               </a:spcBef>
@@ -8618,9 +7698,6 @@
           </a:p>
           <a:p>
             <a:pPr indent="-298450" lvl="0" marL="457200" rtl="0" algn="l">
-              <a:lnSpc>
-                <a:spcPct val="115000"/>
-              </a:lnSpc>
               <a:spcBef>
                 <a:spcPts val="1200"/>
               </a:spcBef>
@@ -8661,9 +7738,6 @@
           </a:p>
           <a:p>
             <a:pPr indent="-298450" lvl="0" marL="457200" rtl="0" algn="l">
-              <a:lnSpc>
-                <a:spcPct val="115000"/>
-              </a:lnSpc>
               <a:spcBef>
                 <a:spcPts val="0"/>
               </a:spcBef>
@@ -8720,9 +7794,6 @@
           </a:p>
           <a:p>
             <a:pPr indent="-298450" lvl="0" marL="457200" rtl="0" algn="l">
-              <a:lnSpc>
-                <a:spcPct val="115000"/>
-              </a:lnSpc>
               <a:spcBef>
                 <a:spcPts val="0"/>
               </a:spcBef>
@@ -8763,9 +7834,6 @@
           </a:p>
           <a:p>
             <a:pPr indent="0" lvl="0" marL="0" rtl="0" algn="l">
-              <a:lnSpc>
-                <a:spcPct val="115000"/>
-              </a:lnSpc>
               <a:spcBef>
                 <a:spcPts val="1200"/>
               </a:spcBef>
@@ -8795,9 +7863,6 @@
           </a:p>
           <a:p>
             <a:pPr indent="-298450" lvl="0" marL="457200" rtl="0" algn="l">
-              <a:lnSpc>
-                <a:spcPct val="115000"/>
-              </a:lnSpc>
               <a:spcBef>
                 <a:spcPts val="1200"/>
               </a:spcBef>
@@ -8846,9 +7911,6 @@
           </a:p>
           <a:p>
             <a:pPr indent="-298450" lvl="0" marL="457200" rtl="0" algn="l">
-              <a:lnSpc>
-                <a:spcPct val="115000"/>
-              </a:lnSpc>
               <a:spcBef>
                 <a:spcPts val="0"/>
               </a:spcBef>
@@ -8877,9 +7939,6 @@
           </a:p>
           <a:p>
             <a:pPr indent="0" lvl="0" marL="0" rtl="0" algn="l">
-              <a:lnSpc>
-                <a:spcPct val="115000"/>
-              </a:lnSpc>
               <a:spcBef>
                 <a:spcPts val="1200"/>
               </a:spcBef>
@@ -8909,9 +7968,6 @@
           </a:p>
           <a:p>
             <a:pPr indent="-298450" lvl="0" marL="457200" rtl="0" algn="l">
-              <a:lnSpc>
-                <a:spcPct val="115000"/>
-              </a:lnSpc>
               <a:spcBef>
                 <a:spcPts val="1200"/>
               </a:spcBef>
@@ -8940,9 +7996,6 @@
           </a:p>
           <a:p>
             <a:pPr indent="0" lvl="0" marL="0" rtl="0" algn="l">
-              <a:lnSpc>
-                <a:spcPct val="115000"/>
-              </a:lnSpc>
               <a:spcBef>
                 <a:spcPts val="1200"/>
               </a:spcBef>
@@ -8967,16 +8020,12 @@
           </a:p>
           <a:p>
             <a:pPr indent="0" lvl="0" marL="0" rtl="0" algn="l">
-              <a:lnSpc>
-                <a:spcPct val="115000"/>
-              </a:lnSpc>
               <a:spcBef>
                 <a:spcPts val="1200"/>
               </a:spcBef>
               <a:spcAft>
                 <a:spcPts val="1200"/>
               </a:spcAft>
-              <a:buSzPts val="1800"/>
               <a:buNone/>
             </a:pPr>
             <a:r>
@@ -8994,12 +8043,12 @@
 </p:sld>
 </file>
 
-<file path=ppt/slides/slide15.xml><?xml version="1.0" encoding="utf-8"?>
+<file path=ppt/slides/slide14.xml><?xml version="1.0" encoding="utf-8"?>
 <p:sld xmlns:a="http://schemas.openxmlformats.org/drawingml/2006/main" xmlns:r="http://schemas.openxmlformats.org/officeDocument/2006/relationships" xmlns:mc="http://schemas.openxmlformats.org/markup-compatibility/2006" xmlns:mv="urn:schemas-microsoft-com:mac:vml" xmlns:p="http://schemas.openxmlformats.org/presentationml/2006/main" xmlns:c="http://schemas.openxmlformats.org/drawingml/2006/chart" xmlns:dgm="http://schemas.openxmlformats.org/drawingml/2006/diagram" xmlns:o="urn:schemas-microsoft-com:office:office" xmlns:v="urn:schemas-microsoft-com:vml" xmlns:pvml="urn:schemas-microsoft-com:office:powerpoint" xmlns:com="http://schemas.openxmlformats.org/drawingml/2006/compatibility" xmlns:p14="http://schemas.microsoft.com/office/powerpoint/2010/main" xmlns:p15="http://schemas.microsoft.com/office/powerpoint/2012/main" xmlns:ahyp="http://schemas.microsoft.com/office/drawing/2018/hyperlinkcolor">
   <p:cSld>
     <p:spTree>
       <p:nvGrpSpPr>
-        <p:cNvPr id="138" name="Shape 138"/>
+        <p:cNvPr id="133" name="Shape 133"/>
         <p:cNvGrpSpPr/>
         <p:nvPr/>
       </p:nvGrpSpPr>
@@ -9013,7 +8062,7 @@
       </p:grpSpPr>
       <p:sp>
         <p:nvSpPr>
-          <p:cNvPr id="139" name="Google Shape;139;p14"/>
+          <p:cNvPr id="134" name="Google Shape;134;p26"/>
           <p:cNvSpPr txBox="1"/>
           <p:nvPr>
             <p:ph type="title"/>
@@ -9027,50 +8076,43 @@
           <a:prstGeom prst="rect">
             <a:avLst/>
           </a:prstGeom>
-          <a:noFill/>
-          <a:ln>
-            <a:noFill/>
-          </a:ln>
         </p:spPr>
         <p:txBody>
           <a:bodyPr anchorCtr="0" anchor="t" bIns="91425" lIns="91425" spcFirstLastPara="1" rIns="91425" wrap="square" tIns="91425">
-            <a:noAutofit/>
+            <a:normAutofit fontScale="90000"/>
           </a:bodyPr>
           <a:lstStyle/>
           <a:p>
             <a:pPr indent="0" lvl="0" marL="0" rtl="0" algn="l">
-              <a:lnSpc>
-                <a:spcPct val="100000"/>
-              </a:lnSpc>
-              <a:spcBef>
-                <a:spcPts val="0"/>
-              </a:spcBef>
-              <a:spcAft>
-                <a:spcPts val="0"/>
-              </a:spcAft>
-              <a:buSzPts val="3111"/>
+              <a:spcBef>
+                <a:spcPts val="0"/>
+              </a:spcBef>
+              <a:spcAft>
+                <a:spcPts val="0"/>
+              </a:spcAft>
               <a:buNone/>
             </a:pPr>
             <a:r>
-              <a:rPr lang="en" sz="2800"/>
+              <a:rPr lang="en"/>
               <a:t>Conversation Buffer Window Memory</a:t>
             </a:r>
-            <a:endParaRPr sz="2800"/>
+            <a:endParaRPr/>
           </a:p>
         </p:txBody>
       </p:sp>
       <p:pic>
         <p:nvPicPr>
-          <p:cNvPr id="140" name="Google Shape;140;p14"/>
+          <p:cNvPr id="135" name="Google Shape;135;p26"/>
           <p:cNvPicPr preferRelativeResize="0"/>
           <p:nvPr/>
         </p:nvPicPr>
-        <p:blipFill rotWithShape="1">
+        <p:blipFill>
           <a:blip r:embed="rId3">
             <a:alphaModFix/>
           </a:blip>
-          <a:srcRect b="0" l="0" r="0" t="0"/>
-          <a:stretch/>
+          <a:stretch>
+            <a:fillRect/>
+          </a:stretch>
         </p:blipFill>
         <p:spPr>
           <a:xfrm>
@@ -9094,37 +8136,12 @@
 </p:sld>
 </file>
 
-<file path=ppt/slides/slide16.xml><?xml version="1.0" encoding="utf-8"?>
+<file path=ppt/slides/slide15.xml><?xml version="1.0" encoding="utf-8"?>
 <p:sld xmlns:a="http://schemas.openxmlformats.org/drawingml/2006/main" xmlns:r="http://schemas.openxmlformats.org/officeDocument/2006/relationships" xmlns:mc="http://schemas.openxmlformats.org/markup-compatibility/2006" xmlns:mv="urn:schemas-microsoft-com:mac:vml" xmlns:p="http://schemas.openxmlformats.org/presentationml/2006/main" xmlns:c="http://schemas.openxmlformats.org/drawingml/2006/chart" xmlns:dgm="http://schemas.openxmlformats.org/drawingml/2006/diagram" xmlns:o="urn:schemas-microsoft-com:office:office" xmlns:v="urn:schemas-microsoft-com:vml" xmlns:pvml="urn:schemas-microsoft-com:office:powerpoint" xmlns:com="http://schemas.openxmlformats.org/drawingml/2006/compatibility" xmlns:p14="http://schemas.microsoft.com/office/powerpoint/2010/main" xmlns:p15="http://schemas.microsoft.com/office/powerpoint/2012/main" xmlns:ahyp="http://schemas.microsoft.com/office/drawing/2018/hyperlinkcolor">
   <p:cSld>
     <p:spTree>
       <p:nvGrpSpPr>
-        <p:cNvPr id="144" name="Shape 144"/>
-        <p:cNvGrpSpPr/>
-        <p:nvPr/>
-      </p:nvGrpSpPr>
-      <p:grpSpPr>
-        <a:xfrm>
-          <a:off x="0" y="0"/>
-          <a:ext cx="0" cy="0"/>
-          <a:chOff x="0" y="0"/>
-          <a:chExt cx="0" cy="0"/>
-        </a:xfrm>
-      </p:grpSpPr>
-    </p:spTree>
-  </p:cSld>
-  <p:clrMapOvr>
-    <a:masterClrMapping/>
-  </p:clrMapOvr>
-</p:sld>
-</file>
-
-<file path=ppt/slides/slide17.xml><?xml version="1.0" encoding="utf-8"?>
-<p:sld xmlns:a="http://schemas.openxmlformats.org/drawingml/2006/main" xmlns:r="http://schemas.openxmlformats.org/officeDocument/2006/relationships" xmlns:mc="http://schemas.openxmlformats.org/markup-compatibility/2006" xmlns:mv="urn:schemas-microsoft-com:mac:vml" xmlns:p="http://schemas.openxmlformats.org/presentationml/2006/main" xmlns:c="http://schemas.openxmlformats.org/drawingml/2006/chart" xmlns:dgm="http://schemas.openxmlformats.org/drawingml/2006/diagram" xmlns:o="urn:schemas-microsoft-com:office:office" xmlns:v="urn:schemas-microsoft-com:vml" xmlns:pvml="urn:schemas-microsoft-com:office:powerpoint" xmlns:com="http://schemas.openxmlformats.org/drawingml/2006/compatibility" xmlns:p14="http://schemas.microsoft.com/office/powerpoint/2010/main" xmlns:p15="http://schemas.microsoft.com/office/powerpoint/2012/main" xmlns:ahyp="http://schemas.microsoft.com/office/drawing/2018/hyperlinkcolor">
-  <p:cSld>
-    <p:spTree>
-      <p:nvGrpSpPr>
-        <p:cNvPr id="148" name="Shape 148"/>
+        <p:cNvPr id="139" name="Shape 139"/>
         <p:cNvGrpSpPr/>
         <p:nvPr/>
       </p:nvGrpSpPr>
@@ -9138,7 +8155,7 @@
       </p:grpSpPr>
       <p:sp>
         <p:nvSpPr>
-          <p:cNvPr id="149" name="Google Shape;149;p15"/>
+          <p:cNvPr id="140" name="Google Shape;140;p27"/>
           <p:cNvSpPr txBox="1"/>
           <p:nvPr>
             <p:ph type="title"/>
@@ -9152,10 +8169,6 @@
           <a:prstGeom prst="rect">
             <a:avLst/>
           </a:prstGeom>
-          <a:noFill/>
-          <a:ln>
-            <a:noFill/>
-          </a:ln>
         </p:spPr>
         <p:txBody>
           <a:bodyPr anchorCtr="0" anchor="t" bIns="91425" lIns="91425" spcFirstLastPara="1" rIns="91425" wrap="square" tIns="91425">
@@ -9164,16 +8177,12 @@
           <a:lstStyle/>
           <a:p>
             <a:pPr indent="0" lvl="0" marL="0" rtl="0" algn="l">
-              <a:lnSpc>
-                <a:spcPct val="100000"/>
-              </a:lnSpc>
-              <a:spcBef>
-                <a:spcPts val="0"/>
-              </a:spcBef>
-              <a:spcAft>
-                <a:spcPts val="0"/>
-              </a:spcAft>
-              <a:buSzPct val="111107"/>
+              <a:spcBef>
+                <a:spcPts val="0"/>
+              </a:spcBef>
+              <a:spcAft>
+                <a:spcPts val="0"/>
+              </a:spcAft>
               <a:buNone/>
             </a:pPr>
             <a:r>
@@ -9186,7 +8195,7 @@
       </p:sp>
       <p:graphicFrame>
         <p:nvGraphicFramePr>
-          <p:cNvPr id="150" name="Google Shape;150;p15"/>
+          <p:cNvPr id="141" name="Google Shape;141;p27"/>
           <p:cNvGraphicFramePr/>
           <p:nvPr/>
         </p:nvGraphicFramePr>
@@ -9201,7 +8210,7 @@
                 <a:solidFill>
                   <a:srgbClr val="FFFFFF"/>
                 </a:solidFill>
-                <a:tableStyleId>{7A213815-3BE1-48ED-A11E-26C90326E0D2}</a:tableStyleId>
+                <a:tableStyleId>{F7B997B4-9BF3-47C5-ADE1-C7EDE530CDC0}</a:tableStyleId>
               </a:tblPr>
               <a:tblGrid>
                 <a:gridCol w="1040000"/>
@@ -9216,7 +8225,7 @@
                     <a:bodyPr/>
                     <a:lstStyle/>
                     <a:p>
-                      <a:pPr indent="0" lvl="0" marL="0" marR="0" rtl="0" algn="ctr">
+                      <a:pPr indent="0" lvl="0" marL="0" rtl="0" algn="ctr">
                         <a:lnSpc>
                           <a:spcPct val="120000"/>
                         </a:lnSpc>
@@ -9224,17 +8233,12 @@
                           <a:spcPts val="0"/>
                         </a:spcBef>
                         <a:spcAft>
-                          <a:spcPts val="0"/>
+                          <a:spcPts val="800"/>
                         </a:spcAft>
-                        <a:buClr>
-                          <a:srgbClr val="000000"/>
-                        </a:buClr>
-                        <a:buSzPts val="1400"/>
-                        <a:buFont typeface="Arial"/>
                         <a:buNone/>
                       </a:pPr>
                       <a:r>
-                        <a:rPr b="1" lang="en" sz="1400" u="none" cap="none" strike="noStrike">
+                        <a:rPr b="1" lang="en">
                           <a:solidFill>
                             <a:srgbClr val="273239"/>
                           </a:solidFill>
@@ -9248,7 +8252,7 @@
                         </a:rPr>
                         <a:t>Memory Type</a:t>
                       </a:r>
-                      <a:endParaRPr b="1" sz="1400" u="none" cap="none" strike="noStrike">
+                      <a:endParaRPr b="1">
                         <a:solidFill>
                           <a:srgbClr val="273239"/>
                         </a:solidFill>
@@ -9309,7 +8313,7 @@
                     <a:bodyPr/>
                     <a:lstStyle/>
                     <a:p>
-                      <a:pPr indent="0" lvl="0" marL="0" marR="0" rtl="0" algn="ctr">
+                      <a:pPr indent="0" lvl="0" marL="0" rtl="0" algn="ctr">
                         <a:lnSpc>
                           <a:spcPct val="120000"/>
                         </a:lnSpc>
@@ -9317,17 +8321,12 @@
                           <a:spcPts val="0"/>
                         </a:spcBef>
                         <a:spcAft>
-                          <a:spcPts val="0"/>
+                          <a:spcPts val="800"/>
                         </a:spcAft>
-                        <a:buClr>
-                          <a:srgbClr val="000000"/>
-                        </a:buClr>
-                        <a:buSzPts val="1400"/>
-                        <a:buFont typeface="Arial"/>
                         <a:buNone/>
                       </a:pPr>
                       <a:r>
-                        <a:rPr b="1" lang="en" sz="1400" u="none" cap="none" strike="noStrike">
+                        <a:rPr b="1" lang="en">
                           <a:solidFill>
                             <a:srgbClr val="273239"/>
                           </a:solidFill>
@@ -9341,7 +8340,7 @@
                         </a:rPr>
                         <a:t>Conversation Buffer Memory</a:t>
                       </a:r>
-                      <a:endParaRPr b="1" sz="1400" u="none" cap="none" strike="noStrike">
+                      <a:endParaRPr b="1">
                         <a:solidFill>
                           <a:srgbClr val="273239"/>
                         </a:solidFill>
@@ -9402,7 +8401,7 @@
                     <a:bodyPr/>
                     <a:lstStyle/>
                     <a:p>
-                      <a:pPr indent="0" lvl="0" marL="0" marR="0" rtl="0" algn="ctr">
+                      <a:pPr indent="0" lvl="0" marL="0" rtl="0" algn="ctr">
                         <a:lnSpc>
                           <a:spcPct val="120000"/>
                         </a:lnSpc>
@@ -9410,17 +8409,12 @@
                           <a:spcPts val="0"/>
                         </a:spcBef>
                         <a:spcAft>
-                          <a:spcPts val="0"/>
+                          <a:spcPts val="800"/>
                         </a:spcAft>
-                        <a:buClr>
-                          <a:srgbClr val="000000"/>
-                        </a:buClr>
-                        <a:buSzPts val="1400"/>
-                        <a:buFont typeface="Arial"/>
                         <a:buNone/>
                       </a:pPr>
                       <a:r>
-                        <a:rPr b="1" lang="en" sz="1400" u="none" cap="none" strike="noStrike">
+                        <a:rPr b="1" lang="en">
                           <a:solidFill>
                             <a:srgbClr val="273239"/>
                           </a:solidFill>
@@ -9434,7 +8428,7 @@
                         </a:rPr>
                         <a:t>Conversation Buffer Window Memory</a:t>
                       </a:r>
-                      <a:endParaRPr b="1" sz="1400" u="none" cap="none" strike="noStrike">
+                      <a:endParaRPr b="1">
                         <a:solidFill>
                           <a:srgbClr val="273239"/>
                         </a:solidFill>
@@ -9495,7 +8489,7 @@
                     <a:bodyPr/>
                     <a:lstStyle/>
                     <a:p>
-                      <a:pPr indent="0" lvl="0" marL="0" marR="0" rtl="0" algn="ctr">
+                      <a:pPr indent="0" lvl="0" marL="0" rtl="0" algn="ctr">
                         <a:lnSpc>
                           <a:spcPct val="120000"/>
                         </a:lnSpc>
@@ -9503,17 +8497,12 @@
                           <a:spcPts val="0"/>
                         </a:spcBef>
                         <a:spcAft>
-                          <a:spcPts val="0"/>
+                          <a:spcPts val="800"/>
                         </a:spcAft>
-                        <a:buClr>
-                          <a:srgbClr val="000000"/>
-                        </a:buClr>
-                        <a:buSzPts val="1400"/>
-                        <a:buFont typeface="Arial"/>
                         <a:buNone/>
                       </a:pPr>
                       <a:r>
-                        <a:rPr b="1" lang="en" sz="1400" u="none" cap="none" strike="noStrike">
+                        <a:rPr b="1" lang="en">
                           <a:solidFill>
                             <a:srgbClr val="273239"/>
                           </a:solidFill>
@@ -9527,7 +8516,7 @@
                         </a:rPr>
                         <a:t>Conversation Summary Memory</a:t>
                       </a:r>
-                      <a:endParaRPr b="1" sz="1400" u="none" cap="none" strike="noStrike">
+                      <a:endParaRPr b="1">
                         <a:solidFill>
                           <a:srgbClr val="273239"/>
                         </a:solidFill>
@@ -9588,7 +8577,7 @@
                     <a:bodyPr/>
                     <a:lstStyle/>
                     <a:p>
-                      <a:pPr indent="0" lvl="0" marL="0" marR="0" rtl="0" algn="ctr">
+                      <a:pPr indent="0" lvl="0" marL="0" rtl="0" algn="ctr">
                         <a:lnSpc>
                           <a:spcPct val="120000"/>
                         </a:lnSpc>
@@ -9596,17 +8585,12 @@
                           <a:spcPts val="0"/>
                         </a:spcBef>
                         <a:spcAft>
-                          <a:spcPts val="0"/>
+                          <a:spcPts val="800"/>
                         </a:spcAft>
-                        <a:buClr>
-                          <a:srgbClr val="000000"/>
-                        </a:buClr>
-                        <a:buSzPts val="1400"/>
-                        <a:buFont typeface="Arial"/>
                         <a:buNone/>
                       </a:pPr>
                       <a:r>
-                        <a:rPr b="1" lang="en" sz="1400" u="none" cap="none" strike="noStrike">
+                        <a:rPr b="1" lang="en">
                           <a:solidFill>
                             <a:srgbClr val="273239"/>
                           </a:solidFill>
@@ -9620,7 +8604,7 @@
                         </a:rPr>
                         <a:t>Vector Store Retriever Memory</a:t>
                       </a:r>
-                      <a:endParaRPr b="1" sz="1400" u="none" cap="none" strike="noStrike">
+                      <a:endParaRPr b="1">
                         <a:solidFill>
                           <a:srgbClr val="273239"/>
                         </a:solidFill>
@@ -9683,7 +8667,7 @@
                     <a:bodyPr/>
                     <a:lstStyle/>
                     <a:p>
-                      <a:pPr indent="0" lvl="0" marL="0" marR="0" rtl="0" algn="ctr">
+                      <a:pPr indent="0" lvl="0" marL="0" rtl="0" algn="ctr">
                         <a:lnSpc>
                           <a:spcPct val="120000"/>
                         </a:lnSpc>
@@ -9691,17 +8675,12 @@
                           <a:spcPts val="0"/>
                         </a:spcBef>
                         <a:spcAft>
-                          <a:spcPts val="0"/>
+                          <a:spcPts val="800"/>
                         </a:spcAft>
-                        <a:buClr>
-                          <a:srgbClr val="000000"/>
-                        </a:buClr>
-                        <a:buSzPts val="1350"/>
-                        <a:buFont typeface="Arial"/>
                         <a:buNone/>
                       </a:pPr>
                       <a:r>
-                        <a:rPr b="1" lang="en" sz="1350" u="none" cap="none" strike="noStrike">
+                        <a:rPr b="1" lang="en" sz="1350">
                           <a:solidFill>
                             <a:srgbClr val="273239"/>
                           </a:solidFill>
@@ -9715,7 +8694,7 @@
                         </a:rPr>
                         <a:t>What it Stores</a:t>
                       </a:r>
-                      <a:endParaRPr b="1" sz="1350" u="none" cap="none" strike="noStrike">
+                      <a:endParaRPr b="1" sz="1350">
                         <a:solidFill>
                           <a:srgbClr val="273239"/>
                         </a:solidFill>
@@ -9776,7 +8755,7 @@
                     <a:bodyPr/>
                     <a:lstStyle/>
                     <a:p>
-                      <a:pPr indent="0" lvl="0" marL="0" marR="0" rtl="0" algn="ctr">
+                      <a:pPr indent="0" lvl="0" marL="0" rtl="0" algn="ctr">
                         <a:lnSpc>
                           <a:spcPct val="120000"/>
                         </a:lnSpc>
@@ -9784,17 +8763,12 @@
                           <a:spcPts val="0"/>
                         </a:spcBef>
                         <a:spcAft>
-                          <a:spcPts val="0"/>
+                          <a:spcPts val="800"/>
                         </a:spcAft>
-                        <a:buClr>
-                          <a:srgbClr val="000000"/>
-                        </a:buClr>
-                        <a:buSzPts val="1250"/>
-                        <a:buFont typeface="Arial"/>
                         <a:buNone/>
                       </a:pPr>
                       <a:r>
-                        <a:rPr lang="en" sz="1250" u="none" cap="none" strike="noStrike">
+                        <a:rPr lang="en" sz="1250">
                           <a:solidFill>
                             <a:srgbClr val="273239"/>
                           </a:solidFill>
@@ -9808,7 +8782,7 @@
                         </a:rPr>
                         <a:t>Entire conversation history as plain text</a:t>
                       </a:r>
-                      <a:endParaRPr sz="1250" u="none" cap="none" strike="noStrike">
+                      <a:endParaRPr sz="1250">
                         <a:solidFill>
                           <a:srgbClr val="273239"/>
                         </a:solidFill>
@@ -9866,7 +8840,7 @@
                     <a:bodyPr/>
                     <a:lstStyle/>
                     <a:p>
-                      <a:pPr indent="0" lvl="0" marL="0" marR="0" rtl="0" algn="ctr">
+                      <a:pPr indent="0" lvl="0" marL="0" rtl="0" algn="ctr">
                         <a:lnSpc>
                           <a:spcPct val="120000"/>
                         </a:lnSpc>
@@ -9874,17 +8848,12 @@
                           <a:spcPts val="0"/>
                         </a:spcBef>
                         <a:spcAft>
-                          <a:spcPts val="0"/>
+                          <a:spcPts val="800"/>
                         </a:spcAft>
-                        <a:buClr>
-                          <a:srgbClr val="000000"/>
-                        </a:buClr>
-                        <a:buSzPts val="1250"/>
-                        <a:buFont typeface="Arial"/>
                         <a:buNone/>
                       </a:pPr>
                       <a:r>
-                        <a:rPr lang="en" sz="1250" u="none" cap="none" strike="noStrike">
+                        <a:rPr lang="en" sz="1250">
                           <a:solidFill>
                             <a:srgbClr val="273239"/>
                           </a:solidFill>
@@ -9898,7 +8867,7 @@
                         </a:rPr>
                         <a:t>Only the most recent k exchanges</a:t>
                       </a:r>
-                      <a:endParaRPr sz="1250" u="none" cap="none" strike="noStrike">
+                      <a:endParaRPr sz="1250">
                         <a:solidFill>
                           <a:srgbClr val="273239"/>
                         </a:solidFill>
@@ -9956,7 +8925,7 @@
                     <a:bodyPr/>
                     <a:lstStyle/>
                     <a:p>
-                      <a:pPr indent="0" lvl="0" marL="0" marR="0" rtl="0" algn="ctr">
+                      <a:pPr indent="0" lvl="0" marL="0" rtl="0" algn="ctr">
                         <a:lnSpc>
                           <a:spcPct val="120000"/>
                         </a:lnSpc>
@@ -9964,17 +8933,12 @@
                           <a:spcPts val="0"/>
                         </a:spcBef>
                         <a:spcAft>
-                          <a:spcPts val="0"/>
+                          <a:spcPts val="800"/>
                         </a:spcAft>
-                        <a:buClr>
-                          <a:srgbClr val="000000"/>
-                        </a:buClr>
-                        <a:buSzPts val="1250"/>
-                        <a:buFont typeface="Arial"/>
                         <a:buNone/>
                       </a:pPr>
                       <a:r>
-                        <a:rPr lang="en" sz="1250" u="none" cap="none" strike="noStrike">
+                        <a:rPr lang="en" sz="1250">
                           <a:solidFill>
                             <a:srgbClr val="273239"/>
                           </a:solidFill>
@@ -9988,7 +8952,7 @@
                         </a:rPr>
                         <a:t>Condensed LLM generated summary of past</a:t>
                       </a:r>
-                      <a:endParaRPr sz="1250" u="none" cap="none" strike="noStrike">
+                      <a:endParaRPr sz="1250">
                         <a:solidFill>
                           <a:srgbClr val="273239"/>
                         </a:solidFill>
@@ -10046,7 +9010,7 @@
                     <a:bodyPr/>
                     <a:lstStyle/>
                     <a:p>
-                      <a:pPr indent="0" lvl="0" marL="0" marR="0" rtl="0" algn="ctr">
+                      <a:pPr indent="0" lvl="0" marL="0" rtl="0" algn="ctr">
                         <a:lnSpc>
                           <a:spcPct val="120000"/>
                         </a:lnSpc>
@@ -10054,17 +9018,12 @@
                           <a:spcPts val="0"/>
                         </a:spcBef>
                         <a:spcAft>
-                          <a:spcPts val="0"/>
+                          <a:spcPts val="800"/>
                         </a:spcAft>
-                        <a:buClr>
-                          <a:srgbClr val="000000"/>
-                        </a:buClr>
-                        <a:buSzPts val="1250"/>
-                        <a:buFont typeface="Arial"/>
                         <a:buNone/>
                       </a:pPr>
                       <a:r>
-                        <a:rPr lang="en" sz="1250" u="none" cap="none" strike="noStrike">
+                        <a:rPr lang="en" sz="1250">
                           <a:solidFill>
                             <a:srgbClr val="273239"/>
                           </a:solidFill>
@@ -10078,7 +9037,7 @@
                         </a:rPr>
                         <a:t>Embeddings of past conversations in a vector DB</a:t>
                       </a:r>
-                      <a:endParaRPr sz="1250" u="none" cap="none" strike="noStrike">
+                      <a:endParaRPr sz="1250">
                         <a:solidFill>
                           <a:srgbClr val="273239"/>
                         </a:solidFill>
@@ -10138,7 +9097,7 @@
                     <a:bodyPr/>
                     <a:lstStyle/>
                     <a:p>
-                      <a:pPr indent="0" lvl="0" marL="0" marR="0" rtl="0" algn="ctr">
+                      <a:pPr indent="0" lvl="0" marL="0" rtl="0" algn="ctr">
                         <a:lnSpc>
                           <a:spcPct val="120000"/>
                         </a:lnSpc>
@@ -10146,17 +9105,12 @@
                           <a:spcPts val="0"/>
                         </a:spcBef>
                         <a:spcAft>
-                          <a:spcPts val="0"/>
+                          <a:spcPts val="800"/>
                         </a:spcAft>
-                        <a:buClr>
-                          <a:srgbClr val="000000"/>
-                        </a:buClr>
-                        <a:buSzPts val="1350"/>
-                        <a:buFont typeface="Arial"/>
                         <a:buNone/>
                       </a:pPr>
                       <a:r>
-                        <a:rPr b="1" lang="en" sz="1350" u="none" cap="none" strike="noStrike">
+                        <a:rPr b="1" lang="en" sz="1350">
                           <a:solidFill>
                             <a:srgbClr val="273239"/>
                           </a:solidFill>
@@ -10170,7 +9124,7 @@
                         </a:rPr>
                         <a:t>Strengths</a:t>
                       </a:r>
-                      <a:endParaRPr b="1" sz="1350" u="none" cap="none" strike="noStrike">
+                      <a:endParaRPr b="1" sz="1350">
                         <a:solidFill>
                           <a:srgbClr val="273239"/>
                         </a:solidFill>
@@ -10231,7 +9185,7 @@
                     <a:bodyPr/>
                     <a:lstStyle/>
                     <a:p>
-                      <a:pPr indent="0" lvl="0" marL="0" marR="0" rtl="0" algn="ctr">
+                      <a:pPr indent="0" lvl="0" marL="0" rtl="0" algn="ctr">
                         <a:lnSpc>
                           <a:spcPct val="120000"/>
                         </a:lnSpc>
@@ -10239,17 +9193,12 @@
                           <a:spcPts val="0"/>
                         </a:spcBef>
                         <a:spcAft>
-                          <a:spcPts val="0"/>
+                          <a:spcPts val="800"/>
                         </a:spcAft>
-                        <a:buClr>
-                          <a:srgbClr val="000000"/>
-                        </a:buClr>
-                        <a:buSzPts val="1250"/>
-                        <a:buFont typeface="Arial"/>
                         <a:buNone/>
                       </a:pPr>
                       <a:r>
-                        <a:rPr lang="en" sz="1250" u="none" cap="none" strike="noStrike">
+                        <a:rPr lang="en" sz="1250">
                           <a:solidFill>
                             <a:srgbClr val="273239"/>
                           </a:solidFill>
@@ -10263,7 +9212,7 @@
                         </a:rPr>
                         <a:t>Full context preserved, simple to use</a:t>
                       </a:r>
-                      <a:endParaRPr sz="1250" u="none" cap="none" strike="noStrike">
+                      <a:endParaRPr sz="1250">
                         <a:solidFill>
                           <a:srgbClr val="273239"/>
                         </a:solidFill>
@@ -10321,7 +9270,7 @@
                     <a:bodyPr/>
                     <a:lstStyle/>
                     <a:p>
-                      <a:pPr indent="0" lvl="0" marL="0" marR="0" rtl="0" algn="ctr">
+                      <a:pPr indent="0" lvl="0" marL="0" rtl="0" algn="ctr">
                         <a:lnSpc>
                           <a:spcPct val="120000"/>
                         </a:lnSpc>
@@ -10329,17 +9278,12 @@
                           <a:spcPts val="0"/>
                         </a:spcBef>
                         <a:spcAft>
-                          <a:spcPts val="0"/>
+                          <a:spcPts val="800"/>
                         </a:spcAft>
-                        <a:buClr>
-                          <a:srgbClr val="000000"/>
-                        </a:buClr>
-                        <a:buSzPts val="1250"/>
-                        <a:buFont typeface="Arial"/>
                         <a:buNone/>
                       </a:pPr>
                       <a:r>
-                        <a:rPr lang="en" sz="1250" u="none" cap="none" strike="noStrike">
+                        <a:rPr lang="en" sz="1250">
                           <a:solidFill>
                             <a:srgbClr val="273239"/>
                           </a:solidFill>
@@ -10353,7 +9297,7 @@
                         </a:rPr>
                         <a:t>Keeps context relevant, avoids token overload</a:t>
                       </a:r>
-                      <a:endParaRPr sz="1250" u="none" cap="none" strike="noStrike">
+                      <a:endParaRPr sz="1250">
                         <a:solidFill>
                           <a:srgbClr val="273239"/>
                         </a:solidFill>
@@ -10411,7 +9355,7 @@
                     <a:bodyPr/>
                     <a:lstStyle/>
                     <a:p>
-                      <a:pPr indent="0" lvl="0" marL="0" marR="0" rtl="0" algn="ctr">
+                      <a:pPr indent="0" lvl="0" marL="0" rtl="0" algn="ctr">
                         <a:lnSpc>
                           <a:spcPct val="120000"/>
                         </a:lnSpc>
@@ -10419,17 +9363,12 @@
                           <a:spcPts val="0"/>
                         </a:spcBef>
                         <a:spcAft>
-                          <a:spcPts val="0"/>
+                          <a:spcPts val="800"/>
                         </a:spcAft>
-                        <a:buClr>
-                          <a:srgbClr val="000000"/>
-                        </a:buClr>
-                        <a:buSzPts val="1250"/>
-                        <a:buFont typeface="Arial"/>
                         <a:buNone/>
                       </a:pPr>
                       <a:r>
-                        <a:rPr lang="en" sz="1250" u="none" cap="none" strike="noStrike">
+                        <a:rPr lang="en" sz="1250">
                           <a:solidFill>
                             <a:srgbClr val="273239"/>
                           </a:solidFill>
@@ -10443,7 +9382,7 @@
                         </a:rPr>
                         <a:t>Saves tokens, retains long term context</a:t>
                       </a:r>
-                      <a:endParaRPr sz="1250" u="none" cap="none" strike="noStrike">
+                      <a:endParaRPr sz="1250">
                         <a:solidFill>
                           <a:srgbClr val="273239"/>
                         </a:solidFill>
@@ -10501,7 +9440,7 @@
                     <a:bodyPr/>
                     <a:lstStyle/>
                     <a:p>
-                      <a:pPr indent="0" lvl="0" marL="0" marR="0" rtl="0" algn="ctr">
+                      <a:pPr indent="0" lvl="0" marL="0" rtl="0" algn="ctr">
                         <a:lnSpc>
                           <a:spcPct val="120000"/>
                         </a:lnSpc>
@@ -10509,17 +9448,12 @@
                           <a:spcPts val="0"/>
                         </a:spcBef>
                         <a:spcAft>
-                          <a:spcPts val="0"/>
+                          <a:spcPts val="800"/>
                         </a:spcAft>
-                        <a:buClr>
-                          <a:srgbClr val="000000"/>
-                        </a:buClr>
-                        <a:buSzPts val="1250"/>
-                        <a:buFont typeface="Arial"/>
                         <a:buNone/>
                       </a:pPr>
                       <a:r>
-                        <a:rPr lang="en" sz="1250" u="none" cap="none" strike="noStrike">
+                        <a:rPr lang="en" sz="1250">
                           <a:solidFill>
                             <a:srgbClr val="273239"/>
                           </a:solidFill>
@@ -10533,7 +9467,7 @@
                         </a:rPr>
                         <a:t>Semantic recall across long histories</a:t>
                       </a:r>
-                      <a:endParaRPr sz="1250" u="none" cap="none" strike="noStrike">
+                      <a:endParaRPr sz="1250">
                         <a:solidFill>
                           <a:srgbClr val="273239"/>
                         </a:solidFill>
@@ -10593,7 +9527,7 @@
                     <a:bodyPr/>
                     <a:lstStyle/>
                     <a:p>
-                      <a:pPr indent="0" lvl="0" marL="0" marR="0" rtl="0" algn="ctr">
+                      <a:pPr indent="0" lvl="0" marL="0" rtl="0" algn="ctr">
                         <a:lnSpc>
                           <a:spcPct val="120000"/>
                         </a:lnSpc>
@@ -10601,17 +9535,12 @@
                           <a:spcPts val="0"/>
                         </a:spcBef>
                         <a:spcAft>
-                          <a:spcPts val="0"/>
+                          <a:spcPts val="800"/>
                         </a:spcAft>
-                        <a:buClr>
-                          <a:srgbClr val="000000"/>
-                        </a:buClr>
-                        <a:buSzPts val="1350"/>
-                        <a:buFont typeface="Arial"/>
                         <a:buNone/>
                       </a:pPr>
                       <a:r>
-                        <a:rPr b="1" lang="en" sz="1350" u="none" cap="none" strike="noStrike">
+                        <a:rPr b="1" lang="en" sz="1350">
                           <a:solidFill>
                             <a:srgbClr val="273239"/>
                           </a:solidFill>
@@ -10625,7 +9554,7 @@
                         </a:rPr>
                         <a:t>Limitations</a:t>
                       </a:r>
-                      <a:endParaRPr b="1" sz="1350" u="none" cap="none" strike="noStrike">
+                      <a:endParaRPr b="1" sz="1350">
                         <a:solidFill>
                           <a:srgbClr val="273239"/>
                         </a:solidFill>
@@ -10686,7 +9615,7 @@
                     <a:bodyPr/>
                     <a:lstStyle/>
                     <a:p>
-                      <a:pPr indent="0" lvl="0" marL="0" marR="0" rtl="0" algn="ctr">
+                      <a:pPr indent="0" lvl="0" marL="0" rtl="0" algn="ctr">
                         <a:lnSpc>
                           <a:spcPct val="120000"/>
                         </a:lnSpc>
@@ -10694,17 +9623,12 @@
                           <a:spcPts val="0"/>
                         </a:spcBef>
                         <a:spcAft>
-                          <a:spcPts val="0"/>
+                          <a:spcPts val="800"/>
                         </a:spcAft>
-                        <a:buClr>
-                          <a:srgbClr val="000000"/>
-                        </a:buClr>
-                        <a:buSzPts val="1250"/>
-                        <a:buFont typeface="Arial"/>
                         <a:buNone/>
                       </a:pPr>
                       <a:r>
-                        <a:rPr lang="en" sz="1250" u="none" cap="none" strike="noStrike">
+                        <a:rPr lang="en" sz="1250">
                           <a:solidFill>
                             <a:srgbClr val="273239"/>
                           </a:solidFill>
@@ -10718,7 +9642,7 @@
                         </a:rPr>
                         <a:t>Can grow too large and exceed token limits</a:t>
                       </a:r>
-                      <a:endParaRPr sz="1250" u="none" cap="none" strike="noStrike">
+                      <a:endParaRPr sz="1250">
                         <a:solidFill>
                           <a:srgbClr val="273239"/>
                         </a:solidFill>
@@ -10776,7 +9700,7 @@
                     <a:bodyPr/>
                     <a:lstStyle/>
                     <a:p>
-                      <a:pPr indent="0" lvl="0" marL="0" marR="0" rtl="0" algn="ctr">
+                      <a:pPr indent="0" lvl="0" marL="0" rtl="0" algn="ctr">
                         <a:lnSpc>
                           <a:spcPct val="120000"/>
                         </a:lnSpc>
@@ -10784,17 +9708,12 @@
                           <a:spcPts val="0"/>
                         </a:spcBef>
                         <a:spcAft>
-                          <a:spcPts val="0"/>
+                          <a:spcPts val="800"/>
                         </a:spcAft>
-                        <a:buClr>
-                          <a:srgbClr val="000000"/>
-                        </a:buClr>
-                        <a:buSzPts val="1250"/>
-                        <a:buFont typeface="Arial"/>
                         <a:buNone/>
                       </a:pPr>
                       <a:r>
-                        <a:rPr lang="en" sz="1250" u="none" cap="none" strike="noStrike">
+                        <a:rPr lang="en" sz="1250">
                           <a:solidFill>
                             <a:srgbClr val="273239"/>
                           </a:solidFill>
@@ -10808,7 +9727,7 @@
                         </a:rPr>
                         <a:t>Loses older parts of the conversation</a:t>
                       </a:r>
-                      <a:endParaRPr sz="1250" u="none" cap="none" strike="noStrike">
+                      <a:endParaRPr sz="1250">
                         <a:solidFill>
                           <a:srgbClr val="273239"/>
                         </a:solidFill>
@@ -10866,7 +9785,7 @@
                     <a:bodyPr/>
                     <a:lstStyle/>
                     <a:p>
-                      <a:pPr indent="0" lvl="0" marL="0" marR="0" rtl="0" algn="ctr">
+                      <a:pPr indent="0" lvl="0" marL="0" rtl="0" algn="ctr">
                         <a:lnSpc>
                           <a:spcPct val="120000"/>
                         </a:lnSpc>
@@ -10874,17 +9793,12 @@
                           <a:spcPts val="0"/>
                         </a:spcBef>
                         <a:spcAft>
-                          <a:spcPts val="0"/>
+                          <a:spcPts val="800"/>
                         </a:spcAft>
-                        <a:buClr>
-                          <a:srgbClr val="000000"/>
-                        </a:buClr>
-                        <a:buSzPts val="1250"/>
-                        <a:buFont typeface="Arial"/>
                         <a:buNone/>
                       </a:pPr>
                       <a:r>
-                        <a:rPr lang="en" sz="1250" u="none" cap="none" strike="noStrike">
+                        <a:rPr lang="en" sz="1250">
                           <a:solidFill>
                             <a:srgbClr val="273239"/>
                           </a:solidFill>
@@ -10898,7 +9812,7 @@
                         </a:rPr>
                         <a:t>Summaries may miss important details</a:t>
                       </a:r>
-                      <a:endParaRPr sz="1250" u="none" cap="none" strike="noStrike">
+                      <a:endParaRPr sz="1250">
                         <a:solidFill>
                           <a:srgbClr val="273239"/>
                         </a:solidFill>
@@ -10956,7 +9870,7 @@
                     <a:bodyPr/>
                     <a:lstStyle/>
                     <a:p>
-                      <a:pPr indent="0" lvl="0" marL="0" marR="0" rtl="0" algn="ctr">
+                      <a:pPr indent="0" lvl="0" marL="0" rtl="0" algn="ctr">
                         <a:lnSpc>
                           <a:spcPct val="120000"/>
                         </a:lnSpc>
@@ -10964,17 +9878,12 @@
                           <a:spcPts val="0"/>
                         </a:spcBef>
                         <a:spcAft>
-                          <a:spcPts val="0"/>
+                          <a:spcPts val="800"/>
                         </a:spcAft>
-                        <a:buClr>
-                          <a:srgbClr val="000000"/>
-                        </a:buClr>
-                        <a:buSzPts val="1250"/>
-                        <a:buFont typeface="Arial"/>
                         <a:buNone/>
                       </a:pPr>
                       <a:r>
-                        <a:rPr lang="en" sz="1250" u="none" cap="none" strike="noStrike">
+                        <a:rPr lang="en" sz="1250">
                           <a:solidFill>
                             <a:srgbClr val="273239"/>
                           </a:solidFill>
@@ -10988,7 +9897,7 @@
                         </a:rPr>
                         <a:t>Needs external vector DB, higher setup</a:t>
                       </a:r>
-                      <a:endParaRPr sz="1250" u="none" cap="none" strike="noStrike">
+                      <a:endParaRPr sz="1250">
                         <a:solidFill>
                           <a:srgbClr val="273239"/>
                         </a:solidFill>
@@ -11073,7 +9982,7 @@
       </p:grpSpPr>
       <p:sp>
         <p:nvSpPr>
-          <p:cNvPr id="60" name="Google Shape;60;p2"/>
+          <p:cNvPr id="60" name="Google Shape;60;p14"/>
           <p:cNvSpPr txBox="1"/>
           <p:nvPr>
             <p:ph type="title"/>
@@ -11087,10 +9996,6 @@
           <a:prstGeom prst="rect">
             <a:avLst/>
           </a:prstGeom>
-          <a:noFill/>
-          <a:ln>
-            <a:noFill/>
-          </a:ln>
         </p:spPr>
         <p:txBody>
           <a:bodyPr anchorCtr="0" anchor="t" bIns="91425" lIns="91425" spcFirstLastPara="1" rIns="91425" wrap="square" tIns="91425">
@@ -11099,9 +10004,6 @@
           <a:lstStyle/>
           <a:p>
             <a:pPr indent="0" lvl="0" marL="0" rtl="0" algn="l">
-              <a:lnSpc>
-                <a:spcPct val="100000"/>
-              </a:lnSpc>
               <a:spcBef>
                 <a:spcPts val="0"/>
               </a:spcBef>
@@ -11117,7 +10019,7 @@
             </a:pPr>
             <a:r>
               <a:rPr lang="en"/>
-              <a:t>Pending slides: The Transformer architecture</a:t>
+              <a:t>The Transformer architecture</a:t>
             </a:r>
             <a:endParaRPr/>
           </a:p>
@@ -11125,16 +10027,17 @@
       </p:sp>
       <p:pic>
         <p:nvPicPr>
-          <p:cNvPr id="61" name="Google Shape;61;p2"/>
+          <p:cNvPr id="61" name="Google Shape;61;p14"/>
           <p:cNvPicPr preferRelativeResize="0"/>
           <p:nvPr/>
         </p:nvPicPr>
-        <p:blipFill rotWithShape="1">
+        <p:blipFill>
           <a:blip r:embed="rId3">
             <a:alphaModFix/>
           </a:blip>
-          <a:srcRect b="0" l="0" r="0" t="0"/>
-          <a:stretch/>
+          <a:stretch>
+            <a:fillRect/>
+          </a:stretch>
         </p:blipFill>
         <p:spPr>
           <a:xfrm>
@@ -11177,7 +10080,7 @@
       </p:grpSpPr>
       <p:sp>
         <p:nvSpPr>
-          <p:cNvPr id="66" name="Google Shape;66;g3bc573f6356_0_45"/>
+          <p:cNvPr id="66" name="Google Shape;66;p15"/>
           <p:cNvSpPr txBox="1"/>
           <p:nvPr>
             <p:ph type="title"/>
@@ -11191,10 +10094,6 @@
           <a:prstGeom prst="rect">
             <a:avLst/>
           </a:prstGeom>
-          <a:noFill/>
-          <a:ln>
-            <a:noFill/>
-          </a:ln>
         </p:spPr>
         <p:txBody>
           <a:bodyPr anchorCtr="0" anchor="t" bIns="91425" lIns="91425" spcFirstLastPara="1" rIns="91425" wrap="square" tIns="91425">
@@ -11203,25 +10102,17 @@
           <a:lstStyle/>
           <a:p>
             <a:pPr indent="0" lvl="0" marL="0" rtl="0" algn="l">
-              <a:lnSpc>
-                <a:spcPct val="100000"/>
-              </a:lnSpc>
-              <a:spcBef>
-                <a:spcPts val="0"/>
-              </a:spcBef>
-              <a:spcAft>
-                <a:spcPts val="0"/>
-              </a:spcAft>
-              <a:buClr>
-                <a:schemeClr val="dk1"/>
-              </a:buClr>
-              <a:buSzPct val="39285"/>
-              <a:buFont typeface="Arial"/>
+              <a:spcBef>
+                <a:spcPts val="0"/>
+              </a:spcBef>
+              <a:spcAft>
+                <a:spcPts val="0"/>
+              </a:spcAft>
               <a:buNone/>
             </a:pPr>
             <a:r>
               <a:rPr lang="en"/>
-              <a:t>Pending slides: The Transformer architecture</a:t>
+              <a:t>The Transformer architecture</a:t>
             </a:r>
             <a:endParaRPr/>
           </a:p>
@@ -11229,21 +10120,22 @@
       </p:sp>
       <p:pic>
         <p:nvPicPr>
-          <p:cNvPr id="67" name="Google Shape;67;g3bc573f6356_0_45"/>
+          <p:cNvPr id="67" name="Google Shape;67;p15"/>
           <p:cNvPicPr preferRelativeResize="0"/>
           <p:nvPr/>
         </p:nvPicPr>
-        <p:blipFill rotWithShape="1">
+        <p:blipFill>
           <a:blip r:embed="rId3">
             <a:alphaModFix/>
           </a:blip>
-          <a:srcRect b="0" l="0" r="0" t="0"/>
-          <a:stretch/>
+          <a:stretch>
+            <a:fillRect/>
+          </a:stretch>
         </p:blipFill>
         <p:spPr>
           <a:xfrm>
-            <a:off x="1637613" y="1017725"/>
-            <a:ext cx="5868784" cy="3820973"/>
+            <a:off x="1524900" y="1142125"/>
+            <a:ext cx="6094212" cy="3820974"/>
           </a:xfrm>
           <a:prstGeom prst="rect">
             <a:avLst/>
@@ -11281,79 +10173,83 @@
       </p:grpSpPr>
       <p:sp>
         <p:nvSpPr>
-          <p:cNvPr id="72" name="Google Shape;72;p3"/>
+          <p:cNvPr id="72" name="Google Shape;72;p16"/>
           <p:cNvSpPr txBox="1"/>
           <p:nvPr>
-            <p:ph type="title"/>
+            <p:ph type="ctrTitle"/>
           </p:nvPr>
         </p:nvSpPr>
         <p:spPr>
           <a:xfrm>
-            <a:off x="311700" y="445025"/>
-            <a:ext cx="8520600" cy="572700"/>
+            <a:off x="311708" y="744575"/>
+            <a:ext cx="8520600" cy="2052600"/>
           </a:xfrm>
           <a:prstGeom prst="rect">
             <a:avLst/>
           </a:prstGeom>
-          <a:noFill/>
-          <a:ln>
-            <a:noFill/>
-          </a:ln>
         </p:spPr>
         <p:txBody>
-          <a:bodyPr anchorCtr="0" anchor="t" bIns="91425" lIns="91425" spcFirstLastPara="1" rIns="91425" wrap="square" tIns="91425">
-            <a:normAutofit fontScale="90000"/>
+          <a:bodyPr anchorCtr="0" anchor="b" bIns="91425" lIns="91425" spcFirstLastPara="1" rIns="91425" wrap="square" tIns="91425">
+            <a:normAutofit/>
           </a:bodyPr>
           <a:lstStyle/>
           <a:p>
-            <a:pPr indent="0" lvl="0" marL="0" rtl="0" algn="l">
-              <a:lnSpc>
-                <a:spcPct val="100000"/>
-              </a:lnSpc>
-              <a:spcBef>
-                <a:spcPts val="0"/>
-              </a:spcBef>
-              <a:spcAft>
-                <a:spcPts val="0"/>
-              </a:spcAft>
-              <a:buSzPct val="111107"/>
+            <a:pPr indent="0" lvl="0" marL="0" rtl="0" algn="ctr">
+              <a:spcBef>
+                <a:spcPts val="0"/>
+              </a:spcBef>
+              <a:spcAft>
+                <a:spcPts val="0"/>
+              </a:spcAft>
               <a:buNone/>
             </a:pPr>
             <a:r>
               <a:rPr lang="en"/>
-              <a:t>Pending slides: The Transformer architecture</a:t>
+              <a:t>LLM Inference: Ollama and LangChain Basics </a:t>
             </a:r>
             <a:endParaRPr/>
           </a:p>
         </p:txBody>
       </p:sp>
-      <p:pic>
-        <p:nvPicPr>
-          <p:cNvPr id="73" name="Google Shape;73;p3"/>
-          <p:cNvPicPr preferRelativeResize="0"/>
-          <p:nvPr/>
-        </p:nvPicPr>
-        <p:blipFill rotWithShape="1">
-          <a:blip r:embed="rId3">
-            <a:alphaModFix/>
-          </a:blip>
-          <a:srcRect b="0" l="0" r="0" t="0"/>
-          <a:stretch/>
-        </p:blipFill>
+      <p:sp>
+        <p:nvSpPr>
+          <p:cNvPr id="73" name="Google Shape;73;p16"/>
+          <p:cNvSpPr txBox="1"/>
+          <p:nvPr>
+            <p:ph idx="1" type="subTitle"/>
+          </p:nvPr>
+        </p:nvSpPr>
         <p:spPr>
           <a:xfrm>
-            <a:off x="1524900" y="1142125"/>
-            <a:ext cx="6094212" cy="3820974"/>
+            <a:off x="311700" y="2834125"/>
+            <a:ext cx="8520600" cy="792600"/>
           </a:xfrm>
           <a:prstGeom prst="rect">
             <a:avLst/>
           </a:prstGeom>
-          <a:noFill/>
-          <a:ln>
-            <a:noFill/>
-          </a:ln>
         </p:spPr>
-      </p:pic>
+        <p:txBody>
+          <a:bodyPr anchorCtr="0" anchor="t" bIns="91425" lIns="91425" spcFirstLastPara="1" rIns="91425" wrap="square" tIns="91425">
+            <a:normAutofit/>
+          </a:bodyPr>
+          <a:lstStyle/>
+          <a:p>
+            <a:pPr indent="0" lvl="0" marL="0" rtl="0" algn="ctr">
+              <a:spcBef>
+                <a:spcPts val="0"/>
+              </a:spcBef>
+              <a:spcAft>
+                <a:spcPts val="0"/>
+              </a:spcAft>
+              <a:buNone/>
+            </a:pPr>
+            <a:r>
+              <a:t/>
+            </a:r>
+            <a:endParaRPr/>
+          </a:p>
+        </p:txBody>
+      </p:sp>
     </p:spTree>
   </p:cSld>
   <p:clrMapOvr>
@@ -11381,53 +10277,177 @@
       </p:grpSpPr>
       <p:sp>
         <p:nvSpPr>
-          <p:cNvPr id="78" name="Google Shape;78;p4"/>
+          <p:cNvPr id="78" name="Google Shape;78;p17"/>
           <p:cNvSpPr txBox="1"/>
           <p:nvPr>
-            <p:ph type="ctrTitle"/>
+            <p:ph type="title"/>
           </p:nvPr>
         </p:nvSpPr>
         <p:spPr>
           <a:xfrm>
-            <a:off x="311708" y="744575"/>
-            <a:ext cx="8520600" cy="2052600"/>
+            <a:off x="311700" y="445025"/>
+            <a:ext cx="8520600" cy="572700"/>
           </a:xfrm>
           <a:prstGeom prst="rect">
             <a:avLst/>
           </a:prstGeom>
-          <a:noFill/>
-          <a:ln>
-            <a:noFill/>
-          </a:ln>
         </p:spPr>
         <p:txBody>
-          <a:bodyPr anchorCtr="0" anchor="b" bIns="91425" lIns="91425" spcFirstLastPara="1" rIns="91425" wrap="square" tIns="91425">
+          <a:bodyPr anchorCtr="0" anchor="t" bIns="91425" lIns="91425" spcFirstLastPara="1" rIns="91425" wrap="square" tIns="91425">
+            <a:normAutofit fontScale="90000"/>
+          </a:bodyPr>
+          <a:lstStyle/>
+          <a:p>
+            <a:pPr indent="0" lvl="0" marL="0" rtl="0" algn="l">
+              <a:spcBef>
+                <a:spcPts val="0"/>
+              </a:spcBef>
+              <a:spcAft>
+                <a:spcPts val="0"/>
+              </a:spcAft>
+              <a:buNone/>
+            </a:pPr>
+            <a:r>
+              <a:rPr lang="en"/>
+              <a:t>Options for Local Inference</a:t>
+            </a:r>
+            <a:endParaRPr/>
+          </a:p>
+        </p:txBody>
+      </p:sp>
+      <p:sp>
+        <p:nvSpPr>
+          <p:cNvPr id="79" name="Google Shape;79;p17"/>
+          <p:cNvSpPr txBox="1"/>
+          <p:nvPr>
+            <p:ph idx="1" type="body"/>
+          </p:nvPr>
+        </p:nvSpPr>
+        <p:spPr>
+          <a:xfrm>
+            <a:off x="311700" y="1152475"/>
+            <a:ext cx="8520600" cy="3416400"/>
+          </a:xfrm>
+          <a:prstGeom prst="rect">
+            <a:avLst/>
+          </a:prstGeom>
+        </p:spPr>
+        <p:txBody>
+          <a:bodyPr anchorCtr="0" anchor="t" bIns="91425" lIns="91425" spcFirstLastPara="1" rIns="91425" wrap="square" tIns="91425">
             <a:normAutofit/>
           </a:bodyPr>
           <a:lstStyle/>
           <a:p>
             <a:pPr indent="0" lvl="0" marL="0" rtl="0" algn="l">
-              <a:lnSpc>
-                <a:spcPct val="115000"/>
-              </a:lnSpc>
-              <a:spcBef>
-                <a:spcPts val="0"/>
-              </a:spcBef>
-              <a:spcAft>
-                <a:spcPts val="1200"/>
-              </a:spcAft>
-              <a:buSzPts val="1800"/>
+              <a:spcBef>
+                <a:spcPts val="0"/>
+              </a:spcBef>
+              <a:spcAft>
+                <a:spcPts val="0"/>
+              </a:spcAft>
               <a:buNone/>
             </a:pPr>
             <a:r>
-              <a:rPr lang="en" sz="5300">
+              <a:rPr lang="en">
                 <a:solidFill>
-                  <a:schemeClr val="dk2"/>
+                  <a:schemeClr val="dk1"/>
                 </a:solidFill>
+                <a:highlight>
+                  <a:srgbClr val="FFFFFF"/>
+                </a:highlight>
               </a:rPr>
-              <a:t>LLM Inference with Ollama, OpenAI &amp; Langchain basics</a:t>
+              <a:t>Ollama: mainly for individual prototyping</a:t>
             </a:r>
-            <a:endParaRPr/>
+            <a:endParaRPr>
+              <a:solidFill>
+                <a:schemeClr val="dk1"/>
+              </a:solidFill>
+              <a:highlight>
+                <a:srgbClr val="FFFFFF"/>
+              </a:highlight>
+            </a:endParaRPr>
+          </a:p>
+          <a:p>
+            <a:pPr indent="0" lvl="0" marL="0" rtl="0" algn="l">
+              <a:spcBef>
+                <a:spcPts val="1200"/>
+              </a:spcBef>
+              <a:spcAft>
+                <a:spcPts val="0"/>
+              </a:spcAft>
+              <a:buNone/>
+            </a:pPr>
+            <a:r>
+              <a:rPr lang="en">
+                <a:solidFill>
+                  <a:schemeClr val="dk1"/>
+                </a:solidFill>
+                <a:highlight>
+                  <a:srgbClr val="FFFFFF"/>
+                </a:highlight>
+              </a:rPr>
+              <a:t>vLLM: Better concurrency and performance</a:t>
+            </a:r>
+            <a:endParaRPr>
+              <a:solidFill>
+                <a:schemeClr val="dk1"/>
+              </a:solidFill>
+              <a:highlight>
+                <a:srgbClr val="FFFFFF"/>
+              </a:highlight>
+            </a:endParaRPr>
+          </a:p>
+          <a:p>
+            <a:pPr indent="0" lvl="0" marL="0" rtl="0" algn="l">
+              <a:spcBef>
+                <a:spcPts val="1200"/>
+              </a:spcBef>
+              <a:spcAft>
+                <a:spcPts val="0"/>
+              </a:spcAft>
+              <a:buNone/>
+            </a:pPr>
+            <a:r>
+              <a:rPr lang="en">
+                <a:solidFill>
+                  <a:schemeClr val="dk1"/>
+                </a:solidFill>
+                <a:highlight>
+                  <a:srgbClr val="FFFFFF"/>
+                </a:highlight>
+              </a:rPr>
+              <a:t>LocalAI: Supports audio, vision models as well</a:t>
+            </a:r>
+            <a:endParaRPr>
+              <a:solidFill>
+                <a:schemeClr val="dk1"/>
+              </a:solidFill>
+              <a:highlight>
+                <a:srgbClr val="FFFFFF"/>
+              </a:highlight>
+            </a:endParaRPr>
+          </a:p>
+          <a:p>
+            <a:pPr indent="0" lvl="0" marL="0" rtl="0" algn="l">
+              <a:spcBef>
+                <a:spcPts val="1200"/>
+              </a:spcBef>
+              <a:spcAft>
+                <a:spcPts val="1200"/>
+              </a:spcAft>
+              <a:buNone/>
+            </a:pPr>
+            <a:r>
+              <a:t/>
+            </a:r>
+            <a:endParaRPr>
+              <a:solidFill>
+                <a:schemeClr val="dk1"/>
+              </a:solidFill>
+              <a:highlight>
+                <a:srgbClr val="FFFFFF"/>
+              </a:highlight>
+            </a:endParaRPr>
           </a:p>
         </p:txBody>
       </p:sp>
@@ -11444,7 +10464,7 @@
   <p:cSld>
     <p:spTree>
       <p:nvGrpSpPr>
-        <p:cNvPr id="82" name="Shape 82"/>
+        <p:cNvPr id="83" name="Shape 83"/>
         <p:cNvGrpSpPr/>
         <p:nvPr/>
       </p:nvGrpSpPr>
@@ -11458,7 +10478,7 @@
       </p:grpSpPr>
       <p:sp>
         <p:nvSpPr>
-          <p:cNvPr id="83" name="Google Shape;83;p5"/>
+          <p:cNvPr id="84" name="Google Shape;84;p18"/>
           <p:cNvSpPr txBox="1"/>
           <p:nvPr>
             <p:ph type="title"/>
@@ -11472,41 +10492,33 @@
           <a:prstGeom prst="rect">
             <a:avLst/>
           </a:prstGeom>
-          <a:noFill/>
-          <a:ln>
-            <a:noFill/>
-          </a:ln>
         </p:spPr>
         <p:txBody>
           <a:bodyPr anchorCtr="0" anchor="t" bIns="91425" lIns="91425" spcFirstLastPara="1" rIns="91425" wrap="square" tIns="91425">
-            <a:noAutofit/>
+            <a:normAutofit fontScale="90000"/>
           </a:bodyPr>
           <a:lstStyle/>
           <a:p>
             <a:pPr indent="0" lvl="0" marL="0" rtl="0" algn="l">
-              <a:lnSpc>
-                <a:spcPct val="100000"/>
-              </a:lnSpc>
-              <a:spcBef>
-                <a:spcPts val="0"/>
-              </a:spcBef>
-              <a:spcAft>
-                <a:spcPts val="0"/>
-              </a:spcAft>
-              <a:buSzPts val="3111"/>
+              <a:spcBef>
+                <a:spcPts val="0"/>
+              </a:spcBef>
+              <a:spcAft>
+                <a:spcPts val="0"/>
+              </a:spcAft>
               <a:buNone/>
             </a:pPr>
             <a:r>
-              <a:rPr lang="en" sz="2800"/>
-              <a:t>Options for Local Inference</a:t>
+              <a:rPr lang="en"/>
+              <a:t>Various Model Formats</a:t>
             </a:r>
-            <a:endParaRPr sz="2800"/>
+            <a:endParaRPr/>
           </a:p>
         </p:txBody>
       </p:sp>
       <p:sp>
         <p:nvSpPr>
-          <p:cNvPr id="84" name="Google Shape;84;p5"/>
+          <p:cNvPr id="85" name="Google Shape;85;p18"/>
           <p:cNvSpPr txBox="1"/>
           <p:nvPr>
             <p:ph idx="1" type="body"/>
@@ -11520,10 +10532,6 @@
           <a:prstGeom prst="rect">
             <a:avLst/>
           </a:prstGeom>
-          <a:noFill/>
-          <a:ln>
-            <a:noFill/>
-          </a:ln>
         </p:spPr>
         <p:txBody>
           <a:bodyPr anchorCtr="0" anchor="t" bIns="91425" lIns="91425" spcFirstLastPara="1" rIns="91425" wrap="square" tIns="91425">
@@ -11532,16 +10540,12 @@
           <a:lstStyle/>
           <a:p>
             <a:pPr indent="0" lvl="0" marL="0" rtl="0" algn="l">
-              <a:lnSpc>
-                <a:spcPct val="115000"/>
-              </a:lnSpc>
-              <a:spcBef>
-                <a:spcPts val="0"/>
-              </a:spcBef>
-              <a:spcAft>
-                <a:spcPts val="0"/>
-              </a:spcAft>
-              <a:buSzPts val="1800"/>
+              <a:spcBef>
+                <a:spcPts val="0"/>
+              </a:spcBef>
+              <a:spcAft>
+                <a:spcPts val="0"/>
+              </a:spcAft>
               <a:buNone/>
             </a:pPr>
             <a:r>
@@ -11549,27 +10553,52 @@
                 <a:solidFill>
                   <a:schemeClr val="dk1"/>
                 </a:solidFill>
+                <a:highlight>
+                  <a:srgbClr val="FFFFFF"/>
+                </a:highlight>
               </a:rPr>
-              <a:t>Ollama: mainly for individual prototyping</a:t>
+              <a:t>GGUF: Initially developed for the </a:t>
+            </a:r>
+            <a:r>
+              <a:rPr lang="en" u="sng">
+                <a:solidFill>
+                  <a:schemeClr val="hlink"/>
+                </a:solidFill>
+                <a:highlight>
+                  <a:srgbClr val="FFFFFF"/>
+                </a:highlight>
+                <a:hlinkClick r:id="rId3"/>
+              </a:rPr>
+              <a:t>llama.cpp</a:t>
+            </a:r>
+            <a:r>
+              <a:rPr lang="en">
+                <a:solidFill>
+                  <a:schemeClr val="dk1"/>
+                </a:solidFill>
+                <a:highlight>
+                  <a:srgbClr val="FFFFFF"/>
+                </a:highlight>
+              </a:rPr>
+              <a:t> project.  GGUF is primarily used for language models. Offers flexible quantization</a:t>
             </a:r>
             <a:endParaRPr>
               <a:solidFill>
                 <a:schemeClr val="dk1"/>
               </a:solidFill>
+              <a:highlight>
+                <a:srgbClr val="FFFFFF"/>
+              </a:highlight>
             </a:endParaRPr>
           </a:p>
           <a:p>
             <a:pPr indent="0" lvl="0" marL="0" rtl="0" algn="l">
-              <a:lnSpc>
-                <a:spcPct val="115000"/>
-              </a:lnSpc>
               <a:spcBef>
                 <a:spcPts val="1200"/>
               </a:spcBef>
               <a:spcAft>
                 <a:spcPts val="0"/>
               </a:spcAft>
-              <a:buSzPts val="1800"/>
               <a:buNone/>
             </a:pPr>
             <a:r>
@@ -11577,27 +10606,29 @@
                 <a:solidFill>
                   <a:schemeClr val="dk1"/>
                 </a:solidFill>
+                <a:highlight>
+                  <a:srgbClr val="FFFFFF"/>
+                </a:highlight>
               </a:rPr>
-              <a:t>vLLM: Better concurrency and performance</a:t>
+              <a:t>Pytorch : .pt/.pth</a:t>
             </a:r>
             <a:endParaRPr>
               <a:solidFill>
                 <a:schemeClr val="dk1"/>
               </a:solidFill>
+              <a:highlight>
+                <a:srgbClr val="FFFFFF"/>
+              </a:highlight>
             </a:endParaRPr>
           </a:p>
           <a:p>
             <a:pPr indent="0" lvl="0" marL="0" rtl="0" algn="l">
-              <a:lnSpc>
-                <a:spcPct val="115000"/>
-              </a:lnSpc>
               <a:spcBef>
                 <a:spcPts val="1200"/>
               </a:spcBef>
               <a:spcAft>
                 <a:spcPts val="0"/>
               </a:spcAft>
-              <a:buSzPts val="1800"/>
               <a:buNone/>
             </a:pPr>
             <a:r>
@@ -11605,31 +10636,52 @@
                 <a:solidFill>
                   <a:schemeClr val="dk1"/>
                 </a:solidFill>
+                <a:highlight>
+                  <a:srgbClr val="FFFFFF"/>
+                </a:highlight>
               </a:rPr>
-              <a:t>LocalAI: Supports audio, vision models as well</a:t>
+              <a:t>Safetensors: HuggingFace format that overcomes security limitations with python serialization.JSON parser required to read metadata</a:t>
             </a:r>
             <a:endParaRPr>
               <a:solidFill>
                 <a:schemeClr val="dk1"/>
               </a:solidFill>
+              <a:highlight>
+                <a:srgbClr val="FFFFFF"/>
+              </a:highlight>
             </a:endParaRPr>
           </a:p>
           <a:p>
             <a:pPr indent="0" lvl="0" marL="0" rtl="0" algn="l">
-              <a:lnSpc>
-                <a:spcPct val="115000"/>
-              </a:lnSpc>
               <a:spcBef>
                 <a:spcPts val="1200"/>
               </a:spcBef>
               <a:spcAft>
                 <a:spcPts val="1200"/>
               </a:spcAft>
-              <a:buSzPts val="1800"/>
               <a:buNone/>
             </a:pPr>
             <a:r>
-              <a:t/>
+              <a:rPr lang="en">
+                <a:solidFill>
+                  <a:schemeClr val="dk1"/>
+                </a:solidFill>
+                <a:highlight>
+                  <a:srgbClr val="FFFFFF"/>
+                </a:highlight>
+              </a:rPr>
+              <a:t>ONNX: </a:t>
+            </a:r>
+            <a:r>
+              <a:rPr lang="en">
+                <a:solidFill>
+                  <a:schemeClr val="dk1"/>
+                </a:solidFill>
+                <a:highlight>
+                  <a:srgbClr val="FFFFFF"/>
+                </a:highlight>
+              </a:rPr>
+              <a:t>Open Neural Network Exchange (ONNX) , vendor neutral </a:t>
             </a:r>
             <a:endParaRPr>
               <a:solidFill>
@@ -11655,7 +10707,7 @@
   <p:cSld>
     <p:spTree>
       <p:nvGrpSpPr>
-        <p:cNvPr id="88" name="Shape 88"/>
+        <p:cNvPr id="89" name="Shape 89"/>
         <p:cNvGrpSpPr/>
         <p:nvPr/>
       </p:nvGrpSpPr>
@@ -11669,7 +10721,7 @@
       </p:grpSpPr>
       <p:sp>
         <p:nvSpPr>
-          <p:cNvPr id="89" name="Google Shape;89;p6"/>
+          <p:cNvPr id="90" name="Google Shape;90;p19"/>
           <p:cNvSpPr txBox="1"/>
           <p:nvPr>
             <p:ph type="title"/>
@@ -11683,41 +10735,33 @@
           <a:prstGeom prst="rect">
             <a:avLst/>
           </a:prstGeom>
-          <a:noFill/>
-          <a:ln>
-            <a:noFill/>
-          </a:ln>
         </p:spPr>
         <p:txBody>
           <a:bodyPr anchorCtr="0" anchor="t" bIns="91425" lIns="91425" spcFirstLastPara="1" rIns="91425" wrap="square" tIns="91425">
-            <a:noAutofit/>
+            <a:normAutofit fontScale="90000"/>
           </a:bodyPr>
           <a:lstStyle/>
           <a:p>
             <a:pPr indent="0" lvl="0" marL="0" rtl="0" algn="l">
-              <a:lnSpc>
-                <a:spcPct val="100000"/>
-              </a:lnSpc>
-              <a:spcBef>
-                <a:spcPts val="0"/>
-              </a:spcBef>
-              <a:spcAft>
-                <a:spcPts val="0"/>
-              </a:spcAft>
-              <a:buSzPts val="3111"/>
+              <a:spcBef>
+                <a:spcPts val="0"/>
+              </a:spcBef>
+              <a:spcAft>
+                <a:spcPts val="0"/>
+              </a:spcAft>
               <a:buNone/>
             </a:pPr>
             <a:r>
-              <a:rPr lang="en" sz="2800"/>
-              <a:t>Various Model Formats</a:t>
+              <a:rPr lang="en"/>
+              <a:t>Tokens</a:t>
             </a:r>
-            <a:endParaRPr sz="2800"/>
+            <a:endParaRPr/>
           </a:p>
         </p:txBody>
       </p:sp>
       <p:sp>
         <p:nvSpPr>
-          <p:cNvPr id="90" name="Google Shape;90;p6"/>
+          <p:cNvPr id="91" name="Google Shape;91;p19"/>
           <p:cNvSpPr txBox="1"/>
           <p:nvPr>
             <p:ph idx="1" type="body"/>
@@ -11731,10 +10775,6 @@
           <a:prstGeom prst="rect">
             <a:avLst/>
           </a:prstGeom>
-          <a:noFill/>
-          <a:ln>
-            <a:noFill/>
-          </a:ln>
         </p:spPr>
         <p:txBody>
           <a:bodyPr anchorCtr="0" anchor="t" bIns="91425" lIns="91425" spcFirstLastPara="1" rIns="91425" wrap="square" tIns="91425">
@@ -11744,7 +10784,7 @@
           <a:p>
             <a:pPr indent="0" lvl="0" marL="0" rtl="0" algn="l">
               <a:lnSpc>
-                <a:spcPct val="115000"/>
+                <a:spcPct val="150000"/>
               </a:lnSpc>
               <a:spcBef>
                 <a:spcPts val="0"/>
@@ -11752,123 +10792,359 @@
               <a:spcAft>
                 <a:spcPts val="0"/>
               </a:spcAft>
-              <a:buSzPts val="1800"/>
+              <a:buClr>
+                <a:schemeClr val="dk1"/>
+              </a:buClr>
+              <a:buSzPts val="1100"/>
+              <a:buFont typeface="Arial"/>
               <a:buNone/>
             </a:pPr>
             <a:r>
-              <a:rPr lang="en">
+              <a:rPr lang="en" sz="1200">
                 <a:solidFill>
-                  <a:schemeClr val="dk1"/>
+                  <a:srgbClr val="0D0D0D"/>
                 </a:solidFill>
+                <a:highlight>
+                  <a:srgbClr val="FFFFFF"/>
+                </a:highlight>
+                <a:latin typeface="Roboto"/>
+                <a:ea typeface="Roboto"/>
+                <a:cs typeface="Roboto"/>
+                <a:sym typeface="Roboto"/>
               </a:rPr>
-              <a:t>GGUF: Initially developed for the </a:t>
+              <a:t>Tokens are the building blocks of text that models process. They can be as short as a single character or as long as a full word, depending on the language and context. Spaces, punctuation, and partial words all contribute to token counts. This is how the API internally segments your text before generating a response.</a:t>
             </a:r>
-            <a:r>
-              <a:rPr lang="en" u="sng">
-                <a:solidFill>
-                  <a:schemeClr val="hlink"/>
-                </a:solidFill>
-                <a:hlinkClick r:id="rId3"/>
-              </a:rPr>
-              <a:t>llama.cpp</a:t>
-            </a:r>
-            <a:r>
-              <a:rPr lang="en">
-                <a:solidFill>
-                  <a:schemeClr val="dk1"/>
-                </a:solidFill>
-              </a:rPr>
-              <a:t> project.  GGUF is primarily used for language models. Offers flexible quantization</a:t>
-            </a:r>
-            <a:endParaRPr>
+            <a:endParaRPr sz="1200">
               <a:solidFill>
-                <a:schemeClr val="dk1"/>
+                <a:srgbClr val="0D0D0D"/>
               </a:solidFill>
+              <a:highlight>
+                <a:srgbClr val="FFFFFF"/>
+              </a:highlight>
+              <a:latin typeface="Roboto"/>
+              <a:ea typeface="Roboto"/>
+              <a:cs typeface="Roboto"/>
+              <a:sym typeface="Roboto"/>
             </a:endParaRPr>
           </a:p>
           <a:p>
             <a:pPr indent="0" lvl="0" marL="0" rtl="0" algn="l">
               <a:lnSpc>
-                <a:spcPct val="115000"/>
+                <a:spcPct val="150000"/>
               </a:lnSpc>
               <a:spcBef>
-                <a:spcPts val="1200"/>
-              </a:spcBef>
-              <a:spcAft>
-                <a:spcPts val="0"/>
-              </a:spcAft>
-              <a:buSzPts val="1800"/>
+                <a:spcPts val="0"/>
+              </a:spcBef>
+              <a:spcAft>
+                <a:spcPts val="0"/>
+              </a:spcAft>
+              <a:buClr>
+                <a:schemeClr val="dk1"/>
+              </a:buClr>
+              <a:buSzPts val="1100"/>
+              <a:buFont typeface="Arial"/>
               <a:buNone/>
             </a:pPr>
             <a:r>
-              <a:rPr lang="en">
+              <a:rPr lang="en" sz="1200">
                 <a:solidFill>
-                  <a:schemeClr val="dk1"/>
+                  <a:srgbClr val="0D0D0D"/>
                 </a:solidFill>
+                <a:highlight>
+                  <a:srgbClr val="FFFFFF"/>
+                </a:highlight>
+                <a:latin typeface="Roboto"/>
+                <a:ea typeface="Roboto"/>
+                <a:cs typeface="Roboto"/>
+                <a:sym typeface="Roboto"/>
               </a:rPr>
-              <a:t>Pytorch : .pt/.pth</a:t>
+              <a:t>Helpful rules of thumb for English:</a:t>
             </a:r>
-            <a:endParaRPr>
+            <a:endParaRPr sz="1200">
               <a:solidFill>
-                <a:schemeClr val="dk1"/>
+                <a:srgbClr val="0D0D0D"/>
               </a:solidFill>
+              <a:highlight>
+                <a:srgbClr val="FFFFFF"/>
+              </a:highlight>
+              <a:latin typeface="Roboto"/>
+              <a:ea typeface="Roboto"/>
+              <a:cs typeface="Roboto"/>
+              <a:sym typeface="Roboto"/>
+            </a:endParaRPr>
+          </a:p>
+          <a:p>
+            <a:pPr indent="-304800" lvl="0" marL="457200" rtl="0" algn="l">
+              <a:spcBef>
+                <a:spcPts val="1500"/>
+              </a:spcBef>
+              <a:spcAft>
+                <a:spcPts val="0"/>
+              </a:spcAft>
+              <a:buClr>
+                <a:srgbClr val="0D0D0D"/>
+              </a:buClr>
+              <a:buSzPts val="1200"/>
+              <a:buFont typeface="Roboto"/>
+              <a:buChar char="●"/>
+            </a:pPr>
+            <a:r>
+              <a:rPr lang="en" sz="1200">
+                <a:solidFill>
+                  <a:srgbClr val="0D0D0D"/>
+                </a:solidFill>
+                <a:highlight>
+                  <a:srgbClr val="FFFFFF"/>
+                </a:highlight>
+                <a:latin typeface="Roboto"/>
+                <a:ea typeface="Roboto"/>
+                <a:cs typeface="Roboto"/>
+                <a:sym typeface="Roboto"/>
+              </a:rPr>
+              <a:t>1 token ≈ 4 characters</a:t>
+            </a:r>
+            <a:endParaRPr sz="1200">
+              <a:solidFill>
+                <a:srgbClr val="0D0D0D"/>
+              </a:solidFill>
+              <a:highlight>
+                <a:srgbClr val="FFFFFF"/>
+              </a:highlight>
+              <a:latin typeface="Roboto"/>
+              <a:ea typeface="Roboto"/>
+              <a:cs typeface="Roboto"/>
+              <a:sym typeface="Roboto"/>
+            </a:endParaRPr>
+          </a:p>
+          <a:p>
+            <a:pPr indent="-304800" lvl="0" marL="457200" rtl="0" algn="l">
+              <a:spcBef>
+                <a:spcPts val="0"/>
+              </a:spcBef>
+              <a:spcAft>
+                <a:spcPts val="0"/>
+              </a:spcAft>
+              <a:buClr>
+                <a:srgbClr val="0D0D0D"/>
+              </a:buClr>
+              <a:buSzPts val="1200"/>
+              <a:buFont typeface="Roboto"/>
+              <a:buChar char="●"/>
+            </a:pPr>
+            <a:r>
+              <a:rPr lang="en" sz="1200">
+                <a:solidFill>
+                  <a:srgbClr val="0D0D0D"/>
+                </a:solidFill>
+                <a:highlight>
+                  <a:srgbClr val="FFFFFF"/>
+                </a:highlight>
+                <a:latin typeface="Roboto"/>
+                <a:ea typeface="Roboto"/>
+                <a:cs typeface="Roboto"/>
+                <a:sym typeface="Roboto"/>
+              </a:rPr>
+              <a:t>1 token ≈ ¾ of a word</a:t>
+            </a:r>
+            <a:endParaRPr sz="1200">
+              <a:solidFill>
+                <a:srgbClr val="0D0D0D"/>
+              </a:solidFill>
+              <a:highlight>
+                <a:srgbClr val="FFFFFF"/>
+              </a:highlight>
+              <a:latin typeface="Roboto"/>
+              <a:ea typeface="Roboto"/>
+              <a:cs typeface="Roboto"/>
+              <a:sym typeface="Roboto"/>
+            </a:endParaRPr>
+          </a:p>
+          <a:p>
+            <a:pPr indent="-304800" lvl="0" marL="457200" rtl="0" algn="l">
+              <a:spcBef>
+                <a:spcPts val="0"/>
+              </a:spcBef>
+              <a:spcAft>
+                <a:spcPts val="0"/>
+              </a:spcAft>
+              <a:buClr>
+                <a:srgbClr val="0D0D0D"/>
+              </a:buClr>
+              <a:buSzPts val="1200"/>
+              <a:buFont typeface="Roboto"/>
+              <a:buChar char="●"/>
+            </a:pPr>
+            <a:r>
+              <a:rPr lang="en" sz="1200">
+                <a:solidFill>
+                  <a:srgbClr val="0D0D0D"/>
+                </a:solidFill>
+                <a:highlight>
+                  <a:srgbClr val="FFFFFF"/>
+                </a:highlight>
+                <a:latin typeface="Roboto"/>
+                <a:ea typeface="Roboto"/>
+                <a:cs typeface="Roboto"/>
+                <a:sym typeface="Roboto"/>
+              </a:rPr>
+              <a:t>100 tokens ≈ 75 words</a:t>
+            </a:r>
+            <a:endParaRPr sz="1200">
+              <a:solidFill>
+                <a:srgbClr val="0D0D0D"/>
+              </a:solidFill>
+              <a:highlight>
+                <a:srgbClr val="FFFFFF"/>
+              </a:highlight>
+              <a:latin typeface="Roboto"/>
+              <a:ea typeface="Roboto"/>
+              <a:cs typeface="Roboto"/>
+              <a:sym typeface="Roboto"/>
+            </a:endParaRPr>
+          </a:p>
+          <a:p>
+            <a:pPr indent="-304800" lvl="0" marL="457200" rtl="0" algn="l">
+              <a:spcBef>
+                <a:spcPts val="0"/>
+              </a:spcBef>
+              <a:spcAft>
+                <a:spcPts val="0"/>
+              </a:spcAft>
+              <a:buClr>
+                <a:srgbClr val="0D0D0D"/>
+              </a:buClr>
+              <a:buSzPts val="1200"/>
+              <a:buFont typeface="Roboto"/>
+              <a:buChar char="●"/>
+            </a:pPr>
+            <a:r>
+              <a:rPr lang="en" sz="1200">
+                <a:solidFill>
+                  <a:srgbClr val="0D0D0D"/>
+                </a:solidFill>
+                <a:highlight>
+                  <a:srgbClr val="FFFFFF"/>
+                </a:highlight>
+                <a:latin typeface="Roboto"/>
+                <a:ea typeface="Roboto"/>
+                <a:cs typeface="Roboto"/>
+                <a:sym typeface="Roboto"/>
+              </a:rPr>
+              <a:t>1–2 sentences ≈ 30 tokens</a:t>
+            </a:r>
+            <a:endParaRPr sz="1200">
+              <a:solidFill>
+                <a:srgbClr val="0D0D0D"/>
+              </a:solidFill>
+              <a:highlight>
+                <a:srgbClr val="FFFFFF"/>
+              </a:highlight>
+              <a:latin typeface="Roboto"/>
+              <a:ea typeface="Roboto"/>
+              <a:cs typeface="Roboto"/>
+              <a:sym typeface="Roboto"/>
+            </a:endParaRPr>
+          </a:p>
+          <a:p>
+            <a:pPr indent="-304800" lvl="0" marL="457200" rtl="0" algn="l">
+              <a:spcBef>
+                <a:spcPts val="0"/>
+              </a:spcBef>
+              <a:spcAft>
+                <a:spcPts val="0"/>
+              </a:spcAft>
+              <a:buClr>
+                <a:srgbClr val="0D0D0D"/>
+              </a:buClr>
+              <a:buSzPts val="1200"/>
+              <a:buFont typeface="Roboto"/>
+              <a:buChar char="●"/>
+            </a:pPr>
+            <a:r>
+              <a:rPr lang="en" sz="1200">
+                <a:solidFill>
+                  <a:srgbClr val="0D0D0D"/>
+                </a:solidFill>
+                <a:highlight>
+                  <a:srgbClr val="FFFFFF"/>
+                </a:highlight>
+                <a:latin typeface="Roboto"/>
+                <a:ea typeface="Roboto"/>
+                <a:cs typeface="Roboto"/>
+                <a:sym typeface="Roboto"/>
+              </a:rPr>
+              <a:t>1 paragraph ≈ 100 tokens</a:t>
+            </a:r>
+            <a:endParaRPr sz="1200">
+              <a:solidFill>
+                <a:srgbClr val="0D0D0D"/>
+              </a:solidFill>
+              <a:highlight>
+                <a:srgbClr val="FFFFFF"/>
+              </a:highlight>
+              <a:latin typeface="Roboto"/>
+              <a:ea typeface="Roboto"/>
+              <a:cs typeface="Roboto"/>
+              <a:sym typeface="Roboto"/>
+            </a:endParaRPr>
+          </a:p>
+          <a:p>
+            <a:pPr indent="-304800" lvl="0" marL="457200" rtl="0" algn="l">
+              <a:spcBef>
+                <a:spcPts val="0"/>
+              </a:spcBef>
+              <a:spcAft>
+                <a:spcPts val="0"/>
+              </a:spcAft>
+              <a:buClr>
+                <a:srgbClr val="0D0D0D"/>
+              </a:buClr>
+              <a:buSzPts val="1200"/>
+              <a:buFont typeface="Roboto"/>
+              <a:buChar char="●"/>
+            </a:pPr>
+            <a:r>
+              <a:rPr lang="en" sz="1200">
+                <a:solidFill>
+                  <a:srgbClr val="0D0D0D"/>
+                </a:solidFill>
+                <a:highlight>
+                  <a:srgbClr val="FFFFFF"/>
+                </a:highlight>
+                <a:latin typeface="Roboto"/>
+                <a:ea typeface="Roboto"/>
+                <a:cs typeface="Roboto"/>
+                <a:sym typeface="Roboto"/>
+              </a:rPr>
+              <a:t>~1,500 words ≈ 2,048 tokens</a:t>
+            </a:r>
+            <a:endParaRPr sz="1200">
+              <a:solidFill>
+                <a:srgbClr val="0D0D0D"/>
+              </a:solidFill>
+              <a:highlight>
+                <a:srgbClr val="FFFFFF"/>
+              </a:highlight>
+              <a:latin typeface="Roboto"/>
+              <a:ea typeface="Roboto"/>
+              <a:cs typeface="Roboto"/>
+              <a:sym typeface="Roboto"/>
             </a:endParaRPr>
           </a:p>
           <a:p>
             <a:pPr indent="0" lvl="0" marL="0" rtl="0" algn="l">
-              <a:lnSpc>
-                <a:spcPct val="115000"/>
-              </a:lnSpc>
-              <a:spcBef>
+              <a:spcBef>
+                <a:spcPts val="1500"/>
+              </a:spcBef>
+              <a:spcAft>
                 <a:spcPts val="1200"/>
-              </a:spcBef>
-              <a:spcAft>
-                <a:spcPts val="0"/>
-              </a:spcAft>
-              <a:buSzPts val="1800"/>
+              </a:spcAft>
               <a:buNone/>
             </a:pPr>
             <a:r>
-              <a:rPr lang="en">
-                <a:solidFill>
-                  <a:schemeClr val="dk1"/>
-                </a:solidFill>
-              </a:rPr>
-              <a:t>Safetensors: HuggingFace format that overcomes security limitations with python serialization.JSON parser required to read metadata</a:t>
+              <a:t/>
             </a:r>
-            <a:endParaRPr>
-              <a:solidFill>
-                <a:schemeClr val="dk1"/>
-              </a:solidFill>
-            </a:endParaRPr>
-          </a:p>
-          <a:p>
-            <a:pPr indent="0" lvl="0" marL="0" rtl="0" algn="l">
-              <a:lnSpc>
-                <a:spcPct val="115000"/>
-              </a:lnSpc>
-              <a:spcBef>
-                <a:spcPts val="1200"/>
-              </a:spcBef>
-              <a:spcAft>
-                <a:spcPts val="1200"/>
-              </a:spcAft>
-              <a:buSzPts val="1800"/>
-              <a:buNone/>
-            </a:pPr>
-            <a:r>
-              <a:rPr lang="en">
-                <a:solidFill>
-                  <a:schemeClr val="dk1"/>
-                </a:solidFill>
-              </a:rPr>
-              <a:t>ONNX: Open Neural Network Exchange (ONNX) , vendor neutral </a:t>
-            </a:r>
-            <a:endParaRPr>
-              <a:solidFill>
-                <a:schemeClr val="dk1"/>
-              </a:solidFill>
-            </a:endParaRPr>
+            <a:endParaRPr/>
           </a:p>
         </p:txBody>
       </p:sp>
@@ -11885,7 +11161,7 @@
   <p:cSld>
     <p:spTree>
       <p:nvGrpSpPr>
-        <p:cNvPr id="94" name="Shape 94"/>
+        <p:cNvPr id="95" name="Shape 95"/>
         <p:cNvGrpSpPr/>
         <p:nvPr/>
       </p:nvGrpSpPr>
@@ -11899,7 +11175,7 @@
       </p:grpSpPr>
       <p:sp>
         <p:nvSpPr>
-          <p:cNvPr id="95" name="Google Shape;95;p7"/>
+          <p:cNvPr id="96" name="Google Shape;96;p20"/>
           <p:cNvSpPr txBox="1"/>
           <p:nvPr>
             <p:ph type="title"/>
@@ -11913,41 +11189,33 @@
           <a:prstGeom prst="rect">
             <a:avLst/>
           </a:prstGeom>
-          <a:noFill/>
-          <a:ln>
-            <a:noFill/>
-          </a:ln>
         </p:spPr>
         <p:txBody>
           <a:bodyPr anchorCtr="0" anchor="t" bIns="91425" lIns="91425" spcFirstLastPara="1" rIns="91425" wrap="square" tIns="91425">
-            <a:noAutofit/>
+            <a:normAutofit fontScale="90000"/>
           </a:bodyPr>
           <a:lstStyle/>
           <a:p>
             <a:pPr indent="0" lvl="0" marL="0" rtl="0" algn="l">
-              <a:lnSpc>
-                <a:spcPct val="100000"/>
-              </a:lnSpc>
-              <a:spcBef>
-                <a:spcPts val="0"/>
-              </a:spcBef>
-              <a:spcAft>
-                <a:spcPts val="0"/>
-              </a:spcAft>
-              <a:buSzPts val="3111"/>
+              <a:spcBef>
+                <a:spcPts val="0"/>
+              </a:spcBef>
+              <a:spcAft>
+                <a:spcPts val="0"/>
+              </a:spcAft>
               <a:buNone/>
             </a:pPr>
             <a:r>
-              <a:rPr lang="en" sz="2800"/>
-              <a:t>Tokens</a:t>
+              <a:rPr lang="en"/>
+              <a:t>The need for LLM orchestration Frameworks</a:t>
             </a:r>
-            <a:endParaRPr sz="2800"/>
+            <a:endParaRPr/>
           </a:p>
         </p:txBody>
       </p:sp>
       <p:sp>
         <p:nvSpPr>
-          <p:cNvPr id="96" name="Google Shape;96;p7"/>
+          <p:cNvPr id="97" name="Google Shape;97;p20"/>
           <p:cNvSpPr txBox="1"/>
           <p:nvPr>
             <p:ph idx="1" type="body"/>
@@ -11961,21 +11229,63 @@
           <a:prstGeom prst="rect">
             <a:avLst/>
           </a:prstGeom>
-          <a:noFill/>
-          <a:ln>
-            <a:noFill/>
-          </a:ln>
         </p:spPr>
         <p:txBody>
           <a:bodyPr anchorCtr="0" anchor="t" bIns="91425" lIns="91425" spcFirstLastPara="1" rIns="91425" wrap="square" tIns="91425">
-            <a:normAutofit/>
+            <a:normAutofit lnSpcReduction="10000"/>
           </a:bodyPr>
           <a:lstStyle/>
           <a:p>
-            <a:pPr indent="0" lvl="0" marL="0" rtl="0" algn="l">
-              <a:lnSpc>
-                <a:spcPct val="150000"/>
-              </a:lnSpc>
+            <a:pPr indent="-342900" lvl="0" marL="457200" rtl="0" algn="l">
+              <a:spcBef>
+                <a:spcPts val="0"/>
+              </a:spcBef>
+              <a:spcAft>
+                <a:spcPts val="0"/>
+              </a:spcAft>
+              <a:buClr>
+                <a:schemeClr val="dk1"/>
+              </a:buClr>
+              <a:buSzPts val="1800"/>
+              <a:buChar char="●"/>
+            </a:pPr>
+            <a:r>
+              <a:rPr lang="en">
+                <a:solidFill>
+                  <a:srgbClr val="242424"/>
+                </a:solidFill>
+                <a:highlight>
+                  <a:srgbClr val="FFFFFF"/>
+                </a:highlight>
+              </a:rPr>
+              <a:t>An LLM </a:t>
+            </a:r>
+            <a:r>
+              <a:rPr lang="en">
+                <a:solidFill>
+                  <a:srgbClr val="242424"/>
+                </a:solidFill>
+                <a:highlight>
+                  <a:srgbClr val="FFFFFF"/>
+                </a:highlight>
+              </a:rPr>
+              <a:t>doesn't</a:t>
+            </a:r>
+            <a:r>
+              <a:rPr lang="en">
+                <a:solidFill>
+                  <a:srgbClr val="242424"/>
+                </a:solidFill>
+                <a:highlight>
+                  <a:srgbClr val="FFFFFF"/>
+                </a:highlight>
+              </a:rPr>
+              <a:t> remember/have access to previous responses it has provided. A common fix for this is to include the conversation so far as part of the prompt sent to the LLM.</a:t>
+            </a:r>
+            <a:endParaRPr/>
+          </a:p>
+          <a:p>
+            <a:pPr indent="-298450" lvl="0" marL="457200" rtl="0" algn="l">
               <a:spcBef>
                 <a:spcPts val="0"/>
               </a:spcBef>
@@ -11986,28 +11296,20 @@
                 <a:schemeClr val="dk1"/>
               </a:buClr>
               <a:buSzPts val="1100"/>
-              <a:buFont typeface="Arial"/>
-              <a:buNone/>
+              <a:buChar char="●"/>
             </a:pPr>
             <a:r>
-              <a:rPr lang="en" sz="1200">
-                <a:solidFill>
-                  <a:srgbClr val="0D0D0D"/>
-                </a:solidFill>
-              </a:rPr>
-              <a:t>Tokens are the building blocks of text that models process. They can be as short as a single character or as long as a full word, depending on the language and context. Spaces, punctuation, and partial words all contribute to token counts. This is how the API internally segments your text before generating a response.</a:t>
+              <a:rPr lang="en"/>
+              <a:t>Prompts</a:t>
             </a:r>
-            <a:endParaRPr sz="1200">
-              <a:solidFill>
-                <a:srgbClr val="0D0D0D"/>
-              </a:solidFill>
-            </a:endParaRPr>
+            <a:r>
+              <a:rPr lang="en"/>
+              <a:t> chains can be nested or combined.This lets you build modular systems rather than monolithic scripts (example: a summarization chain feeding into a question‑answering chain)</a:t>
+            </a:r>
+            <a:endParaRPr/>
           </a:p>
           <a:p>
-            <a:pPr indent="0" lvl="0" marL="0" rtl="0" algn="l">
-              <a:lnSpc>
-                <a:spcPct val="150000"/>
-              </a:lnSpc>
+            <a:pPr indent="-298450" lvl="0" marL="457200" rtl="0" algn="l">
               <a:spcBef>
                 <a:spcPts val="0"/>
               </a:spcBef>
@@ -12018,59 +11320,16 @@
                 <a:schemeClr val="dk1"/>
               </a:buClr>
               <a:buSzPts val="1100"/>
-              <a:buFont typeface="Arial"/>
-              <a:buNone/>
-            </a:pPr>
-            <a:r>
-              <a:rPr lang="en" sz="1200">
-                <a:solidFill>
-                  <a:srgbClr val="0D0D0D"/>
-                </a:solidFill>
-              </a:rPr>
-              <a:t>Helpful rules of thumb for English:</a:t>
-            </a:r>
-            <a:endParaRPr sz="1200">
-              <a:solidFill>
-                <a:srgbClr val="0D0D0D"/>
-              </a:solidFill>
-            </a:endParaRPr>
-          </a:p>
-          <a:p>
-            <a:pPr indent="-304800" lvl="0" marL="457200" rtl="0" algn="l">
-              <a:lnSpc>
-                <a:spcPct val="115000"/>
-              </a:lnSpc>
-              <a:spcBef>
-                <a:spcPts val="1500"/>
-              </a:spcBef>
-              <a:spcAft>
-                <a:spcPts val="0"/>
-              </a:spcAft>
-              <a:buClr>
-                <a:srgbClr val="0D0D0D"/>
-              </a:buClr>
-              <a:buSzPts val="1200"/>
               <a:buChar char="●"/>
             </a:pPr>
             <a:r>
-              <a:rPr lang="en" sz="1200">
-                <a:solidFill>
-                  <a:srgbClr val="0D0D0D"/>
-                </a:solidFill>
-              </a:rPr>
-              <a:t>1 token ≈ 4 characters</a:t>
+              <a:rPr lang="en"/>
+              <a:t>You don’t have to manually stitch together prompts with past messages.</a:t>
             </a:r>
-            <a:endParaRPr sz="1200">
-              <a:solidFill>
-                <a:srgbClr val="0D0D0D"/>
-              </a:solidFill>
-            </a:endParaRPr>
+            <a:endParaRPr/>
           </a:p>
           <a:p>
-            <a:pPr indent="-304800" lvl="0" marL="457200" rtl="0" algn="l">
-              <a:lnSpc>
-                <a:spcPct val="115000"/>
-              </a:lnSpc>
+            <a:pPr indent="-298450" lvl="0" marL="457200" rtl="0" algn="l">
               <a:spcBef>
                 <a:spcPts val="0"/>
               </a:spcBef>
@@ -12078,161 +11337,25 @@
                 <a:spcPts val="0"/>
               </a:spcAft>
               <a:buClr>
-                <a:srgbClr val="0D0D0D"/>
+                <a:schemeClr val="dk1"/>
               </a:buClr>
-              <a:buSzPts val="1200"/>
+              <a:buSzPts val="1100"/>
               <a:buChar char="●"/>
             </a:pPr>
             <a:r>
-              <a:rPr lang="en" sz="1200">
-                <a:solidFill>
-                  <a:srgbClr val="0D0D0D"/>
-                </a:solidFill>
-              </a:rPr>
-              <a:t>1 token ≈ ¾ of a word</a:t>
+              <a:rPr lang="en"/>
+              <a:t>Consistency across providers. You can swap out the underlying LLM without rewriting the workflow.</a:t>
             </a:r>
-            <a:endParaRPr sz="1200">
-              <a:solidFill>
-                <a:srgbClr val="0D0D0D"/>
-              </a:solidFill>
-            </a:endParaRPr>
-          </a:p>
-          <a:p>
-            <a:pPr indent="-304800" lvl="0" marL="457200" rtl="0" algn="l">
-              <a:lnSpc>
-                <a:spcPct val="115000"/>
-              </a:lnSpc>
-              <a:spcBef>
-                <a:spcPts val="0"/>
-              </a:spcBef>
-              <a:spcAft>
-                <a:spcPts val="0"/>
-              </a:spcAft>
-              <a:buClr>
-                <a:srgbClr val="0D0D0D"/>
-              </a:buClr>
-              <a:buSzPts val="1200"/>
-              <a:buChar char="●"/>
-            </a:pPr>
-            <a:r>
-              <a:rPr lang="en" sz="1200">
-                <a:solidFill>
-                  <a:srgbClr val="0D0D0D"/>
-                </a:solidFill>
-              </a:rPr>
-              <a:t>100 tokens ≈ 75 words</a:t>
-            </a:r>
-            <a:endParaRPr sz="1200">
-              <a:solidFill>
-                <a:srgbClr val="0D0D0D"/>
-              </a:solidFill>
-            </a:endParaRPr>
-          </a:p>
-          <a:p>
-            <a:pPr indent="-304800" lvl="0" marL="457200" rtl="0" algn="l">
-              <a:lnSpc>
-                <a:spcPct val="115000"/>
-              </a:lnSpc>
-              <a:spcBef>
-                <a:spcPts val="0"/>
-              </a:spcBef>
-              <a:spcAft>
-                <a:spcPts val="0"/>
-              </a:spcAft>
-              <a:buClr>
-                <a:srgbClr val="0D0D0D"/>
-              </a:buClr>
-              <a:buSzPts val="1200"/>
-              <a:buChar char="●"/>
-            </a:pPr>
-            <a:r>
-              <a:rPr lang="en" sz="1200">
-                <a:solidFill>
-                  <a:srgbClr val="0D0D0D"/>
-                </a:solidFill>
-              </a:rPr>
-              <a:t>1–2 sentences ≈ 30 tokens</a:t>
-            </a:r>
-            <a:endParaRPr sz="1200">
-              <a:solidFill>
-                <a:srgbClr val="0D0D0D"/>
-              </a:solidFill>
-            </a:endParaRPr>
-          </a:p>
-          <a:p>
-            <a:pPr indent="-304800" lvl="0" marL="457200" rtl="0" algn="l">
-              <a:lnSpc>
-                <a:spcPct val="115000"/>
-              </a:lnSpc>
-              <a:spcBef>
-                <a:spcPts val="0"/>
-              </a:spcBef>
-              <a:spcAft>
-                <a:spcPts val="0"/>
-              </a:spcAft>
-              <a:buClr>
-                <a:srgbClr val="0D0D0D"/>
-              </a:buClr>
-              <a:buSzPts val="1200"/>
-              <a:buChar char="●"/>
-            </a:pPr>
-            <a:r>
-              <a:rPr lang="en" sz="1200">
-                <a:solidFill>
-                  <a:srgbClr val="0D0D0D"/>
-                </a:solidFill>
-              </a:rPr>
-              <a:t>1 paragraph ≈ 100 tokens</a:t>
-            </a:r>
-            <a:endParaRPr sz="1200">
-              <a:solidFill>
-                <a:srgbClr val="0D0D0D"/>
-              </a:solidFill>
-            </a:endParaRPr>
-          </a:p>
-          <a:p>
-            <a:pPr indent="-304800" lvl="0" marL="457200" rtl="0" algn="l">
-              <a:lnSpc>
-                <a:spcPct val="115000"/>
-              </a:lnSpc>
-              <a:spcBef>
-                <a:spcPts val="0"/>
-              </a:spcBef>
-              <a:spcAft>
-                <a:spcPts val="0"/>
-              </a:spcAft>
-              <a:buClr>
-                <a:srgbClr val="0D0D0D"/>
-              </a:buClr>
-              <a:buSzPts val="1200"/>
-              <a:buChar char="●"/>
-            </a:pPr>
-            <a:r>
-              <a:rPr lang="en" sz="1200">
-                <a:solidFill>
-                  <a:srgbClr val="0D0D0D"/>
-                </a:solidFill>
-              </a:rPr>
-              <a:t>~1,500 words ≈ 2,048 tokens</a:t>
-            </a:r>
-            <a:endParaRPr sz="1200">
-              <a:solidFill>
-                <a:srgbClr val="0D0D0D"/>
-              </a:solidFill>
-            </a:endParaRPr>
+            <a:endParaRPr/>
           </a:p>
           <a:p>
             <a:pPr indent="0" lvl="0" marL="0" rtl="0" algn="l">
-              <a:lnSpc>
-                <a:spcPct val="115000"/>
-              </a:lnSpc>
-              <a:spcBef>
-                <a:spcPts val="1500"/>
-              </a:spcBef>
-              <a:spcAft>
+              <a:spcBef>
                 <a:spcPts val="1200"/>
-              </a:spcAft>
-              <a:buSzPts val="1800"/>
+              </a:spcBef>
+              <a:spcAft>
+                <a:spcPts val="1200"/>
+              </a:spcAft>
               <a:buNone/>
             </a:pPr>
             <a:r>
@@ -12255,7 +11378,7 @@
   <p:cSld>
     <p:spTree>
       <p:nvGrpSpPr>
-        <p:cNvPr id="100" name="Shape 100"/>
+        <p:cNvPr id="101" name="Shape 101"/>
         <p:cNvGrpSpPr/>
         <p:nvPr/>
       </p:nvGrpSpPr>
@@ -12269,7 +11392,7 @@
       </p:grpSpPr>
       <p:sp>
         <p:nvSpPr>
-          <p:cNvPr id="101" name="Google Shape;101;p8"/>
+          <p:cNvPr id="102" name="Google Shape;102;p21"/>
           <p:cNvSpPr txBox="1"/>
           <p:nvPr>
             <p:ph type="title"/>
@@ -12283,50 +11406,68 @@
           <a:prstGeom prst="rect">
             <a:avLst/>
           </a:prstGeom>
+        </p:spPr>
+        <p:txBody>
+          <a:bodyPr anchorCtr="0" anchor="t" bIns="91425" lIns="91425" spcFirstLastPara="1" rIns="91425" wrap="square" tIns="91425">
+            <a:normAutofit fontScale="90000"/>
+          </a:bodyPr>
+          <a:lstStyle/>
+          <a:p>
+            <a:pPr indent="0" lvl="0" marL="0" rtl="0" algn="l">
+              <a:spcBef>
+                <a:spcPts val="0"/>
+              </a:spcBef>
+              <a:spcAft>
+                <a:spcPts val="0"/>
+              </a:spcAft>
+              <a:buNone/>
+            </a:pPr>
+            <a:r>
+              <a:rPr lang="en"/>
+              <a:t>Simple Chain</a:t>
+            </a:r>
+            <a:endParaRPr/>
+          </a:p>
+        </p:txBody>
+      </p:sp>
+      <p:pic>
+        <p:nvPicPr>
+          <p:cNvPr id="103" name="Google Shape;103;p21"/>
+          <p:cNvPicPr preferRelativeResize="0"/>
+          <p:nvPr/>
+        </p:nvPicPr>
+        <p:blipFill>
+          <a:blip r:embed="rId3">
+            <a:alphaModFix/>
+          </a:blip>
+          <a:stretch>
+            <a:fillRect/>
+          </a:stretch>
+        </p:blipFill>
+        <p:spPr>
+          <a:xfrm>
+            <a:off x="1122900" y="1618025"/>
+            <a:ext cx="6898200" cy="3449100"/>
+          </a:xfrm>
+          <a:prstGeom prst="rect">
+            <a:avLst/>
+          </a:prstGeom>
           <a:noFill/>
           <a:ln>
             <a:noFill/>
           </a:ln>
         </p:spPr>
-        <p:txBody>
-          <a:bodyPr anchorCtr="0" anchor="t" bIns="91425" lIns="91425" spcFirstLastPara="1" rIns="91425" wrap="square" tIns="91425">
-            <a:noAutofit/>
-          </a:bodyPr>
-          <a:lstStyle/>
-          <a:p>
-            <a:pPr indent="0" lvl="0" marL="0" rtl="0" algn="l">
-              <a:lnSpc>
-                <a:spcPct val="100000"/>
-              </a:lnSpc>
-              <a:spcBef>
-                <a:spcPts val="0"/>
-              </a:spcBef>
-              <a:spcAft>
-                <a:spcPts val="0"/>
-              </a:spcAft>
-              <a:buSzPts val="3111"/>
-              <a:buNone/>
-            </a:pPr>
-            <a:r>
-              <a:rPr lang="en" sz="2800"/>
-              <a:t>The need for LLM orchestration Frameworks</a:t>
-            </a:r>
-            <a:endParaRPr sz="2800"/>
-          </a:p>
-        </p:txBody>
-      </p:sp>
+      </p:pic>
       <p:sp>
         <p:nvSpPr>
-          <p:cNvPr id="102" name="Google Shape;102;p8"/>
+          <p:cNvPr id="104" name="Google Shape;104;p21"/>
           <p:cNvSpPr txBox="1"/>
-          <p:nvPr>
-            <p:ph idx="1" type="body"/>
-          </p:nvPr>
+          <p:nvPr/>
         </p:nvSpPr>
         <p:spPr>
           <a:xfrm>
-            <a:off x="311700" y="1152475"/>
-            <a:ext cx="8520600" cy="3416400"/>
+            <a:off x="280800" y="1017725"/>
+            <a:ext cx="8244000" cy="600300"/>
           </a:xfrm>
           <a:prstGeom prst="rect">
             <a:avLst/>
@@ -12338,124 +11479,48 @@
         </p:spPr>
         <p:txBody>
           <a:bodyPr anchorCtr="0" anchor="t" bIns="91425" lIns="91425" spcFirstLastPara="1" rIns="91425" wrap="square" tIns="91425">
-            <a:normAutofit lnSpcReduction="10000"/>
+            <a:spAutoFit/>
           </a:bodyPr>
           <a:lstStyle/>
           <a:p>
-            <a:pPr indent="-342900" lvl="0" marL="457200" rtl="0" algn="l">
-              <a:lnSpc>
-                <a:spcPct val="115000"/>
-              </a:lnSpc>
-              <a:spcBef>
-                <a:spcPts val="0"/>
-              </a:spcBef>
-              <a:spcAft>
-                <a:spcPts val="0"/>
-              </a:spcAft>
-              <a:buClr>
-                <a:schemeClr val="dk1"/>
-              </a:buClr>
-              <a:buSzPts val="1800"/>
-              <a:buChar char="●"/>
+            <a:pPr indent="0" lvl="0" marL="0" rtl="0" algn="l">
+              <a:spcBef>
+                <a:spcPts val="0"/>
+              </a:spcBef>
+              <a:spcAft>
+                <a:spcPts val="0"/>
+              </a:spcAft>
+              <a:buNone/>
             </a:pPr>
             <a:r>
-              <a:rPr lang="en">
+              <a:rPr lang="en" sz="1350">
                 <a:solidFill>
-                  <a:srgbClr val="242424"/>
+                  <a:srgbClr val="273239"/>
                 </a:solidFill>
                 <a:highlight>
                   <a:srgbClr val="FFFFFF"/>
                 </a:highlight>
+                <a:latin typeface="Nunito"/>
+                <a:ea typeface="Nunito"/>
+                <a:cs typeface="Nunito"/>
+                <a:sym typeface="Nunito"/>
               </a:rPr>
-              <a:t>An LLM doesn't remember/have access to previous responses it has provided. A common fix for this is to include the conversation so far as part of the prompt sent to the LLM.</a:t>
+              <a:t>E</a:t>
             </a:r>
-            <a:endParaRPr/>
-          </a:p>
-          <a:p>
-            <a:pPr indent="-298450" lvl="0" marL="457200" rtl="0" algn="l">
-              <a:lnSpc>
-                <a:spcPct val="115000"/>
-              </a:lnSpc>
-              <a:spcBef>
-                <a:spcPts val="0"/>
-              </a:spcBef>
-              <a:spcAft>
-                <a:spcPts val="0"/>
-              </a:spcAft>
-              <a:buClr>
-                <a:schemeClr val="dk1"/>
-              </a:buClr>
-              <a:buSzPts val="1100"/>
-              <a:buChar char="●"/>
-            </a:pPr>
             <a:r>
-              <a:rPr lang="en"/>
-              <a:t>Prompts chains can be nested or combined.This lets you build modular systems rather than monolithic scripts (example: a summarization chain feeding into a question‑answering chain)</a:t>
-            </a:r>
-            <a:endParaRPr/>
-          </a:p>
-          <a:p>
-            <a:pPr indent="-298450" lvl="0" marL="457200" rtl="0" algn="l">
-              <a:lnSpc>
-                <a:spcPct val="115000"/>
-              </a:lnSpc>
-              <a:spcBef>
-                <a:spcPts val="0"/>
-              </a:spcBef>
-              <a:spcAft>
-                <a:spcPts val="0"/>
-              </a:spcAft>
-              <a:buClr>
-                <a:schemeClr val="dk1"/>
-              </a:buClr>
-              <a:buSzPts val="1100"/>
-              <a:buChar char="●"/>
-            </a:pPr>
-            <a:r>
-              <a:rPr lang="en"/>
-              <a:t>You don’t have to manually stitch together prompts with past messages.</a:t>
-            </a:r>
-            <a:endParaRPr/>
-          </a:p>
-          <a:p>
-            <a:pPr indent="-298450" lvl="0" marL="457200" rtl="0" algn="l">
-              <a:lnSpc>
-                <a:spcPct val="115000"/>
-              </a:lnSpc>
-              <a:spcBef>
-                <a:spcPts val="0"/>
-              </a:spcBef>
-              <a:spcAft>
-                <a:spcPts val="0"/>
-              </a:spcAft>
-              <a:buClr>
-                <a:schemeClr val="dk1"/>
-              </a:buClr>
-              <a:buSzPts val="1100"/>
-              <a:buChar char="●"/>
-            </a:pPr>
-            <a:r>
-              <a:rPr lang="en"/>
-              <a:t>Consistency across providers. You can swap out the underlying LLM without rewriting the workflow.</a:t>
-            </a:r>
-            <a:endParaRPr/>
-          </a:p>
-          <a:p>
-            <a:pPr indent="0" lvl="0" marL="0" rtl="0" algn="l">
-              <a:lnSpc>
-                <a:spcPct val="115000"/>
-              </a:lnSpc>
-              <a:spcBef>
-                <a:spcPts val="1200"/>
-              </a:spcBef>
-              <a:spcAft>
-                <a:spcPts val="1200"/>
-              </a:spcAft>
-              <a:buSzPts val="1800"/>
-              <a:buNone/>
-            </a:pPr>
-            <a:r>
-              <a:t/>
+              <a:rPr lang="en" sz="1350">
+                <a:solidFill>
+                  <a:srgbClr val="273239"/>
+                </a:solidFill>
+                <a:highlight>
+                  <a:srgbClr val="FFFFFF"/>
+                </a:highlight>
+                <a:latin typeface="Nunito"/>
+                <a:ea typeface="Nunito"/>
+                <a:cs typeface="Nunito"/>
+                <a:sym typeface="Nunito"/>
+              </a:rPr>
+              <a:t>ach chain in the sequence accepts one input and returns one output. The output of each chain is automatically fed as input to the next chain in the sequence</a:t>
             </a:r>
             <a:endParaRPr/>
           </a:p>
@@ -12470,6 +11535,285 @@
 </file>
 
 <file path=ppt/theme/theme1.xml><?xml version="1.0" encoding="utf-8"?>
+<a:theme xmlns:a="http://schemas.openxmlformats.org/drawingml/2006/main" xmlns:r="http://schemas.openxmlformats.org/officeDocument/2006/relationships" name="Simple Light">
+  <a:themeElements>
+    <a:clrScheme name="Simple Light">
+      <a:dk1>
+        <a:srgbClr val="000000"/>
+      </a:dk1>
+      <a:lt1>
+        <a:srgbClr val="FFFFFF"/>
+      </a:lt1>
+      <a:dk2>
+        <a:srgbClr val="595959"/>
+      </a:dk2>
+      <a:lt2>
+        <a:srgbClr val="EEEEEE"/>
+      </a:lt2>
+      <a:accent1>
+        <a:srgbClr val="4285F4"/>
+      </a:accent1>
+      <a:accent2>
+        <a:srgbClr val="212121"/>
+      </a:accent2>
+      <a:accent3>
+        <a:srgbClr val="78909C"/>
+      </a:accent3>
+      <a:accent4>
+        <a:srgbClr val="FFAB40"/>
+      </a:accent4>
+      <a:accent5>
+        <a:srgbClr val="0097A7"/>
+      </a:accent5>
+      <a:accent6>
+        <a:srgbClr val="EEFF41"/>
+      </a:accent6>
+      <a:hlink>
+        <a:srgbClr val="0097A7"/>
+      </a:hlink>
+      <a:folHlink>
+        <a:srgbClr val="0097A7"/>
+      </a:folHlink>
+    </a:clrScheme>
+    <a:fontScheme name="Office">
+      <a:majorFont>
+        <a:latin typeface="Arial"/>
+        <a:ea typeface=""/>
+        <a:cs typeface=""/>
+        <a:font script="Jpan" typeface="ＭＳ Ｐゴシック"/>
+        <a:font script="Hang" typeface="맑은 고딕"/>
+        <a:font script="Hans" typeface="宋体"/>
+        <a:font script="Hant" typeface="新細明體"/>
+        <a:font script="Arab" typeface="Times New Roman"/>
+        <a:font script="Hebr" typeface="Times New Roman"/>
+        <a:font script="Thai" typeface="Angsana New"/>
+        <a:font script="Ethi" typeface="Nyala"/>
+        <a:font script="Beng" typeface="Vrinda"/>
+        <a:font script="Gujr" typeface="Shruti"/>
+        <a:font script="Khmr" typeface="MoolBoran"/>
+        <a:font script="Knda" typeface="Tunga"/>
+        <a:font script="Guru" typeface="Raavi"/>
+        <a:font script="Cans" typeface="Euphemia"/>
+        <a:font script="Cher" typeface="Plantagenet Cherokee"/>
+        <a:font script="Yiii" typeface="Microsoft Yi Baiti"/>
+        <a:font script="Tibt" typeface="Microsoft Himalaya"/>
+        <a:font script="Thaa" typeface="MV Boli"/>
+        <a:font script="Deva" typeface="Mangal"/>
+        <a:font script="Telu" typeface="Gautami"/>
+        <a:font script="Taml" typeface="Latha"/>
+        <a:font script="Syrc" typeface="Estrangelo Edessa"/>
+        <a:font script="Orya" typeface="Kalinga"/>
+        <a:font script="Mlym" typeface="Kartika"/>
+        <a:font script="Laoo" typeface="DokChampa"/>
+        <a:font script="Sinh" typeface="Iskoola Pota"/>
+        <a:font script="Mong" typeface="Mongolian Baiti"/>
+        <a:font script="Viet" typeface="Times New Roman"/>
+        <a:font script="Uigh" typeface="Microsoft Uighur"/>
+        <a:font script="Geor" typeface="Sylfaen"/>
+      </a:majorFont>
+      <a:minorFont>
+        <a:latin typeface="Arial"/>
+        <a:ea typeface=""/>
+        <a:cs typeface=""/>
+        <a:font script="Jpan" typeface="ＭＳ Ｐゴシック"/>
+        <a:font script="Hang" typeface="맑은 고딕"/>
+        <a:font script="Hans" typeface="宋体"/>
+        <a:font script="Hant" typeface="新細明體"/>
+        <a:font script="Arab" typeface="Arial"/>
+        <a:font script="Hebr" typeface="Arial"/>
+        <a:font script="Thai" typeface="Cordia New"/>
+        <a:font script="Ethi" typeface="Nyala"/>
+        <a:font script="Beng" typeface="Vrinda"/>
+        <a:font script="Gujr" typeface="Shruti"/>
+        <a:font script="Khmr" typeface="DaunPenh"/>
+        <a:font script="Knda" typeface="Tunga"/>
+        <a:font script="Guru" typeface="Raavi"/>
+        <a:font script="Cans" typeface="Euphemia"/>
+        <a:font script="Cher" typeface="Plantagenet Cherokee"/>
+        <a:font script="Yiii" typeface="Microsoft Yi Baiti"/>
+        <a:font script="Tibt" typeface="Microsoft Himalaya"/>
+        <a:font script="Thaa" typeface="MV Boli"/>
+        <a:font script="Deva" typeface="Mangal"/>
+        <a:font script="Telu" typeface="Gautami"/>
+        <a:font script="Taml" typeface="Latha"/>
+        <a:font script="Syrc" typeface="Estrangelo Edessa"/>
+        <a:font script="Orya" typeface="Kalinga"/>
+        <a:font script="Mlym" typeface="Kartika"/>
+        <a:font script="Laoo" typeface="DokChampa"/>
+        <a:font script="Sinh" typeface="Iskoola Pota"/>
+        <a:font script="Mong" typeface="Mongolian Baiti"/>
+        <a:font script="Viet" typeface="Arial"/>
+        <a:font script="Uigh" typeface="Microsoft Uighur"/>
+        <a:font script="Geor" typeface="Sylfaen"/>
+      </a:minorFont>
+    </a:fontScheme>
+    <a:fmtScheme name="Office">
+      <a:fillStyleLst>
+        <a:solidFill>
+          <a:schemeClr val="phClr"/>
+        </a:solidFill>
+        <a:gradFill rotWithShape="1">
+          <a:gsLst>
+            <a:gs pos="0">
+              <a:schemeClr val="phClr">
+                <a:tint val="50000"/>
+                <a:satMod val="300000"/>
+              </a:schemeClr>
+            </a:gs>
+            <a:gs pos="35000">
+              <a:schemeClr val="phClr">
+                <a:tint val="37000"/>
+                <a:satMod val="300000"/>
+              </a:schemeClr>
+            </a:gs>
+            <a:gs pos="100000">
+              <a:schemeClr val="phClr">
+                <a:tint val="15000"/>
+                <a:satMod val="350000"/>
+              </a:schemeClr>
+            </a:gs>
+          </a:gsLst>
+          <a:lin ang="16200000" scaled="1"/>
+        </a:gradFill>
+        <a:gradFill rotWithShape="1">
+          <a:gsLst>
+            <a:gs pos="0">
+              <a:schemeClr val="phClr">
+                <a:tint val="100000"/>
+                <a:shade val="100000"/>
+                <a:satMod val="130000"/>
+              </a:schemeClr>
+            </a:gs>
+            <a:gs pos="100000">
+              <a:schemeClr val="phClr">
+                <a:tint val="50000"/>
+                <a:shade val="100000"/>
+                <a:satMod val="350000"/>
+              </a:schemeClr>
+            </a:gs>
+          </a:gsLst>
+          <a:lin ang="16200000" scaled="0"/>
+        </a:gradFill>
+      </a:fillStyleLst>
+      <a:lnStyleLst>
+        <a:ln w="9525" cap="flat" cmpd="sng" algn="ctr">
+          <a:solidFill>
+            <a:schemeClr val="phClr">
+              <a:shade val="95000"/>
+              <a:satMod val="105000"/>
+            </a:schemeClr>
+          </a:solidFill>
+          <a:prstDash val="solid"/>
+        </a:ln>
+        <a:ln w="25400" cap="flat" cmpd="sng" algn="ctr">
+          <a:solidFill>
+            <a:schemeClr val="phClr"/>
+          </a:solidFill>
+          <a:prstDash val="solid"/>
+        </a:ln>
+        <a:ln w="38100" cap="flat" cmpd="sng" algn="ctr">
+          <a:solidFill>
+            <a:schemeClr val="phClr"/>
+          </a:solidFill>
+          <a:prstDash val="solid"/>
+        </a:ln>
+      </a:lnStyleLst>
+      <a:effectStyleLst>
+        <a:effectStyle>
+          <a:effectLst>
+            <a:outerShdw blurRad="40000" dist="20000" dir="5400000" rotWithShape="0">
+              <a:srgbClr val="000000">
+                <a:alpha val="38000"/>
+              </a:srgbClr>
+            </a:outerShdw>
+          </a:effectLst>
+        </a:effectStyle>
+        <a:effectStyle>
+          <a:effectLst>
+            <a:outerShdw blurRad="40000" dist="23000" dir="5400000" rotWithShape="0">
+              <a:srgbClr val="000000">
+                <a:alpha val="35000"/>
+              </a:srgbClr>
+            </a:outerShdw>
+          </a:effectLst>
+        </a:effectStyle>
+        <a:effectStyle>
+          <a:effectLst>
+            <a:outerShdw blurRad="40000" dist="23000" dir="5400000" rotWithShape="0">
+              <a:srgbClr val="000000">
+                <a:alpha val="35000"/>
+              </a:srgbClr>
+            </a:outerShdw>
+          </a:effectLst>
+          <a:scene3d>
+            <a:camera prst="orthographicFront">
+              <a:rot lat="0" lon="0" rev="0"/>
+            </a:camera>
+            <a:lightRig rig="threePt" dir="t">
+              <a:rot lat="0" lon="0" rev="1200000"/>
+            </a:lightRig>
+          </a:scene3d>
+          <a:sp3d>
+            <a:bevelT w="63500" h="25400"/>
+          </a:sp3d>
+        </a:effectStyle>
+      </a:effectStyleLst>
+      <a:bgFillStyleLst>
+        <a:solidFill>
+          <a:schemeClr val="phClr"/>
+        </a:solidFill>
+        <a:gradFill rotWithShape="1">
+          <a:gsLst>
+            <a:gs pos="0">
+              <a:schemeClr val="phClr">
+                <a:tint val="40000"/>
+                <a:satMod val="350000"/>
+              </a:schemeClr>
+            </a:gs>
+            <a:gs pos="40000">
+              <a:schemeClr val="phClr">
+                <a:tint val="45000"/>
+                <a:shade val="99000"/>
+                <a:satMod val="350000"/>
+              </a:schemeClr>
+            </a:gs>
+            <a:gs pos="100000">
+              <a:schemeClr val="phClr">
+                <a:shade val="20000"/>
+                <a:satMod val="255000"/>
+              </a:schemeClr>
+            </a:gs>
+          </a:gsLst>
+          <a:path path="circle">
+            <a:fillToRect l="50000" t="-80000" r="50000" b="180000"/>
+          </a:path>
+        </a:gradFill>
+        <a:gradFill rotWithShape="1">
+          <a:gsLst>
+            <a:gs pos="0">
+              <a:schemeClr val="phClr">
+                <a:tint val="80000"/>
+                <a:satMod val="300000"/>
+              </a:schemeClr>
+            </a:gs>
+            <a:gs pos="100000">
+              <a:schemeClr val="phClr">
+                <a:shade val="30000"/>
+                <a:satMod val="200000"/>
+              </a:schemeClr>
+            </a:gs>
+          </a:gsLst>
+          <a:path path="circle">
+            <a:fillToRect l="50000" t="50000" r="50000" b="50000"/>
+          </a:path>
+        </a:gradFill>
+      </a:bgFillStyleLst>
+    </a:fmtScheme>
+  </a:themeElements>
+</a:theme>
+</file>
+
+<file path=ppt/theme/theme2.xml><?xml version="1.0" encoding="utf-8"?>
 <a:theme xmlns:a="http://schemas.openxmlformats.org/drawingml/2006/main" xmlns:r="http://schemas.openxmlformats.org/officeDocument/2006/relationships">
   <a:themeElements>
     <a:clrScheme name="Default">
@@ -12746,283 +12090,4 @@
     </a:fmtScheme>
   </a:themeElements>
 </a:theme>
-</file>
-
-<file path=ppt/theme/theme2.xml><?xml version="1.0" encoding="utf-8"?>
-<a:theme xmlns:a="http://schemas.openxmlformats.org/drawingml/2006/main" xmlns:r="http://schemas.openxmlformats.org/officeDocument/2006/relationships" name="Simple Light">
-  <a:themeElements>
-    <a:clrScheme name="Simple Light">
-      <a:dk1>
-        <a:srgbClr val="000000"/>
-      </a:dk1>
-      <a:lt1>
-        <a:srgbClr val="FFFFFF"/>
-      </a:lt1>
-      <a:dk2>
-        <a:srgbClr val="595959"/>
-      </a:dk2>
-      <a:lt2>
-        <a:srgbClr val="EEEEEE"/>
-      </a:lt2>
-      <a:accent1>
-        <a:srgbClr val="4285F4"/>
-      </a:accent1>
-      <a:accent2>
-        <a:srgbClr val="212121"/>
-      </a:accent2>
-      <a:accent3>
-        <a:srgbClr val="78909C"/>
-      </a:accent3>
-      <a:accent4>
-        <a:srgbClr val="FFAB40"/>
-      </a:accent4>
-      <a:accent5>
-        <a:srgbClr val="0097A7"/>
-      </a:accent5>
-      <a:accent6>
-        <a:srgbClr val="EEFF41"/>
-      </a:accent6>
-      <a:hlink>
-        <a:srgbClr val="0097A7"/>
-      </a:hlink>
-      <a:folHlink>
-        <a:srgbClr val="0097A7"/>
-      </a:folHlink>
-    </a:clrScheme>
-    <a:fontScheme name="Office">
-      <a:majorFont>
-        <a:latin typeface="Arial"/>
-        <a:ea typeface=""/>
-        <a:cs typeface=""/>
-        <a:font script="Jpan" typeface="ＭＳ Ｐゴシック"/>
-        <a:font script="Hang" typeface="맑은 고딕"/>
-        <a:font script="Hans" typeface="宋体"/>
-        <a:font script="Hant" typeface="新細明體"/>
-        <a:font script="Arab" typeface="Times New Roman"/>
-        <a:font script="Hebr" typeface="Times New Roman"/>
-        <a:font script="Thai" typeface="Angsana New"/>
-        <a:font script="Ethi" typeface="Nyala"/>
-        <a:font script="Beng" typeface="Vrinda"/>
-        <a:font script="Gujr" typeface="Shruti"/>
-        <a:font script="Khmr" typeface="MoolBoran"/>
-        <a:font script="Knda" typeface="Tunga"/>
-        <a:font script="Guru" typeface="Raavi"/>
-        <a:font script="Cans" typeface="Euphemia"/>
-        <a:font script="Cher" typeface="Plantagenet Cherokee"/>
-        <a:font script="Yiii" typeface="Microsoft Yi Baiti"/>
-        <a:font script="Tibt" typeface="Microsoft Himalaya"/>
-        <a:font script="Thaa" typeface="MV Boli"/>
-        <a:font script="Deva" typeface="Mangal"/>
-        <a:font script="Telu" typeface="Gautami"/>
-        <a:font script="Taml" typeface="Latha"/>
-        <a:font script="Syrc" typeface="Estrangelo Edessa"/>
-        <a:font script="Orya" typeface="Kalinga"/>
-        <a:font script="Mlym" typeface="Kartika"/>
-        <a:font script="Laoo" typeface="DokChampa"/>
-        <a:font script="Sinh" typeface="Iskoola Pota"/>
-        <a:font script="Mong" typeface="Mongolian Baiti"/>
-        <a:font script="Viet" typeface="Times New Roman"/>
-        <a:font script="Uigh" typeface="Microsoft Uighur"/>
-        <a:font script="Geor" typeface="Sylfaen"/>
-      </a:majorFont>
-      <a:minorFont>
-        <a:latin typeface="Arial"/>
-        <a:ea typeface=""/>
-        <a:cs typeface=""/>
-        <a:font script="Jpan" typeface="ＭＳ Ｐゴシック"/>
-        <a:font script="Hang" typeface="맑은 고딕"/>
-        <a:font script="Hans" typeface="宋体"/>
-        <a:font script="Hant" typeface="新細明體"/>
-        <a:font script="Arab" typeface="Arial"/>
-        <a:font script="Hebr" typeface="Arial"/>
-        <a:font script="Thai" typeface="Cordia New"/>
-        <a:font script="Ethi" typeface="Nyala"/>
-        <a:font script="Beng" typeface="Vrinda"/>
-        <a:font script="Gujr" typeface="Shruti"/>
-        <a:font script="Khmr" typeface="DaunPenh"/>
-        <a:font script="Knda" typeface="Tunga"/>
-        <a:font script="Guru" typeface="Raavi"/>
-        <a:font script="Cans" typeface="Euphemia"/>
-        <a:font script="Cher" typeface="Plantagenet Cherokee"/>
-        <a:font script="Yiii" typeface="Microsoft Yi Baiti"/>
-        <a:font script="Tibt" typeface="Microsoft Himalaya"/>
-        <a:font script="Thaa" typeface="MV Boli"/>
-        <a:font script="Deva" typeface="Mangal"/>
-        <a:font script="Telu" typeface="Gautami"/>
-        <a:font script="Taml" typeface="Latha"/>
-        <a:font script="Syrc" typeface="Estrangelo Edessa"/>
-        <a:font script="Orya" typeface="Kalinga"/>
-        <a:font script="Mlym" typeface="Kartika"/>
-        <a:font script="Laoo" typeface="DokChampa"/>
-        <a:font script="Sinh" typeface="Iskoola Pota"/>
-        <a:font script="Mong" typeface="Mongolian Baiti"/>
-        <a:font script="Viet" typeface="Arial"/>
-        <a:font script="Uigh" typeface="Microsoft Uighur"/>
-        <a:font script="Geor" typeface="Sylfaen"/>
-      </a:minorFont>
-    </a:fontScheme>
-    <a:fmtScheme name="Office">
-      <a:fillStyleLst>
-        <a:solidFill>
-          <a:schemeClr val="phClr"/>
-        </a:solidFill>
-        <a:gradFill rotWithShape="1">
-          <a:gsLst>
-            <a:gs pos="0">
-              <a:schemeClr val="phClr">
-                <a:tint val="50000"/>
-                <a:satMod val="300000"/>
-              </a:schemeClr>
-            </a:gs>
-            <a:gs pos="35000">
-              <a:schemeClr val="phClr">
-                <a:tint val="37000"/>
-                <a:satMod val="300000"/>
-              </a:schemeClr>
-            </a:gs>
-            <a:gs pos="100000">
-              <a:schemeClr val="phClr">
-                <a:tint val="15000"/>
-                <a:satMod val="350000"/>
-              </a:schemeClr>
-            </a:gs>
-          </a:gsLst>
-          <a:lin ang="16200000" scaled="1"/>
-        </a:gradFill>
-        <a:gradFill rotWithShape="1">
-          <a:gsLst>
-            <a:gs pos="0">
-              <a:schemeClr val="phClr">
-                <a:tint val="100000"/>
-                <a:shade val="100000"/>
-                <a:satMod val="130000"/>
-              </a:schemeClr>
-            </a:gs>
-            <a:gs pos="100000">
-              <a:schemeClr val="phClr">
-                <a:tint val="50000"/>
-                <a:shade val="100000"/>
-                <a:satMod val="350000"/>
-              </a:schemeClr>
-            </a:gs>
-          </a:gsLst>
-          <a:lin ang="16200000" scaled="0"/>
-        </a:gradFill>
-      </a:fillStyleLst>
-      <a:lnStyleLst>
-        <a:ln w="9525" cap="flat" cmpd="sng" algn="ctr">
-          <a:solidFill>
-            <a:schemeClr val="phClr">
-              <a:shade val="95000"/>
-              <a:satMod val="105000"/>
-            </a:schemeClr>
-          </a:solidFill>
-          <a:prstDash val="solid"/>
-        </a:ln>
-        <a:ln w="25400" cap="flat" cmpd="sng" algn="ctr">
-          <a:solidFill>
-            <a:schemeClr val="phClr"/>
-          </a:solidFill>
-          <a:prstDash val="solid"/>
-        </a:ln>
-        <a:ln w="38100" cap="flat" cmpd="sng" algn="ctr">
-          <a:solidFill>
-            <a:schemeClr val="phClr"/>
-          </a:solidFill>
-          <a:prstDash val="solid"/>
-        </a:ln>
-      </a:lnStyleLst>
-      <a:effectStyleLst>
-        <a:effectStyle>
-          <a:effectLst>
-            <a:outerShdw blurRad="40000" dist="20000" dir="5400000" rotWithShape="0">
-              <a:srgbClr val="000000">
-                <a:alpha val="38000"/>
-              </a:srgbClr>
-            </a:outerShdw>
-          </a:effectLst>
-        </a:effectStyle>
-        <a:effectStyle>
-          <a:effectLst>
-            <a:outerShdw blurRad="40000" dist="23000" dir="5400000" rotWithShape="0">
-              <a:srgbClr val="000000">
-                <a:alpha val="35000"/>
-              </a:srgbClr>
-            </a:outerShdw>
-          </a:effectLst>
-        </a:effectStyle>
-        <a:effectStyle>
-          <a:effectLst>
-            <a:outerShdw blurRad="40000" dist="23000" dir="5400000" rotWithShape="0">
-              <a:srgbClr val="000000">
-                <a:alpha val="35000"/>
-              </a:srgbClr>
-            </a:outerShdw>
-          </a:effectLst>
-          <a:scene3d>
-            <a:camera prst="orthographicFront">
-              <a:rot lat="0" lon="0" rev="0"/>
-            </a:camera>
-            <a:lightRig rig="threePt" dir="t">
-              <a:rot lat="0" lon="0" rev="1200000"/>
-            </a:lightRig>
-          </a:scene3d>
-          <a:sp3d>
-            <a:bevelT w="63500" h="25400"/>
-          </a:sp3d>
-        </a:effectStyle>
-      </a:effectStyleLst>
-      <a:bgFillStyleLst>
-        <a:solidFill>
-          <a:schemeClr val="phClr"/>
-        </a:solidFill>
-        <a:gradFill rotWithShape="1">
-          <a:gsLst>
-            <a:gs pos="0">
-              <a:schemeClr val="phClr">
-                <a:tint val="40000"/>
-                <a:satMod val="350000"/>
-              </a:schemeClr>
-            </a:gs>
-            <a:gs pos="40000">
-              <a:schemeClr val="phClr">
-                <a:tint val="45000"/>
-                <a:shade val="99000"/>
-                <a:satMod val="350000"/>
-              </a:schemeClr>
-            </a:gs>
-            <a:gs pos="100000">
-              <a:schemeClr val="phClr">
-                <a:shade val="20000"/>
-                <a:satMod val="255000"/>
-              </a:schemeClr>
-            </a:gs>
-          </a:gsLst>
-          <a:path path="circle">
-            <a:fillToRect l="50000" t="-80000" r="50000" b="180000"/>
-          </a:path>
-        </a:gradFill>
-        <a:gradFill rotWithShape="1">
-          <a:gsLst>
-            <a:gs pos="0">
-              <a:schemeClr val="phClr">
-                <a:tint val="80000"/>
-                <a:satMod val="300000"/>
-              </a:schemeClr>
-            </a:gs>
-            <a:gs pos="100000">
-              <a:schemeClr val="phClr">
-                <a:shade val="30000"/>
-                <a:satMod val="200000"/>
-              </a:schemeClr>
-            </a:gs>
-          </a:gsLst>
-          <a:path path="circle">
-            <a:fillToRect l="50000" t="50000" r="50000" b="50000"/>
-          </a:path>
-        </a:gradFill>
-      </a:bgFillStyleLst>
-    </a:fmtScheme>
-  </a:themeElements>
-</a:theme>
 </file>